--- a/Eager/paper/dissertation/dissertation.pptx
+++ b/Eager/paper/dissertation/dissertation.pptx
@@ -5,10 +5,10 @@
     <p:sldMasterId id="2147483648" r:id="rId1"/>
   </p:sldMasterIdLst>
   <p:notesMasterIdLst>
-    <p:notesMasterId r:id="rId58"/>
+    <p:notesMasterId r:id="rId59"/>
   </p:notesMasterIdLst>
   <p:handoutMasterIdLst>
-    <p:handoutMasterId r:id="rId59"/>
+    <p:handoutMasterId r:id="rId60"/>
   </p:handoutMasterIdLst>
   <p:sldIdLst>
     <p:sldId id="326" r:id="rId2"/>
@@ -46,27 +46,28 @@
     <p:sldId id="304" r:id="rId34"/>
     <p:sldId id="300" r:id="rId35"/>
     <p:sldId id="338" r:id="rId36"/>
-    <p:sldId id="337" r:id="rId37"/>
-    <p:sldId id="306" r:id="rId38"/>
-    <p:sldId id="325" r:id="rId39"/>
-    <p:sldId id="318" r:id="rId40"/>
-    <p:sldId id="319" r:id="rId41"/>
-    <p:sldId id="320" r:id="rId42"/>
-    <p:sldId id="321" r:id="rId43"/>
-    <p:sldId id="322" r:id="rId44"/>
-    <p:sldId id="323" r:id="rId45"/>
-    <p:sldId id="324" r:id="rId46"/>
-    <p:sldId id="307" r:id="rId47"/>
-    <p:sldId id="308" r:id="rId48"/>
-    <p:sldId id="309" r:id="rId49"/>
-    <p:sldId id="310" r:id="rId50"/>
-    <p:sldId id="327" r:id="rId51"/>
-    <p:sldId id="328" r:id="rId52"/>
-    <p:sldId id="313" r:id="rId53"/>
-    <p:sldId id="314" r:id="rId54"/>
-    <p:sldId id="315" r:id="rId55"/>
-    <p:sldId id="316" r:id="rId56"/>
-    <p:sldId id="317" r:id="rId57"/>
+    <p:sldId id="339" r:id="rId37"/>
+    <p:sldId id="337" r:id="rId38"/>
+    <p:sldId id="306" r:id="rId39"/>
+    <p:sldId id="325" r:id="rId40"/>
+    <p:sldId id="318" r:id="rId41"/>
+    <p:sldId id="319" r:id="rId42"/>
+    <p:sldId id="320" r:id="rId43"/>
+    <p:sldId id="321" r:id="rId44"/>
+    <p:sldId id="322" r:id="rId45"/>
+    <p:sldId id="323" r:id="rId46"/>
+    <p:sldId id="324" r:id="rId47"/>
+    <p:sldId id="307" r:id="rId48"/>
+    <p:sldId id="308" r:id="rId49"/>
+    <p:sldId id="309" r:id="rId50"/>
+    <p:sldId id="310" r:id="rId51"/>
+    <p:sldId id="327" r:id="rId52"/>
+    <p:sldId id="328" r:id="rId53"/>
+    <p:sldId id="313" r:id="rId54"/>
+    <p:sldId id="314" r:id="rId55"/>
+    <p:sldId id="315" r:id="rId56"/>
+    <p:sldId id="316" r:id="rId57"/>
+    <p:sldId id="317" r:id="rId58"/>
   </p:sldIdLst>
   <p:sldSz cx="9144000" cy="6858000" type="screen4x3"/>
   <p:notesSz cx="6858000" cy="9144000"/>
@@ -205,6 +206,7 @@
             <p14:sldId id="304"/>
             <p14:sldId id="300"/>
             <p14:sldId id="338"/>
+            <p14:sldId id="339"/>
             <p14:sldId id="337"/>
             <p14:sldId id="306"/>
             <p14:sldId id="325"/>
@@ -320,7 +322,7 @@
           <a:p>
             <a:fld id="{37D14F8C-9F46-2E42-9999-888BFBC492E3}" type="datetimeFigureOut">
               <a:rPr lang="en-US" smtClean="0"/>
-              <a:t>11/18/16</a:t>
+              <a:t>11/19/16</a:t>
             </a:fld>
             <a:endParaRPr lang="en-US"/>
           </a:p>
@@ -486,7 +488,7 @@
           <a:p>
             <a:fld id="{C6B377BD-EE2D-6A4D-8791-40EA342A78BF}" type="datetimeFigureOut">
               <a:rPr lang="en-US" smtClean="0"/>
-              <a:t>11/18/16</a:t>
+              <a:t>11/19/16</a:t>
             </a:fld>
             <a:endParaRPr lang="en-US"/>
           </a:p>
@@ -1919,7 +1921,7 @@
           <a:p>
             <a:fld id="{F7278AEC-EE64-7842-B08E-D93D33560D10}" type="slidenum">
               <a:rPr lang="en-US" smtClean="0"/>
-              <a:t>55</a:t>
+              <a:t>56</a:t>
             </a:fld>
             <a:endParaRPr lang="en-US"/>
           </a:p>
@@ -2796,7 +2798,7 @@
           <a:p>
             <a:fld id="{8EE520D6-1199-3C41-9A6A-AA3E2C6DD588}" type="datetime1">
               <a:rPr lang="en-US" smtClean="0"/>
-              <a:t>11/18/16</a:t>
+              <a:t>11/19/16</a:t>
             </a:fld>
             <a:endParaRPr lang="en-US"/>
           </a:p>
@@ -2966,7 +2968,7 @@
           <a:p>
             <a:fld id="{6DE2AD85-55B3-6D40-8E45-4897033CE78D}" type="datetime1">
               <a:rPr lang="en-US" smtClean="0"/>
-              <a:t>11/18/16</a:t>
+              <a:t>11/19/16</a:t>
             </a:fld>
             <a:endParaRPr lang="en-US"/>
           </a:p>
@@ -3146,7 +3148,7 @@
           <a:p>
             <a:fld id="{9B6E2D90-BDC5-EC4E-97C9-9EBA924F9C2A}" type="datetime1">
               <a:rPr lang="en-US" smtClean="0"/>
-              <a:t>11/18/16</a:t>
+              <a:t>11/19/16</a:t>
             </a:fld>
             <a:endParaRPr lang="en-US"/>
           </a:p>
@@ -3316,7 +3318,7 @@
           <a:p>
             <a:fld id="{3C02FE2B-B967-F44C-97BF-619FFF540275}" type="datetime1">
               <a:rPr lang="en-US" smtClean="0"/>
-              <a:t>11/18/16</a:t>
+              <a:t>11/19/16</a:t>
             </a:fld>
             <a:endParaRPr lang="en-US"/>
           </a:p>
@@ -3562,7 +3564,7 @@
           <a:p>
             <a:fld id="{2E0BEB10-3E92-1544-85E8-C96C20A337CE}" type="datetime1">
               <a:rPr lang="en-US" smtClean="0"/>
-              <a:t>11/18/16</a:t>
+              <a:t>11/19/16</a:t>
             </a:fld>
             <a:endParaRPr lang="en-US"/>
           </a:p>
@@ -3850,7 +3852,7 @@
           <a:p>
             <a:fld id="{475FB051-8E54-8E49-8432-E38A630FF054}" type="datetime1">
               <a:rPr lang="en-US" smtClean="0"/>
-              <a:t>11/18/16</a:t>
+              <a:t>11/19/16</a:t>
             </a:fld>
             <a:endParaRPr lang="en-US"/>
           </a:p>
@@ -4272,7 +4274,7 @@
           <a:p>
             <a:fld id="{8BA679C2-08DD-074B-9C48-B348A1DFA775}" type="datetime1">
               <a:rPr lang="en-US" smtClean="0"/>
-              <a:t>11/18/16</a:t>
+              <a:t>11/19/16</a:t>
             </a:fld>
             <a:endParaRPr lang="en-US"/>
           </a:p>
@@ -4390,7 +4392,7 @@
           <a:p>
             <a:fld id="{FD8F829F-F712-8745-AC98-41D32B363003}" type="datetime1">
               <a:rPr lang="en-US" smtClean="0"/>
-              <a:t>11/18/16</a:t>
+              <a:t>11/19/16</a:t>
             </a:fld>
             <a:endParaRPr lang="en-US"/>
           </a:p>
@@ -4485,7 +4487,7 @@
           <a:p>
             <a:fld id="{B7766C51-9295-BA4E-9CC5-B913E9ED7975}" type="datetime1">
               <a:rPr lang="en-US" smtClean="0"/>
-              <a:t>11/18/16</a:t>
+              <a:t>11/19/16</a:t>
             </a:fld>
             <a:endParaRPr lang="en-US"/>
           </a:p>
@@ -4762,7 +4764,7 @@
           <a:p>
             <a:fld id="{DCC74353-384D-7548-8376-5A6CDDA54B35}" type="datetime1">
               <a:rPr lang="en-US" smtClean="0"/>
-              <a:t>11/18/16</a:t>
+              <a:t>11/19/16</a:t>
             </a:fld>
             <a:endParaRPr lang="en-US"/>
           </a:p>
@@ -5015,7 +5017,7 @@
           <a:p>
             <a:fld id="{912E0EE9-0FD5-A04C-8EF0-F3BFD9ED0CEF}" type="datetime1">
               <a:rPr lang="en-US" smtClean="0"/>
-              <a:t>11/18/16</a:t>
+              <a:t>11/19/16</a:t>
             </a:fld>
             <a:endParaRPr lang="en-US"/>
           </a:p>
@@ -5228,7 +5230,7 @@
           <a:p>
             <a:fld id="{E05DCBF9-A63F-9B48-BC2B-98F6B05BC7B3}" type="datetime1">
               <a:rPr lang="en-US" smtClean="0"/>
-              <a:t>11/18/16</a:t>
+              <a:t>11/19/16</a:t>
             </a:fld>
             <a:endParaRPr lang="en-US"/>
           </a:p>
@@ -6517,11 +6519,7 @@
           <a:p>
             <a:r>
               <a:rPr lang="en-US" dirty="0" smtClean="0"/>
-              <a:t>Governance </a:t>
-            </a:r>
-            <a:r>
-              <a:rPr lang="en-US" dirty="0" smtClean="0"/>
-              <a:t>Framework: Goals</a:t>
+              <a:t>Governance Framework: Goals</a:t>
             </a:r>
             <a:endParaRPr lang="en-US" dirty="0"/>
           </a:p>
@@ -8083,17 +8081,17 @@
               <a:t>(</a:t>
             </a:r>
             <a:r>
-              <a:rPr lang="en-US" sz="1600" dirty="0">
+              <a:rPr lang="en-US" sz="1600" dirty="0" smtClean="0">
                 <a:solidFill>
                   <a:srgbClr val="0000FF"/>
                 </a:solidFill>
                 <a:latin typeface="Courier"/>
                 <a:cs typeface="Courier"/>
               </a:rPr>
-              <a:t>‘@</a:t>
-            </a:r>
-            <a:r>
-              <a:rPr lang="en-US" sz="1600" dirty="0" err="1">
+              <a:t>‘</a:t>
+            </a:r>
+            <a:r>
+              <a:rPr lang="en-US" sz="1600" dirty="0" err="1" smtClean="0">
                 <a:solidFill>
                   <a:srgbClr val="0000FF"/>
                 </a:solidFill>
@@ -9341,7 +9339,11 @@
             </a:r>
             <a:r>
               <a:rPr lang="en-US" dirty="0" smtClean="0"/>
-              <a:t>SLO: Goals</a:t>
+              <a:t>SLOs: </a:t>
+            </a:r>
+            <a:r>
+              <a:rPr lang="en-US" dirty="0" smtClean="0"/>
+              <a:t>Goals</a:t>
             </a:r>
             <a:endParaRPr lang="en-US" dirty="0"/>
           </a:p>
@@ -10423,7 +10425,11 @@
             <a:pPr lvl="1"/>
             <a:r>
               <a:rPr lang="en-US" dirty="0" smtClean="0"/>
-              <a:t>SLA renewals in 3 months: 6 or less</a:t>
+              <a:t>SLO changes </a:t>
+            </a:r>
+            <a:r>
+              <a:rPr lang="en-US" dirty="0" smtClean="0"/>
+              <a:t>in 3 months: 6 or less</a:t>
             </a:r>
           </a:p>
           <a:p>
@@ -10651,11 +10657,7 @@
           <a:p>
             <a:r>
               <a:rPr lang="en-US" dirty="0" smtClean="0"/>
-              <a:t>Monitoring </a:t>
-            </a:r>
-            <a:r>
-              <a:rPr lang="en-US" dirty="0" smtClean="0"/>
-              <a:t>Framework: Goals</a:t>
+              <a:t>Monitoring Framework: Goals</a:t>
             </a:r>
             <a:endParaRPr lang="en-US" dirty="0"/>
           </a:p>
@@ -10678,8 +10680,13 @@
           <a:p>
             <a:r>
               <a:rPr lang="en-US" dirty="0" smtClean="0"/>
-              <a:t>Detect performance SLO violations</a:t>
-            </a:r>
+              <a:t>Detect performance SLO </a:t>
+            </a:r>
+            <a:r>
+              <a:rPr lang="en-US" dirty="0" smtClean="0"/>
+              <a:t>violations in near real time</a:t>
+            </a:r>
+            <a:endParaRPr lang="en-US" dirty="0" smtClean="0"/>
           </a:p>
           <a:p>
             <a:r>
@@ -10823,21 +10830,8 @@
           <a:p>
             <a:r>
               <a:rPr lang="en-US" dirty="0" smtClean="0"/>
-              <a:t>Support </a:t>
-            </a:r>
-            <a:r>
-              <a:rPr lang="en-US" dirty="0" smtClean="0"/>
-              <a:t>multiple methods </a:t>
-            </a:r>
-            <a:r>
-              <a:rPr lang="en-US" dirty="0" smtClean="0"/>
-              <a:t>to analyze the collected data in near real-</a:t>
-            </a:r>
-            <a:r>
-              <a:rPr lang="en-US" dirty="0" smtClean="0"/>
-              <a:t>time (extensible)</a:t>
-            </a:r>
-            <a:endParaRPr lang="en-US" dirty="0" smtClean="0"/>
+              <a:t>Support multiple methods to analyze the collected data in near real-time (extensible)</a:t>
+            </a:r>
           </a:p>
           <a:p>
             <a:endParaRPr lang="en-US" dirty="0" smtClean="0"/>
@@ -12228,6 +12222,48 @@
           </a:p>
         </p:txBody>
       </p:sp>
+      <p:sp>
+        <p:nvSpPr>
+          <p:cNvPr id="3" name="Rectangle 2"/>
+          <p:cNvSpPr/>
+          <p:nvPr/>
+        </p:nvSpPr>
+        <p:spPr>
+          <a:xfrm>
+            <a:off x="6192108" y="2839081"/>
+            <a:ext cx="796889" cy="510536"/>
+          </a:xfrm>
+          <a:prstGeom prst="rect">
+            <a:avLst/>
+          </a:prstGeom>
+        </p:spPr>
+        <p:style>
+          <a:lnRef idx="1">
+            <a:schemeClr val="accent1"/>
+          </a:lnRef>
+          <a:fillRef idx="3">
+            <a:schemeClr val="accent1"/>
+          </a:fillRef>
+          <a:effectRef idx="2">
+            <a:schemeClr val="accent1"/>
+          </a:effectRef>
+          <a:fontRef idx="minor">
+            <a:schemeClr val="lt1"/>
+          </a:fontRef>
+        </p:style>
+        <p:txBody>
+          <a:bodyPr rtlCol="0" anchor="ctr"/>
+          <a:lstStyle/>
+          <a:p>
+            <a:pPr algn="ctr"/>
+            <a:r>
+              <a:rPr lang="en-US" dirty="0" smtClean="0"/>
+              <a:t>Pod</a:t>
+            </a:r>
+            <a:endParaRPr lang="en-US" dirty="0"/>
+          </a:p>
+        </p:txBody>
+      </p:sp>
     </p:spTree>
     <p:extLst>
       <p:ext uri="{BB962C8B-B14F-4D97-AF65-F5344CB8AC3E}">
@@ -12416,11 +12452,7 @@
           <a:p>
             <a:r>
               <a:rPr lang="en-US" dirty="0" smtClean="0"/>
-              <a:t>Step 1: Workload </a:t>
-            </a:r>
-            <a:r>
-              <a:rPr lang="en-US" dirty="0" smtClean="0"/>
-              <a:t>Analysis</a:t>
+              <a:t>Step 1: Workload Analysis</a:t>
             </a:r>
             <a:endParaRPr lang="en-US" dirty="0"/>
           </a:p>
@@ -12450,44 +12482,19 @@
             <a:pPr lvl="1"/>
             <a:r>
               <a:rPr lang="en-US" dirty="0" smtClean="0"/>
-              <a:t>Sudden </a:t>
-            </a:r>
-            <a:r>
-              <a:rPr lang="en-US" dirty="0" smtClean="0"/>
-              <a:t>increases in workload that precede a detected </a:t>
-            </a:r>
-            <a:r>
-              <a:rPr lang="en-US" dirty="0" smtClean="0"/>
-              <a:t>SLO violation</a:t>
-            </a:r>
-            <a:endParaRPr lang="en-US" dirty="0" smtClean="0"/>
-          </a:p>
-          <a:p>
-            <a:r>
-              <a:rPr lang="en-US" dirty="0" smtClean="0"/>
-              <a:t>Pruned </a:t>
-            </a:r>
-            <a:r>
-              <a:rPr lang="en-US" dirty="0" smtClean="0"/>
-              <a:t>Exact Linear Time (PELT) [KFE12</a:t>
-            </a:r>
-            <a:r>
-              <a:rPr lang="en-US" dirty="0" smtClean="0"/>
-              <a:t>]</a:t>
-            </a:r>
-          </a:p>
-          <a:p>
-            <a:r>
-              <a:rPr lang="en-US" dirty="0" smtClean="0"/>
-              <a:t>Chen </a:t>
-            </a:r>
-            <a:r>
-              <a:rPr lang="en-US" dirty="0" smtClean="0"/>
-              <a:t>&amp; Liu method [CL93</a:t>
-            </a:r>
-            <a:r>
-              <a:rPr lang="en-US" dirty="0" smtClean="0"/>
-              <a:t>]</a:t>
+              <a:t>Sudden increases in workload that precede a detected SLO violation</a:t>
+            </a:r>
+          </a:p>
+          <a:p>
+            <a:r>
+              <a:rPr lang="en-US" dirty="0" smtClean="0"/>
+              <a:t>Pruned Exact Linear Time (PELT) [KFE12]</a:t>
+            </a:r>
+          </a:p>
+          <a:p>
+            <a:r>
+              <a:rPr lang="en-US" dirty="0" smtClean="0"/>
+              <a:t>Chen &amp; Liu method [CL93]</a:t>
             </a:r>
           </a:p>
           <a:p>
@@ -12759,26 +12766,13 @@
           <a:p>
             <a:r>
               <a:rPr lang="en-US" dirty="0" smtClean="0"/>
-              <a:t>Model total response time using multiple linear </a:t>
-            </a:r>
-            <a:r>
-              <a:rPr lang="en-US" dirty="0" smtClean="0"/>
-              <a:t>regression (Total = X + Y)</a:t>
-            </a:r>
-            <a:endParaRPr lang="en-US" dirty="0" smtClean="0"/>
-          </a:p>
-          <a:p>
-            <a:r>
-              <a:rPr lang="en-US" dirty="0" smtClean="0"/>
-              <a:t>Relative importance metric indicates the portion of variance in </a:t>
-            </a:r>
-            <a:r>
-              <a:rPr lang="en-US" dirty="0" smtClean="0"/>
-              <a:t>“Total” </a:t>
-            </a:r>
-            <a:r>
-              <a:rPr lang="en-US" dirty="0" smtClean="0"/>
-              <a:t>explained by each independent variable [G06]</a:t>
+              <a:t>Model total response time using multiple linear regression (Total = X + Y)</a:t>
+            </a:r>
+          </a:p>
+          <a:p>
+            <a:r>
+              <a:rPr lang="en-US" dirty="0" smtClean="0"/>
+              <a:t>Relative importance metric indicates the portion of variance in “Total” explained by each independent variable [G06]</a:t>
             </a:r>
             <a:endParaRPr lang="en-US" dirty="0"/>
           </a:p>
@@ -12910,14 +12904,7 @@
                 <a:latin typeface="Courier"/>
                 <a:cs typeface="Courier"/>
               </a:rPr>
-              <a:t>  </a:t>
-            </a:r>
-            <a:r>
-              <a:rPr lang="en-US" sz="1600" dirty="0" smtClean="0">
-                <a:latin typeface="Courier"/>
-                <a:cs typeface="Courier"/>
-              </a:rPr>
-              <a:t>String </a:t>
+              <a:t>  String </a:t>
             </a:r>
             <a:r>
               <a:rPr lang="en-US" sz="1600" dirty="0" err="1">
@@ -13547,7 +13534,7 @@
           <a:p>
             <a:r>
               <a:rPr lang="en-US" dirty="0" smtClean="0"/>
-              <a:t>Roots Results Summary</a:t>
+              <a:t>Diagnosis Accuracy</a:t>
             </a:r>
             <a:endParaRPr lang="en-US" dirty="0"/>
           </a:p>
@@ -13563,12 +13550,39 @@
             <p:ph idx="1"/>
           </p:nvPr>
         </p:nvSpPr>
-        <p:spPr/>
+        <p:spPr>
+          <a:xfrm>
+            <a:off x="457200" y="1600200"/>
+            <a:ext cx="8229600" cy="1873939"/>
+          </a:xfrm>
+        </p:spPr>
         <p:txBody>
           <a:bodyPr/>
           <a:lstStyle/>
           <a:p>
-            <a:endParaRPr lang="en-US"/>
+            <a:r>
+              <a:rPr lang="en-US" dirty="0" err="1" smtClean="0"/>
+              <a:t>StockTrader</a:t>
+            </a:r>
+            <a:r>
+              <a:rPr lang="en-US" dirty="0" smtClean="0"/>
+              <a:t> app</a:t>
+            </a:r>
+          </a:p>
+          <a:p>
+            <a:pPr lvl="1"/>
+            <a:r>
+              <a:rPr lang="en-US" dirty="0" smtClean="0"/>
+              <a:t>8 kernel invocations per request</a:t>
+            </a:r>
+          </a:p>
+          <a:p>
+            <a:pPr lvl="1"/>
+            <a:r>
+              <a:rPr lang="en-US" dirty="0" smtClean="0"/>
+              <a:t>Faults injected every two hours</a:t>
+            </a:r>
+            <a:endParaRPr lang="en-US" dirty="0"/>
           </a:p>
         </p:txBody>
       </p:sp>
@@ -13595,10 +13609,70 @@
           </a:p>
         </p:txBody>
       </p:sp>
+      <p:pic>
+        <p:nvPicPr>
+          <p:cNvPr id="6" name="Picture 5" descr="time_line_stocks_1.pdf"/>
+          <p:cNvPicPr>
+            <a:picLocks noChangeAspect="1"/>
+          </p:cNvPicPr>
+          <p:nvPr/>
+        </p:nvPicPr>
+        <p:blipFill>
+          <a:blip r:embed="rId2">
+            <a:extLst>
+              <a:ext uri="{28A0092B-C50C-407E-A947-70E740481C1C}">
+                <a14:useLocalDpi xmlns:a14="http://schemas.microsoft.com/office/drawing/2010/main" val="0"/>
+              </a:ext>
+            </a:extLst>
+          </a:blip>
+          <a:stretch>
+            <a:fillRect/>
+          </a:stretch>
+        </p:blipFill>
+        <p:spPr>
+          <a:xfrm>
+            <a:off x="1828800" y="3321132"/>
+            <a:ext cx="5486400" cy="1638300"/>
+          </a:xfrm>
+          <a:prstGeom prst="rect">
+            <a:avLst/>
+          </a:prstGeom>
+        </p:spPr>
+      </p:pic>
+      <p:pic>
+        <p:nvPicPr>
+          <p:cNvPr id="7" name="Picture 6" descr="time_line_stocks_2.pdf"/>
+          <p:cNvPicPr>
+            <a:picLocks noChangeAspect="1"/>
+          </p:cNvPicPr>
+          <p:nvPr/>
+        </p:nvPicPr>
+        <p:blipFill>
+          <a:blip r:embed="rId3">
+            <a:extLst>
+              <a:ext uri="{28A0092B-C50C-407E-A947-70E740481C1C}">
+                <a14:useLocalDpi xmlns:a14="http://schemas.microsoft.com/office/drawing/2010/main" val="0"/>
+              </a:ext>
+            </a:extLst>
+          </a:blip>
+          <a:stretch>
+            <a:fillRect/>
+          </a:stretch>
+        </p:blipFill>
+        <p:spPr>
+          <a:xfrm>
+            <a:off x="1828800" y="4981832"/>
+            <a:ext cx="5486400" cy="1638300"/>
+          </a:xfrm>
+          <a:prstGeom prst="rect">
+            <a:avLst/>
+          </a:prstGeom>
+        </p:spPr>
+      </p:pic>
     </p:spTree>
     <p:extLst>
       <p:ext uri="{BB962C8B-B14F-4D97-AF65-F5344CB8AC3E}">
-        <p14:creationId xmlns:p14="http://schemas.microsoft.com/office/powerpoint/2010/main" val="1785533453"/>
+        <p14:creationId xmlns:p14="http://schemas.microsoft.com/office/powerpoint/2010/main" val="871649553"/>
       </p:ext>
     </p:extLst>
   </p:cSld>
@@ -13642,6 +13716,134 @@
           <a:p>
             <a:r>
               <a:rPr lang="en-US" dirty="0" smtClean="0"/>
+              <a:t>Roots Results Summary</a:t>
+            </a:r>
+            <a:endParaRPr lang="en-US" dirty="0"/>
+          </a:p>
+        </p:txBody>
+      </p:sp>
+      <p:sp>
+        <p:nvSpPr>
+          <p:cNvPr id="3" name="Content Placeholder 2"/>
+          <p:cNvSpPr>
+            <a:spLocks noGrp="1"/>
+          </p:cNvSpPr>
+          <p:nvPr>
+            <p:ph idx="1"/>
+          </p:nvPr>
+        </p:nvSpPr>
+        <p:spPr/>
+        <p:txBody>
+          <a:bodyPr>
+            <a:normAutofit fontScale="92500"/>
+          </a:bodyPr>
+          <a:lstStyle/>
+          <a:p>
+            <a:r>
+              <a:rPr lang="en-US" dirty="0" smtClean="0"/>
+              <a:t>Detected all anomalies within 2-5 minutes of their occurrence</a:t>
+            </a:r>
+          </a:p>
+          <a:p>
+            <a:r>
+              <a:rPr lang="en-US" dirty="0" smtClean="0"/>
+              <a:t>Correctly identified the root cause of each anomaly as a workload change or a bottleneck</a:t>
+            </a:r>
+          </a:p>
+          <a:p>
+            <a:pPr lvl="1"/>
+            <a:r>
+              <a:rPr lang="en-US" dirty="0" smtClean="0"/>
+              <a:t>In case of bottlenecks, correctly identified the offending kernel service</a:t>
+            </a:r>
+          </a:p>
+          <a:p>
+            <a:r>
+              <a:rPr lang="en-US" dirty="0" smtClean="0"/>
+              <a:t>No significant impact on application performance</a:t>
+            </a:r>
+          </a:p>
+          <a:p>
+            <a:r>
+              <a:rPr lang="en-US" dirty="0" smtClean="0"/>
+              <a:t>A single Roots pod can monitor up to 40000 applications at the same time</a:t>
+            </a:r>
+          </a:p>
+          <a:p>
+            <a:endParaRPr lang="en-US" dirty="0"/>
+          </a:p>
+        </p:txBody>
+      </p:sp>
+      <p:sp>
+        <p:nvSpPr>
+          <p:cNvPr id="4" name="Slide Number Placeholder 3"/>
+          <p:cNvSpPr>
+            <a:spLocks noGrp="1"/>
+          </p:cNvSpPr>
+          <p:nvPr>
+            <p:ph type="sldNum" sz="quarter" idx="12"/>
+          </p:nvPr>
+        </p:nvSpPr>
+        <p:spPr/>
+        <p:txBody>
+          <a:bodyPr/>
+          <a:lstStyle/>
+          <a:p>
+            <a:fld id="{D4755116-B387-CD40-9D82-4279FFF17F28}" type="slidenum">
+              <a:rPr lang="en-US" smtClean="0"/>
+              <a:t>37</a:t>
+            </a:fld>
+            <a:endParaRPr lang="en-US"/>
+          </a:p>
+        </p:txBody>
+      </p:sp>
+    </p:spTree>
+    <p:extLst>
+      <p:ext uri="{BB962C8B-B14F-4D97-AF65-F5344CB8AC3E}">
+        <p14:creationId xmlns:p14="http://schemas.microsoft.com/office/powerpoint/2010/main" val="1785533453"/>
+      </p:ext>
+    </p:extLst>
+  </p:cSld>
+  <p:clrMapOvr>
+    <a:masterClrMapping/>
+  </p:clrMapOvr>
+</p:sld>
+</file>
+
+<file path=ppt/slides/slide38.xml><?xml version="1.0" encoding="utf-8"?>
+<p:sld xmlns:a="http://schemas.openxmlformats.org/drawingml/2006/main" xmlns:r="http://schemas.openxmlformats.org/officeDocument/2006/relationships" xmlns:p="http://schemas.openxmlformats.org/presentationml/2006/main">
+  <p:cSld>
+    <p:spTree>
+      <p:nvGrpSpPr>
+        <p:cNvPr id="1" name=""/>
+        <p:cNvGrpSpPr/>
+        <p:nvPr/>
+      </p:nvGrpSpPr>
+      <p:grpSpPr>
+        <a:xfrm>
+          <a:off x="0" y="0"/>
+          <a:ext cx="0" cy="0"/>
+          <a:chOff x="0" y="0"/>
+          <a:chExt cx="0" cy="0"/>
+        </a:xfrm>
+      </p:grpSpPr>
+      <p:sp>
+        <p:nvSpPr>
+          <p:cNvPr id="2" name="Title 1"/>
+          <p:cNvSpPr>
+            <a:spLocks noGrp="1"/>
+          </p:cNvSpPr>
+          <p:nvPr>
+            <p:ph type="title"/>
+          </p:nvPr>
+        </p:nvSpPr>
+        <p:spPr/>
+        <p:txBody>
+          <a:bodyPr/>
+          <a:lstStyle/>
+          <a:p>
+            <a:r>
+              <a:rPr lang="en-US" dirty="0" smtClean="0"/>
               <a:t>Related Work</a:t>
             </a:r>
             <a:endParaRPr lang="en-US" dirty="0"/>
@@ -14161,7 +14363,7 @@
           <a:p>
             <a:fld id="{D4755116-B387-CD40-9D82-4279FFF17F28}" type="slidenum">
               <a:rPr lang="en-US" smtClean="0"/>
-              <a:t>37</a:t>
+              <a:t>38</a:t>
             </a:fld>
             <a:endParaRPr lang="en-US"/>
           </a:p>
@@ -14187,7 +14389,7 @@
 </p:sld>
 </file>
 
-<file path=ppt/slides/slide38.xml><?xml version="1.0" encoding="utf-8"?>
+<file path=ppt/slides/slide39.xml><?xml version="1.0" encoding="utf-8"?>
 <p:sld xmlns:a="http://schemas.openxmlformats.org/drawingml/2006/main" xmlns:r="http://schemas.openxmlformats.org/officeDocument/2006/relationships" xmlns:p="http://schemas.openxmlformats.org/presentationml/2006/main">
   <p:cSld>
     <p:spTree>
@@ -14756,7 +14958,7 @@
           <a:p>
             <a:fld id="{D4755116-B387-CD40-9D82-4279FFF17F28}" type="slidenum">
               <a:rPr lang="en-US" smtClean="0"/>
-              <a:t>38</a:t>
+              <a:t>39</a:t>
             </a:fld>
             <a:endParaRPr lang="en-US"/>
           </a:p>
@@ -14782,7 +14984,335 @@
 </p:sld>
 </file>
 
-<file path=ppt/slides/slide39.xml><?xml version="1.0" encoding="utf-8"?>
+<file path=ppt/slides/slide4.xml><?xml version="1.0" encoding="utf-8"?>
+<p:sld xmlns:a="http://schemas.openxmlformats.org/drawingml/2006/main" xmlns:r="http://schemas.openxmlformats.org/officeDocument/2006/relationships" xmlns:p="http://schemas.openxmlformats.org/presentationml/2006/main">
+  <p:cSld>
+    <p:spTree>
+      <p:nvGrpSpPr>
+        <p:cNvPr id="1" name=""/>
+        <p:cNvGrpSpPr/>
+        <p:nvPr/>
+      </p:nvGrpSpPr>
+      <p:grpSpPr>
+        <a:xfrm>
+          <a:off x="0" y="0"/>
+          <a:ext cx="0" cy="0"/>
+          <a:chOff x="0" y="0"/>
+          <a:chExt cx="0" cy="0"/>
+        </a:xfrm>
+      </p:grpSpPr>
+      <p:sp>
+        <p:nvSpPr>
+          <p:cNvPr id="2" name="Title 1"/>
+          <p:cNvSpPr>
+            <a:spLocks noGrp="1"/>
+          </p:cNvSpPr>
+          <p:nvPr>
+            <p:ph type="title"/>
+          </p:nvPr>
+        </p:nvSpPr>
+        <p:spPr/>
+        <p:txBody>
+          <a:bodyPr>
+            <a:normAutofit fontScale="90000"/>
+          </a:bodyPr>
+          <a:lstStyle/>
+          <a:p>
+            <a:r>
+              <a:rPr lang="en-US" dirty="0" smtClean="0"/>
+              <a:t>Cannot </a:t>
+            </a:r>
+            <a:r>
+              <a:rPr lang="en-US" dirty="0" smtClean="0"/>
+              <a:t>Enforce </a:t>
+            </a:r>
+            <a:r>
+              <a:rPr lang="en-US" dirty="0" smtClean="0"/>
+              <a:t>Developer Best Practices</a:t>
+            </a:r>
+            <a:endParaRPr lang="en-US" dirty="0"/>
+          </a:p>
+        </p:txBody>
+      </p:sp>
+      <p:sp>
+        <p:nvSpPr>
+          <p:cNvPr id="3" name="Content Placeholder 2"/>
+          <p:cNvSpPr>
+            <a:spLocks noGrp="1"/>
+          </p:cNvSpPr>
+          <p:nvPr>
+            <p:ph idx="1"/>
+          </p:nvPr>
+        </p:nvSpPr>
+        <p:spPr/>
+        <p:txBody>
+          <a:bodyPr/>
+          <a:lstStyle/>
+          <a:p>
+            <a:r>
+              <a:rPr lang="en-US" dirty="0" smtClean="0"/>
+              <a:t>Code reuse</a:t>
+            </a:r>
+          </a:p>
+          <a:p>
+            <a:r>
+              <a:rPr lang="en-US" dirty="0" smtClean="0"/>
+              <a:t>Naming and versioning conventions</a:t>
+            </a:r>
+          </a:p>
+          <a:p>
+            <a:r>
+              <a:rPr lang="en-US" dirty="0" smtClean="0"/>
+              <a:t>Other organizational standards and best </a:t>
+            </a:r>
+            <a:r>
+              <a:rPr lang="en-US" dirty="0" smtClean="0"/>
+              <a:t>practices (administrative conformance)</a:t>
+            </a:r>
+            <a:endParaRPr lang="en-US" dirty="0"/>
+          </a:p>
+        </p:txBody>
+      </p:sp>
+      <p:sp>
+        <p:nvSpPr>
+          <p:cNvPr id="4" name="Cloud 3"/>
+          <p:cNvSpPr/>
+          <p:nvPr/>
+        </p:nvSpPr>
+        <p:spPr>
+          <a:xfrm rot="10800000">
+            <a:off x="5306435" y="4507391"/>
+            <a:ext cx="3110709" cy="1618772"/>
+          </a:xfrm>
+          <a:prstGeom prst="cloud">
+            <a:avLst/>
+          </a:prstGeom>
+          <a:noFill/>
+          <a:ln w="28575" cmpd="sng"/>
+        </p:spPr>
+        <p:style>
+          <a:lnRef idx="1">
+            <a:schemeClr val="accent1"/>
+          </a:lnRef>
+          <a:fillRef idx="3">
+            <a:schemeClr val="accent1"/>
+          </a:fillRef>
+          <a:effectRef idx="2">
+            <a:schemeClr val="accent1"/>
+          </a:effectRef>
+          <a:fontRef idx="minor">
+            <a:schemeClr val="lt1"/>
+          </a:fontRef>
+        </p:style>
+        <p:txBody>
+          <a:bodyPr rtlCol="0" anchor="ctr"/>
+          <a:lstStyle/>
+          <a:p>
+            <a:pPr algn="ctr"/>
+            <a:endParaRPr lang="en-US"/>
+          </a:p>
+        </p:txBody>
+      </p:sp>
+      <p:pic>
+        <p:nvPicPr>
+          <p:cNvPr id="5" name="Picture 4" descr="developer-icon-17862.png"/>
+          <p:cNvPicPr>
+            <a:picLocks noChangeAspect="1"/>
+          </p:cNvPicPr>
+          <p:nvPr/>
+        </p:nvPicPr>
+        <p:blipFill>
+          <a:blip r:embed="rId2">
+            <a:extLst>
+              <a:ext uri="{28A0092B-C50C-407E-A947-70E740481C1C}">
+                <a14:useLocalDpi xmlns:a14="http://schemas.microsoft.com/office/drawing/2010/main" val="0"/>
+              </a:ext>
+            </a:extLst>
+          </a:blip>
+          <a:stretch>
+            <a:fillRect/>
+          </a:stretch>
+        </p:blipFill>
+        <p:spPr>
+          <a:xfrm>
+            <a:off x="457200" y="4507391"/>
+            <a:ext cx="1861233" cy="1861233"/>
+          </a:xfrm>
+          <a:prstGeom prst="rect">
+            <a:avLst/>
+          </a:prstGeom>
+        </p:spPr>
+      </p:pic>
+      <p:cxnSp>
+        <p:nvCxnSpPr>
+          <p:cNvPr id="7" name="Straight Arrow Connector 6"/>
+          <p:cNvCxnSpPr/>
+          <p:nvPr/>
+        </p:nvCxnSpPr>
+        <p:spPr>
+          <a:xfrm>
+            <a:off x="2430492" y="5317051"/>
+            <a:ext cx="2624778" cy="0"/>
+          </a:xfrm>
+          <a:prstGeom prst="straightConnector1">
+            <a:avLst/>
+          </a:prstGeom>
+          <a:ln>
+            <a:tailEnd type="arrow"/>
+          </a:ln>
+        </p:spPr>
+        <p:style>
+          <a:lnRef idx="2">
+            <a:schemeClr val="accent1"/>
+          </a:lnRef>
+          <a:fillRef idx="0">
+            <a:schemeClr val="accent1"/>
+          </a:fillRef>
+          <a:effectRef idx="1">
+            <a:schemeClr val="accent1"/>
+          </a:effectRef>
+          <a:fontRef idx="minor">
+            <a:schemeClr val="tx1"/>
+          </a:fontRef>
+        </p:style>
+      </p:cxnSp>
+      <p:sp>
+        <p:nvSpPr>
+          <p:cNvPr id="9" name="TextBox 8"/>
+          <p:cNvSpPr txBox="1"/>
+          <p:nvPr/>
+        </p:nvSpPr>
+        <p:spPr>
+          <a:xfrm>
+            <a:off x="282881" y="6045458"/>
+            <a:ext cx="2340864" cy="646331"/>
+          </a:xfrm>
+          <a:prstGeom prst="rect">
+            <a:avLst/>
+          </a:prstGeom>
+          <a:noFill/>
+        </p:spPr>
+        <p:txBody>
+          <a:bodyPr wrap="square" rtlCol="0">
+            <a:spAutoFit/>
+          </a:bodyPr>
+          <a:lstStyle/>
+          <a:p>
+            <a:pPr algn="ctr"/>
+            <a:r>
+              <a:rPr lang="en-US" dirty="0" smtClean="0"/>
+              <a:t>Poorly written and packaged code</a:t>
+            </a:r>
+            <a:endParaRPr lang="en-US" dirty="0"/>
+          </a:p>
+        </p:txBody>
+      </p:sp>
+      <p:sp>
+        <p:nvSpPr>
+          <p:cNvPr id="10" name="TextBox 9"/>
+          <p:cNvSpPr txBox="1"/>
+          <p:nvPr/>
+        </p:nvSpPr>
+        <p:spPr>
+          <a:xfrm>
+            <a:off x="2430492" y="4619186"/>
+            <a:ext cx="2428024" cy="646331"/>
+          </a:xfrm>
+          <a:prstGeom prst="rect">
+            <a:avLst/>
+          </a:prstGeom>
+          <a:noFill/>
+        </p:spPr>
+        <p:txBody>
+          <a:bodyPr wrap="square" rtlCol="0">
+            <a:spAutoFit/>
+          </a:bodyPr>
+          <a:lstStyle/>
+          <a:p>
+            <a:pPr algn="ctr"/>
+            <a:r>
+              <a:rPr lang="en-US" dirty="0" smtClean="0"/>
+              <a:t>Unverified/unchecked deployment</a:t>
+            </a:r>
+            <a:endParaRPr lang="en-US" dirty="0"/>
+          </a:p>
+        </p:txBody>
+      </p:sp>
+      <p:sp>
+        <p:nvSpPr>
+          <p:cNvPr id="11" name="TextBox 10"/>
+          <p:cNvSpPr txBox="1"/>
+          <p:nvPr/>
+        </p:nvSpPr>
+        <p:spPr>
+          <a:xfrm>
+            <a:off x="6076285" y="5043105"/>
+            <a:ext cx="1718294" cy="646331"/>
+          </a:xfrm>
+          <a:prstGeom prst="rect">
+            <a:avLst/>
+          </a:prstGeom>
+          <a:noFill/>
+        </p:spPr>
+        <p:txBody>
+          <a:bodyPr wrap="square" rtlCol="0">
+            <a:spAutoFit/>
+          </a:bodyPr>
+          <a:lstStyle/>
+          <a:p>
+            <a:pPr algn="ctr"/>
+            <a:r>
+              <a:rPr lang="en-US" dirty="0" smtClean="0"/>
+              <a:t>Maintenance nightmare</a:t>
+            </a:r>
+            <a:endParaRPr lang="en-US" dirty="0"/>
+          </a:p>
+        </p:txBody>
+      </p:sp>
+      <p:sp>
+        <p:nvSpPr>
+          <p:cNvPr id="6" name="Slide Number Placeholder 5"/>
+          <p:cNvSpPr>
+            <a:spLocks noGrp="1"/>
+          </p:cNvSpPr>
+          <p:nvPr>
+            <p:ph type="sldNum" sz="quarter" idx="12"/>
+          </p:nvPr>
+        </p:nvSpPr>
+        <p:spPr/>
+        <p:txBody>
+          <a:bodyPr/>
+          <a:lstStyle/>
+          <a:p>
+            <a:fld id="{D4755116-B387-CD40-9D82-4279FFF17F28}" type="slidenum">
+              <a:rPr lang="en-US" smtClean="0"/>
+              <a:t>4</a:t>
+            </a:fld>
+            <a:endParaRPr lang="en-US"/>
+          </a:p>
+        </p:txBody>
+      </p:sp>
+    </p:spTree>
+    <p:extLst>
+      <p:ext uri="{BB962C8B-B14F-4D97-AF65-F5344CB8AC3E}">
+        <p14:creationId xmlns:p14="http://schemas.microsoft.com/office/powerpoint/2010/main" val="2927366450"/>
+      </p:ext>
+    </p:extLst>
+  </p:cSld>
+  <p:clrMapOvr>
+    <a:masterClrMapping/>
+  </p:clrMapOvr>
+  <p:timing>
+    <p:tnLst>
+      <p:par>
+        <p:cTn xmlns:p14="http://schemas.microsoft.com/office/powerpoint/2010/main" id="1" dur="indefinite" restart="never" nodeType="tmRoot"/>
+      </p:par>
+    </p:tnLst>
+  </p:timing>
+</p:sld>
+</file>
+
+<file path=ppt/slides/slide40.xml><?xml version="1.0" encoding="utf-8"?>
 <p:sld xmlns:a="http://schemas.openxmlformats.org/drawingml/2006/main" xmlns:r="http://schemas.openxmlformats.org/officeDocument/2006/relationships" xmlns:p="http://schemas.openxmlformats.org/presentationml/2006/main">
   <p:cSld>
     <p:spTree>
@@ -15335,7 +15865,7 @@
           <a:p>
             <a:fld id="{D4755116-B387-CD40-9D82-4279FFF17F28}" type="slidenum">
               <a:rPr lang="en-US" smtClean="0"/>
-              <a:t>39</a:t>
+              <a:t>40</a:t>
             </a:fld>
             <a:endParaRPr lang="en-US"/>
           </a:p>
@@ -15345,458 +15875,6 @@
     <p:extLst>
       <p:ext uri="{BB962C8B-B14F-4D97-AF65-F5344CB8AC3E}">
         <p14:creationId xmlns:p14="http://schemas.microsoft.com/office/powerpoint/2010/main" val="1991026714"/>
-      </p:ext>
-    </p:extLst>
-  </p:cSld>
-  <p:clrMapOvr>
-    <a:masterClrMapping/>
-  </p:clrMapOvr>
-  <p:timing>
-    <p:tnLst>
-      <p:par>
-        <p:cTn xmlns:p14="http://schemas.microsoft.com/office/powerpoint/2010/main" id="1" dur="indefinite" restart="never" nodeType="tmRoot"/>
-      </p:par>
-    </p:tnLst>
-  </p:timing>
-</p:sld>
-</file>
-
-<file path=ppt/slides/slide4.xml><?xml version="1.0" encoding="utf-8"?>
-<p:sld xmlns:a="http://schemas.openxmlformats.org/drawingml/2006/main" xmlns:r="http://schemas.openxmlformats.org/officeDocument/2006/relationships" xmlns:p="http://schemas.openxmlformats.org/presentationml/2006/main">
-  <p:cSld>
-    <p:spTree>
-      <p:nvGrpSpPr>
-        <p:cNvPr id="1" name=""/>
-        <p:cNvGrpSpPr/>
-        <p:nvPr/>
-      </p:nvGrpSpPr>
-      <p:grpSpPr>
-        <a:xfrm>
-          <a:off x="0" y="0"/>
-          <a:ext cx="0" cy="0"/>
-          <a:chOff x="0" y="0"/>
-          <a:chExt cx="0" cy="0"/>
-        </a:xfrm>
-      </p:grpSpPr>
-      <p:sp>
-        <p:nvSpPr>
-          <p:cNvPr id="2" name="Title 1"/>
-          <p:cNvSpPr>
-            <a:spLocks noGrp="1"/>
-          </p:cNvSpPr>
-          <p:nvPr>
-            <p:ph type="title"/>
-          </p:nvPr>
-        </p:nvSpPr>
-        <p:spPr/>
-        <p:txBody>
-          <a:bodyPr/>
-          <a:lstStyle/>
-          <a:p>
-            <a:r>
-              <a:rPr lang="en-US" dirty="0" smtClean="0"/>
-              <a:t>Does Not Enforce Good Coding</a:t>
-            </a:r>
-            <a:endParaRPr lang="en-US" dirty="0"/>
-          </a:p>
-        </p:txBody>
-      </p:sp>
-      <p:sp>
-        <p:nvSpPr>
-          <p:cNvPr id="3" name="Content Placeholder 2"/>
-          <p:cNvSpPr>
-            <a:spLocks noGrp="1"/>
-          </p:cNvSpPr>
-          <p:nvPr>
-            <p:ph idx="1"/>
-          </p:nvPr>
-        </p:nvSpPr>
-        <p:spPr/>
-        <p:txBody>
-          <a:bodyPr/>
-          <a:lstStyle/>
-          <a:p>
-            <a:r>
-              <a:rPr lang="en-US" dirty="0" smtClean="0"/>
-              <a:t>Code reuse</a:t>
-            </a:r>
-          </a:p>
-          <a:p>
-            <a:r>
-              <a:rPr lang="en-US" dirty="0" smtClean="0"/>
-              <a:t>Naming and versioning conventions</a:t>
-            </a:r>
-          </a:p>
-          <a:p>
-            <a:r>
-              <a:rPr lang="en-US" dirty="0" smtClean="0"/>
-              <a:t>Other organizational standards and best practices</a:t>
-            </a:r>
-            <a:endParaRPr lang="en-US" dirty="0"/>
-          </a:p>
-        </p:txBody>
-      </p:sp>
-      <p:sp>
-        <p:nvSpPr>
-          <p:cNvPr id="4" name="Cloud 3"/>
-          <p:cNvSpPr/>
-          <p:nvPr/>
-        </p:nvSpPr>
-        <p:spPr>
-          <a:xfrm rot="10800000">
-            <a:off x="5306435" y="4507391"/>
-            <a:ext cx="3110709" cy="1618772"/>
-          </a:xfrm>
-          <a:prstGeom prst="cloud">
-            <a:avLst/>
-          </a:prstGeom>
-          <a:noFill/>
-          <a:ln w="28575" cmpd="sng"/>
-        </p:spPr>
-        <p:style>
-          <a:lnRef idx="1">
-            <a:schemeClr val="accent1"/>
-          </a:lnRef>
-          <a:fillRef idx="3">
-            <a:schemeClr val="accent1"/>
-          </a:fillRef>
-          <a:effectRef idx="2">
-            <a:schemeClr val="accent1"/>
-          </a:effectRef>
-          <a:fontRef idx="minor">
-            <a:schemeClr val="lt1"/>
-          </a:fontRef>
-        </p:style>
-        <p:txBody>
-          <a:bodyPr rtlCol="0" anchor="ctr"/>
-          <a:lstStyle/>
-          <a:p>
-            <a:pPr algn="ctr"/>
-            <a:endParaRPr lang="en-US"/>
-          </a:p>
-        </p:txBody>
-      </p:sp>
-      <p:pic>
-        <p:nvPicPr>
-          <p:cNvPr id="5" name="Picture 4" descr="developer-icon-17862.png"/>
-          <p:cNvPicPr>
-            <a:picLocks noChangeAspect="1"/>
-          </p:cNvPicPr>
-          <p:nvPr/>
-        </p:nvPicPr>
-        <p:blipFill>
-          <a:blip r:embed="rId2">
-            <a:extLst>
-              <a:ext uri="{28A0092B-C50C-407E-A947-70E740481C1C}">
-                <a14:useLocalDpi xmlns:a14="http://schemas.microsoft.com/office/drawing/2010/main" val="0"/>
-              </a:ext>
-            </a:extLst>
-          </a:blip>
-          <a:stretch>
-            <a:fillRect/>
-          </a:stretch>
-        </p:blipFill>
-        <p:spPr>
-          <a:xfrm>
-            <a:off x="457200" y="4507391"/>
-            <a:ext cx="1861233" cy="1861233"/>
-          </a:xfrm>
-          <a:prstGeom prst="rect">
-            <a:avLst/>
-          </a:prstGeom>
-        </p:spPr>
-      </p:pic>
-      <p:cxnSp>
-        <p:nvCxnSpPr>
-          <p:cNvPr id="7" name="Straight Arrow Connector 6"/>
-          <p:cNvCxnSpPr/>
-          <p:nvPr/>
-        </p:nvCxnSpPr>
-        <p:spPr>
-          <a:xfrm>
-            <a:off x="2430492" y="5317051"/>
-            <a:ext cx="2624778" cy="0"/>
-          </a:xfrm>
-          <a:prstGeom prst="straightConnector1">
-            <a:avLst/>
-          </a:prstGeom>
-          <a:ln>
-            <a:tailEnd type="arrow"/>
-          </a:ln>
-        </p:spPr>
-        <p:style>
-          <a:lnRef idx="2">
-            <a:schemeClr val="accent1"/>
-          </a:lnRef>
-          <a:fillRef idx="0">
-            <a:schemeClr val="accent1"/>
-          </a:fillRef>
-          <a:effectRef idx="1">
-            <a:schemeClr val="accent1"/>
-          </a:effectRef>
-          <a:fontRef idx="minor">
-            <a:schemeClr val="tx1"/>
-          </a:fontRef>
-        </p:style>
-      </p:cxnSp>
-      <p:sp>
-        <p:nvSpPr>
-          <p:cNvPr id="9" name="TextBox 8"/>
-          <p:cNvSpPr txBox="1"/>
-          <p:nvPr/>
-        </p:nvSpPr>
-        <p:spPr>
-          <a:xfrm>
-            <a:off x="282881" y="6045458"/>
-            <a:ext cx="2340864" cy="646331"/>
-          </a:xfrm>
-          <a:prstGeom prst="rect">
-            <a:avLst/>
-          </a:prstGeom>
-          <a:noFill/>
-        </p:spPr>
-        <p:txBody>
-          <a:bodyPr wrap="square" rtlCol="0">
-            <a:spAutoFit/>
-          </a:bodyPr>
-          <a:lstStyle/>
-          <a:p>
-            <a:pPr algn="ctr"/>
-            <a:r>
-              <a:rPr lang="en-US" dirty="0" smtClean="0"/>
-              <a:t>Poorly written and packaged code</a:t>
-            </a:r>
-            <a:endParaRPr lang="en-US" dirty="0"/>
-          </a:p>
-        </p:txBody>
-      </p:sp>
-      <p:sp>
-        <p:nvSpPr>
-          <p:cNvPr id="10" name="TextBox 9"/>
-          <p:cNvSpPr txBox="1"/>
-          <p:nvPr/>
-        </p:nvSpPr>
-        <p:spPr>
-          <a:xfrm>
-            <a:off x="2430492" y="4619186"/>
-            <a:ext cx="2428024" cy="646331"/>
-          </a:xfrm>
-          <a:prstGeom prst="rect">
-            <a:avLst/>
-          </a:prstGeom>
-          <a:noFill/>
-        </p:spPr>
-        <p:txBody>
-          <a:bodyPr wrap="square" rtlCol="0">
-            <a:spAutoFit/>
-          </a:bodyPr>
-          <a:lstStyle/>
-          <a:p>
-            <a:pPr algn="ctr"/>
-            <a:r>
-              <a:rPr lang="en-US" dirty="0" smtClean="0"/>
-              <a:t>Unverified/unchecked deployment</a:t>
-            </a:r>
-            <a:endParaRPr lang="en-US" dirty="0"/>
-          </a:p>
-        </p:txBody>
-      </p:sp>
-      <p:sp>
-        <p:nvSpPr>
-          <p:cNvPr id="11" name="TextBox 10"/>
-          <p:cNvSpPr txBox="1"/>
-          <p:nvPr/>
-        </p:nvSpPr>
-        <p:spPr>
-          <a:xfrm>
-            <a:off x="6076285" y="5043105"/>
-            <a:ext cx="1718294" cy="646331"/>
-          </a:xfrm>
-          <a:prstGeom prst="rect">
-            <a:avLst/>
-          </a:prstGeom>
-          <a:noFill/>
-        </p:spPr>
-        <p:txBody>
-          <a:bodyPr wrap="square" rtlCol="0">
-            <a:spAutoFit/>
-          </a:bodyPr>
-          <a:lstStyle/>
-          <a:p>
-            <a:pPr algn="ctr"/>
-            <a:r>
-              <a:rPr lang="en-US" dirty="0" smtClean="0"/>
-              <a:t>Maintenance nightmare</a:t>
-            </a:r>
-            <a:endParaRPr lang="en-US" dirty="0"/>
-          </a:p>
-        </p:txBody>
-      </p:sp>
-      <p:sp>
-        <p:nvSpPr>
-          <p:cNvPr id="6" name="Slide Number Placeholder 5"/>
-          <p:cNvSpPr>
-            <a:spLocks noGrp="1"/>
-          </p:cNvSpPr>
-          <p:nvPr>
-            <p:ph type="sldNum" sz="quarter" idx="12"/>
-          </p:nvPr>
-        </p:nvSpPr>
-        <p:spPr/>
-        <p:txBody>
-          <a:bodyPr/>
-          <a:lstStyle/>
-          <a:p>
-            <a:fld id="{D4755116-B387-CD40-9D82-4279FFF17F28}" type="slidenum">
-              <a:rPr lang="en-US" smtClean="0"/>
-              <a:t>4</a:t>
-            </a:fld>
-            <a:endParaRPr lang="en-US"/>
-          </a:p>
-        </p:txBody>
-      </p:sp>
-    </p:spTree>
-    <p:extLst>
-      <p:ext uri="{BB962C8B-B14F-4D97-AF65-F5344CB8AC3E}">
-        <p14:creationId xmlns:p14="http://schemas.microsoft.com/office/powerpoint/2010/main" val="2927366450"/>
-      </p:ext>
-    </p:extLst>
-  </p:cSld>
-  <p:clrMapOvr>
-    <a:masterClrMapping/>
-  </p:clrMapOvr>
-  <p:timing>
-    <p:tnLst>
-      <p:par>
-        <p:cTn xmlns:p14="http://schemas.microsoft.com/office/powerpoint/2010/main" id="1" dur="indefinite" restart="never" nodeType="tmRoot"/>
-      </p:par>
-    </p:tnLst>
-  </p:timing>
-</p:sld>
-</file>
-
-<file path=ppt/slides/slide40.xml><?xml version="1.0" encoding="utf-8"?>
-<p:sld xmlns:a="http://schemas.openxmlformats.org/drawingml/2006/main" xmlns:r="http://schemas.openxmlformats.org/officeDocument/2006/relationships" xmlns:p="http://schemas.openxmlformats.org/presentationml/2006/main">
-  <p:cSld>
-    <p:spTree>
-      <p:nvGrpSpPr>
-        <p:cNvPr id="1" name=""/>
-        <p:cNvGrpSpPr/>
-        <p:nvPr/>
-      </p:nvGrpSpPr>
-      <p:grpSpPr>
-        <a:xfrm>
-          <a:off x="0" y="0"/>
-          <a:ext cx="0" cy="0"/>
-          <a:chOff x="0" y="0"/>
-          <a:chExt cx="0" cy="0"/>
-        </a:xfrm>
-      </p:grpSpPr>
-      <p:sp>
-        <p:nvSpPr>
-          <p:cNvPr id="2" name="Title 1"/>
-          <p:cNvSpPr>
-            <a:spLocks noGrp="1"/>
-          </p:cNvSpPr>
-          <p:nvPr>
-            <p:ph type="title"/>
-          </p:nvPr>
-        </p:nvSpPr>
-        <p:spPr/>
-        <p:txBody>
-          <a:bodyPr/>
-          <a:lstStyle/>
-          <a:p>
-            <a:r>
-              <a:rPr lang="en-US" dirty="0" smtClean="0"/>
-              <a:t>Anomaly Detection</a:t>
-            </a:r>
-            <a:endParaRPr lang="en-US" dirty="0"/>
-          </a:p>
-        </p:txBody>
-      </p:sp>
-      <p:sp>
-        <p:nvSpPr>
-          <p:cNvPr id="3" name="Content Placeholder 2"/>
-          <p:cNvSpPr>
-            <a:spLocks noGrp="1"/>
-          </p:cNvSpPr>
-          <p:nvPr>
-            <p:ph idx="1"/>
-          </p:nvPr>
-        </p:nvSpPr>
-        <p:spPr/>
-        <p:txBody>
-          <a:bodyPr/>
-          <a:lstStyle/>
-          <a:p>
-            <a:r>
-              <a:rPr lang="en-US" dirty="0" smtClean="0"/>
-              <a:t>Support several different approaches</a:t>
-            </a:r>
-          </a:p>
-          <a:p>
-            <a:pPr lvl="1"/>
-            <a:r>
-              <a:rPr lang="en-US" dirty="0" smtClean="0"/>
-              <a:t>Threshold-based: p% of the requests in a time window must complete under T </a:t>
-            </a:r>
-            <a:r>
-              <a:rPr lang="en-US" dirty="0" err="1" smtClean="0"/>
-              <a:t>ms.</a:t>
-            </a:r>
-            <a:endParaRPr lang="en-US" dirty="0" smtClean="0"/>
-          </a:p>
-          <a:p>
-            <a:pPr lvl="1"/>
-            <a:r>
-              <a:rPr lang="en-US" dirty="0" smtClean="0"/>
-              <a:t>Correlation-based: The correlation between response time and load must be positive.</a:t>
-            </a:r>
-          </a:p>
-          <a:p>
-            <a:pPr lvl="1"/>
-            <a:r>
-              <a:rPr lang="en-US" dirty="0" smtClean="0"/>
-              <a:t>Other methods</a:t>
-            </a:r>
-          </a:p>
-          <a:p>
-            <a:r>
-              <a:rPr lang="en-US" dirty="0" smtClean="0"/>
-              <a:t>Configured per application</a:t>
-            </a:r>
-            <a:endParaRPr lang="en-US" dirty="0"/>
-          </a:p>
-        </p:txBody>
-      </p:sp>
-      <p:sp>
-        <p:nvSpPr>
-          <p:cNvPr id="4" name="Slide Number Placeholder 3"/>
-          <p:cNvSpPr>
-            <a:spLocks noGrp="1"/>
-          </p:cNvSpPr>
-          <p:nvPr>
-            <p:ph type="sldNum" sz="quarter" idx="12"/>
-          </p:nvPr>
-        </p:nvSpPr>
-        <p:spPr/>
-        <p:txBody>
-          <a:bodyPr/>
-          <a:lstStyle/>
-          <a:p>
-            <a:fld id="{D4755116-B387-CD40-9D82-4279FFF17F28}" type="slidenum">
-              <a:rPr lang="en-US" smtClean="0"/>
-              <a:t>40</a:t>
-            </a:fld>
-            <a:endParaRPr lang="en-US"/>
-          </a:p>
-        </p:txBody>
-      </p:sp>
-    </p:spTree>
-    <p:extLst>
-      <p:ext uri="{BB962C8B-B14F-4D97-AF65-F5344CB8AC3E}">
-        <p14:creationId xmlns:p14="http://schemas.microsoft.com/office/powerpoint/2010/main" val="419976513"/>
       </p:ext>
     </p:extLst>
   </p:cSld>
@@ -15847,7 +15925,7 @@
           <a:p>
             <a:r>
               <a:rPr lang="en-US" dirty="0" smtClean="0"/>
-              <a:t>Root Cause Analysis</a:t>
+              <a:t>Anomaly Detection</a:t>
             </a:r>
             <a:endParaRPr lang="en-US" dirty="0"/>
           </a:p>
@@ -15870,20 +15948,39 @@
           <a:p>
             <a:r>
               <a:rPr lang="en-US" dirty="0" smtClean="0"/>
-              <a:t>Use relative importance (RI) metric on specific paths to identify the most significant components (API calls) along each path</a:t>
+              <a:t>Support several different approaches</a:t>
             </a:r>
           </a:p>
           <a:p>
             <a:pPr lvl="1"/>
             <a:r>
               <a:rPr lang="en-US" dirty="0" smtClean="0"/>
-              <a:t>Check for both the RI values, and recent changes to the RI values</a:t>
-            </a:r>
-          </a:p>
-          <a:p>
-            <a:r>
-              <a:rPr lang="en-US" dirty="0" smtClean="0"/>
-              <a:t>If a performance anomaly happens in multiple paths, perform separate root cause analyses for each path</a:t>
+              <a:t>Threshold-based: p% of the requests in a time window must complete under T </a:t>
+            </a:r>
+            <a:r>
+              <a:rPr lang="en-US" dirty="0" err="1" smtClean="0"/>
+              <a:t>ms.</a:t>
+            </a:r>
+            <a:endParaRPr lang="en-US" dirty="0" smtClean="0"/>
+          </a:p>
+          <a:p>
+            <a:pPr lvl="1"/>
+            <a:r>
+              <a:rPr lang="en-US" dirty="0" smtClean="0"/>
+              <a:t>Correlation-based: The correlation between response time and load must be positive.</a:t>
+            </a:r>
+          </a:p>
+          <a:p>
+            <a:pPr lvl="1"/>
+            <a:r>
+              <a:rPr lang="en-US" dirty="0" smtClean="0"/>
+              <a:t>Other methods</a:t>
+            </a:r>
+          </a:p>
+          <a:p>
+            <a:r>
+              <a:rPr lang="en-US" dirty="0" smtClean="0"/>
+              <a:t>Configured per application</a:t>
             </a:r>
             <a:endParaRPr lang="en-US" dirty="0"/>
           </a:p>
@@ -15915,7 +16012,7 @@
     </p:spTree>
     <p:extLst>
       <p:ext uri="{BB962C8B-B14F-4D97-AF65-F5344CB8AC3E}">
-        <p14:creationId xmlns:p14="http://schemas.microsoft.com/office/powerpoint/2010/main" val="374891472"/>
+        <p14:creationId xmlns:p14="http://schemas.microsoft.com/office/powerpoint/2010/main" val="419976513"/>
       </p:ext>
     </p:extLst>
   </p:cSld>
@@ -15966,7 +16063,7 @@
           <a:p>
             <a:r>
               <a:rPr lang="en-US" dirty="0" smtClean="0"/>
-              <a:t>Path Analysis</a:t>
+              <a:t>Root Cause Analysis</a:t>
             </a:r>
             <a:endParaRPr lang="en-US" dirty="0"/>
           </a:p>
@@ -15989,26 +16086,20 @@
           <a:p>
             <a:r>
               <a:rPr lang="en-US" dirty="0" smtClean="0"/>
-              <a:t>Compute the distribution of requests over different paths</a:t>
+              <a:t>Use relative importance (RI) metric on specific paths to identify the most significant components (API calls) along each path</a:t>
             </a:r>
           </a:p>
           <a:p>
             <a:pPr lvl="1"/>
             <a:r>
               <a:rPr lang="en-US" dirty="0" smtClean="0"/>
-              <a:t>Evaluate how this distribution changes over time</a:t>
-            </a:r>
-          </a:p>
-          <a:p>
-            <a:r>
-              <a:rPr lang="en-US" dirty="0" smtClean="0"/>
-              <a:t>Novelty detection – appearance of new paths in the path distribution</a:t>
-            </a:r>
-          </a:p>
-          <a:p>
-            <a:r>
-              <a:rPr lang="en-US" dirty="0" smtClean="0"/>
-              <a:t>Summarize response time metric over different paths</a:t>
+              <a:t>Check for both the RI values, and recent changes to the RI values</a:t>
+            </a:r>
+          </a:p>
+          <a:p>
+            <a:r>
+              <a:rPr lang="en-US" dirty="0" smtClean="0"/>
+              <a:t>If a performance anomaly happens in multiple paths, perform separate root cause analyses for each path</a:t>
             </a:r>
             <a:endParaRPr lang="en-US" dirty="0"/>
           </a:p>
@@ -16040,7 +16131,7 @@
     </p:spTree>
     <p:extLst>
       <p:ext uri="{BB962C8B-B14F-4D97-AF65-F5344CB8AC3E}">
-        <p14:creationId xmlns:p14="http://schemas.microsoft.com/office/powerpoint/2010/main" val="3027907442"/>
+        <p14:creationId xmlns:p14="http://schemas.microsoft.com/office/powerpoint/2010/main" val="374891472"/>
       </p:ext>
     </p:extLst>
   </p:cSld>
@@ -16091,7 +16182,7 @@
           <a:p>
             <a:r>
               <a:rPr lang="en-US" dirty="0" smtClean="0"/>
-              <a:t>Outline</a:t>
+              <a:t>Path Analysis</a:t>
             </a:r>
             <a:endParaRPr lang="en-US" dirty="0"/>
           </a:p>
@@ -16109,65 +16200,31 @@
         </p:nvSpPr>
         <p:spPr/>
         <p:txBody>
-          <a:bodyPr>
-            <a:normAutofit lnSpcReduction="10000"/>
-          </a:bodyPr>
-          <a:lstStyle/>
-          <a:p>
-            <a:r>
-              <a:rPr lang="en-US" dirty="0" smtClean="0"/>
-              <a:t>Intro</a:t>
-            </a:r>
-          </a:p>
-          <a:p>
-            <a:r>
-              <a:rPr lang="en-US" dirty="0" smtClean="0"/>
-              <a:t>Motivation/Background</a:t>
+          <a:bodyPr/>
+          <a:lstStyle/>
+          <a:p>
+            <a:r>
+              <a:rPr lang="en-US" dirty="0" smtClean="0"/>
+              <a:t>Compute the distribution of requests over different paths</a:t>
             </a:r>
           </a:p>
           <a:p>
             <a:pPr lvl="1"/>
             <a:r>
               <a:rPr lang="en-US" dirty="0" smtClean="0"/>
-              <a:t>Thesis statement</a:t>
-            </a:r>
-          </a:p>
-          <a:p>
-            <a:r>
-              <a:rPr lang="en-US" dirty="0" smtClean="0"/>
-              <a:t>Result 1 (EAGER)</a:t>
-            </a:r>
-          </a:p>
-          <a:p>
-            <a:r>
-              <a:rPr lang="en-US" dirty="0" smtClean="0"/>
-              <a:t>Result 2 (</a:t>
-            </a:r>
-            <a:r>
-              <a:rPr lang="en-US" dirty="0" err="1" smtClean="0"/>
-              <a:t>Cerebro</a:t>
-            </a:r>
-            <a:r>
-              <a:rPr lang="en-US" dirty="0" smtClean="0"/>
-              <a:t>)</a:t>
-            </a:r>
-          </a:p>
-          <a:p>
-            <a:r>
-              <a:rPr lang="en-US" dirty="0" smtClean="0"/>
-              <a:t>Result 3 (Anomaly detection/Roots)</a:t>
-            </a:r>
-          </a:p>
-          <a:p>
-            <a:r>
-              <a:rPr lang="en-US" dirty="0" smtClean="0"/>
-              <a:t>Related work</a:t>
-            </a:r>
-          </a:p>
-          <a:p>
-            <a:r>
-              <a:rPr lang="en-US" dirty="0" smtClean="0"/>
-              <a:t>Future work</a:t>
+              <a:t>Evaluate how this distribution changes over time</a:t>
+            </a:r>
+          </a:p>
+          <a:p>
+            <a:r>
+              <a:rPr lang="en-US" dirty="0" smtClean="0"/>
+              <a:t>Novelty detection – appearance of new paths in the path distribution</a:t>
+            </a:r>
+          </a:p>
+          <a:p>
+            <a:r>
+              <a:rPr lang="en-US" dirty="0" smtClean="0"/>
+              <a:t>Summarize response time metric over different paths</a:t>
             </a:r>
             <a:endParaRPr lang="en-US" dirty="0"/>
           </a:p>
@@ -16199,13 +16256,20 @@
     </p:spTree>
     <p:extLst>
       <p:ext uri="{BB962C8B-B14F-4D97-AF65-F5344CB8AC3E}">
-        <p14:creationId xmlns:p14="http://schemas.microsoft.com/office/powerpoint/2010/main" val="2916180106"/>
+        <p14:creationId xmlns:p14="http://schemas.microsoft.com/office/powerpoint/2010/main" val="3027907442"/>
       </p:ext>
     </p:extLst>
   </p:cSld>
   <p:clrMapOvr>
     <a:masterClrMapping/>
   </p:clrMapOvr>
+  <p:timing>
+    <p:tnLst>
+      <p:par>
+        <p:cTn xmlns:p14="http://schemas.microsoft.com/office/powerpoint/2010/main" id="1" dur="indefinite" restart="never" nodeType="tmRoot"/>
+      </p:par>
+    </p:tnLst>
+  </p:timing>
 </p:sld>
 </file>
 
@@ -16243,7 +16307,7 @@
           <a:p>
             <a:r>
               <a:rPr lang="en-US" dirty="0" smtClean="0"/>
-              <a:t>Thesis Question</a:t>
+              <a:t>Outline</a:t>
             </a:r>
             <a:endParaRPr lang="en-US" dirty="0"/>
           </a:p>
@@ -16262,14 +16326,66 @@
         <p:spPr/>
         <p:txBody>
           <a:bodyPr>
-            <a:normAutofit fontScale="92500" lnSpcReduction="20000"/>
+            <a:normAutofit lnSpcReduction="10000"/>
           </a:bodyPr>
           <a:lstStyle/>
           <a:p>
             <a:r>
               <a:rPr lang="en-US" dirty="0" smtClean="0"/>
-              <a:t>Can we enforce design-time governance on web applications developed for a given Platform-as-a-Service cloud so as to ensure proper versioning, dependency management and conformance to other developer best practices, and also enforce run-time governance on them so as to automatically determine the expected runtime performance of the applications, detect SLA violations and detect performance anomalies and perform root cause analysis, with minimal developer intervention and no invasive instrumentation on the applications?</a:t>
-            </a:r>
+              <a:t>Intro</a:t>
+            </a:r>
+          </a:p>
+          <a:p>
+            <a:r>
+              <a:rPr lang="en-US" dirty="0" smtClean="0"/>
+              <a:t>Motivation/Background</a:t>
+            </a:r>
+          </a:p>
+          <a:p>
+            <a:pPr lvl="1"/>
+            <a:r>
+              <a:rPr lang="en-US" dirty="0" smtClean="0"/>
+              <a:t>Thesis statement</a:t>
+            </a:r>
+          </a:p>
+          <a:p>
+            <a:r>
+              <a:rPr lang="en-US" dirty="0" smtClean="0"/>
+              <a:t>Result 1 (EAGER)</a:t>
+            </a:r>
+          </a:p>
+          <a:p>
+            <a:r>
+              <a:rPr lang="en-US" dirty="0" smtClean="0"/>
+              <a:t>Result 2 (</a:t>
+            </a:r>
+            <a:r>
+              <a:rPr lang="en-US" dirty="0" err="1" smtClean="0"/>
+              <a:t>Cerebro</a:t>
+            </a:r>
+            <a:r>
+              <a:rPr lang="en-US" dirty="0" smtClean="0"/>
+              <a:t>)</a:t>
+            </a:r>
+          </a:p>
+          <a:p>
+            <a:r>
+              <a:rPr lang="en-US" dirty="0" smtClean="0"/>
+              <a:t>Result 3 (Anomaly detection/Roots)</a:t>
+            </a:r>
+          </a:p>
+          <a:p>
+            <a:r>
+              <a:rPr lang="en-US" dirty="0" smtClean="0"/>
+              <a:t>Related work</a:t>
+            </a:r>
+          </a:p>
+          <a:p>
+            <a:r>
+              <a:rPr lang="en-US" dirty="0" smtClean="0"/>
+              <a:t>Future work</a:t>
+            </a:r>
+            <a:endParaRPr lang="en-US" dirty="0"/>
           </a:p>
         </p:txBody>
       </p:sp>
@@ -16299,20 +16415,13 @@
     </p:spTree>
     <p:extLst>
       <p:ext uri="{BB962C8B-B14F-4D97-AF65-F5344CB8AC3E}">
-        <p14:creationId xmlns:p14="http://schemas.microsoft.com/office/powerpoint/2010/main" val="2072488777"/>
+        <p14:creationId xmlns:p14="http://schemas.microsoft.com/office/powerpoint/2010/main" val="2916180106"/>
       </p:ext>
     </p:extLst>
   </p:cSld>
   <p:clrMapOvr>
     <a:masterClrMapping/>
   </p:clrMapOvr>
-  <p:timing>
-    <p:tnLst>
-      <p:par>
-        <p:cTn xmlns:p14="http://schemas.microsoft.com/office/powerpoint/2010/main" id="1" dur="indefinite" restart="never" nodeType="tmRoot"/>
-      </p:par>
-    </p:tnLst>
-  </p:timing>
 </p:sld>
 </file>
 
@@ -16350,7 +16459,7 @@
           <a:p>
             <a:r>
               <a:rPr lang="en-US" dirty="0" smtClean="0"/>
-              <a:t>Example Policies</a:t>
+              <a:t>Thesis Question</a:t>
             </a:r>
             <a:endParaRPr lang="en-US" dirty="0"/>
           </a:p>
@@ -16369,364 +16478,14 @@
         <p:spPr/>
         <p:txBody>
           <a:bodyPr>
-            <a:normAutofit fontScale="62500" lnSpcReduction="20000"/>
+            <a:normAutofit fontScale="92500" lnSpcReduction="20000"/>
           </a:bodyPr>
           <a:lstStyle/>
           <a:p>
-            <a:pPr marL="0" indent="0">
-              <a:buNone/>
-            </a:pPr>
-            <a:r>
-              <a:rPr lang="en-US" dirty="0">
-                <a:latin typeface="Courier"/>
-                <a:cs typeface="Courier"/>
-              </a:rPr>
-              <a:t>if </a:t>
-            </a:r>
-            <a:r>
-              <a:rPr lang="en-US" dirty="0" err="1">
-                <a:latin typeface="Courier"/>
-                <a:cs typeface="Courier"/>
-              </a:rPr>
-              <a:t>app.owner.endswith</a:t>
-            </a:r>
-            <a:r>
-              <a:rPr lang="en-US" dirty="0">
-                <a:latin typeface="Courier"/>
-                <a:cs typeface="Courier"/>
-              </a:rPr>
-              <a:t>(‘@</a:t>
-            </a:r>
-            <a:r>
-              <a:rPr lang="en-US" dirty="0" err="1">
-                <a:latin typeface="Courier"/>
-                <a:cs typeface="Courier"/>
-              </a:rPr>
-              <a:t>engineering.test.com</a:t>
-            </a:r>
-            <a:r>
-              <a:rPr lang="en-US" dirty="0">
-                <a:latin typeface="Courier"/>
-                <a:cs typeface="Courier"/>
-              </a:rPr>
-              <a:t>’):</a:t>
-            </a:r>
-          </a:p>
-          <a:p>
-            <a:pPr marL="0" indent="0">
-              <a:buNone/>
-            </a:pPr>
-            <a:r>
-              <a:rPr lang="en-US" dirty="0">
-                <a:latin typeface="Courier"/>
-                <a:cs typeface="Courier"/>
-              </a:rPr>
-              <a:t>  </a:t>
-            </a:r>
-            <a:r>
-              <a:rPr lang="en-US" dirty="0" err="1">
-                <a:latin typeface="Courier"/>
-                <a:cs typeface="Courier"/>
-              </a:rPr>
-              <a:t>assert_app_dependency</a:t>
-            </a:r>
-            <a:r>
-              <a:rPr lang="en-US" dirty="0">
-                <a:latin typeface="Courier"/>
-                <a:cs typeface="Courier"/>
-              </a:rPr>
-              <a:t>(app, ‘Log’, ‘1.0’)</a:t>
-            </a:r>
-          </a:p>
-          <a:p>
-            <a:pPr marL="0" indent="0">
-              <a:buNone/>
-            </a:pPr>
-            <a:r>
-              <a:rPr lang="en-US" dirty="0" err="1">
-                <a:latin typeface="Courier"/>
-                <a:cs typeface="Courier"/>
-              </a:rPr>
-              <a:t>elif</a:t>
-            </a:r>
-            <a:r>
-              <a:rPr lang="en-US" dirty="0">
-                <a:latin typeface="Courier"/>
-                <a:cs typeface="Courier"/>
-              </a:rPr>
-              <a:t> </a:t>
-            </a:r>
-            <a:r>
-              <a:rPr lang="en-US" dirty="0" err="1">
-                <a:latin typeface="Courier"/>
-                <a:cs typeface="Courier"/>
-              </a:rPr>
-              <a:t>app.owner.endswith</a:t>
-            </a:r>
-            <a:r>
-              <a:rPr lang="en-US" dirty="0">
-                <a:latin typeface="Courier"/>
-                <a:cs typeface="Courier"/>
-              </a:rPr>
-              <a:t>(‘@</a:t>
-            </a:r>
-            <a:r>
-              <a:rPr lang="en-US" dirty="0" err="1">
-                <a:latin typeface="Courier"/>
-                <a:cs typeface="Courier"/>
-              </a:rPr>
-              <a:t>sales.test.com</a:t>
-            </a:r>
-            <a:r>
-              <a:rPr lang="en-US" dirty="0">
-                <a:latin typeface="Courier"/>
-                <a:cs typeface="Courier"/>
-              </a:rPr>
-              <a:t>’):</a:t>
-            </a:r>
-          </a:p>
-          <a:p>
-            <a:pPr marL="0" indent="0">
-              <a:buNone/>
-            </a:pPr>
-            <a:r>
-              <a:rPr lang="en-US" dirty="0">
-                <a:latin typeface="Courier"/>
-                <a:cs typeface="Courier"/>
-              </a:rPr>
-              <a:t>  </a:t>
-            </a:r>
-            <a:r>
-              <a:rPr lang="en-US" dirty="0" err="1">
-                <a:latin typeface="Courier"/>
-                <a:cs typeface="Courier"/>
-              </a:rPr>
-              <a:t>assert_app_dependency</a:t>
-            </a:r>
-            <a:r>
-              <a:rPr lang="en-US" dirty="0">
-                <a:latin typeface="Courier"/>
-                <a:cs typeface="Courier"/>
-              </a:rPr>
-              <a:t>(app, ‘</a:t>
-            </a:r>
-            <a:r>
-              <a:rPr lang="en-US" dirty="0" err="1">
-                <a:latin typeface="Courier"/>
-                <a:cs typeface="Courier"/>
-              </a:rPr>
-              <a:t>AnalyticsLog</a:t>
-            </a:r>
-            <a:r>
-              <a:rPr lang="en-US" dirty="0">
-                <a:latin typeface="Courier"/>
-                <a:cs typeface="Courier"/>
-              </a:rPr>
-              <a:t>’, ‘1.0’)</a:t>
-            </a:r>
-          </a:p>
-          <a:p>
-            <a:pPr marL="0" indent="0">
-              <a:buNone/>
-            </a:pPr>
-            <a:r>
-              <a:rPr lang="en-US" dirty="0">
-                <a:latin typeface="Courier"/>
-                <a:cs typeface="Courier"/>
-              </a:rPr>
-              <a:t>else:</a:t>
-            </a:r>
-          </a:p>
-          <a:p>
-            <a:pPr marL="0" indent="0">
-              <a:buNone/>
-            </a:pPr>
-            <a:r>
-              <a:rPr lang="en-US" dirty="0">
-                <a:latin typeface="Courier"/>
-                <a:cs typeface="Courier"/>
-              </a:rPr>
-              <a:t>  </a:t>
-            </a:r>
-            <a:r>
-              <a:rPr lang="en-US" dirty="0" err="1">
-                <a:latin typeface="Courier"/>
-                <a:cs typeface="Courier"/>
-              </a:rPr>
-              <a:t>assert_app_dependency</a:t>
-            </a:r>
-            <a:r>
-              <a:rPr lang="en-US" dirty="0">
-                <a:latin typeface="Courier"/>
-                <a:cs typeface="Courier"/>
-              </a:rPr>
-              <a:t>(app, ‘</a:t>
-            </a:r>
-            <a:r>
-              <a:rPr lang="en-US" dirty="0" err="1">
-                <a:latin typeface="Courier"/>
-                <a:cs typeface="Courier"/>
-              </a:rPr>
-              <a:t>GenericLog</a:t>
-            </a:r>
-            <a:r>
-              <a:rPr lang="en-US" dirty="0">
-                <a:latin typeface="Courier"/>
-                <a:cs typeface="Courier"/>
-              </a:rPr>
-              <a:t>’, ‘1.0’)</a:t>
-            </a:r>
-          </a:p>
-          <a:p>
-            <a:pPr marL="0" indent="0">
-              <a:buNone/>
-            </a:pPr>
-            <a:endParaRPr lang="en-US" dirty="0" smtClean="0">
-              <a:latin typeface="Courier"/>
-              <a:cs typeface="Courier"/>
-            </a:endParaRPr>
-          </a:p>
-          <a:p>
-            <a:pPr marL="0" indent="0">
-              <a:buNone/>
-            </a:pPr>
-            <a:endParaRPr lang="en-US" dirty="0">
-              <a:latin typeface="Courier"/>
-              <a:cs typeface="Courier"/>
-            </a:endParaRPr>
-          </a:p>
-          <a:p>
-            <a:pPr marL="0" indent="0">
-              <a:buNone/>
-            </a:pPr>
-            <a:endParaRPr lang="en-US" dirty="0">
-              <a:latin typeface="Courier"/>
-              <a:cs typeface="Courier"/>
-            </a:endParaRPr>
-          </a:p>
-          <a:p>
-            <a:pPr marL="0" indent="0">
-              <a:buNone/>
-            </a:pPr>
-            <a:r>
-              <a:rPr lang="en-US" dirty="0">
-                <a:latin typeface="Courier"/>
-                <a:cs typeface="Courier"/>
-              </a:rPr>
-              <a:t>deprecated = filter(</a:t>
-            </a:r>
-          </a:p>
-          <a:p>
-            <a:pPr marL="0" indent="0">
-              <a:buNone/>
-            </a:pPr>
-            <a:r>
-              <a:rPr lang="en-US" dirty="0">
-                <a:latin typeface="Courier"/>
-                <a:cs typeface="Courier"/>
-              </a:rPr>
-              <a:t>  lambda </a:t>
-            </a:r>
-            <a:r>
-              <a:rPr lang="en-US" dirty="0" err="1">
-                <a:latin typeface="Courier"/>
-                <a:cs typeface="Courier"/>
-              </a:rPr>
-              <a:t>dep</a:t>
-            </a:r>
-            <a:r>
-              <a:rPr lang="en-US" dirty="0">
-                <a:latin typeface="Courier"/>
-                <a:cs typeface="Courier"/>
-              </a:rPr>
-              <a:t>: </a:t>
-            </a:r>
-            <a:r>
-              <a:rPr lang="en-US" dirty="0" err="1">
-                <a:latin typeface="Courier"/>
-                <a:cs typeface="Courier"/>
-              </a:rPr>
-              <a:t>dep.status</a:t>
-            </a:r>
-            <a:r>
-              <a:rPr lang="en-US" dirty="0">
-                <a:latin typeface="Courier"/>
-                <a:cs typeface="Courier"/>
-              </a:rPr>
-              <a:t> = ‘Deprecated’,</a:t>
-            </a:r>
-          </a:p>
-          <a:p>
-            <a:pPr marL="0" indent="0">
-              <a:buNone/>
-            </a:pPr>
-            <a:r>
-              <a:rPr lang="en-US" dirty="0">
-                <a:latin typeface="Courier"/>
-                <a:cs typeface="Courier"/>
-              </a:rPr>
-              <a:t>  </a:t>
-            </a:r>
-            <a:r>
-              <a:rPr lang="en-US" dirty="0" err="1">
-                <a:latin typeface="Courier"/>
-                <a:cs typeface="Courier"/>
-              </a:rPr>
-              <a:t>app.dependencies</a:t>
-            </a:r>
-            <a:r>
-              <a:rPr lang="en-US" dirty="0">
-                <a:latin typeface="Courier"/>
-                <a:cs typeface="Courier"/>
-              </a:rPr>
-              <a:t>)</a:t>
-            </a:r>
-          </a:p>
-          <a:p>
-            <a:pPr marL="0" indent="0">
-              <a:buNone/>
-            </a:pPr>
-            <a:r>
-              <a:rPr lang="en-US" dirty="0" err="1">
-                <a:latin typeface="Courier"/>
-                <a:cs typeface="Courier"/>
-              </a:rPr>
-              <a:t>assert_false</a:t>
-            </a:r>
-            <a:r>
-              <a:rPr lang="en-US" dirty="0">
-                <a:latin typeface="Courier"/>
-                <a:cs typeface="Courier"/>
-              </a:rPr>
-              <a:t>(deprecated, </a:t>
-            </a:r>
-          </a:p>
-          <a:p>
-            <a:pPr marL="0" indent="0">
-              <a:buNone/>
-            </a:pPr>
-            <a:r>
-              <a:rPr lang="en-US" dirty="0">
-                <a:latin typeface="Courier"/>
-                <a:cs typeface="Courier"/>
-              </a:rPr>
-              <a:t>  ‘must not use deprecated dependencies’)</a:t>
-            </a:r>
-          </a:p>
-          <a:p>
-            <a:pPr marL="0" indent="0">
-              <a:buNone/>
-            </a:pPr>
-            <a:endParaRPr lang="en-US" dirty="0">
-              <a:latin typeface="Courier"/>
-              <a:cs typeface="Courier"/>
-            </a:endParaRPr>
-          </a:p>
-          <a:p>
-            <a:pPr marL="0" indent="0">
-              <a:buNone/>
-            </a:pPr>
-            <a:endParaRPr lang="en-US" dirty="0"/>
+            <a:r>
+              <a:rPr lang="en-US" dirty="0" smtClean="0"/>
+              <a:t>Can we enforce design-time governance on web applications developed for a given Platform-as-a-Service cloud so as to ensure proper versioning, dependency management and conformance to other developer best practices, and also enforce run-time governance on them so as to automatically determine the expected runtime performance of the applications, detect SLA violations and detect performance anomalies and perform root cause analysis, with minimal developer intervention and no invasive instrumentation on the applications?</a:t>
+            </a:r>
           </a:p>
         </p:txBody>
       </p:sp>
@@ -16756,7 +16515,7 @@
     </p:spTree>
     <p:extLst>
       <p:ext uri="{BB962C8B-B14F-4D97-AF65-F5344CB8AC3E}">
-        <p14:creationId xmlns:p14="http://schemas.microsoft.com/office/powerpoint/2010/main" val="2299342324"/>
+        <p14:creationId xmlns:p14="http://schemas.microsoft.com/office/powerpoint/2010/main" val="2072488777"/>
       </p:ext>
     </p:extLst>
   </p:cSld>
@@ -16807,7 +16566,7 @@
           <a:p>
             <a:r>
               <a:rPr lang="en-US" dirty="0" smtClean="0"/>
-              <a:t>EAGER Prototype</a:t>
+              <a:t>Example Policies</a:t>
             </a:r>
             <a:endParaRPr lang="en-US" dirty="0"/>
           </a:p>
@@ -16825,96 +16584,371 @@
         </p:nvSpPr>
         <p:spPr/>
         <p:txBody>
-          <a:bodyPr/>
-          <a:lstStyle/>
-          <a:p>
-            <a:r>
-              <a:rPr lang="en-US" dirty="0"/>
-              <a:t>Implemented into </a:t>
-            </a:r>
-            <a:r>
-              <a:rPr lang="en-US" dirty="0" err="1"/>
-              <a:t>AppScale</a:t>
-            </a:r>
+          <a:bodyPr>
+            <a:normAutofit fontScale="62500" lnSpcReduction="20000"/>
+          </a:bodyPr>
+          <a:lstStyle/>
+          <a:p>
+            <a:pPr marL="0" indent="0">
+              <a:buNone/>
+            </a:pPr>
+            <a:r>
+              <a:rPr lang="en-US" dirty="0">
+                <a:latin typeface="Courier"/>
+                <a:cs typeface="Courier"/>
+              </a:rPr>
+              <a:t>if </a:t>
+            </a:r>
+            <a:r>
+              <a:rPr lang="en-US" dirty="0" err="1">
+                <a:latin typeface="Courier"/>
+                <a:cs typeface="Courier"/>
+              </a:rPr>
+              <a:t>app.owner.endswith</a:t>
+            </a:r>
+            <a:r>
+              <a:rPr lang="en-US" dirty="0">
+                <a:latin typeface="Courier"/>
+                <a:cs typeface="Courier"/>
+              </a:rPr>
+              <a:t>(‘@</a:t>
+            </a:r>
+            <a:r>
+              <a:rPr lang="en-US" dirty="0" err="1">
+                <a:latin typeface="Courier"/>
+                <a:cs typeface="Courier"/>
+              </a:rPr>
+              <a:t>engineering.test.com</a:t>
+            </a:r>
+            <a:r>
+              <a:rPr lang="en-US" dirty="0">
+                <a:latin typeface="Courier"/>
+                <a:cs typeface="Courier"/>
+              </a:rPr>
+              <a:t>’):</a:t>
+            </a:r>
+          </a:p>
+          <a:p>
+            <a:pPr marL="0" indent="0">
+              <a:buNone/>
+            </a:pPr>
+            <a:r>
+              <a:rPr lang="en-US" dirty="0">
+                <a:latin typeface="Courier"/>
+                <a:cs typeface="Courier"/>
+              </a:rPr>
+              <a:t>  </a:t>
+            </a:r>
+            <a:r>
+              <a:rPr lang="en-US" dirty="0" err="1">
+                <a:latin typeface="Courier"/>
+                <a:cs typeface="Courier"/>
+              </a:rPr>
+              <a:t>assert_app_dependency</a:t>
+            </a:r>
+            <a:r>
+              <a:rPr lang="en-US" dirty="0">
+                <a:latin typeface="Courier"/>
+                <a:cs typeface="Courier"/>
+              </a:rPr>
+              <a:t>(app, ‘Log’, ‘1.0’)</a:t>
+            </a:r>
+          </a:p>
+          <a:p>
+            <a:pPr marL="0" indent="0">
+              <a:buNone/>
+            </a:pPr>
+            <a:r>
+              <a:rPr lang="en-US" dirty="0" err="1">
+                <a:latin typeface="Courier"/>
+                <a:cs typeface="Courier"/>
+              </a:rPr>
+              <a:t>elif</a:t>
+            </a:r>
+            <a:r>
+              <a:rPr lang="en-US" dirty="0">
+                <a:latin typeface="Courier"/>
+                <a:cs typeface="Courier"/>
+              </a:rPr>
+              <a:t> </a:t>
+            </a:r>
+            <a:r>
+              <a:rPr lang="en-US" dirty="0" err="1">
+                <a:latin typeface="Courier"/>
+                <a:cs typeface="Courier"/>
+              </a:rPr>
+              <a:t>app.owner.endswith</a:t>
+            </a:r>
+            <a:r>
+              <a:rPr lang="en-US" dirty="0">
+                <a:latin typeface="Courier"/>
+                <a:cs typeface="Courier"/>
+              </a:rPr>
+              <a:t>(‘@</a:t>
+            </a:r>
+            <a:r>
+              <a:rPr lang="en-US" dirty="0" err="1">
+                <a:latin typeface="Courier"/>
+                <a:cs typeface="Courier"/>
+              </a:rPr>
+              <a:t>sales.test.com</a:t>
+            </a:r>
+            <a:r>
+              <a:rPr lang="en-US" dirty="0">
+                <a:latin typeface="Courier"/>
+                <a:cs typeface="Courier"/>
+              </a:rPr>
+              <a:t>’):</a:t>
+            </a:r>
+          </a:p>
+          <a:p>
+            <a:pPr marL="0" indent="0">
+              <a:buNone/>
+            </a:pPr>
+            <a:r>
+              <a:rPr lang="en-US" dirty="0">
+                <a:latin typeface="Courier"/>
+                <a:cs typeface="Courier"/>
+              </a:rPr>
+              <a:t>  </a:t>
+            </a:r>
+            <a:r>
+              <a:rPr lang="en-US" dirty="0" err="1">
+                <a:latin typeface="Courier"/>
+                <a:cs typeface="Courier"/>
+              </a:rPr>
+              <a:t>assert_app_dependency</a:t>
+            </a:r>
+            <a:r>
+              <a:rPr lang="en-US" dirty="0">
+                <a:latin typeface="Courier"/>
+                <a:cs typeface="Courier"/>
+              </a:rPr>
+              <a:t>(app, ‘</a:t>
+            </a:r>
+            <a:r>
+              <a:rPr lang="en-US" dirty="0" err="1">
+                <a:latin typeface="Courier"/>
+                <a:cs typeface="Courier"/>
+              </a:rPr>
+              <a:t>AnalyticsLog</a:t>
+            </a:r>
+            <a:r>
+              <a:rPr lang="en-US" dirty="0">
+                <a:latin typeface="Courier"/>
+                <a:cs typeface="Courier"/>
+              </a:rPr>
+              <a:t>’, ‘1.0’)</a:t>
+            </a:r>
+          </a:p>
+          <a:p>
+            <a:pPr marL="0" indent="0">
+              <a:buNone/>
+            </a:pPr>
+            <a:r>
+              <a:rPr lang="en-US" dirty="0">
+                <a:latin typeface="Courier"/>
+                <a:cs typeface="Courier"/>
+              </a:rPr>
+              <a:t>else:</a:t>
+            </a:r>
+          </a:p>
+          <a:p>
+            <a:pPr marL="0" indent="0">
+              <a:buNone/>
+            </a:pPr>
+            <a:r>
+              <a:rPr lang="en-US" dirty="0">
+                <a:latin typeface="Courier"/>
+                <a:cs typeface="Courier"/>
+              </a:rPr>
+              <a:t>  </a:t>
+            </a:r>
+            <a:r>
+              <a:rPr lang="en-US" dirty="0" err="1">
+                <a:latin typeface="Courier"/>
+                <a:cs typeface="Courier"/>
+              </a:rPr>
+              <a:t>assert_app_dependency</a:t>
+            </a:r>
+            <a:r>
+              <a:rPr lang="en-US" dirty="0">
+                <a:latin typeface="Courier"/>
+                <a:cs typeface="Courier"/>
+              </a:rPr>
+              <a:t>(app, ‘</a:t>
+            </a:r>
+            <a:r>
+              <a:rPr lang="en-US" dirty="0" err="1">
+                <a:latin typeface="Courier"/>
+                <a:cs typeface="Courier"/>
+              </a:rPr>
+              <a:t>GenericLog</a:t>
+            </a:r>
+            <a:r>
+              <a:rPr lang="en-US" dirty="0">
+                <a:latin typeface="Courier"/>
+                <a:cs typeface="Courier"/>
+              </a:rPr>
+              <a:t>’, ‘1.0’)</a:t>
+            </a:r>
+          </a:p>
+          <a:p>
+            <a:pPr marL="0" indent="0">
+              <a:buNone/>
+            </a:pPr>
+            <a:endParaRPr lang="en-US" dirty="0" smtClean="0">
+              <a:latin typeface="Courier"/>
+              <a:cs typeface="Courier"/>
+            </a:endParaRPr>
+          </a:p>
+          <a:p>
+            <a:pPr marL="0" indent="0">
+              <a:buNone/>
+            </a:pPr>
+            <a:endParaRPr lang="en-US" dirty="0">
+              <a:latin typeface="Courier"/>
+              <a:cs typeface="Courier"/>
+            </a:endParaRPr>
+          </a:p>
+          <a:p>
+            <a:pPr marL="0" indent="0">
+              <a:buNone/>
+            </a:pPr>
+            <a:endParaRPr lang="en-US" dirty="0">
+              <a:latin typeface="Courier"/>
+              <a:cs typeface="Courier"/>
+            </a:endParaRPr>
+          </a:p>
+          <a:p>
+            <a:pPr marL="0" indent="0">
+              <a:buNone/>
+            </a:pPr>
+            <a:r>
+              <a:rPr lang="en-US" dirty="0">
+                <a:latin typeface="Courier"/>
+                <a:cs typeface="Courier"/>
+              </a:rPr>
+              <a:t>deprecated = filter(</a:t>
+            </a:r>
+          </a:p>
+          <a:p>
+            <a:pPr marL="0" indent="0">
+              <a:buNone/>
+            </a:pPr>
+            <a:r>
+              <a:rPr lang="en-US" dirty="0">
+                <a:latin typeface="Courier"/>
+                <a:cs typeface="Courier"/>
+              </a:rPr>
+              <a:t>  lambda </a:t>
+            </a:r>
+            <a:r>
+              <a:rPr lang="en-US" dirty="0" err="1">
+                <a:latin typeface="Courier"/>
+                <a:cs typeface="Courier"/>
+              </a:rPr>
+              <a:t>dep</a:t>
+            </a:r>
+            <a:r>
+              <a:rPr lang="en-US" dirty="0">
+                <a:latin typeface="Courier"/>
+                <a:cs typeface="Courier"/>
+              </a:rPr>
+              <a:t>: </a:t>
+            </a:r>
+            <a:r>
+              <a:rPr lang="en-US" dirty="0" err="1">
+                <a:latin typeface="Courier"/>
+                <a:cs typeface="Courier"/>
+              </a:rPr>
+              <a:t>dep.status</a:t>
+            </a:r>
+            <a:r>
+              <a:rPr lang="en-US" dirty="0">
+                <a:latin typeface="Courier"/>
+                <a:cs typeface="Courier"/>
+              </a:rPr>
+              <a:t> = ‘Deprecated’,</a:t>
+            </a:r>
+          </a:p>
+          <a:p>
+            <a:pPr marL="0" indent="0">
+              <a:buNone/>
+            </a:pPr>
+            <a:r>
+              <a:rPr lang="en-US" dirty="0">
+                <a:latin typeface="Courier"/>
+                <a:cs typeface="Courier"/>
+              </a:rPr>
+              <a:t>  </a:t>
+            </a:r>
+            <a:r>
+              <a:rPr lang="en-US" dirty="0" err="1">
+                <a:latin typeface="Courier"/>
+                <a:cs typeface="Courier"/>
+              </a:rPr>
+              <a:t>app.dependencies</a:t>
+            </a:r>
+            <a:r>
+              <a:rPr lang="en-US" dirty="0">
+                <a:latin typeface="Courier"/>
+                <a:cs typeface="Courier"/>
+              </a:rPr>
+              <a:t>)</a:t>
+            </a:r>
+          </a:p>
+          <a:p>
+            <a:pPr marL="0" indent="0">
+              <a:buNone/>
+            </a:pPr>
+            <a:r>
+              <a:rPr lang="en-US" dirty="0" err="1">
+                <a:latin typeface="Courier"/>
+                <a:cs typeface="Courier"/>
+              </a:rPr>
+              <a:t>assert_false</a:t>
+            </a:r>
+            <a:r>
+              <a:rPr lang="en-US" dirty="0">
+                <a:latin typeface="Courier"/>
+                <a:cs typeface="Courier"/>
+              </a:rPr>
+              <a:t>(deprecated, </a:t>
+            </a:r>
+          </a:p>
+          <a:p>
+            <a:pPr marL="0" indent="0">
+              <a:buNone/>
+            </a:pPr>
+            <a:r>
+              <a:rPr lang="en-US" dirty="0">
+                <a:latin typeface="Courier"/>
+                <a:cs typeface="Courier"/>
+              </a:rPr>
+              <a:t>  ‘must not use deprecated dependencies’)</a:t>
+            </a:r>
+          </a:p>
+          <a:p>
+            <a:pPr marL="0" indent="0">
+              <a:buNone/>
+            </a:pPr>
+            <a:endParaRPr lang="en-US" dirty="0">
+              <a:latin typeface="Courier"/>
+              <a:cs typeface="Courier"/>
+            </a:endParaRPr>
+          </a:p>
+          <a:p>
+            <a:pPr marL="0" indent="0">
+              <a:buNone/>
+            </a:pPr>
             <a:endParaRPr lang="en-US" dirty="0"/>
           </a:p>
-          <a:p>
-            <a:pPr lvl="1"/>
-            <a:r>
-              <a:rPr lang="en-US" dirty="0">
-                <a:hlinkClick r:id="rId2"/>
-              </a:rPr>
-              <a:t>http://appscale.com</a:t>
-            </a:r>
-            <a:endParaRPr lang="en-US" dirty="0"/>
-          </a:p>
-          <a:p>
-            <a:r>
-              <a:rPr lang="en-US" dirty="0"/>
-              <a:t>Metadata Manager – MySQL</a:t>
-            </a:r>
-          </a:p>
-          <a:p>
-            <a:r>
-              <a:rPr lang="en-US" dirty="0"/>
-              <a:t>API Gateway and Discovery Portal – WSO2</a:t>
-            </a:r>
-          </a:p>
-          <a:p>
-            <a:r>
-              <a:rPr lang="en-US" dirty="0"/>
-              <a:t>All additional processes integrated into the task management subsystem of </a:t>
-            </a:r>
-            <a:r>
-              <a:rPr lang="en-US" dirty="0" err="1"/>
-              <a:t>AppScale</a:t>
-            </a:r>
-            <a:endParaRPr lang="en-US" dirty="0"/>
-          </a:p>
-          <a:p>
-            <a:r>
-              <a:rPr lang="en-US" dirty="0"/>
-              <a:t>Minimal code changes/additions</a:t>
-            </a:r>
-          </a:p>
-          <a:p>
-            <a:endParaRPr lang="en-US" dirty="0"/>
-          </a:p>
-        </p:txBody>
-      </p:sp>
-      <p:pic>
-        <p:nvPicPr>
-          <p:cNvPr id="4" name="Picture 3" descr="AppScale_Systems_Logo.png"/>
-          <p:cNvPicPr>
-            <a:picLocks noChangeAspect="1"/>
-          </p:cNvPicPr>
-          <p:nvPr/>
-        </p:nvPicPr>
-        <p:blipFill>
-          <a:blip r:embed="rId3">
-            <a:extLst>
-              <a:ext uri="{28A0092B-C50C-407E-A947-70E740481C1C}">
-                <a14:useLocalDpi xmlns:a14="http://schemas.microsoft.com/office/drawing/2010/main" val="0"/>
-              </a:ext>
-            </a:extLst>
-          </a:blip>
-          <a:stretch>
-            <a:fillRect/>
-          </a:stretch>
-        </p:blipFill>
-        <p:spPr>
-          <a:xfrm>
-            <a:off x="8026307" y="5323279"/>
-            <a:ext cx="1117693" cy="1605768"/>
-          </a:xfrm>
-          <a:prstGeom prst="rect">
-            <a:avLst/>
-          </a:prstGeom>
-        </p:spPr>
-      </p:pic>
-      <p:sp>
-        <p:nvSpPr>
-          <p:cNvPr id="5" name="Slide Number Placeholder 4"/>
+        </p:txBody>
+      </p:sp>
+      <p:sp>
+        <p:nvSpPr>
+          <p:cNvPr id="4" name="Slide Number Placeholder 3"/>
           <p:cNvSpPr>
             <a:spLocks noGrp="1"/>
           </p:cNvSpPr>
@@ -16938,7 +16972,7 @@
     </p:spTree>
     <p:extLst>
       <p:ext uri="{BB962C8B-B14F-4D97-AF65-F5344CB8AC3E}">
-        <p14:creationId xmlns:p14="http://schemas.microsoft.com/office/powerpoint/2010/main" val="1699778603"/>
+        <p14:creationId xmlns:p14="http://schemas.microsoft.com/office/powerpoint/2010/main" val="2299342324"/>
       </p:ext>
     </p:extLst>
   </p:cSld>
@@ -16989,40 +17023,114 @@
           <a:p>
             <a:r>
               <a:rPr lang="en-US" dirty="0" smtClean="0"/>
-              <a:t>EAGER Overhead by App</a:t>
-            </a:r>
+              <a:t>EAGER Prototype</a:t>
+            </a:r>
+            <a:endParaRPr lang="en-US" dirty="0"/>
+          </a:p>
+        </p:txBody>
+      </p:sp>
+      <p:sp>
+        <p:nvSpPr>
+          <p:cNvPr id="3" name="Content Placeholder 2"/>
+          <p:cNvSpPr>
+            <a:spLocks noGrp="1"/>
+          </p:cNvSpPr>
+          <p:nvPr>
+            <p:ph idx="1"/>
+          </p:nvPr>
+        </p:nvSpPr>
+        <p:spPr/>
+        <p:txBody>
+          <a:bodyPr/>
+          <a:lstStyle/>
+          <a:p>
+            <a:r>
+              <a:rPr lang="en-US" dirty="0"/>
+              <a:t>Implemented into </a:t>
+            </a:r>
+            <a:r>
+              <a:rPr lang="en-US" dirty="0" err="1"/>
+              <a:t>AppScale</a:t>
+            </a:r>
+            <a:endParaRPr lang="en-US" dirty="0"/>
+          </a:p>
+          <a:p>
+            <a:pPr lvl="1"/>
+            <a:r>
+              <a:rPr lang="en-US" dirty="0">
+                <a:hlinkClick r:id="rId2"/>
+              </a:rPr>
+              <a:t>http://appscale.com</a:t>
+            </a:r>
+            <a:endParaRPr lang="en-US" dirty="0"/>
+          </a:p>
+          <a:p>
+            <a:r>
+              <a:rPr lang="en-US" dirty="0"/>
+              <a:t>Metadata Manager – MySQL</a:t>
+            </a:r>
+          </a:p>
+          <a:p>
+            <a:r>
+              <a:rPr lang="en-US" dirty="0"/>
+              <a:t>API Gateway and Discovery Portal – WSO2</a:t>
+            </a:r>
+          </a:p>
+          <a:p>
+            <a:r>
+              <a:rPr lang="en-US" dirty="0"/>
+              <a:t>All additional processes integrated into the task management subsystem of </a:t>
+            </a:r>
+            <a:r>
+              <a:rPr lang="en-US" dirty="0" err="1"/>
+              <a:t>AppScale</a:t>
+            </a:r>
+            <a:endParaRPr lang="en-US" dirty="0"/>
+          </a:p>
+          <a:p>
+            <a:r>
+              <a:rPr lang="en-US" dirty="0"/>
+              <a:t>Minimal code changes/additions</a:t>
+            </a:r>
+          </a:p>
+          <a:p>
             <a:endParaRPr lang="en-US" dirty="0"/>
           </a:p>
         </p:txBody>
       </p:sp>
       <p:pic>
         <p:nvPicPr>
-          <p:cNvPr id="4" name="Content Placeholder 3" descr="overhead_by_app.png"/>
+          <p:cNvPr id="4" name="Picture 3" descr="AppScale_Systems_Logo.png"/>
           <p:cNvPicPr>
-            <a:picLocks noGrp="1" noChangeAspect="1"/>
+            <a:picLocks noChangeAspect="1"/>
           </p:cNvPicPr>
-          <p:nvPr>
-            <p:ph idx="1"/>
-          </p:nvPr>
+          <p:nvPr/>
         </p:nvPicPr>
         <p:blipFill>
-          <a:blip r:embed="rId2">
+          <a:blip r:embed="rId3">
             <a:extLst>
               <a:ext uri="{28A0092B-C50C-407E-A947-70E740481C1C}">
                 <a14:useLocalDpi xmlns:a14="http://schemas.microsoft.com/office/drawing/2010/main" val="0"/>
               </a:ext>
             </a:extLst>
           </a:blip>
-          <a:srcRect l="-7416" r="-7416"/>
           <a:stretch>
             <a:fillRect/>
           </a:stretch>
         </p:blipFill>
-        <p:spPr/>
+        <p:spPr>
+          <a:xfrm>
+            <a:off x="8026307" y="5323279"/>
+            <a:ext cx="1117693" cy="1605768"/>
+          </a:xfrm>
+          <a:prstGeom prst="rect">
+            <a:avLst/>
+          </a:prstGeom>
+        </p:spPr>
       </p:pic>
       <p:sp>
         <p:nvSpPr>
-          <p:cNvPr id="3" name="Slide Number Placeholder 2"/>
+          <p:cNvPr id="5" name="Slide Number Placeholder 4"/>
           <p:cNvSpPr>
             <a:spLocks noGrp="1"/>
           </p:cNvSpPr>
@@ -17046,7 +17154,7 @@
     </p:spTree>
     <p:extLst>
       <p:ext uri="{BB962C8B-B14F-4D97-AF65-F5344CB8AC3E}">
-        <p14:creationId xmlns:p14="http://schemas.microsoft.com/office/powerpoint/2010/main" val="1956200155"/>
+        <p14:creationId xmlns:p14="http://schemas.microsoft.com/office/powerpoint/2010/main" val="1699778603"/>
       </p:ext>
     </p:extLst>
   </p:cSld>
@@ -17097,15 +17205,7 @@
           <a:p>
             <a:r>
               <a:rPr lang="en-US" dirty="0" smtClean="0"/>
-              <a:t>EAGER Overhead </a:t>
-            </a:r>
-            <a:r>
-              <a:rPr lang="en-US" dirty="0" err="1" smtClean="0"/>
-              <a:t>vs</a:t>
-            </a:r>
-            <a:r>
-              <a:rPr lang="en-US" dirty="0" smtClean="0"/>
-              <a:t> Policies</a:t>
+              <a:t>EAGER Overhead by App</a:t>
             </a:r>
             <a:endParaRPr lang="en-US" dirty="0"/>
           </a:p>
@@ -17113,7 +17213,7 @@
       </p:sp>
       <p:pic>
         <p:nvPicPr>
-          <p:cNvPr id="4" name="Content Placeholder 5" descr="overhead_by_policies.png"/>
+          <p:cNvPr id="4" name="Content Placeholder 3" descr="overhead_by_app.png"/>
           <p:cNvPicPr>
             <a:picLocks noGrp="1" noChangeAspect="1"/>
           </p:cNvPicPr>
@@ -17129,7 +17229,7 @@
               </a:ext>
             </a:extLst>
           </a:blip>
-          <a:srcRect l="-7502" r="-7502"/>
+          <a:srcRect l="-7416" r="-7416"/>
           <a:stretch>
             <a:fillRect/>
           </a:stretch>
@@ -17162,7 +17262,7 @@
     </p:spTree>
     <p:extLst>
       <p:ext uri="{BB962C8B-B14F-4D97-AF65-F5344CB8AC3E}">
-        <p14:creationId xmlns:p14="http://schemas.microsoft.com/office/powerpoint/2010/main" val="1901845792"/>
+        <p14:creationId xmlns:p14="http://schemas.microsoft.com/office/powerpoint/2010/main" val="1956200155"/>
       </p:ext>
     </p:extLst>
   </p:cSld>
@@ -17212,12 +17312,16 @@
           <a:lstStyle/>
           <a:p>
             <a:r>
+              <a:rPr lang="en-US" dirty="0" smtClean="0"/>
+              <a:t>EAGER Overhead </a:t>
+            </a:r>
+            <a:r>
               <a:rPr lang="en-US" dirty="0" err="1" smtClean="0"/>
-              <a:t>ProgrammableWeb</a:t>
-            </a:r>
-            <a:r>
-              <a:rPr lang="en-US" dirty="0" smtClean="0"/>
-              <a:t> Dataset</a:t>
+              <a:t>vs</a:t>
+            </a:r>
+            <a:r>
+              <a:rPr lang="en-US" dirty="0" smtClean="0"/>
+              <a:t> Policies</a:t>
             </a:r>
             <a:endParaRPr lang="en-US" dirty="0"/>
           </a:p>
@@ -17225,7 +17329,7 @@
       </p:sp>
       <p:pic>
         <p:nvPicPr>
-          <p:cNvPr id="4" name="Content Placeholder 3" descr="pweb_sample_overhead.png"/>
+          <p:cNvPr id="4" name="Content Placeholder 5" descr="overhead_by_policies.png"/>
           <p:cNvPicPr>
             <a:picLocks noGrp="1" noChangeAspect="1"/>
           </p:cNvPicPr>
@@ -17250,36 +17354,6 @@
       </p:pic>
       <p:sp>
         <p:nvSpPr>
-          <p:cNvPr id="5" name="TextBox 4"/>
-          <p:cNvSpPr txBox="1"/>
-          <p:nvPr/>
-        </p:nvSpPr>
-        <p:spPr>
-          <a:xfrm>
-            <a:off x="457200" y="6466022"/>
-            <a:ext cx="8229600" cy="369332"/>
-          </a:xfrm>
-          <a:prstGeom prst="rect">
-            <a:avLst/>
-          </a:prstGeom>
-          <a:noFill/>
-        </p:spPr>
-        <p:txBody>
-          <a:bodyPr wrap="square" rtlCol="0">
-            <a:spAutoFit/>
-          </a:bodyPr>
-          <a:lstStyle/>
-          <a:p>
-            <a:r>
-              <a:rPr lang="en-US" dirty="0" smtClean="0"/>
-              <a:t>0 policies; 18322 APIs in DB; 33615 dependency edges </a:t>
-            </a:r>
-            <a:endParaRPr lang="en-US" dirty="0"/>
-          </a:p>
-        </p:txBody>
-      </p:sp>
-      <p:sp>
-        <p:nvSpPr>
           <p:cNvPr id="3" name="Slide Number Placeholder 2"/>
           <p:cNvSpPr>
             <a:spLocks noGrp="1"/>
@@ -17304,7 +17378,7 @@
     </p:spTree>
     <p:extLst>
       <p:ext uri="{BB962C8B-B14F-4D97-AF65-F5344CB8AC3E}">
-        <p14:creationId xmlns:p14="http://schemas.microsoft.com/office/powerpoint/2010/main" val="21886181"/>
+        <p14:creationId xmlns:p14="http://schemas.microsoft.com/office/powerpoint/2010/main" val="1901845792"/>
       </p:ext>
     </p:extLst>
   </p:cSld>
@@ -17384,13 +17458,8 @@
             </a:pPr>
             <a:r>
               <a:rPr lang="en-US" sz="3200" dirty="0" smtClean="0"/>
-              <a:t>A bound on application’s response time that </a:t>
-            </a:r>
-            <a:r>
-              <a:rPr lang="en-US" sz="3200" dirty="0" smtClean="0"/>
-              <a:t>enables:</a:t>
-            </a:r>
-            <a:endParaRPr lang="en-US" sz="3200" dirty="0" smtClean="0"/>
+              <a:t>A bound on application’s response time that enables:</a:t>
+            </a:r>
           </a:p>
           <a:p>
             <a:pPr lvl="1"/>
@@ -17498,207 +17567,46 @@
         </p:nvSpPr>
         <p:spPr/>
         <p:txBody>
-          <a:bodyPr>
-            <a:normAutofit fontScale="90000"/>
-          </a:bodyPr>
-          <a:lstStyle/>
-          <a:p>
-            <a:r>
-              <a:rPr lang="en-US" dirty="0" smtClean="0"/>
-              <a:t>QBETS: Queue Bounds Estimation from Time Series</a:t>
+          <a:bodyPr/>
+          <a:lstStyle/>
+          <a:p>
+            <a:r>
+              <a:rPr lang="en-US" dirty="0" err="1" smtClean="0"/>
+              <a:t>ProgrammableWeb</a:t>
+            </a:r>
+            <a:r>
+              <a:rPr lang="en-US" dirty="0" smtClean="0"/>
+              <a:t> Dataset</a:t>
             </a:r>
             <a:endParaRPr lang="en-US" dirty="0"/>
           </a:p>
         </p:txBody>
       </p:sp>
-      <p:sp>
-        <p:nvSpPr>
-          <p:cNvPr id="3" name="Content Placeholder 2"/>
-          <p:cNvSpPr>
-            <a:spLocks noGrp="1"/>
-          </p:cNvSpPr>
+      <p:pic>
+        <p:nvPicPr>
+          <p:cNvPr id="4" name="Content Placeholder 3" descr="pweb_sample_overhead.png"/>
+          <p:cNvPicPr>
+            <a:picLocks noGrp="1" noChangeAspect="1"/>
+          </p:cNvPicPr>
           <p:nvPr>
             <p:ph idx="1"/>
           </p:nvPr>
-        </p:nvSpPr>
-        <p:spPr/>
-        <p:txBody>
-          <a:bodyPr>
-            <a:normAutofit/>
-          </a:bodyPr>
-          <a:lstStyle/>
-          <a:p>
-            <a:r>
-              <a:rPr lang="en-US" dirty="0" smtClean="0"/>
-              <a:t>Analyzes the first </a:t>
-            </a:r>
-            <a:r>
-              <a:rPr lang="en-US" i="1" dirty="0" smtClean="0"/>
-              <a:t>n</a:t>
-            </a:r>
-            <a:r>
-              <a:rPr lang="en-US" dirty="0" smtClean="0"/>
-              <a:t> entries in a time series</a:t>
-            </a:r>
-          </a:p>
-          <a:p>
-            <a:r>
-              <a:rPr lang="en-US" dirty="0" smtClean="0"/>
-              <a:t>Predicts an upper bound for the </a:t>
-            </a:r>
-            <a:r>
-              <a:rPr lang="en-US" i="1" dirty="0" smtClean="0"/>
-              <a:t>(n+1)</a:t>
-            </a:r>
-            <a:r>
-              <a:rPr lang="en-US" baseline="30000" dirty="0" err="1" smtClean="0"/>
-              <a:t>th</a:t>
-            </a:r>
-            <a:r>
-              <a:rPr lang="en-US" dirty="0" smtClean="0"/>
-              <a:t> entry</a:t>
-            </a:r>
-          </a:p>
-          <a:p>
-            <a:pPr lvl="1"/>
-            <a:r>
-              <a:rPr lang="en-US" i="1" dirty="0" smtClean="0"/>
-              <a:t>QBETS([x</a:t>
-            </a:r>
-            <a:r>
-              <a:rPr lang="en-US" i="1" baseline="-25000" dirty="0" smtClean="0"/>
-              <a:t>1</a:t>
-            </a:r>
-            <a:r>
-              <a:rPr lang="en-US" i="1" dirty="0" smtClean="0"/>
-              <a:t>,x</a:t>
-            </a:r>
-            <a:r>
-              <a:rPr lang="en-US" i="1" baseline="-25000" dirty="0" smtClean="0"/>
-              <a:t>2</a:t>
-            </a:r>
-            <a:r>
-              <a:rPr lang="en-US" i="1" dirty="0" smtClean="0"/>
-              <a:t>,…</a:t>
-            </a:r>
-            <a:r>
-              <a:rPr lang="en-US" i="1" dirty="0" err="1" smtClean="0"/>
-              <a:t>x</a:t>
-            </a:r>
-            <a:r>
-              <a:rPr lang="en-US" i="1" baseline="-25000" dirty="0" err="1" smtClean="0"/>
-              <a:t>n</a:t>
-            </a:r>
-            <a:r>
-              <a:rPr lang="en-US" i="1" dirty="0" smtClean="0"/>
-              <a:t>], p) = Q</a:t>
-            </a:r>
-            <a:r>
-              <a:rPr lang="en-US" dirty="0" smtClean="0"/>
-              <a:t> where </a:t>
-            </a:r>
-            <a:r>
-              <a:rPr lang="en-US" i="1" dirty="0" smtClean="0"/>
-              <a:t>p </a:t>
-            </a:r>
-            <a:r>
-              <a:rPr lang="en-US" i="1" dirty="0" smtClean="0">
-                <a:sym typeface="Symbol"/>
-              </a:rPr>
-              <a:t> </a:t>
-            </a:r>
-            <a:r>
-              <a:rPr lang="en-US" i="1" dirty="0" smtClean="0"/>
-              <a:t>(0,1)</a:t>
-            </a:r>
-          </a:p>
-          <a:p>
-            <a:pPr lvl="1"/>
-            <a:r>
-              <a:rPr lang="en-US" i="1" dirty="0" smtClean="0"/>
-              <a:t>P(x</a:t>
-            </a:r>
-            <a:r>
-              <a:rPr lang="en-US" i="1" baseline="-25000" dirty="0" smtClean="0"/>
-              <a:t>n+1</a:t>
-            </a:r>
-            <a:r>
-              <a:rPr lang="en-US" i="1" dirty="0" smtClean="0"/>
-              <a:t> ≤ Q) ≥ p</a:t>
-            </a:r>
-          </a:p>
-          <a:p>
-            <a:r>
-              <a:rPr lang="en-US" dirty="0" smtClean="0"/>
-              <a:t>Cerebro uses QBETS to predict response time SLAs of the form:</a:t>
-            </a:r>
-          </a:p>
-          <a:p>
-            <a:pPr lvl="1"/>
-            <a:r>
-              <a:rPr lang="en-US" dirty="0" smtClean="0"/>
-              <a:t>Operation </a:t>
-            </a:r>
-            <a:r>
-              <a:rPr lang="en-US" i="1" dirty="0" smtClean="0"/>
-              <a:t>O</a:t>
-            </a:r>
-            <a:r>
-              <a:rPr lang="en-US" dirty="0" smtClean="0"/>
-              <a:t> responds </a:t>
-            </a:r>
-            <a:r>
-              <a:rPr lang="en-US" i="1" dirty="0" smtClean="0"/>
-              <a:t>under</a:t>
-            </a:r>
-            <a:r>
-              <a:rPr lang="en-US" dirty="0" smtClean="0"/>
-              <a:t> </a:t>
-            </a:r>
-            <a:r>
-              <a:rPr lang="en-US" i="1" dirty="0" smtClean="0"/>
-              <a:t>T</a:t>
-            </a:r>
-            <a:r>
-              <a:rPr lang="en-US" dirty="0" smtClean="0"/>
-              <a:t> milliseconds (100</a:t>
-            </a:r>
-            <a:r>
-              <a:rPr lang="en-US" i="1" dirty="0" smtClean="0"/>
-              <a:t>p)%</a:t>
-            </a:r>
-            <a:r>
-              <a:rPr lang="en-US" dirty="0" smtClean="0"/>
-              <a:t> of the time</a:t>
-            </a:r>
-            <a:endParaRPr lang="en-US" dirty="0"/>
-          </a:p>
-        </p:txBody>
-      </p:sp>
-      <p:sp>
-        <p:nvSpPr>
-          <p:cNvPr id="4" name="Slide Number Placeholder 3"/>
-          <p:cNvSpPr>
-            <a:spLocks noGrp="1"/>
-          </p:cNvSpPr>
-          <p:nvPr>
-            <p:ph type="sldNum" sz="quarter" idx="12"/>
-          </p:nvPr>
-        </p:nvSpPr>
-        <p:spPr/>
-        <p:txBody>
-          <a:bodyPr/>
-          <a:lstStyle/>
-          <a:p>
-            <a:fld id="{3336F440-0623-F948-B0BF-C3A0BAE2BBD0}" type="slidenum">
-              <a:rPr lang="en-US" smtClean="0"/>
-              <a:pPr/>
-              <a:t>50</a:t>
-            </a:fld>
-            <a:endParaRPr lang="en-US"/>
-          </a:p>
-        </p:txBody>
-      </p:sp>
+        </p:nvPicPr>
+        <p:blipFill>
+          <a:blip r:embed="rId2">
+            <a:extLst>
+              <a:ext uri="{28A0092B-C50C-407E-A947-70E740481C1C}">
+                <a14:useLocalDpi xmlns:a14="http://schemas.microsoft.com/office/drawing/2010/main" val="0"/>
+              </a:ext>
+            </a:extLst>
+          </a:blip>
+          <a:srcRect l="-7502" r="-7502"/>
+          <a:stretch>
+            <a:fillRect/>
+          </a:stretch>
+        </p:blipFill>
+        <p:spPr/>
+      </p:pic>
       <p:sp>
         <p:nvSpPr>
           <p:cNvPr id="5" name="TextBox 4"/>
@@ -17707,8 +17615,8 @@
         </p:nvSpPr>
         <p:spPr>
           <a:xfrm>
-            <a:off x="165100" y="6264335"/>
-            <a:ext cx="8788400" cy="562718"/>
+            <a:off x="457200" y="6466022"/>
+            <a:ext cx="8229600" cy="369332"/>
           </a:xfrm>
           <a:prstGeom prst="rect">
             <a:avLst/>
@@ -17721,47 +17629,41 @@
           </a:bodyPr>
           <a:lstStyle/>
           <a:p>
-            <a:pPr>
-              <a:lnSpc>
-                <a:spcPct val="110000"/>
-              </a:lnSpc>
-            </a:pPr>
-            <a:r>
-              <a:rPr lang="en-US" sz="1400" i="1" dirty="0" smtClean="0"/>
-              <a:t>D. </a:t>
-            </a:r>
-            <a:r>
-              <a:rPr lang="en-US" sz="1400" i="1" dirty="0" err="1" smtClean="0"/>
-              <a:t>Nurmi</a:t>
-            </a:r>
-            <a:r>
-              <a:rPr lang="en-US" sz="1400" i="1" dirty="0" smtClean="0"/>
-              <a:t>, J. </a:t>
-            </a:r>
-            <a:r>
-              <a:rPr lang="en-US" sz="1400" i="1" dirty="0" err="1" smtClean="0"/>
-              <a:t>Brevik</a:t>
-            </a:r>
-            <a:r>
-              <a:rPr lang="en-US" sz="1400" i="1" dirty="0" smtClean="0"/>
-              <a:t> and R. </a:t>
-            </a:r>
-            <a:r>
-              <a:rPr lang="en-US" sz="1400" i="1" dirty="0" err="1" smtClean="0"/>
-              <a:t>Wolski</a:t>
-            </a:r>
-            <a:r>
-              <a:rPr lang="en-US" sz="1400" i="1" dirty="0" smtClean="0"/>
-              <a:t>, “QBETS: Queue Bounds Estimation from Time Series”, 2008 International Conference on Job Scheduling Strategies for Parallel Processing</a:t>
-            </a:r>
-            <a:endParaRPr lang="en-US" sz="1400" i="1" dirty="0"/>
+            <a:r>
+              <a:rPr lang="en-US" dirty="0" smtClean="0"/>
+              <a:t>0 policies; 18322 APIs in DB; 33615 dependency edges </a:t>
+            </a:r>
+            <a:endParaRPr lang="en-US" dirty="0"/>
+          </a:p>
+        </p:txBody>
+      </p:sp>
+      <p:sp>
+        <p:nvSpPr>
+          <p:cNvPr id="3" name="Slide Number Placeholder 2"/>
+          <p:cNvSpPr>
+            <a:spLocks noGrp="1"/>
+          </p:cNvSpPr>
+          <p:nvPr>
+            <p:ph type="sldNum" sz="quarter" idx="12"/>
+          </p:nvPr>
+        </p:nvSpPr>
+        <p:spPr/>
+        <p:txBody>
+          <a:bodyPr/>
+          <a:lstStyle/>
+          <a:p>
+            <a:fld id="{D4755116-B387-CD40-9D82-4279FFF17F28}" type="slidenum">
+              <a:rPr lang="en-US" smtClean="0"/>
+              <a:t>50</a:t>
+            </a:fld>
+            <a:endParaRPr lang="en-US"/>
           </a:p>
         </p:txBody>
       </p:sp>
     </p:spTree>
     <p:extLst>
       <p:ext uri="{BB962C8B-B14F-4D97-AF65-F5344CB8AC3E}">
-        <p14:creationId xmlns:p14="http://schemas.microsoft.com/office/powerpoint/2010/main" val="42999633"/>
+        <p14:creationId xmlns:p14="http://schemas.microsoft.com/office/powerpoint/2010/main" val="21886181"/>
       </p:ext>
     </p:extLst>
   </p:cSld>
@@ -17807,107 +17709,270 @@
         </p:nvSpPr>
         <p:spPr/>
         <p:txBody>
+          <a:bodyPr>
+            <a:normAutofit fontScale="90000"/>
+          </a:bodyPr>
+          <a:lstStyle/>
+          <a:p>
+            <a:r>
+              <a:rPr lang="en-US" dirty="0" smtClean="0"/>
+              <a:t>QBETS: Queue Bounds Estimation from Time Series</a:t>
+            </a:r>
+            <a:endParaRPr lang="en-US" dirty="0"/>
+          </a:p>
+        </p:txBody>
+      </p:sp>
+      <p:sp>
+        <p:nvSpPr>
+          <p:cNvPr id="3" name="Content Placeholder 2"/>
+          <p:cNvSpPr>
+            <a:spLocks noGrp="1"/>
+          </p:cNvSpPr>
+          <p:nvPr>
+            <p:ph idx="1"/>
+          </p:nvPr>
+        </p:nvSpPr>
+        <p:spPr/>
+        <p:txBody>
+          <a:bodyPr>
+            <a:normAutofit/>
+          </a:bodyPr>
+          <a:lstStyle/>
+          <a:p>
+            <a:r>
+              <a:rPr lang="en-US" dirty="0" smtClean="0"/>
+              <a:t>Analyzes the first </a:t>
+            </a:r>
+            <a:r>
+              <a:rPr lang="en-US" i="1" dirty="0" smtClean="0"/>
+              <a:t>n</a:t>
+            </a:r>
+            <a:r>
+              <a:rPr lang="en-US" dirty="0" smtClean="0"/>
+              <a:t> entries in a time series</a:t>
+            </a:r>
+          </a:p>
+          <a:p>
+            <a:r>
+              <a:rPr lang="en-US" dirty="0" smtClean="0"/>
+              <a:t>Predicts an upper bound for the </a:t>
+            </a:r>
+            <a:r>
+              <a:rPr lang="en-US" i="1" dirty="0" smtClean="0"/>
+              <a:t>(n+1)</a:t>
+            </a:r>
+            <a:r>
+              <a:rPr lang="en-US" baseline="30000" dirty="0" err="1" smtClean="0"/>
+              <a:t>th</a:t>
+            </a:r>
+            <a:r>
+              <a:rPr lang="en-US" dirty="0" smtClean="0"/>
+              <a:t> entry</a:t>
+            </a:r>
+          </a:p>
+          <a:p>
+            <a:pPr lvl="1"/>
+            <a:r>
+              <a:rPr lang="en-US" i="1" dirty="0" smtClean="0"/>
+              <a:t>QBETS([x</a:t>
+            </a:r>
+            <a:r>
+              <a:rPr lang="en-US" i="1" baseline="-25000" dirty="0" smtClean="0"/>
+              <a:t>1</a:t>
+            </a:r>
+            <a:r>
+              <a:rPr lang="en-US" i="1" dirty="0" smtClean="0"/>
+              <a:t>,x</a:t>
+            </a:r>
+            <a:r>
+              <a:rPr lang="en-US" i="1" baseline="-25000" dirty="0" smtClean="0"/>
+              <a:t>2</a:t>
+            </a:r>
+            <a:r>
+              <a:rPr lang="en-US" i="1" dirty="0" smtClean="0"/>
+              <a:t>,…</a:t>
+            </a:r>
+            <a:r>
+              <a:rPr lang="en-US" i="1" dirty="0" err="1" smtClean="0"/>
+              <a:t>x</a:t>
+            </a:r>
+            <a:r>
+              <a:rPr lang="en-US" i="1" baseline="-25000" dirty="0" err="1" smtClean="0"/>
+              <a:t>n</a:t>
+            </a:r>
+            <a:r>
+              <a:rPr lang="en-US" i="1" dirty="0" smtClean="0"/>
+              <a:t>], p) = Q</a:t>
+            </a:r>
+            <a:r>
+              <a:rPr lang="en-US" dirty="0" smtClean="0"/>
+              <a:t> where </a:t>
+            </a:r>
+            <a:r>
+              <a:rPr lang="en-US" i="1" dirty="0" smtClean="0"/>
+              <a:t>p </a:t>
+            </a:r>
+            <a:r>
+              <a:rPr lang="en-US" i="1" dirty="0" smtClean="0">
+                <a:sym typeface="Symbol"/>
+              </a:rPr>
+              <a:t> </a:t>
+            </a:r>
+            <a:r>
+              <a:rPr lang="en-US" i="1" dirty="0" smtClean="0"/>
+              <a:t>(0,1)</a:t>
+            </a:r>
+          </a:p>
+          <a:p>
+            <a:pPr lvl="1"/>
+            <a:r>
+              <a:rPr lang="en-US" i="1" dirty="0" smtClean="0"/>
+              <a:t>P(x</a:t>
+            </a:r>
+            <a:r>
+              <a:rPr lang="en-US" i="1" baseline="-25000" dirty="0" smtClean="0"/>
+              <a:t>n+1</a:t>
+            </a:r>
+            <a:r>
+              <a:rPr lang="en-US" i="1" dirty="0" smtClean="0"/>
+              <a:t> ≤ Q) ≥ p</a:t>
+            </a:r>
+          </a:p>
+          <a:p>
+            <a:r>
+              <a:rPr lang="en-US" dirty="0" smtClean="0"/>
+              <a:t>Cerebro uses QBETS to predict response time SLAs of the form:</a:t>
+            </a:r>
+          </a:p>
+          <a:p>
+            <a:pPr lvl="1"/>
+            <a:r>
+              <a:rPr lang="en-US" dirty="0" smtClean="0"/>
+              <a:t>Operation </a:t>
+            </a:r>
+            <a:r>
+              <a:rPr lang="en-US" i="1" dirty="0" smtClean="0"/>
+              <a:t>O</a:t>
+            </a:r>
+            <a:r>
+              <a:rPr lang="en-US" dirty="0" smtClean="0"/>
+              <a:t> responds </a:t>
+            </a:r>
+            <a:r>
+              <a:rPr lang="en-US" i="1" dirty="0" smtClean="0"/>
+              <a:t>under</a:t>
+            </a:r>
+            <a:r>
+              <a:rPr lang="en-US" dirty="0" smtClean="0"/>
+              <a:t> </a:t>
+            </a:r>
+            <a:r>
+              <a:rPr lang="en-US" i="1" dirty="0" smtClean="0"/>
+              <a:t>T</a:t>
+            </a:r>
+            <a:r>
+              <a:rPr lang="en-US" dirty="0" smtClean="0"/>
+              <a:t> milliseconds (100</a:t>
+            </a:r>
+            <a:r>
+              <a:rPr lang="en-US" i="1" dirty="0" smtClean="0"/>
+              <a:t>p)%</a:t>
+            </a:r>
+            <a:r>
+              <a:rPr lang="en-US" dirty="0" smtClean="0"/>
+              <a:t> of the time</a:t>
+            </a:r>
+            <a:endParaRPr lang="en-US" dirty="0"/>
+          </a:p>
+        </p:txBody>
+      </p:sp>
+      <p:sp>
+        <p:nvSpPr>
+          <p:cNvPr id="4" name="Slide Number Placeholder 3"/>
+          <p:cNvSpPr>
+            <a:spLocks noGrp="1"/>
+          </p:cNvSpPr>
+          <p:nvPr>
+            <p:ph type="sldNum" sz="quarter" idx="12"/>
+          </p:nvPr>
+        </p:nvSpPr>
+        <p:spPr/>
+        <p:txBody>
           <a:bodyPr/>
           <a:lstStyle/>
           <a:p>
-            <a:r>
-              <a:rPr lang="en-US" dirty="0" smtClean="0"/>
-              <a:t>Detecting SLA Invalidation</a:t>
-            </a:r>
-            <a:endParaRPr lang="en-US" dirty="0"/>
-          </a:p>
-        </p:txBody>
-      </p:sp>
-      <p:sp>
-        <p:nvSpPr>
-          <p:cNvPr id="3" name="Content Placeholder 2"/>
-          <p:cNvSpPr>
-            <a:spLocks noGrp="1"/>
-          </p:cNvSpPr>
-          <p:nvPr>
-            <p:ph idx="1"/>
-          </p:nvPr>
-        </p:nvSpPr>
-        <p:spPr/>
-        <p:txBody>
-          <a:bodyPr>
-            <a:normAutofit lnSpcReduction="10000"/>
-          </a:bodyPr>
-          <a:lstStyle/>
-          <a:p>
-            <a:r>
-              <a:rPr lang="en-US" dirty="0" smtClean="0"/>
-              <a:t>Each time Cerebro makes a prediction, it computes the current autocorrelation in the time series</a:t>
-            </a:r>
-          </a:p>
-          <a:p>
-            <a:r>
-              <a:rPr lang="en-US" dirty="0" smtClean="0"/>
-              <a:t>Autocorrelation can be used to lookup a table, and determine </a:t>
-            </a:r>
-            <a:r>
-              <a:rPr lang="en-US" i="1" dirty="0" err="1" smtClean="0"/>
-              <a:t>C</a:t>
-            </a:r>
-            <a:r>
-              <a:rPr lang="en-US" i="1" baseline="-25000" dirty="0" err="1" smtClean="0"/>
-              <a:t>w</a:t>
-            </a:r>
-            <a:r>
-              <a:rPr lang="en-US" dirty="0"/>
-              <a:t>;</a:t>
-            </a:r>
-            <a:r>
-              <a:rPr lang="en-US" dirty="0" smtClean="0"/>
-              <a:t> the number of consecutive readings greater than </a:t>
-            </a:r>
-            <a:r>
-              <a:rPr lang="en-US" i="1" dirty="0" smtClean="0"/>
-              <a:t>Q</a:t>
-            </a:r>
-            <a:r>
-              <a:rPr lang="en-US" dirty="0" smtClean="0"/>
-              <a:t>, that constitute a change point</a:t>
-            </a:r>
-          </a:p>
-          <a:p>
-            <a:r>
-              <a:rPr lang="en-US" dirty="0" smtClean="0"/>
-              <a:t>We consider the SLA to have become invalid if this change point occurs</a:t>
-            </a:r>
-          </a:p>
-          <a:p>
-            <a:endParaRPr lang="en-US" dirty="0"/>
-          </a:p>
-        </p:txBody>
-      </p:sp>
-      <p:sp>
-        <p:nvSpPr>
-          <p:cNvPr id="4" name="Slide Number Placeholder 3"/>
-          <p:cNvSpPr>
-            <a:spLocks noGrp="1"/>
-          </p:cNvSpPr>
-          <p:nvPr>
-            <p:ph type="sldNum" sz="quarter" idx="12"/>
-          </p:nvPr>
-        </p:nvSpPr>
-        <p:spPr/>
-        <p:txBody>
-          <a:bodyPr/>
-          <a:lstStyle/>
-          <a:p>
-            <a:fld id="{4940F666-E5FA-274D-B0C1-53A0010BDC84}" type="slidenum">
+            <a:fld id="{3336F440-0623-F948-B0BF-C3A0BAE2BBD0}" type="slidenum">
               <a:rPr lang="en-US" smtClean="0"/>
+              <a:pPr/>
               <a:t>51</a:t>
             </a:fld>
             <a:endParaRPr lang="en-US"/>
           </a:p>
         </p:txBody>
       </p:sp>
+      <p:sp>
+        <p:nvSpPr>
+          <p:cNvPr id="5" name="TextBox 4"/>
+          <p:cNvSpPr txBox="1"/>
+          <p:nvPr/>
+        </p:nvSpPr>
+        <p:spPr>
+          <a:xfrm>
+            <a:off x="165100" y="6264335"/>
+            <a:ext cx="8788400" cy="562718"/>
+          </a:xfrm>
+          <a:prstGeom prst="rect">
+            <a:avLst/>
+          </a:prstGeom>
+          <a:noFill/>
+        </p:spPr>
+        <p:txBody>
+          <a:bodyPr wrap="square" rtlCol="0">
+            <a:spAutoFit/>
+          </a:bodyPr>
+          <a:lstStyle/>
+          <a:p>
+            <a:pPr>
+              <a:lnSpc>
+                <a:spcPct val="110000"/>
+              </a:lnSpc>
+            </a:pPr>
+            <a:r>
+              <a:rPr lang="en-US" sz="1400" i="1" dirty="0" smtClean="0"/>
+              <a:t>D. </a:t>
+            </a:r>
+            <a:r>
+              <a:rPr lang="en-US" sz="1400" i="1" dirty="0" err="1" smtClean="0"/>
+              <a:t>Nurmi</a:t>
+            </a:r>
+            <a:r>
+              <a:rPr lang="en-US" sz="1400" i="1" dirty="0" smtClean="0"/>
+              <a:t>, J. </a:t>
+            </a:r>
+            <a:r>
+              <a:rPr lang="en-US" sz="1400" i="1" dirty="0" err="1" smtClean="0"/>
+              <a:t>Brevik</a:t>
+            </a:r>
+            <a:r>
+              <a:rPr lang="en-US" sz="1400" i="1" dirty="0" smtClean="0"/>
+              <a:t> and R. </a:t>
+            </a:r>
+            <a:r>
+              <a:rPr lang="en-US" sz="1400" i="1" dirty="0" err="1" smtClean="0"/>
+              <a:t>Wolski</a:t>
+            </a:r>
+            <a:r>
+              <a:rPr lang="en-US" sz="1400" i="1" dirty="0" smtClean="0"/>
+              <a:t>, “QBETS: Queue Bounds Estimation from Time Series”, 2008 International Conference on Job Scheduling Strategies for Parallel Processing</a:t>
+            </a:r>
+            <a:endParaRPr lang="en-US" sz="1400" i="1" dirty="0"/>
+          </a:p>
+        </p:txBody>
+      </p:sp>
     </p:spTree>
     <p:extLst>
       <p:ext uri="{BB962C8B-B14F-4D97-AF65-F5344CB8AC3E}">
-        <p14:creationId xmlns:p14="http://schemas.microsoft.com/office/powerpoint/2010/main" val="2159115509"/>
+        <p14:creationId xmlns:p14="http://schemas.microsoft.com/office/powerpoint/2010/main" val="42999633"/>
       </p:ext>
     </p:extLst>
   </p:cSld>
@@ -17958,6 +18023,152 @@
           <a:p>
             <a:r>
               <a:rPr lang="en-US" dirty="0" smtClean="0"/>
+              <a:t>Detecting SLA Invalidation</a:t>
+            </a:r>
+            <a:endParaRPr lang="en-US" dirty="0"/>
+          </a:p>
+        </p:txBody>
+      </p:sp>
+      <p:sp>
+        <p:nvSpPr>
+          <p:cNvPr id="3" name="Content Placeholder 2"/>
+          <p:cNvSpPr>
+            <a:spLocks noGrp="1"/>
+          </p:cNvSpPr>
+          <p:nvPr>
+            <p:ph idx="1"/>
+          </p:nvPr>
+        </p:nvSpPr>
+        <p:spPr/>
+        <p:txBody>
+          <a:bodyPr>
+            <a:normAutofit lnSpcReduction="10000"/>
+          </a:bodyPr>
+          <a:lstStyle/>
+          <a:p>
+            <a:r>
+              <a:rPr lang="en-US" dirty="0" smtClean="0"/>
+              <a:t>Each time Cerebro makes a prediction, it computes the current autocorrelation in the time series</a:t>
+            </a:r>
+          </a:p>
+          <a:p>
+            <a:r>
+              <a:rPr lang="en-US" dirty="0" smtClean="0"/>
+              <a:t>Autocorrelation can be used to lookup a table, and determine </a:t>
+            </a:r>
+            <a:r>
+              <a:rPr lang="en-US" i="1" dirty="0" err="1" smtClean="0"/>
+              <a:t>C</a:t>
+            </a:r>
+            <a:r>
+              <a:rPr lang="en-US" i="1" baseline="-25000" dirty="0" err="1" smtClean="0"/>
+              <a:t>w</a:t>
+            </a:r>
+            <a:r>
+              <a:rPr lang="en-US" dirty="0"/>
+              <a:t>;</a:t>
+            </a:r>
+            <a:r>
+              <a:rPr lang="en-US" dirty="0" smtClean="0"/>
+              <a:t> the number of consecutive readings greater than </a:t>
+            </a:r>
+            <a:r>
+              <a:rPr lang="en-US" i="1" dirty="0" smtClean="0"/>
+              <a:t>Q</a:t>
+            </a:r>
+            <a:r>
+              <a:rPr lang="en-US" dirty="0" smtClean="0"/>
+              <a:t>, that constitute a change point</a:t>
+            </a:r>
+          </a:p>
+          <a:p>
+            <a:r>
+              <a:rPr lang="en-US" dirty="0" smtClean="0"/>
+              <a:t>We consider the SLA to have become invalid if this change point occurs</a:t>
+            </a:r>
+          </a:p>
+          <a:p>
+            <a:endParaRPr lang="en-US" dirty="0"/>
+          </a:p>
+        </p:txBody>
+      </p:sp>
+      <p:sp>
+        <p:nvSpPr>
+          <p:cNvPr id="4" name="Slide Number Placeholder 3"/>
+          <p:cNvSpPr>
+            <a:spLocks noGrp="1"/>
+          </p:cNvSpPr>
+          <p:nvPr>
+            <p:ph type="sldNum" sz="quarter" idx="12"/>
+          </p:nvPr>
+        </p:nvSpPr>
+        <p:spPr/>
+        <p:txBody>
+          <a:bodyPr/>
+          <a:lstStyle/>
+          <a:p>
+            <a:fld id="{4940F666-E5FA-274D-B0C1-53A0010BDC84}" type="slidenum">
+              <a:rPr lang="en-US" smtClean="0"/>
+              <a:t>52</a:t>
+            </a:fld>
+            <a:endParaRPr lang="en-US"/>
+          </a:p>
+        </p:txBody>
+      </p:sp>
+    </p:spTree>
+    <p:extLst>
+      <p:ext uri="{BB962C8B-B14F-4D97-AF65-F5344CB8AC3E}">
+        <p14:creationId xmlns:p14="http://schemas.microsoft.com/office/powerpoint/2010/main" val="2159115509"/>
+      </p:ext>
+    </p:extLst>
+  </p:cSld>
+  <p:clrMapOvr>
+    <a:masterClrMapping/>
+  </p:clrMapOvr>
+  <p:timing>
+    <p:tnLst>
+      <p:par>
+        <p:cTn xmlns:p14="http://schemas.microsoft.com/office/powerpoint/2010/main" id="1" dur="indefinite" restart="never" nodeType="tmRoot"/>
+      </p:par>
+    </p:tnLst>
+  </p:timing>
+</p:sld>
+</file>
+
+<file path=ppt/slides/slide53.xml><?xml version="1.0" encoding="utf-8"?>
+<p:sld xmlns:a="http://schemas.openxmlformats.org/drawingml/2006/main" xmlns:r="http://schemas.openxmlformats.org/officeDocument/2006/relationships" xmlns:p="http://schemas.openxmlformats.org/presentationml/2006/main">
+  <p:cSld>
+    <p:spTree>
+      <p:nvGrpSpPr>
+        <p:cNvPr id="1" name=""/>
+        <p:cNvGrpSpPr/>
+        <p:nvPr/>
+      </p:nvGrpSpPr>
+      <p:grpSpPr>
+        <a:xfrm>
+          <a:off x="0" y="0"/>
+          <a:ext cx="0" cy="0"/>
+          <a:chOff x="0" y="0"/>
+          <a:chExt cx="0" cy="0"/>
+        </a:xfrm>
+      </p:grpSpPr>
+      <p:sp>
+        <p:nvSpPr>
+          <p:cNvPr id="2" name="Title 1"/>
+          <p:cNvSpPr>
+            <a:spLocks noGrp="1"/>
+          </p:cNvSpPr>
+          <p:nvPr>
+            <p:ph type="title"/>
+          </p:nvPr>
+        </p:nvSpPr>
+        <p:spPr/>
+        <p:txBody>
+          <a:bodyPr/>
+          <a:lstStyle/>
+          <a:p>
+            <a:r>
+              <a:rPr lang="en-US" dirty="0" smtClean="0"/>
               <a:t>Evaluation: Prediction Tightness </a:t>
             </a:r>
             <a:endParaRPr lang="en-US" dirty="0"/>
@@ -18012,7 +18223,7 @@
             <a:fld id="{3336F440-0623-F948-B0BF-C3A0BAE2BBD0}" type="slidenum">
               <a:rPr lang="en-US" smtClean="0"/>
               <a:pPr/>
-              <a:t>52</a:t>
+              <a:t>53</a:t>
             </a:fld>
             <a:endParaRPr lang="en-US"/>
           </a:p>
@@ -18038,7 +18249,7 @@
 </p:sld>
 </file>
 
-<file path=ppt/slides/slide53.xml><?xml version="1.0" encoding="utf-8"?>
+<file path=ppt/slides/slide54.xml><?xml version="1.0" encoding="utf-8"?>
 <p:sld xmlns:a="http://schemas.openxmlformats.org/drawingml/2006/main" xmlns:r="http://schemas.openxmlformats.org/officeDocument/2006/relationships" xmlns:p="http://schemas.openxmlformats.org/presentationml/2006/main">
   <p:cSld>
     <p:spTree>
@@ -18728,7 +18939,7 @@
           <a:p>
             <a:fld id="{4940F666-E5FA-274D-B0C1-53A0010BDC84}" type="slidenum">
               <a:rPr lang="en-US" smtClean="0"/>
-              <a:t>53</a:t>
+              <a:t>54</a:t>
             </a:fld>
             <a:endParaRPr lang="en-US"/>
           </a:p>
@@ -18738,114 +18949,6 @@
     <p:extLst>
       <p:ext uri="{BB962C8B-B14F-4D97-AF65-F5344CB8AC3E}">
         <p14:creationId xmlns:p14="http://schemas.microsoft.com/office/powerpoint/2010/main" val="2401849987"/>
-      </p:ext>
-    </p:extLst>
-  </p:cSld>
-  <p:clrMapOvr>
-    <a:masterClrMapping/>
-  </p:clrMapOvr>
-  <p:timing>
-    <p:tnLst>
-      <p:par>
-        <p:cTn xmlns:p14="http://schemas.microsoft.com/office/powerpoint/2010/main" id="1" dur="indefinite" restart="never" nodeType="tmRoot"/>
-      </p:par>
-    </p:tnLst>
-  </p:timing>
-</p:sld>
-</file>
-
-<file path=ppt/slides/slide54.xml><?xml version="1.0" encoding="utf-8"?>
-<p:sld xmlns:a="http://schemas.openxmlformats.org/drawingml/2006/main" xmlns:r="http://schemas.openxmlformats.org/officeDocument/2006/relationships" xmlns:p="http://schemas.openxmlformats.org/presentationml/2006/main">
-  <p:cSld>
-    <p:spTree>
-      <p:nvGrpSpPr>
-        <p:cNvPr id="1" name=""/>
-        <p:cNvGrpSpPr/>
-        <p:nvPr/>
-      </p:nvGrpSpPr>
-      <p:grpSpPr>
-        <a:xfrm>
-          <a:off x="0" y="0"/>
-          <a:ext cx="0" cy="0"/>
-          <a:chOff x="0" y="0"/>
-          <a:chExt cx="0" cy="0"/>
-        </a:xfrm>
-      </p:grpSpPr>
-      <p:sp>
-        <p:nvSpPr>
-          <p:cNvPr id="2" name="Title 1"/>
-          <p:cNvSpPr>
-            <a:spLocks noGrp="1"/>
-          </p:cNvSpPr>
-          <p:nvPr>
-            <p:ph type="title"/>
-          </p:nvPr>
-        </p:nvSpPr>
-        <p:spPr/>
-        <p:txBody>
-          <a:bodyPr/>
-          <a:lstStyle/>
-          <a:p>
-            <a:r>
-              <a:rPr lang="en-US" dirty="0" smtClean="0"/>
-              <a:t>SLA Renewals Per User</a:t>
-            </a:r>
-            <a:endParaRPr lang="en-US" dirty="0"/>
-          </a:p>
-        </p:txBody>
-      </p:sp>
-      <p:pic>
-        <p:nvPicPr>
-          <p:cNvPr id="4" name="Content Placeholder 3" descr="renegotiation_cdf.png"/>
-          <p:cNvPicPr>
-            <a:picLocks noGrp="1" noChangeAspect="1"/>
-          </p:cNvPicPr>
-          <p:nvPr>
-            <p:ph idx="1"/>
-          </p:nvPr>
-        </p:nvPicPr>
-        <p:blipFill>
-          <a:blip r:embed="rId2">
-            <a:extLst>
-              <a:ext uri="{28A0092B-C50C-407E-A947-70E740481C1C}">
-                <a14:useLocalDpi xmlns:a14="http://schemas.microsoft.com/office/drawing/2010/main" val="0"/>
-              </a:ext>
-            </a:extLst>
-          </a:blip>
-          <a:srcRect l="-12238" r="-12238"/>
-          <a:stretch>
-            <a:fillRect/>
-          </a:stretch>
-        </p:blipFill>
-        <p:spPr/>
-      </p:pic>
-      <p:sp>
-        <p:nvSpPr>
-          <p:cNvPr id="3" name="Slide Number Placeholder 2"/>
-          <p:cNvSpPr>
-            <a:spLocks noGrp="1"/>
-          </p:cNvSpPr>
-          <p:nvPr>
-            <p:ph type="sldNum" sz="quarter" idx="12"/>
-          </p:nvPr>
-        </p:nvSpPr>
-        <p:spPr/>
-        <p:txBody>
-          <a:bodyPr/>
-          <a:lstStyle/>
-          <a:p>
-            <a:fld id="{4940F666-E5FA-274D-B0C1-53A0010BDC84}" type="slidenum">
-              <a:rPr lang="en-US" smtClean="0"/>
-              <a:t>54</a:t>
-            </a:fld>
-            <a:endParaRPr lang="en-US"/>
-          </a:p>
-        </p:txBody>
-      </p:sp>
-    </p:spTree>
-    <p:extLst>
-      <p:ext uri="{BB962C8B-B14F-4D97-AF65-F5344CB8AC3E}">
-        <p14:creationId xmlns:p14="http://schemas.microsoft.com/office/powerpoint/2010/main" val="2982331455"/>
       </p:ext>
     </p:extLst>
   </p:cSld>
@@ -18896,7 +18999,7 @@
           <a:p>
             <a:r>
               <a:rPr lang="en-US" dirty="0" smtClean="0"/>
-              <a:t>Chen &amp; Liu Method Example</a:t>
+              <a:t>SLA Renewals Per User</a:t>
             </a:r>
             <a:endParaRPr lang="en-US" dirty="0"/>
           </a:p>
@@ -18904,254 +19007,31 @@
       </p:sp>
       <p:pic>
         <p:nvPicPr>
-          <p:cNvPr id="4" name="Picture 3" descr="Workload_Trace_Simulation.pdf"/>
+          <p:cNvPr id="4" name="Content Placeholder 3" descr="renegotiation_cdf.png"/>
           <p:cNvPicPr>
-            <a:picLocks noChangeAspect="1"/>
+            <a:picLocks noGrp="1" noChangeAspect="1"/>
           </p:cNvPicPr>
-          <p:nvPr/>
+          <p:nvPr>
+            <p:ph idx="1"/>
+          </p:nvPr>
         </p:nvPicPr>
         <p:blipFill>
-          <a:blip r:embed="rId3">
+          <a:blip r:embed="rId2">
             <a:extLst>
               <a:ext uri="{28A0092B-C50C-407E-A947-70E740481C1C}">
                 <a14:useLocalDpi xmlns:a14="http://schemas.microsoft.com/office/drawing/2010/main" val="0"/>
               </a:ext>
             </a:extLst>
           </a:blip>
+          <a:srcRect l="-12238" r="-12238"/>
           <a:stretch>
             <a:fillRect/>
           </a:stretch>
         </p:blipFill>
-        <p:spPr>
-          <a:xfrm>
-            <a:off x="355600" y="1092200"/>
-            <a:ext cx="5537200" cy="5537200"/>
-          </a:xfrm>
-          <a:prstGeom prst="rect">
-            <a:avLst/>
-          </a:prstGeom>
-        </p:spPr>
+        <p:spPr/>
       </p:pic>
       <p:sp>
         <p:nvSpPr>
-          <p:cNvPr id="5" name="TextBox 4"/>
-          <p:cNvSpPr txBox="1"/>
-          <p:nvPr/>
-        </p:nvSpPr>
-        <p:spPr>
-          <a:xfrm>
-            <a:off x="5892800" y="1803400"/>
-            <a:ext cx="3086100" cy="3046987"/>
-          </a:xfrm>
-          <a:prstGeom prst="rect">
-            <a:avLst/>
-          </a:prstGeom>
-          <a:noFill/>
-        </p:spPr>
-        <p:txBody>
-          <a:bodyPr wrap="square" rtlCol="0">
-            <a:spAutoFit/>
-          </a:bodyPr>
-          <a:lstStyle/>
-          <a:p>
-            <a:r>
-              <a:rPr lang="en-US" sz="1200" dirty="0" smtClean="0">
-                <a:latin typeface="Courier"/>
-                <a:cs typeface="Courier"/>
-              </a:rPr>
-              <a:t>Series: </a:t>
-            </a:r>
-            <a:r>
-              <a:rPr lang="en-US" sz="1200" dirty="0" err="1" smtClean="0">
-                <a:latin typeface="Courier"/>
-                <a:cs typeface="Courier"/>
-              </a:rPr>
-              <a:t>ts</a:t>
-            </a:r>
-            <a:r>
-              <a:rPr lang="en-US" sz="1200" dirty="0" smtClean="0">
-                <a:latin typeface="Courier"/>
-                <a:cs typeface="Courier"/>
-              </a:rPr>
-              <a:t>(data) </a:t>
-            </a:r>
-          </a:p>
-          <a:p>
-            <a:r>
-              <a:rPr lang="en-US" sz="1200" dirty="0" smtClean="0">
-                <a:latin typeface="Courier"/>
-                <a:cs typeface="Courier"/>
-              </a:rPr>
-              <a:t>ARIMA(0,0,0) with non-zero mean </a:t>
-            </a:r>
-          </a:p>
-          <a:p>
-            <a:endParaRPr lang="en-US" sz="1200" dirty="0" smtClean="0">
-              <a:latin typeface="Courier"/>
-              <a:cs typeface="Courier"/>
-            </a:endParaRPr>
-          </a:p>
-          <a:p>
-            <a:r>
-              <a:rPr lang="en-US" sz="1200" dirty="0" smtClean="0">
-                <a:latin typeface="Courier"/>
-                <a:cs typeface="Courier"/>
-              </a:rPr>
-              <a:t>Coefficients:</a:t>
-            </a:r>
-          </a:p>
-          <a:p>
-            <a:r>
-              <a:rPr lang="en-US" sz="1200" dirty="0" smtClean="0">
-                <a:latin typeface="Courier"/>
-                <a:cs typeface="Courier"/>
-              </a:rPr>
-              <a:t>      intercept    LS101</a:t>
-            </a:r>
-          </a:p>
-          <a:p>
-            <a:r>
-              <a:rPr lang="en-US" sz="1200" dirty="0" smtClean="0">
-                <a:latin typeface="Courier"/>
-                <a:cs typeface="Courier"/>
-              </a:rPr>
-              <a:t>        50.9053  14.4054</a:t>
-            </a:r>
-          </a:p>
-          <a:p>
-            <a:r>
-              <a:rPr lang="en-US" sz="1200" dirty="0" err="1" smtClean="0">
-                <a:latin typeface="Courier"/>
-                <a:cs typeface="Courier"/>
-              </a:rPr>
-              <a:t>s.e.</a:t>
-            </a:r>
-            <a:r>
-              <a:rPr lang="en-US" sz="1200" dirty="0" smtClean="0">
-                <a:latin typeface="Courier"/>
-                <a:cs typeface="Courier"/>
-              </a:rPr>
-              <a:t>     0.4768   0.6743</a:t>
-            </a:r>
-          </a:p>
-          <a:p>
-            <a:endParaRPr lang="en-US" sz="1200" dirty="0" smtClean="0">
-              <a:latin typeface="Courier"/>
-              <a:cs typeface="Courier"/>
-            </a:endParaRPr>
-          </a:p>
-          <a:p>
-            <a:r>
-              <a:rPr lang="en-US" sz="1200" dirty="0" smtClean="0">
-                <a:latin typeface="Courier"/>
-                <a:cs typeface="Courier"/>
-              </a:rPr>
-              <a:t>sigma^2 estimated as 22.73:  log likelihood=-596.16</a:t>
-            </a:r>
-          </a:p>
-          <a:p>
-            <a:r>
-              <a:rPr lang="en-US" sz="1200" dirty="0" smtClean="0">
-                <a:latin typeface="Courier"/>
-                <a:cs typeface="Courier"/>
-              </a:rPr>
-              <a:t>AIC=1198.32   </a:t>
-            </a:r>
-            <a:r>
-              <a:rPr lang="en-US" sz="1200" dirty="0" err="1" smtClean="0">
-                <a:latin typeface="Courier"/>
-                <a:cs typeface="Courier"/>
-              </a:rPr>
-              <a:t>AICc</a:t>
-            </a:r>
-            <a:r>
-              <a:rPr lang="en-US" sz="1200" dirty="0" smtClean="0">
-                <a:latin typeface="Courier"/>
-                <a:cs typeface="Courier"/>
-              </a:rPr>
-              <a:t>=1198.44   BIC=1208.22</a:t>
-            </a:r>
-          </a:p>
-          <a:p>
-            <a:endParaRPr lang="en-US" sz="1200" dirty="0" smtClean="0">
-              <a:latin typeface="Courier"/>
-              <a:cs typeface="Courier"/>
-            </a:endParaRPr>
-          </a:p>
-          <a:p>
-            <a:r>
-              <a:rPr lang="en-US" sz="1200" b="1" dirty="0" smtClean="0">
-                <a:latin typeface="Courier"/>
-                <a:cs typeface="Courier"/>
-              </a:rPr>
-              <a:t>Outliers:</a:t>
-            </a:r>
-          </a:p>
-          <a:p>
-            <a:r>
-              <a:rPr lang="en-US" sz="1200" b="1" dirty="0" smtClean="0">
-                <a:latin typeface="Courier"/>
-                <a:cs typeface="Courier"/>
-              </a:rPr>
-              <a:t>  type </a:t>
-            </a:r>
-            <a:r>
-              <a:rPr lang="en-US" sz="1200" b="1" dirty="0" err="1" smtClean="0">
-                <a:latin typeface="Courier"/>
-                <a:cs typeface="Courier"/>
-              </a:rPr>
-              <a:t>ind</a:t>
-            </a:r>
-            <a:r>
-              <a:rPr lang="en-US" sz="1200" b="1" dirty="0" smtClean="0">
-                <a:latin typeface="Courier"/>
-                <a:cs typeface="Courier"/>
-              </a:rPr>
-              <a:t> time </a:t>
-            </a:r>
-            <a:r>
-              <a:rPr lang="en-US" sz="1200" b="1" dirty="0" err="1" smtClean="0">
-                <a:latin typeface="Courier"/>
-                <a:cs typeface="Courier"/>
-              </a:rPr>
-              <a:t>coefhat</a:t>
-            </a:r>
-            <a:r>
-              <a:rPr lang="en-US" sz="1200" b="1" dirty="0" smtClean="0">
-                <a:latin typeface="Courier"/>
-                <a:cs typeface="Courier"/>
-              </a:rPr>
-              <a:t> </a:t>
-            </a:r>
-            <a:r>
-              <a:rPr lang="en-US" sz="1200" b="1" dirty="0" err="1" smtClean="0">
-                <a:latin typeface="Courier"/>
-                <a:cs typeface="Courier"/>
-              </a:rPr>
-              <a:t>tstat</a:t>
-            </a:r>
-            <a:endParaRPr lang="en-US" sz="1200" b="1" dirty="0" smtClean="0">
-              <a:latin typeface="Courier"/>
-              <a:cs typeface="Courier"/>
-            </a:endParaRPr>
-          </a:p>
-          <a:p>
-            <a:r>
-              <a:rPr lang="en-US" sz="1200" b="1" dirty="0" smtClean="0">
-                <a:latin typeface="Courier"/>
-                <a:cs typeface="Courier"/>
-              </a:rPr>
-              <a:t>1   LS 101  101   14.41 21.36</a:t>
-            </a:r>
-            <a:endParaRPr lang="en-US" sz="1200" b="1" dirty="0">
-              <a:latin typeface="Courier"/>
-              <a:cs typeface="Courier"/>
-            </a:endParaRPr>
-          </a:p>
-        </p:txBody>
-      </p:sp>
-      <p:sp>
-        <p:nvSpPr>
           <p:cNvPr id="3" name="Slide Number Placeholder 2"/>
           <p:cNvSpPr>
             <a:spLocks noGrp="1"/>
@@ -19165,7 +19045,7 @@
           <a:bodyPr/>
           <a:lstStyle/>
           <a:p>
-            <a:fld id="{D4755116-B387-CD40-9D82-4279FFF17F28}" type="slidenum">
+            <a:fld id="{4940F666-E5FA-274D-B0C1-53A0010BDC84}" type="slidenum">
               <a:rPr lang="en-US" smtClean="0"/>
               <a:t>55</a:t>
             </a:fld>
@@ -19176,7 +19056,7 @@
     </p:spTree>
     <p:extLst>
       <p:ext uri="{BB962C8B-B14F-4D97-AF65-F5344CB8AC3E}">
-        <p14:creationId xmlns:p14="http://schemas.microsoft.com/office/powerpoint/2010/main" val="2229371067"/>
+        <p14:creationId xmlns:p14="http://schemas.microsoft.com/office/powerpoint/2010/main" val="2982331455"/>
       </p:ext>
     </p:extLst>
   </p:cSld>
@@ -19227,6 +19107,337 @@
           <a:p>
             <a:r>
               <a:rPr lang="en-US" dirty="0" smtClean="0"/>
+              <a:t>Chen &amp; Liu Method Example</a:t>
+            </a:r>
+            <a:endParaRPr lang="en-US" dirty="0"/>
+          </a:p>
+        </p:txBody>
+      </p:sp>
+      <p:pic>
+        <p:nvPicPr>
+          <p:cNvPr id="4" name="Picture 3" descr="Workload_Trace_Simulation.pdf"/>
+          <p:cNvPicPr>
+            <a:picLocks noChangeAspect="1"/>
+          </p:cNvPicPr>
+          <p:nvPr/>
+        </p:nvPicPr>
+        <p:blipFill>
+          <a:blip r:embed="rId3">
+            <a:extLst>
+              <a:ext uri="{28A0092B-C50C-407E-A947-70E740481C1C}">
+                <a14:useLocalDpi xmlns:a14="http://schemas.microsoft.com/office/drawing/2010/main" val="0"/>
+              </a:ext>
+            </a:extLst>
+          </a:blip>
+          <a:stretch>
+            <a:fillRect/>
+          </a:stretch>
+        </p:blipFill>
+        <p:spPr>
+          <a:xfrm>
+            <a:off x="355600" y="1092200"/>
+            <a:ext cx="5537200" cy="5537200"/>
+          </a:xfrm>
+          <a:prstGeom prst="rect">
+            <a:avLst/>
+          </a:prstGeom>
+        </p:spPr>
+      </p:pic>
+      <p:sp>
+        <p:nvSpPr>
+          <p:cNvPr id="5" name="TextBox 4"/>
+          <p:cNvSpPr txBox="1"/>
+          <p:nvPr/>
+        </p:nvSpPr>
+        <p:spPr>
+          <a:xfrm>
+            <a:off x="5892800" y="1803400"/>
+            <a:ext cx="3086100" cy="3046987"/>
+          </a:xfrm>
+          <a:prstGeom prst="rect">
+            <a:avLst/>
+          </a:prstGeom>
+          <a:noFill/>
+        </p:spPr>
+        <p:txBody>
+          <a:bodyPr wrap="square" rtlCol="0">
+            <a:spAutoFit/>
+          </a:bodyPr>
+          <a:lstStyle/>
+          <a:p>
+            <a:r>
+              <a:rPr lang="en-US" sz="1200" dirty="0" smtClean="0">
+                <a:latin typeface="Courier"/>
+                <a:cs typeface="Courier"/>
+              </a:rPr>
+              <a:t>Series: </a:t>
+            </a:r>
+            <a:r>
+              <a:rPr lang="en-US" sz="1200" dirty="0" err="1" smtClean="0">
+                <a:latin typeface="Courier"/>
+                <a:cs typeface="Courier"/>
+              </a:rPr>
+              <a:t>ts</a:t>
+            </a:r>
+            <a:r>
+              <a:rPr lang="en-US" sz="1200" dirty="0" smtClean="0">
+                <a:latin typeface="Courier"/>
+                <a:cs typeface="Courier"/>
+              </a:rPr>
+              <a:t>(data) </a:t>
+            </a:r>
+          </a:p>
+          <a:p>
+            <a:r>
+              <a:rPr lang="en-US" sz="1200" dirty="0" smtClean="0">
+                <a:latin typeface="Courier"/>
+                <a:cs typeface="Courier"/>
+              </a:rPr>
+              <a:t>ARIMA(0,0,0) with non-zero mean </a:t>
+            </a:r>
+          </a:p>
+          <a:p>
+            <a:endParaRPr lang="en-US" sz="1200" dirty="0" smtClean="0">
+              <a:latin typeface="Courier"/>
+              <a:cs typeface="Courier"/>
+            </a:endParaRPr>
+          </a:p>
+          <a:p>
+            <a:r>
+              <a:rPr lang="en-US" sz="1200" dirty="0" smtClean="0">
+                <a:latin typeface="Courier"/>
+                <a:cs typeface="Courier"/>
+              </a:rPr>
+              <a:t>Coefficients:</a:t>
+            </a:r>
+          </a:p>
+          <a:p>
+            <a:r>
+              <a:rPr lang="en-US" sz="1200" dirty="0" smtClean="0">
+                <a:latin typeface="Courier"/>
+                <a:cs typeface="Courier"/>
+              </a:rPr>
+              <a:t>      intercept    LS101</a:t>
+            </a:r>
+          </a:p>
+          <a:p>
+            <a:r>
+              <a:rPr lang="en-US" sz="1200" dirty="0" smtClean="0">
+                <a:latin typeface="Courier"/>
+                <a:cs typeface="Courier"/>
+              </a:rPr>
+              <a:t>        50.9053  14.4054</a:t>
+            </a:r>
+          </a:p>
+          <a:p>
+            <a:r>
+              <a:rPr lang="en-US" sz="1200" dirty="0" err="1" smtClean="0">
+                <a:latin typeface="Courier"/>
+                <a:cs typeface="Courier"/>
+              </a:rPr>
+              <a:t>s.e.</a:t>
+            </a:r>
+            <a:r>
+              <a:rPr lang="en-US" sz="1200" dirty="0" smtClean="0">
+                <a:latin typeface="Courier"/>
+                <a:cs typeface="Courier"/>
+              </a:rPr>
+              <a:t>     0.4768   0.6743</a:t>
+            </a:r>
+          </a:p>
+          <a:p>
+            <a:endParaRPr lang="en-US" sz="1200" dirty="0" smtClean="0">
+              <a:latin typeface="Courier"/>
+              <a:cs typeface="Courier"/>
+            </a:endParaRPr>
+          </a:p>
+          <a:p>
+            <a:r>
+              <a:rPr lang="en-US" sz="1200" dirty="0" smtClean="0">
+                <a:latin typeface="Courier"/>
+                <a:cs typeface="Courier"/>
+              </a:rPr>
+              <a:t>sigma^2 estimated as 22.73:  log likelihood=-596.16</a:t>
+            </a:r>
+          </a:p>
+          <a:p>
+            <a:r>
+              <a:rPr lang="en-US" sz="1200" dirty="0" smtClean="0">
+                <a:latin typeface="Courier"/>
+                <a:cs typeface="Courier"/>
+              </a:rPr>
+              <a:t>AIC=1198.32   </a:t>
+            </a:r>
+            <a:r>
+              <a:rPr lang="en-US" sz="1200" dirty="0" err="1" smtClean="0">
+                <a:latin typeface="Courier"/>
+                <a:cs typeface="Courier"/>
+              </a:rPr>
+              <a:t>AICc</a:t>
+            </a:r>
+            <a:r>
+              <a:rPr lang="en-US" sz="1200" dirty="0" smtClean="0">
+                <a:latin typeface="Courier"/>
+                <a:cs typeface="Courier"/>
+              </a:rPr>
+              <a:t>=1198.44   BIC=1208.22</a:t>
+            </a:r>
+          </a:p>
+          <a:p>
+            <a:endParaRPr lang="en-US" sz="1200" dirty="0" smtClean="0">
+              <a:latin typeface="Courier"/>
+              <a:cs typeface="Courier"/>
+            </a:endParaRPr>
+          </a:p>
+          <a:p>
+            <a:r>
+              <a:rPr lang="en-US" sz="1200" b="1" dirty="0" smtClean="0">
+                <a:latin typeface="Courier"/>
+                <a:cs typeface="Courier"/>
+              </a:rPr>
+              <a:t>Outliers:</a:t>
+            </a:r>
+          </a:p>
+          <a:p>
+            <a:r>
+              <a:rPr lang="en-US" sz="1200" b="1" dirty="0" smtClean="0">
+                <a:latin typeface="Courier"/>
+                <a:cs typeface="Courier"/>
+              </a:rPr>
+              <a:t>  type </a:t>
+            </a:r>
+            <a:r>
+              <a:rPr lang="en-US" sz="1200" b="1" dirty="0" err="1" smtClean="0">
+                <a:latin typeface="Courier"/>
+                <a:cs typeface="Courier"/>
+              </a:rPr>
+              <a:t>ind</a:t>
+            </a:r>
+            <a:r>
+              <a:rPr lang="en-US" sz="1200" b="1" dirty="0" smtClean="0">
+                <a:latin typeface="Courier"/>
+                <a:cs typeface="Courier"/>
+              </a:rPr>
+              <a:t> time </a:t>
+            </a:r>
+            <a:r>
+              <a:rPr lang="en-US" sz="1200" b="1" dirty="0" err="1" smtClean="0">
+                <a:latin typeface="Courier"/>
+                <a:cs typeface="Courier"/>
+              </a:rPr>
+              <a:t>coefhat</a:t>
+            </a:r>
+            <a:r>
+              <a:rPr lang="en-US" sz="1200" b="1" dirty="0" smtClean="0">
+                <a:latin typeface="Courier"/>
+                <a:cs typeface="Courier"/>
+              </a:rPr>
+              <a:t> </a:t>
+            </a:r>
+            <a:r>
+              <a:rPr lang="en-US" sz="1200" b="1" dirty="0" err="1" smtClean="0">
+                <a:latin typeface="Courier"/>
+                <a:cs typeface="Courier"/>
+              </a:rPr>
+              <a:t>tstat</a:t>
+            </a:r>
+            <a:endParaRPr lang="en-US" sz="1200" b="1" dirty="0" smtClean="0">
+              <a:latin typeface="Courier"/>
+              <a:cs typeface="Courier"/>
+            </a:endParaRPr>
+          </a:p>
+          <a:p>
+            <a:r>
+              <a:rPr lang="en-US" sz="1200" b="1" dirty="0" smtClean="0">
+                <a:latin typeface="Courier"/>
+                <a:cs typeface="Courier"/>
+              </a:rPr>
+              <a:t>1   LS 101  101   14.41 21.36</a:t>
+            </a:r>
+            <a:endParaRPr lang="en-US" sz="1200" b="1" dirty="0">
+              <a:latin typeface="Courier"/>
+              <a:cs typeface="Courier"/>
+            </a:endParaRPr>
+          </a:p>
+        </p:txBody>
+      </p:sp>
+      <p:sp>
+        <p:nvSpPr>
+          <p:cNvPr id="3" name="Slide Number Placeholder 2"/>
+          <p:cNvSpPr>
+            <a:spLocks noGrp="1"/>
+          </p:cNvSpPr>
+          <p:nvPr>
+            <p:ph type="sldNum" sz="quarter" idx="12"/>
+          </p:nvPr>
+        </p:nvSpPr>
+        <p:spPr/>
+        <p:txBody>
+          <a:bodyPr/>
+          <a:lstStyle/>
+          <a:p>
+            <a:fld id="{D4755116-B387-CD40-9D82-4279FFF17F28}" type="slidenum">
+              <a:rPr lang="en-US" smtClean="0"/>
+              <a:t>56</a:t>
+            </a:fld>
+            <a:endParaRPr lang="en-US"/>
+          </a:p>
+        </p:txBody>
+      </p:sp>
+    </p:spTree>
+    <p:extLst>
+      <p:ext uri="{BB962C8B-B14F-4D97-AF65-F5344CB8AC3E}">
+        <p14:creationId xmlns:p14="http://schemas.microsoft.com/office/powerpoint/2010/main" val="2229371067"/>
+      </p:ext>
+    </p:extLst>
+  </p:cSld>
+  <p:clrMapOvr>
+    <a:masterClrMapping/>
+  </p:clrMapOvr>
+  <p:timing>
+    <p:tnLst>
+      <p:par>
+        <p:cTn xmlns:p14="http://schemas.microsoft.com/office/powerpoint/2010/main" id="1" dur="indefinite" restart="never" nodeType="tmRoot"/>
+      </p:par>
+    </p:tnLst>
+  </p:timing>
+</p:sld>
+</file>
+
+<file path=ppt/slides/slide57.xml><?xml version="1.0" encoding="utf-8"?>
+<p:sld xmlns:a="http://schemas.openxmlformats.org/drawingml/2006/main" xmlns:r="http://schemas.openxmlformats.org/officeDocument/2006/relationships" xmlns:p="http://schemas.openxmlformats.org/presentationml/2006/main">
+  <p:cSld>
+    <p:spTree>
+      <p:nvGrpSpPr>
+        <p:cNvPr id="1" name=""/>
+        <p:cNvGrpSpPr/>
+        <p:nvPr/>
+      </p:nvGrpSpPr>
+      <p:grpSpPr>
+        <a:xfrm>
+          <a:off x="0" y="0"/>
+          <a:ext cx="0" cy="0"/>
+          <a:chOff x="0" y="0"/>
+          <a:chExt cx="0" cy="0"/>
+        </a:xfrm>
+      </p:grpSpPr>
+      <p:sp>
+        <p:nvSpPr>
+          <p:cNvPr id="2" name="Title 1"/>
+          <p:cNvSpPr>
+            <a:spLocks noGrp="1"/>
+          </p:cNvSpPr>
+          <p:nvPr>
+            <p:ph type="title"/>
+          </p:nvPr>
+        </p:nvSpPr>
+        <p:spPr/>
+        <p:txBody>
+          <a:bodyPr/>
+          <a:lstStyle/>
+          <a:p>
+            <a:r>
+              <a:rPr lang="en-US" dirty="0" smtClean="0"/>
               <a:t>Simulation Results</a:t>
             </a:r>
             <a:endParaRPr lang="en-US" dirty="0"/>
@@ -19309,7 +19520,7 @@
           <a:p>
             <a:fld id="{D4755116-B387-CD40-9D82-4279FFF17F28}" type="slidenum">
               <a:rPr lang="en-US" smtClean="0"/>
-              <a:t>56</a:t>
+              <a:t>57</a:t>
             </a:fld>
             <a:endParaRPr lang="en-US"/>
           </a:p>
@@ -19643,21 +19854,42 @@
           <a:p>
             <a:r>
               <a:rPr lang="en-US" dirty="0" smtClean="0"/>
-              <a:t>Does not enforce good coding practices</a:t>
-            </a:r>
-          </a:p>
-          <a:p>
-            <a:r>
-              <a:rPr lang="en-US" dirty="0" smtClean="0"/>
-              <a:t>Cannot stipulate performance SLOs</a:t>
+              <a:t>Cannot </a:t>
+            </a:r>
+            <a:r>
+              <a:rPr lang="en-US" dirty="0" smtClean="0"/>
+              <a:t>enforce </a:t>
+            </a:r>
+            <a:r>
+              <a:rPr lang="en-US" dirty="0" smtClean="0"/>
+              <a:t>developer best </a:t>
+            </a:r>
+            <a:r>
+              <a:rPr lang="en-US" dirty="0" smtClean="0"/>
+              <a:t>practices</a:t>
+            </a:r>
+          </a:p>
+          <a:p>
+            <a:r>
+              <a:rPr lang="en-US" dirty="0" smtClean="0"/>
+              <a:t>Cannot </a:t>
+            </a:r>
+            <a:r>
+              <a:rPr lang="en-US" dirty="0" smtClean="0"/>
+              <a:t>establish </a:t>
+            </a:r>
+            <a:r>
+              <a:rPr lang="en-US" dirty="0" smtClean="0"/>
+              <a:t>performance SLOs</a:t>
             </a:r>
             <a:endParaRPr lang="en-US" dirty="0"/>
           </a:p>
           <a:p>
             <a:r>
               <a:rPr lang="en-US" dirty="0" smtClean="0"/>
-              <a:t>Difficult to debug performance issues</a:t>
-            </a:r>
+              <a:t>Poor performance debugging support</a:t>
+            </a:r>
+            <a:endParaRPr lang="en-US" dirty="0" smtClean="0"/>
           </a:p>
         </p:txBody>
       </p:sp>
@@ -20017,7 +20249,15 @@
           <a:p>
             <a:r>
               <a:rPr lang="en-US" dirty="0" smtClean="0"/>
-              <a:t>Governance for Cloud-based Web Applications</a:t>
+              <a:t>Governance for Cloud</a:t>
+            </a:r>
+            <a:r>
+              <a:rPr lang="en-US" dirty="0" smtClean="0"/>
+              <a:t>-hosted </a:t>
+            </a:r>
+            <a:r>
+              <a:rPr lang="en-US" dirty="0" smtClean="0"/>
+              <a:t>Web Applications</a:t>
             </a:r>
             <a:endParaRPr lang="en-US" dirty="0"/>
           </a:p>

--- a/Eager/paper/dissertation/dissertation.pptx
+++ b/Eager/paper/dissertation/dissertation.pptx
@@ -5,10 +5,10 @@
     <p:sldMasterId id="2147483648" r:id="rId1"/>
   </p:sldMasterIdLst>
   <p:notesMasterIdLst>
-    <p:notesMasterId r:id="rId62"/>
+    <p:notesMasterId r:id="rId56"/>
   </p:notesMasterIdLst>
   <p:handoutMasterIdLst>
-    <p:handoutMasterId r:id="rId63"/>
+    <p:handoutMasterId r:id="rId57"/>
   </p:handoutMasterIdLst>
   <p:sldIdLst>
     <p:sldId id="326" r:id="rId2"/>
@@ -17,26 +17,26 @@
     <p:sldId id="267" r:id="rId5"/>
     <p:sldId id="268" r:id="rId6"/>
     <p:sldId id="269" r:id="rId7"/>
-    <p:sldId id="266" r:id="rId8"/>
-    <p:sldId id="275" r:id="rId9"/>
-    <p:sldId id="274" r:id="rId10"/>
-    <p:sldId id="329" r:id="rId11"/>
-    <p:sldId id="270" r:id="rId12"/>
-    <p:sldId id="332" r:id="rId13"/>
-    <p:sldId id="276" r:id="rId14"/>
-    <p:sldId id="277" r:id="rId15"/>
-    <p:sldId id="278" r:id="rId16"/>
-    <p:sldId id="279" r:id="rId17"/>
-    <p:sldId id="335" r:id="rId18"/>
-    <p:sldId id="284" r:id="rId19"/>
-    <p:sldId id="311" r:id="rId20"/>
-    <p:sldId id="333" r:id="rId21"/>
-    <p:sldId id="286" r:id="rId22"/>
-    <p:sldId id="288" r:id="rId23"/>
-    <p:sldId id="287" r:id="rId24"/>
-    <p:sldId id="292" r:id="rId25"/>
-    <p:sldId id="290" r:id="rId26"/>
-    <p:sldId id="312" r:id="rId27"/>
+    <p:sldId id="275" r:id="rId8"/>
+    <p:sldId id="274" r:id="rId9"/>
+    <p:sldId id="329" r:id="rId10"/>
+    <p:sldId id="270" r:id="rId11"/>
+    <p:sldId id="332" r:id="rId12"/>
+    <p:sldId id="276" r:id="rId13"/>
+    <p:sldId id="277" r:id="rId14"/>
+    <p:sldId id="278" r:id="rId15"/>
+    <p:sldId id="279" r:id="rId16"/>
+    <p:sldId id="335" r:id="rId17"/>
+    <p:sldId id="284" r:id="rId18"/>
+    <p:sldId id="311" r:id="rId19"/>
+    <p:sldId id="333" r:id="rId20"/>
+    <p:sldId id="286" r:id="rId21"/>
+    <p:sldId id="288" r:id="rId22"/>
+    <p:sldId id="287" r:id="rId23"/>
+    <p:sldId id="292" r:id="rId24"/>
+    <p:sldId id="290" r:id="rId25"/>
+    <p:sldId id="343" r:id="rId26"/>
+    <p:sldId id="344" r:id="rId27"/>
     <p:sldId id="334" r:id="rId28"/>
     <p:sldId id="296" r:id="rId29"/>
     <p:sldId id="297" r:id="rId30"/>
@@ -53,24 +53,18 @@
     <p:sldId id="306" r:id="rId41"/>
     <p:sldId id="325" r:id="rId42"/>
     <p:sldId id="318" r:id="rId43"/>
-    <p:sldId id="319" r:id="rId44"/>
-    <p:sldId id="320" r:id="rId45"/>
-    <p:sldId id="321" r:id="rId46"/>
-    <p:sldId id="322" r:id="rId47"/>
-    <p:sldId id="323" r:id="rId48"/>
-    <p:sldId id="324" r:id="rId49"/>
-    <p:sldId id="307" r:id="rId50"/>
-    <p:sldId id="308" r:id="rId51"/>
-    <p:sldId id="309" r:id="rId52"/>
-    <p:sldId id="310" r:id="rId53"/>
-    <p:sldId id="327" r:id="rId54"/>
-    <p:sldId id="328" r:id="rId55"/>
-    <p:sldId id="313" r:id="rId56"/>
-    <p:sldId id="314" r:id="rId57"/>
-    <p:sldId id="315" r:id="rId58"/>
-    <p:sldId id="316" r:id="rId59"/>
-    <p:sldId id="317" r:id="rId60"/>
-    <p:sldId id="342" r:id="rId61"/>
+    <p:sldId id="321" r:id="rId44"/>
+    <p:sldId id="307" r:id="rId45"/>
+    <p:sldId id="308" r:id="rId46"/>
+    <p:sldId id="309" r:id="rId47"/>
+    <p:sldId id="310" r:id="rId48"/>
+    <p:sldId id="327" r:id="rId49"/>
+    <p:sldId id="328" r:id="rId50"/>
+    <p:sldId id="314" r:id="rId51"/>
+    <p:sldId id="316" r:id="rId52"/>
+    <p:sldId id="317" r:id="rId53"/>
+    <p:sldId id="342" r:id="rId54"/>
+    <p:sldId id="345" r:id="rId55"/>
   </p:sldIdLst>
   <p:sldSz cx="9144000" cy="6858000" type="screen4x3"/>
   <p:notesSz cx="6858000" cy="9144000"/>
@@ -180,7 +174,6 @@
             <p14:sldId id="267"/>
             <p14:sldId id="268"/>
             <p14:sldId id="269"/>
-            <p14:sldId id="266"/>
             <p14:sldId id="275"/>
             <p14:sldId id="274"/>
             <p14:sldId id="329"/>
@@ -199,7 +192,8 @@
             <p14:sldId id="287"/>
             <p14:sldId id="292"/>
             <p14:sldId id="290"/>
-            <p14:sldId id="312"/>
+            <p14:sldId id="343"/>
+            <p14:sldId id="344"/>
             <p14:sldId id="334"/>
             <p14:sldId id="296"/>
             <p14:sldId id="297"/>
@@ -220,24 +214,18 @@
         <p14:section name="Backup" id="{7415901F-E265-BA4F-A4A2-A168803AFAF6}">
           <p14:sldIdLst>
             <p14:sldId id="318"/>
-            <p14:sldId id="319"/>
-            <p14:sldId id="320"/>
             <p14:sldId id="321"/>
-            <p14:sldId id="322"/>
-            <p14:sldId id="323"/>
-            <p14:sldId id="324"/>
             <p14:sldId id="307"/>
             <p14:sldId id="308"/>
             <p14:sldId id="309"/>
             <p14:sldId id="310"/>
             <p14:sldId id="327"/>
             <p14:sldId id="328"/>
-            <p14:sldId id="313"/>
             <p14:sldId id="314"/>
-            <p14:sldId id="315"/>
             <p14:sldId id="316"/>
             <p14:sldId id="317"/>
             <p14:sldId id="342"/>
+            <p14:sldId id="345"/>
           </p14:sldIdLst>
         </p14:section>
       </p14:sectionLst>
@@ -328,7 +316,7 @@
           <a:p>
             <a:fld id="{37D14F8C-9F46-2E42-9999-888BFBC492E3}" type="datetimeFigureOut">
               <a:rPr lang="en-US" smtClean="0"/>
-              <a:t>11/21/16</a:t>
+              <a:t>11/22/16</a:t>
             </a:fld>
             <a:endParaRPr lang="en-US"/>
           </a:p>
@@ -494,7 +482,7 @@
           <a:p>
             <a:fld id="{C6B377BD-EE2D-6A4D-8791-40EA342A78BF}" type="datetimeFigureOut">
               <a:rPr lang="en-US" smtClean="0"/>
-              <a:t>11/21/16</a:t>
+              <a:t>11/22/16</a:t>
             </a:fld>
             <a:endParaRPr lang="en-US"/>
           </a:p>
@@ -925,7 +913,7 @@
           <a:p>
             <a:fld id="{6E605815-6331-9444-B06E-921213318926}" type="slidenum">
               <a:rPr lang="en-US" smtClean="0"/>
-              <a:t>19</a:t>
+              <a:t>18</a:t>
             </a:fld>
             <a:endParaRPr lang="en-US"/>
           </a:p>
@@ -1015,7 +1003,7 @@
           <a:p>
             <a:fld id="{6E605815-6331-9444-B06E-921213318926}" type="slidenum">
               <a:rPr lang="en-US" smtClean="0"/>
-              <a:t>21</a:t>
+              <a:t>20</a:t>
             </a:fld>
             <a:endParaRPr lang="en-US"/>
           </a:p>
@@ -1123,7 +1111,7 @@
           <a:p>
             <a:fld id="{6E605815-6331-9444-B06E-921213318926}" type="slidenum">
               <a:rPr lang="en-US" smtClean="0"/>
-              <a:t>23</a:t>
+              <a:t>22</a:t>
             </a:fld>
             <a:endParaRPr lang="en-US"/>
           </a:p>
@@ -1211,7 +1199,7 @@
           <a:p>
             <a:fld id="{6E605815-6331-9444-B06E-921213318926}" type="slidenum">
               <a:rPr lang="en-US" smtClean="0"/>
-              <a:t>25</a:t>
+              <a:t>24</a:t>
             </a:fld>
             <a:endParaRPr lang="en-US"/>
           </a:p>
@@ -1274,7 +1262,7 @@
           <a:bodyPr/>
           <a:lstStyle/>
           <a:p>
-            <a:endParaRPr lang="en-US" dirty="0" smtClean="0"/>
+            <a:endParaRPr lang="en-US" dirty="0"/>
           </a:p>
         </p:txBody>
       </p:sp>
@@ -1295,7 +1283,7 @@
           <a:p>
             <a:fld id="{6E605815-6331-9444-B06E-921213318926}" type="slidenum">
               <a:rPr lang="en-US" smtClean="0"/>
-              <a:t>26</a:t>
+              <a:t>28</a:t>
             </a:fld>
             <a:endParaRPr lang="en-US"/>
           </a:p>
@@ -1304,7 +1292,7 @@
     </p:spTree>
     <p:extLst>
       <p:ext uri="{BB962C8B-B14F-4D97-AF65-F5344CB8AC3E}">
-        <p14:creationId xmlns:p14="http://schemas.microsoft.com/office/powerpoint/2010/main" val="3877329376"/>
+        <p14:creationId xmlns:p14="http://schemas.microsoft.com/office/powerpoint/2010/main" val="577673501"/>
       </p:ext>
     </p:extLst>
   </p:cSld>
@@ -1358,6 +1346,20 @@
           <a:bodyPr/>
           <a:lstStyle/>
           <a:p>
+            <a:r>
+              <a:rPr lang="en-US" dirty="0" smtClean="0"/>
+              <a:t>Use existing tools/methods</a:t>
+            </a:r>
+          </a:p>
+          <a:p>
+            <a:r>
+              <a:rPr lang="en-US" dirty="0" smtClean="0"/>
+              <a:t>Implement</a:t>
+            </a:r>
+            <a:r>
+              <a:rPr lang="en-US" baseline="0" dirty="0" smtClean="0"/>
+              <a:t> a framework that allows using different methods and test them</a:t>
+            </a:r>
             <a:endParaRPr lang="en-US" dirty="0"/>
           </a:p>
         </p:txBody>
@@ -1379,7 +1381,7 @@
           <a:p>
             <a:fld id="{6E605815-6331-9444-B06E-921213318926}" type="slidenum">
               <a:rPr lang="en-US" smtClean="0"/>
-              <a:t>28</a:t>
+              <a:t>29</a:t>
             </a:fld>
             <a:endParaRPr lang="en-US"/>
           </a:p>
@@ -1388,7 +1390,7 @@
     </p:spTree>
     <p:extLst>
       <p:ext uri="{BB962C8B-B14F-4D97-AF65-F5344CB8AC3E}">
-        <p14:creationId xmlns:p14="http://schemas.microsoft.com/office/powerpoint/2010/main" val="577673501"/>
+        <p14:creationId xmlns:p14="http://schemas.microsoft.com/office/powerpoint/2010/main" val="3458402424"/>
       </p:ext>
     </p:extLst>
   </p:cSld>
@@ -1477,7 +1479,7 @@
           <a:p>
             <a:fld id="{6E605815-6331-9444-B06E-921213318926}" type="slidenum">
               <a:rPr lang="en-US" smtClean="0"/>
-              <a:t>29</a:t>
+              <a:t>30</a:t>
             </a:fld>
             <a:endParaRPr lang="en-US"/>
           </a:p>
@@ -1540,20 +1542,6 @@
           <a:bodyPr/>
           <a:lstStyle/>
           <a:p>
-            <a:r>
-              <a:rPr lang="en-US" dirty="0" smtClean="0"/>
-              <a:t>Use existing tools/methods</a:t>
-            </a:r>
-          </a:p>
-          <a:p>
-            <a:r>
-              <a:rPr lang="en-US" dirty="0" smtClean="0"/>
-              <a:t>Implement</a:t>
-            </a:r>
-            <a:r>
-              <a:rPr lang="en-US" baseline="0" dirty="0" smtClean="0"/>
-              <a:t> a framework that allows using different methods and test them</a:t>
-            </a:r>
             <a:endParaRPr lang="en-US" dirty="0"/>
           </a:p>
         </p:txBody>
@@ -1575,7 +1563,7 @@
           <a:p>
             <a:fld id="{6E605815-6331-9444-B06E-921213318926}" type="slidenum">
               <a:rPr lang="en-US" smtClean="0"/>
-              <a:t>30</a:t>
+              <a:t>33</a:t>
             </a:fld>
             <a:endParaRPr lang="en-US"/>
           </a:p>
@@ -1584,7 +1572,7 @@
     </p:spTree>
     <p:extLst>
       <p:ext uri="{BB962C8B-B14F-4D97-AF65-F5344CB8AC3E}">
-        <p14:creationId xmlns:p14="http://schemas.microsoft.com/office/powerpoint/2010/main" val="3458402424"/>
+        <p14:creationId xmlns:p14="http://schemas.microsoft.com/office/powerpoint/2010/main" val="3355842071"/>
       </p:ext>
     </p:extLst>
   </p:cSld>
@@ -1638,6 +1626,14 @@
           <a:bodyPr/>
           <a:lstStyle/>
           <a:p>
+            <a:r>
+              <a:rPr lang="en-US" dirty="0" smtClean="0"/>
+              <a:t>Use a detailed</a:t>
+            </a:r>
+            <a:r>
+              <a:rPr lang="en-US" baseline="0" dirty="0" smtClean="0"/>
+              <a:t> code diagram</a:t>
+            </a:r>
             <a:endParaRPr lang="en-US" dirty="0"/>
           </a:p>
         </p:txBody>
@@ -1659,7 +1655,7 @@
           <a:p>
             <a:fld id="{6E605815-6331-9444-B06E-921213318926}" type="slidenum">
               <a:rPr lang="en-US" smtClean="0"/>
-              <a:t>33</a:t>
+              <a:t>34</a:t>
             </a:fld>
             <a:endParaRPr lang="en-US"/>
           </a:p>
@@ -1668,7 +1664,7 @@
     </p:spTree>
     <p:extLst>
       <p:ext uri="{BB962C8B-B14F-4D97-AF65-F5344CB8AC3E}">
-        <p14:creationId xmlns:p14="http://schemas.microsoft.com/office/powerpoint/2010/main" val="3355842071"/>
+        <p14:creationId xmlns:p14="http://schemas.microsoft.com/office/powerpoint/2010/main" val="640735186"/>
       </p:ext>
     </p:extLst>
   </p:cSld>
@@ -1724,11 +1720,11 @@
           <a:p>
             <a:r>
               <a:rPr lang="en-US" dirty="0" smtClean="0"/>
-              <a:t>Use a detailed</a:t>
+              <a:t>Outlier at t</a:t>
             </a:r>
             <a:r>
               <a:rPr lang="en-US" baseline="0" dirty="0" smtClean="0"/>
-              <a:t> code diagram</a:t>
+              <a:t> = 101 detected as a Level Shift (LS).</a:t>
             </a:r>
             <a:endParaRPr lang="en-US" dirty="0"/>
           </a:p>
@@ -1749,9 +1745,9 @@
           <a:bodyPr/>
           <a:lstStyle/>
           <a:p>
-            <a:fld id="{6E605815-6331-9444-B06E-921213318926}" type="slidenum">
+            <a:fld id="{F7278AEC-EE64-7842-B08E-D93D33560D10}" type="slidenum">
               <a:rPr lang="en-US" smtClean="0"/>
-              <a:t>34</a:t>
+              <a:t>51</a:t>
             </a:fld>
             <a:endParaRPr lang="en-US"/>
           </a:p>
@@ -1760,7 +1756,7 @@
     </p:spTree>
     <p:extLst>
       <p:ext uri="{BB962C8B-B14F-4D97-AF65-F5344CB8AC3E}">
-        <p14:creationId xmlns:p14="http://schemas.microsoft.com/office/powerpoint/2010/main" val="640735186"/>
+        <p14:creationId xmlns:p14="http://schemas.microsoft.com/office/powerpoint/2010/main" val="3404154749"/>
       </p:ext>
     </p:extLst>
   </p:cSld>
@@ -1898,15 +1894,7 @@
           <a:bodyPr/>
           <a:lstStyle/>
           <a:p>
-            <a:r>
-              <a:rPr lang="en-US" dirty="0" smtClean="0"/>
-              <a:t>Outlier at t</a:t>
-            </a:r>
-            <a:r>
-              <a:rPr lang="en-US" baseline="0" dirty="0" smtClean="0"/>
-              <a:t> = 101 detected as a Level Shift (LS).</a:t>
-            </a:r>
-            <a:endParaRPr lang="en-US" dirty="0"/>
+            <a:endParaRPr lang="en-US" dirty="0" smtClean="0"/>
           </a:p>
         </p:txBody>
       </p:sp>
@@ -1925,9 +1913,9 @@
           <a:bodyPr/>
           <a:lstStyle/>
           <a:p>
-            <a:fld id="{F7278AEC-EE64-7842-B08E-D93D33560D10}" type="slidenum">
+            <a:fld id="{6E605815-6331-9444-B06E-921213318926}" type="slidenum">
               <a:rPr lang="en-US" smtClean="0"/>
-              <a:t>58</a:t>
+              <a:t>54</a:t>
             </a:fld>
             <a:endParaRPr lang="en-US"/>
           </a:p>
@@ -1936,7 +1924,7 @@
     </p:spTree>
     <p:extLst>
       <p:ext uri="{BB962C8B-B14F-4D97-AF65-F5344CB8AC3E}">
-        <p14:creationId xmlns:p14="http://schemas.microsoft.com/office/powerpoint/2010/main" val="3404154749"/>
+        <p14:creationId xmlns:p14="http://schemas.microsoft.com/office/powerpoint/2010/main" val="3877329376"/>
       </p:ext>
     </p:extLst>
   </p:cSld>
@@ -2011,7 +1999,7 @@
           <a:p>
             <a:fld id="{6E605815-6331-9444-B06E-921213318926}" type="slidenum">
               <a:rPr lang="en-US" smtClean="0"/>
-              <a:t>8</a:t>
+              <a:t>7</a:t>
             </a:fld>
             <a:endParaRPr lang="en-US"/>
           </a:p>
@@ -2154,7 +2142,7 @@
           <a:p>
             <a:fld id="{6E605815-6331-9444-B06E-921213318926}" type="slidenum">
               <a:rPr lang="en-US" smtClean="0"/>
-              <a:t>9</a:t>
+              <a:t>8</a:t>
             </a:fld>
             <a:endParaRPr lang="en-US"/>
           </a:p>
@@ -2238,7 +2226,7 @@
           <a:p>
             <a:fld id="{6E605815-6331-9444-B06E-921213318926}" type="slidenum">
               <a:rPr lang="en-US" smtClean="0"/>
-              <a:t>11</a:t>
+              <a:t>10</a:t>
             </a:fld>
             <a:endParaRPr lang="en-US"/>
           </a:p>
@@ -2322,7 +2310,7 @@
           <a:p>
             <a:fld id="{6E605815-6331-9444-B06E-921213318926}" type="slidenum">
               <a:rPr lang="en-US" smtClean="0"/>
-              <a:t>13</a:t>
+              <a:t>12</a:t>
             </a:fld>
             <a:endParaRPr lang="en-US"/>
           </a:p>
@@ -2414,7 +2402,7 @@
           <a:p>
             <a:fld id="{6E605815-6331-9444-B06E-921213318926}" type="slidenum">
               <a:rPr lang="en-US" smtClean="0"/>
-              <a:t>14</a:t>
+              <a:t>13</a:t>
             </a:fld>
             <a:endParaRPr lang="en-US"/>
           </a:p>
@@ -2506,7 +2494,7 @@
           <a:p>
             <a:fld id="{6E605815-6331-9444-B06E-921213318926}" type="slidenum">
               <a:rPr lang="en-US" smtClean="0"/>
-              <a:t>15</a:t>
+              <a:t>14</a:t>
             </a:fld>
             <a:endParaRPr lang="en-US"/>
           </a:p>
@@ -2604,7 +2592,7 @@
           <a:p>
             <a:fld id="{6E605815-6331-9444-B06E-921213318926}" type="slidenum">
               <a:rPr lang="en-US" smtClean="0"/>
-              <a:t>18</a:t>
+              <a:t>17</a:t>
             </a:fld>
             <a:endParaRPr lang="en-US"/>
           </a:p>
@@ -2804,7 +2792,7 @@
           <a:p>
             <a:fld id="{8EE520D6-1199-3C41-9A6A-AA3E2C6DD588}" type="datetime1">
               <a:rPr lang="en-US" smtClean="0"/>
-              <a:t>11/21/16</a:t>
+              <a:t>11/22/16</a:t>
             </a:fld>
             <a:endParaRPr lang="en-US"/>
           </a:p>
@@ -2974,7 +2962,7 @@
           <a:p>
             <a:fld id="{6DE2AD85-55B3-6D40-8E45-4897033CE78D}" type="datetime1">
               <a:rPr lang="en-US" smtClean="0"/>
-              <a:t>11/21/16</a:t>
+              <a:t>11/22/16</a:t>
             </a:fld>
             <a:endParaRPr lang="en-US"/>
           </a:p>
@@ -3154,7 +3142,7 @@
           <a:p>
             <a:fld id="{9B6E2D90-BDC5-EC4E-97C9-9EBA924F9C2A}" type="datetime1">
               <a:rPr lang="en-US" smtClean="0"/>
-              <a:t>11/21/16</a:t>
+              <a:t>11/22/16</a:t>
             </a:fld>
             <a:endParaRPr lang="en-US"/>
           </a:p>
@@ -3324,7 +3312,7 @@
           <a:p>
             <a:fld id="{3C02FE2B-B967-F44C-97BF-619FFF540275}" type="datetime1">
               <a:rPr lang="en-US" smtClean="0"/>
-              <a:t>11/21/16</a:t>
+              <a:t>11/22/16</a:t>
             </a:fld>
             <a:endParaRPr lang="en-US"/>
           </a:p>
@@ -3570,7 +3558,7 @@
           <a:p>
             <a:fld id="{2E0BEB10-3E92-1544-85E8-C96C20A337CE}" type="datetime1">
               <a:rPr lang="en-US" smtClean="0"/>
-              <a:t>11/21/16</a:t>
+              <a:t>11/22/16</a:t>
             </a:fld>
             <a:endParaRPr lang="en-US"/>
           </a:p>
@@ -3858,7 +3846,7 @@
           <a:p>
             <a:fld id="{475FB051-8E54-8E49-8432-E38A630FF054}" type="datetime1">
               <a:rPr lang="en-US" smtClean="0"/>
-              <a:t>11/21/16</a:t>
+              <a:t>11/22/16</a:t>
             </a:fld>
             <a:endParaRPr lang="en-US"/>
           </a:p>
@@ -4280,7 +4268,7 @@
           <a:p>
             <a:fld id="{8BA679C2-08DD-074B-9C48-B348A1DFA775}" type="datetime1">
               <a:rPr lang="en-US" smtClean="0"/>
-              <a:t>11/21/16</a:t>
+              <a:t>11/22/16</a:t>
             </a:fld>
             <a:endParaRPr lang="en-US"/>
           </a:p>
@@ -4398,7 +4386,7 @@
           <a:p>
             <a:fld id="{FD8F829F-F712-8745-AC98-41D32B363003}" type="datetime1">
               <a:rPr lang="en-US" smtClean="0"/>
-              <a:t>11/21/16</a:t>
+              <a:t>11/22/16</a:t>
             </a:fld>
             <a:endParaRPr lang="en-US"/>
           </a:p>
@@ -4493,7 +4481,7 @@
           <a:p>
             <a:fld id="{B7766C51-9295-BA4E-9CC5-B913E9ED7975}" type="datetime1">
               <a:rPr lang="en-US" smtClean="0"/>
-              <a:t>11/21/16</a:t>
+              <a:t>11/22/16</a:t>
             </a:fld>
             <a:endParaRPr lang="en-US"/>
           </a:p>
@@ -4770,7 +4758,7 @@
           <a:p>
             <a:fld id="{DCC74353-384D-7548-8376-5A6CDDA54B35}" type="datetime1">
               <a:rPr lang="en-US" smtClean="0"/>
-              <a:t>11/21/16</a:t>
+              <a:t>11/22/16</a:t>
             </a:fld>
             <a:endParaRPr lang="en-US"/>
           </a:p>
@@ -5023,7 +5011,7 @@
           <a:p>
             <a:fld id="{912E0EE9-0FD5-A04C-8EF0-F3BFD9ED0CEF}" type="datetime1">
               <a:rPr lang="en-US" smtClean="0"/>
-              <a:t>11/21/16</a:t>
+              <a:t>11/22/16</a:t>
             </a:fld>
             <a:endParaRPr lang="en-US"/>
           </a:p>
@@ -5236,7 +5224,7 @@
           <a:p>
             <a:fld id="{E05DCBF9-A63F-9B48-BC2B-98F6B05BC7B3}" type="datetime1">
               <a:rPr lang="en-US" smtClean="0"/>
-              <a:t>11/21/16</a:t>
+              <a:t>11/22/16</a:t>
             </a:fld>
             <a:endParaRPr lang="en-US"/>
           </a:p>
@@ -5834,264 +5822,6 @@
           <a:p>
             <a:r>
               <a:rPr lang="en-US" dirty="0" smtClean="0"/>
-              <a:t>Research Contributions</a:t>
-            </a:r>
-            <a:endParaRPr lang="en-US" dirty="0"/>
-          </a:p>
-        </p:txBody>
-      </p:sp>
-      <p:sp>
-        <p:nvSpPr>
-          <p:cNvPr id="3" name="Content Placeholder 2"/>
-          <p:cNvSpPr>
-            <a:spLocks noGrp="1"/>
-          </p:cNvSpPr>
-          <p:nvPr>
-            <p:ph idx="1"/>
-          </p:nvPr>
-        </p:nvSpPr>
-        <p:spPr/>
-        <p:txBody>
-          <a:bodyPr/>
-          <a:lstStyle/>
-          <a:p>
-            <a:r>
-              <a:rPr lang="en-US" dirty="0" smtClean="0"/>
-              <a:t>Low-overhead governance framework for cloud platforms that enforces best practices via policies</a:t>
-            </a:r>
-          </a:p>
-          <a:p>
-            <a:r>
-              <a:rPr lang="en-US" dirty="0" smtClean="0"/>
-              <a:t>Methodology for automatically stipulating performance SLOs for cloud applications</a:t>
-            </a:r>
-          </a:p>
-          <a:p>
-            <a:r>
-              <a:rPr lang="en-US" dirty="0" smtClean="0"/>
-              <a:t>Monitoring framework for detecting performance SLO violations, and diagnosing root causes</a:t>
-            </a:r>
-          </a:p>
-          <a:p>
-            <a:endParaRPr lang="en-US" dirty="0"/>
-          </a:p>
-        </p:txBody>
-      </p:sp>
-      <p:sp>
-        <p:nvSpPr>
-          <p:cNvPr id="4" name="Slide Number Placeholder 3"/>
-          <p:cNvSpPr>
-            <a:spLocks noGrp="1"/>
-          </p:cNvSpPr>
-          <p:nvPr>
-            <p:ph type="sldNum" sz="quarter" idx="12"/>
-          </p:nvPr>
-        </p:nvSpPr>
-        <p:spPr/>
-        <p:txBody>
-          <a:bodyPr/>
-          <a:lstStyle/>
-          <a:p>
-            <a:fld id="{D4755116-B387-CD40-9D82-4279FFF17F28}" type="slidenum">
-              <a:rPr lang="en-US" smtClean="0"/>
-              <a:t>10</a:t>
-            </a:fld>
-            <a:endParaRPr lang="en-US"/>
-          </a:p>
-        </p:txBody>
-      </p:sp>
-      <p:sp>
-        <p:nvSpPr>
-          <p:cNvPr id="5" name="Rectangle 4"/>
-          <p:cNvSpPr/>
-          <p:nvPr/>
-        </p:nvSpPr>
-        <p:spPr>
-          <a:xfrm rot="16200000">
-            <a:off x="-476708" y="2328543"/>
-            <a:ext cx="1469349" cy="398467"/>
-          </a:xfrm>
-          <a:prstGeom prst="rect">
-            <a:avLst/>
-          </a:prstGeom>
-          <a:solidFill>
-            <a:srgbClr val="FF0000"/>
-          </a:solidFill>
-          <a:ln>
-            <a:solidFill>
-              <a:srgbClr val="FF0000"/>
-            </a:solidFill>
-          </a:ln>
-        </p:spPr>
-        <p:style>
-          <a:lnRef idx="1">
-            <a:schemeClr val="accent1"/>
-          </a:lnRef>
-          <a:fillRef idx="3">
-            <a:schemeClr val="accent1"/>
-          </a:fillRef>
-          <a:effectRef idx="2">
-            <a:schemeClr val="accent1"/>
-          </a:effectRef>
-          <a:fontRef idx="minor">
-            <a:schemeClr val="lt1"/>
-          </a:fontRef>
-        </p:style>
-        <p:txBody>
-          <a:bodyPr rtlCol="0" anchor="ctr"/>
-          <a:lstStyle/>
-          <a:p>
-            <a:pPr algn="ctr"/>
-            <a:endParaRPr lang="en-US" dirty="0"/>
-          </a:p>
-        </p:txBody>
-      </p:sp>
-      <p:sp>
-        <p:nvSpPr>
-          <p:cNvPr id="6" name="Rectangle 5"/>
-          <p:cNvSpPr/>
-          <p:nvPr/>
-        </p:nvSpPr>
-        <p:spPr>
-          <a:xfrm rot="16200000">
-            <a:off x="-333448" y="3654633"/>
-            <a:ext cx="1182829" cy="398467"/>
-          </a:xfrm>
-          <a:prstGeom prst="rect">
-            <a:avLst/>
-          </a:prstGeom>
-          <a:solidFill>
-            <a:srgbClr val="0000FF"/>
-          </a:solidFill>
-          <a:ln>
-            <a:solidFill>
-              <a:srgbClr val="0000FF"/>
-            </a:solidFill>
-          </a:ln>
-        </p:spPr>
-        <p:style>
-          <a:lnRef idx="1">
-            <a:schemeClr val="accent1"/>
-          </a:lnRef>
-          <a:fillRef idx="3">
-            <a:schemeClr val="accent1"/>
-          </a:fillRef>
-          <a:effectRef idx="2">
-            <a:schemeClr val="accent1"/>
-          </a:effectRef>
-          <a:fontRef idx="minor">
-            <a:schemeClr val="lt1"/>
-          </a:fontRef>
-        </p:style>
-        <p:txBody>
-          <a:bodyPr rtlCol="0" anchor="ctr"/>
-          <a:lstStyle/>
-          <a:p>
-            <a:pPr algn="ctr"/>
-            <a:endParaRPr lang="en-US" dirty="0"/>
-          </a:p>
-        </p:txBody>
-      </p:sp>
-      <p:sp>
-        <p:nvSpPr>
-          <p:cNvPr id="7" name="Rectangle 6"/>
-          <p:cNvSpPr/>
-          <p:nvPr/>
-        </p:nvSpPr>
-        <p:spPr>
-          <a:xfrm rot="16200000">
-            <a:off x="-358474" y="4862488"/>
-            <a:ext cx="1232881" cy="398467"/>
-          </a:xfrm>
-          <a:prstGeom prst="rect">
-            <a:avLst/>
-          </a:prstGeom>
-          <a:solidFill>
-            <a:srgbClr val="008000"/>
-          </a:solidFill>
-          <a:ln>
-            <a:solidFill>
-              <a:srgbClr val="008000"/>
-            </a:solidFill>
-          </a:ln>
-        </p:spPr>
-        <p:style>
-          <a:lnRef idx="1">
-            <a:schemeClr val="accent1"/>
-          </a:lnRef>
-          <a:fillRef idx="3">
-            <a:schemeClr val="accent1"/>
-          </a:fillRef>
-          <a:effectRef idx="2">
-            <a:schemeClr val="accent1"/>
-          </a:effectRef>
-          <a:fontRef idx="minor">
-            <a:schemeClr val="lt1"/>
-          </a:fontRef>
-        </p:style>
-        <p:txBody>
-          <a:bodyPr rtlCol="0" anchor="ctr"/>
-          <a:lstStyle/>
-          <a:p>
-            <a:pPr algn="ctr"/>
-            <a:endParaRPr lang="en-US" dirty="0"/>
-          </a:p>
-        </p:txBody>
-      </p:sp>
-    </p:spTree>
-    <p:extLst>
-      <p:ext uri="{BB962C8B-B14F-4D97-AF65-F5344CB8AC3E}">
-        <p14:creationId xmlns:p14="http://schemas.microsoft.com/office/powerpoint/2010/main" val="1873072985"/>
-      </p:ext>
-    </p:extLst>
-  </p:cSld>
-  <p:clrMapOvr>
-    <a:masterClrMapping/>
-  </p:clrMapOvr>
-  <p:timing>
-    <p:tnLst>
-      <p:par>
-        <p:cTn xmlns:p14="http://schemas.microsoft.com/office/powerpoint/2010/main" id="1" dur="indefinite" restart="never" nodeType="tmRoot"/>
-      </p:par>
-    </p:tnLst>
-  </p:timing>
-</p:sld>
-</file>
-
-<file path=ppt/slides/slide11.xml><?xml version="1.0" encoding="utf-8"?>
-<p:sld xmlns:a="http://schemas.openxmlformats.org/drawingml/2006/main" xmlns:r="http://schemas.openxmlformats.org/officeDocument/2006/relationships" xmlns:p="http://schemas.openxmlformats.org/presentationml/2006/main">
-  <p:cSld>
-    <p:spTree>
-      <p:nvGrpSpPr>
-        <p:cNvPr id="1" name=""/>
-        <p:cNvGrpSpPr/>
-        <p:nvPr/>
-      </p:nvGrpSpPr>
-      <p:grpSpPr>
-        <a:xfrm>
-          <a:off x="0" y="0"/>
-          <a:ext cx="0" cy="0"/>
-          <a:chOff x="0" y="0"/>
-          <a:chExt cx="0" cy="0"/>
-        </a:xfrm>
-      </p:grpSpPr>
-      <p:sp>
-        <p:nvSpPr>
-          <p:cNvPr id="2" name="Title 1"/>
-          <p:cNvSpPr>
-            <a:spLocks noGrp="1"/>
-          </p:cNvSpPr>
-          <p:nvPr>
-            <p:ph type="title"/>
-          </p:nvPr>
-        </p:nvSpPr>
-        <p:spPr/>
-        <p:txBody>
-          <a:bodyPr/>
-          <a:lstStyle/>
-          <a:p>
-            <a:r>
-              <a:rPr lang="en-US" dirty="0" smtClean="0"/>
               <a:t>Cloud Platform-as-a-Service</a:t>
             </a:r>
             <a:endParaRPr lang="en-US" dirty="0"/>
@@ -6148,7 +5878,7 @@
           <a:p>
             <a:fld id="{D4755116-B387-CD40-9D82-4279FFF17F28}" type="slidenum">
               <a:rPr lang="en-US" smtClean="0"/>
-              <a:t>11</a:t>
+              <a:t>10</a:t>
             </a:fld>
             <a:endParaRPr lang="en-US"/>
           </a:p>
@@ -6423,15 +6153,68 @@
                                   </p:childTnLst>
                                 </p:cTn>
                               </p:par>
+                            </p:childTnLst>
+                          </p:cTn>
+                        </p:par>
+                      </p:childTnLst>
+                    </p:cTn>
+                  </p:par>
+                  <p:par>
+                    <p:cTn id="8" fill="hold">
+                      <p:stCondLst>
+                        <p:cond delay="indefinite"/>
+                      </p:stCondLst>
+                      <p:childTnLst>
+                        <p:par>
+                          <p:cTn id="9" fill="hold">
+                            <p:stCondLst>
+                              <p:cond delay="0"/>
+                            </p:stCondLst>
+                            <p:childTnLst>
                               <p:par>
-                                <p:cTn id="8" presetID="3" presetClass="entr" presetSubtype="10" fill="hold" grpId="0" nodeType="withEffect">
+                                <p:cTn id="10" presetID="3" presetClass="entr" presetSubtype="10" fill="hold" grpId="0" nodeType="clickEffect">
                                   <p:stCondLst>
                                     <p:cond delay="0"/>
                                   </p:stCondLst>
                                   <p:childTnLst>
                                     <p:set>
                                       <p:cBhvr>
-                                        <p:cTn id="9" dur="1" fill="hold">
+                                        <p:cTn id="11" dur="1" fill="hold">
+                                          <p:stCondLst>
+                                            <p:cond delay="0"/>
+                                          </p:stCondLst>
+                                        </p:cTn>
+                                        <p:tgtEl>
+                                          <p:spTgt spid="13"/>
+                                        </p:tgtEl>
+                                        <p:attrNameLst>
+                                          <p:attrName>style.visibility</p:attrName>
+                                        </p:attrNameLst>
+                                      </p:cBhvr>
+                                      <p:to>
+                                        <p:strVal val="visible"/>
+                                      </p:to>
+                                    </p:set>
+                                    <p:animEffect transition="in" filter="blinds(horizontal)">
+                                      <p:cBhvr>
+                                        <p:cTn id="12" dur="500"/>
+                                        <p:tgtEl>
+                                          <p:spTgt spid="13"/>
+                                        </p:tgtEl>
+                                      </p:cBhvr>
+                                    </p:animEffect>
+                                  </p:childTnLst>
+                                </p:cTn>
+                              </p:par>
+                              <p:par>
+                                <p:cTn id="13" presetID="3" presetClass="entr" presetSubtype="10" fill="hold" grpId="1" nodeType="withEffect">
+                                  <p:stCondLst>
+                                    <p:cond delay="0"/>
+                                  </p:stCondLst>
+                                  <p:childTnLst>
+                                    <p:set>
+                                      <p:cBhvr>
+                                        <p:cTn id="14" dur="1" fill="hold">
                                           <p:stCondLst>
                                             <p:cond delay="0"/>
                                           </p:stCondLst>
@@ -6449,7 +6232,7 @@
                                     </p:set>
                                     <p:animEffect transition="in" filter="blinds(horizontal)">
                                       <p:cBhvr>
-                                        <p:cTn id="10" dur="500"/>
+                                        <p:cTn id="15" dur="500"/>
                                         <p:tgtEl>
                                           <p:spTgt spid="11"/>
                                         </p:tgtEl>
@@ -6486,13 +6269,14 @@
       </p:par>
     </p:tnLst>
     <p:bldLst>
-      <p:bldP spid="11" grpId="0"/>
+      <p:bldP spid="11" grpId="1"/>
+      <p:bldP spid="13" grpId="0" animBg="1"/>
     </p:bldLst>
   </p:timing>
 </p:sld>
 </file>
 
-<file path=ppt/slides/slide12.xml><?xml version="1.0" encoding="utf-8"?>
+<file path=ppt/slides/slide11.xml><?xml version="1.0" encoding="utf-8"?>
 <p:sld xmlns:a="http://schemas.openxmlformats.org/drawingml/2006/main" xmlns:r="http://schemas.openxmlformats.org/officeDocument/2006/relationships" xmlns:p="http://schemas.openxmlformats.org/presentationml/2006/main">
   <p:cSld>
     <p:spTree>
@@ -6601,7 +6385,7 @@
           <a:p>
             <a:fld id="{D4755116-B387-CD40-9D82-4279FFF17F28}" type="slidenum">
               <a:rPr lang="en-US" smtClean="0"/>
-              <a:t>12</a:t>
+              <a:t>11</a:t>
             </a:fld>
             <a:endParaRPr lang="en-US"/>
           </a:p>
@@ -6777,7 +6561,7 @@
 </p:sld>
 </file>
 
-<file path=ppt/slides/slide13.xml><?xml version="1.0" encoding="utf-8"?>
+<file path=ppt/slides/slide12.xml><?xml version="1.0" encoding="utf-8"?>
 <p:sld xmlns:a="http://schemas.openxmlformats.org/drawingml/2006/main" xmlns:r="http://schemas.openxmlformats.org/officeDocument/2006/relationships" xmlns:p="http://schemas.openxmlformats.org/presentationml/2006/main">
   <p:cSld>
     <p:spTree>
@@ -6891,7 +6675,7 @@
           <a:p>
             <a:fld id="{D4755116-B387-CD40-9D82-4279FFF17F28}" type="slidenum">
               <a:rPr lang="en-US" smtClean="0"/>
-              <a:t>13</a:t>
+              <a:t>12</a:t>
             </a:fld>
             <a:endParaRPr lang="en-US"/>
           </a:p>
@@ -7023,7 +6807,7 @@
 </p:sld>
 </file>
 
-<file path=ppt/slides/slide14.xml><?xml version="1.0" encoding="utf-8"?>
+<file path=ppt/slides/slide13.xml><?xml version="1.0" encoding="utf-8"?>
 <p:sld xmlns:a="http://schemas.openxmlformats.org/drawingml/2006/main" xmlns:r="http://schemas.openxmlformats.org/officeDocument/2006/relationships" xmlns:p="http://schemas.openxmlformats.org/presentationml/2006/main">
   <p:cSld>
     <p:spTree>
@@ -7154,7 +6938,11 @@
           <a:p>
             <a:r>
               <a:rPr lang="en-US" dirty="0"/>
-              <a:t>Facilitates comprehensive policy enforcement at deployment </a:t>
+              <a:t>Facilitates comprehensive policy enforcement at </a:t>
+            </a:r>
+            <a:r>
+              <a:rPr lang="en-US" dirty="0" smtClean="0"/>
+              <a:t>deployment-time </a:t>
             </a:r>
             <a:r>
               <a:rPr lang="en-US" dirty="0" smtClean="0"/>
@@ -7322,7 +7110,7 @@
           <a:p>
             <a:fld id="{D4755116-B387-CD40-9D82-4279FFF17F28}" type="slidenum">
               <a:rPr lang="en-US" smtClean="0"/>
-              <a:t>14</a:t>
+              <a:t>13</a:t>
             </a:fld>
             <a:endParaRPr lang="en-US"/>
           </a:p>
@@ -7454,7 +7242,7 @@
 </p:sld>
 </file>
 
-<file path=ppt/slides/slide15.xml><?xml version="1.0" encoding="utf-8"?>
+<file path=ppt/slides/slide14.xml><?xml version="1.0" encoding="utf-8"?>
 <p:sld xmlns:a="http://schemas.openxmlformats.org/drawingml/2006/main" xmlns:r="http://schemas.openxmlformats.org/officeDocument/2006/relationships" xmlns:p="http://schemas.openxmlformats.org/presentationml/2006/main">
   <p:cSld>
     <p:spTree>
@@ -7536,7 +7324,7 @@
           <a:p>
             <a:fld id="{D4755116-B387-CD40-9D82-4279FFF17F28}" type="slidenum">
               <a:rPr lang="en-US" smtClean="0"/>
-              <a:t>15</a:t>
+              <a:t>14</a:t>
             </a:fld>
             <a:endParaRPr lang="en-US"/>
           </a:p>
@@ -7668,7 +7456,7 @@
 </p:sld>
 </file>
 
-<file path=ppt/slides/slide16.xml><?xml version="1.0" encoding="utf-8"?>
+<file path=ppt/slides/slide15.xml><?xml version="1.0" encoding="utf-8"?>
 <p:sld xmlns:a="http://schemas.openxmlformats.org/drawingml/2006/main" xmlns:r="http://schemas.openxmlformats.org/officeDocument/2006/relationships" xmlns:p="http://schemas.openxmlformats.org/presentationml/2006/main">
   <p:cSld>
     <p:spTree>
@@ -7784,7 +7572,7 @@
           <a:p>
             <a:fld id="{D4755116-B387-CD40-9D82-4279FFF17F28}" type="slidenum">
               <a:rPr lang="en-US" smtClean="0"/>
-              <a:t>16</a:t>
+              <a:t>15</a:t>
             </a:fld>
             <a:endParaRPr lang="en-US"/>
           </a:p>
@@ -7916,7 +7704,7 @@
 </p:sld>
 </file>
 
-<file path=ppt/slides/slide17.xml><?xml version="1.0" encoding="utf-8"?>
+<file path=ppt/slides/slide16.xml><?xml version="1.0" encoding="utf-8"?>
 <p:sld xmlns:a="http://schemas.openxmlformats.org/drawingml/2006/main" xmlns:r="http://schemas.openxmlformats.org/officeDocument/2006/relationships" xmlns:p="http://schemas.openxmlformats.org/presentationml/2006/main">
   <p:cSld>
     <p:spTree>
@@ -7973,7 +7761,7 @@
           <a:p>
             <a:fld id="{D4755116-B387-CD40-9D82-4279FFF17F28}" type="slidenum">
               <a:rPr lang="en-US" smtClean="0"/>
-              <a:t>17</a:t>
+              <a:t>16</a:t>
             </a:fld>
             <a:endParaRPr lang="en-US"/>
           </a:p>
@@ -9211,7 +8999,7 @@
 </p:sld>
 </file>
 
-<file path=ppt/slides/slide18.xml><?xml version="1.0" encoding="utf-8"?>
+<file path=ppt/slides/slide17.xml><?xml version="1.0" encoding="utf-8"?>
 <p:sld xmlns:a="http://schemas.openxmlformats.org/drawingml/2006/main" xmlns:r="http://schemas.openxmlformats.org/officeDocument/2006/relationships" xmlns:p="http://schemas.openxmlformats.org/presentationml/2006/main">
   <p:cSld>
     <p:spTree>
@@ -9303,7 +9091,7 @@
           <a:p>
             <a:fld id="{D4755116-B387-CD40-9D82-4279FFF17F28}" type="slidenum">
               <a:rPr lang="en-US" smtClean="0"/>
-              <a:t>18</a:t>
+              <a:t>17</a:t>
             </a:fld>
             <a:endParaRPr lang="en-US"/>
           </a:p>
@@ -9435,7 +9223,7 @@
 </p:sld>
 </file>
 
-<file path=ppt/slides/slide19.xml><?xml version="1.0" encoding="utf-8"?>
+<file path=ppt/slides/slide18.xml><?xml version="1.0" encoding="utf-8"?>
 <p:sld xmlns:a="http://schemas.openxmlformats.org/drawingml/2006/main" xmlns:r="http://schemas.openxmlformats.org/officeDocument/2006/relationships" xmlns:p="http://schemas.openxmlformats.org/presentationml/2006/main">
   <p:cSld>
     <p:spTree>
@@ -9540,7 +9328,7 @@
           <a:p>
             <a:fld id="{D4755116-B387-CD40-9D82-4279FFF17F28}" type="slidenum">
               <a:rPr lang="en-US" smtClean="0"/>
-              <a:t>19</a:t>
+              <a:t>18</a:t>
             </a:fld>
             <a:endParaRPr lang="en-US"/>
           </a:p>
@@ -9672,6 +9460,287 @@
 </p:sld>
 </file>
 
+<file path=ppt/slides/slide19.xml><?xml version="1.0" encoding="utf-8"?>
+<p:sld xmlns:a="http://schemas.openxmlformats.org/drawingml/2006/main" xmlns:r="http://schemas.openxmlformats.org/officeDocument/2006/relationships" xmlns:p="http://schemas.openxmlformats.org/presentationml/2006/main">
+  <p:cSld>
+    <p:spTree>
+      <p:nvGrpSpPr>
+        <p:cNvPr id="1" name=""/>
+        <p:cNvGrpSpPr/>
+        <p:nvPr/>
+      </p:nvGrpSpPr>
+      <p:grpSpPr>
+        <a:xfrm>
+          <a:off x="0" y="0"/>
+          <a:ext cx="0" cy="0"/>
+          <a:chOff x="0" y="0"/>
+          <a:chExt cx="0" cy="0"/>
+        </a:xfrm>
+      </p:grpSpPr>
+      <p:sp>
+        <p:nvSpPr>
+          <p:cNvPr id="2" name="Title 1"/>
+          <p:cNvSpPr>
+            <a:spLocks noGrp="1"/>
+          </p:cNvSpPr>
+          <p:nvPr>
+            <p:ph type="title"/>
+          </p:nvPr>
+        </p:nvSpPr>
+        <p:spPr/>
+        <p:txBody>
+          <a:bodyPr/>
+          <a:lstStyle/>
+          <a:p>
+            <a:r>
+              <a:rPr lang="en-US" dirty="0" smtClean="0"/>
+              <a:t>Research </a:t>
+            </a:r>
+            <a:r>
+              <a:rPr lang="en-US" dirty="0"/>
+              <a:t>Contributions</a:t>
+            </a:r>
+          </a:p>
+        </p:txBody>
+      </p:sp>
+      <p:sp>
+        <p:nvSpPr>
+          <p:cNvPr id="3" name="Content Placeholder 2"/>
+          <p:cNvSpPr>
+            <a:spLocks noGrp="1"/>
+          </p:cNvSpPr>
+          <p:nvPr>
+            <p:ph idx="1"/>
+          </p:nvPr>
+        </p:nvSpPr>
+        <p:spPr/>
+        <p:txBody>
+          <a:bodyPr/>
+          <a:lstStyle/>
+          <a:p>
+            <a:r>
+              <a:rPr lang="en-US" strike="sngStrike" dirty="0">
+                <a:solidFill>
+                  <a:srgbClr val="BFBFBF"/>
+                </a:solidFill>
+              </a:rPr>
+              <a:t>Low-overhead governance framework for cloud platforms that enforces best practices via policies</a:t>
+            </a:r>
+          </a:p>
+          <a:p>
+            <a:r>
+              <a:rPr lang="en-US" b="1" dirty="0"/>
+              <a:t>Methodology for automatically stipulating performance SLOs for cloud applications</a:t>
+            </a:r>
+          </a:p>
+          <a:p>
+            <a:r>
+              <a:rPr lang="en-US" dirty="0">
+                <a:solidFill>
+                  <a:srgbClr val="BFBFBF"/>
+                </a:solidFill>
+              </a:rPr>
+              <a:t>Monitoring framework for detecting performance SLO violations, and diagnosing root causes</a:t>
+            </a:r>
+          </a:p>
+          <a:p>
+            <a:endParaRPr lang="en-US" dirty="0"/>
+          </a:p>
+        </p:txBody>
+      </p:sp>
+      <p:sp>
+        <p:nvSpPr>
+          <p:cNvPr id="4" name="Slide Number Placeholder 3"/>
+          <p:cNvSpPr>
+            <a:spLocks noGrp="1"/>
+          </p:cNvSpPr>
+          <p:nvPr>
+            <p:ph type="sldNum" sz="quarter" idx="12"/>
+          </p:nvPr>
+        </p:nvSpPr>
+        <p:spPr/>
+        <p:txBody>
+          <a:bodyPr/>
+          <a:lstStyle/>
+          <a:p>
+            <a:fld id="{D4755116-B387-CD40-9D82-4279FFF17F28}" type="slidenum">
+              <a:rPr lang="en-US" smtClean="0"/>
+              <a:t>19</a:t>
+            </a:fld>
+            <a:endParaRPr lang="en-US"/>
+          </a:p>
+        </p:txBody>
+      </p:sp>
+      <p:sp>
+        <p:nvSpPr>
+          <p:cNvPr id="5" name="Rectangle 4"/>
+          <p:cNvSpPr/>
+          <p:nvPr/>
+        </p:nvSpPr>
+        <p:spPr>
+          <a:xfrm rot="16200000">
+            <a:off x="-476708" y="2328543"/>
+            <a:ext cx="1469349" cy="398467"/>
+          </a:xfrm>
+          <a:prstGeom prst="rect">
+            <a:avLst/>
+          </a:prstGeom>
+          <a:solidFill>
+            <a:schemeClr val="accent2">
+              <a:lumMod val="20000"/>
+              <a:lumOff val="80000"/>
+            </a:schemeClr>
+          </a:solidFill>
+          <a:ln>
+            <a:solidFill>
+              <a:schemeClr val="accent2">
+                <a:lumMod val="20000"/>
+                <a:lumOff val="80000"/>
+              </a:schemeClr>
+            </a:solidFill>
+          </a:ln>
+        </p:spPr>
+        <p:style>
+          <a:lnRef idx="1">
+            <a:schemeClr val="accent1"/>
+          </a:lnRef>
+          <a:fillRef idx="3">
+            <a:schemeClr val="accent1"/>
+          </a:fillRef>
+          <a:effectRef idx="2">
+            <a:schemeClr val="accent1"/>
+          </a:effectRef>
+          <a:fontRef idx="minor">
+            <a:schemeClr val="lt1"/>
+          </a:fontRef>
+        </p:style>
+        <p:txBody>
+          <a:bodyPr rtlCol="0" anchor="ctr"/>
+          <a:lstStyle/>
+          <a:p>
+            <a:pPr algn="ctr"/>
+            <a:endParaRPr lang="en-US" dirty="0"/>
+          </a:p>
+        </p:txBody>
+      </p:sp>
+      <p:sp>
+        <p:nvSpPr>
+          <p:cNvPr id="6" name="Rectangle 5"/>
+          <p:cNvSpPr/>
+          <p:nvPr/>
+        </p:nvSpPr>
+        <p:spPr>
+          <a:xfrm rot="16200000">
+            <a:off x="-333448" y="3654633"/>
+            <a:ext cx="1182829" cy="398467"/>
+          </a:xfrm>
+          <a:prstGeom prst="rect">
+            <a:avLst/>
+          </a:prstGeom>
+          <a:solidFill>
+            <a:srgbClr val="0000FF"/>
+          </a:solidFill>
+          <a:ln>
+            <a:solidFill>
+              <a:srgbClr val="0000FF"/>
+            </a:solidFill>
+          </a:ln>
+        </p:spPr>
+        <p:style>
+          <a:lnRef idx="1">
+            <a:schemeClr val="accent1"/>
+          </a:lnRef>
+          <a:fillRef idx="3">
+            <a:schemeClr val="accent1"/>
+          </a:fillRef>
+          <a:effectRef idx="2">
+            <a:schemeClr val="accent1"/>
+          </a:effectRef>
+          <a:fontRef idx="minor">
+            <a:schemeClr val="lt1"/>
+          </a:fontRef>
+        </p:style>
+        <p:txBody>
+          <a:bodyPr rtlCol="0" anchor="ctr"/>
+          <a:lstStyle/>
+          <a:p>
+            <a:pPr algn="ctr"/>
+            <a:endParaRPr lang="en-US" dirty="0"/>
+          </a:p>
+        </p:txBody>
+      </p:sp>
+      <p:sp>
+        <p:nvSpPr>
+          <p:cNvPr id="7" name="Rectangle 6"/>
+          <p:cNvSpPr/>
+          <p:nvPr/>
+        </p:nvSpPr>
+        <p:spPr>
+          <a:xfrm rot="16200000">
+            <a:off x="-358474" y="4862488"/>
+            <a:ext cx="1232881" cy="398467"/>
+          </a:xfrm>
+          <a:prstGeom prst="rect">
+            <a:avLst/>
+          </a:prstGeom>
+          <a:solidFill>
+            <a:schemeClr val="accent3">
+              <a:lumMod val="20000"/>
+              <a:lumOff val="80000"/>
+            </a:schemeClr>
+          </a:solidFill>
+          <a:ln>
+            <a:solidFill>
+              <a:schemeClr val="accent3">
+                <a:lumMod val="20000"/>
+                <a:lumOff val="80000"/>
+              </a:schemeClr>
+            </a:solidFill>
+          </a:ln>
+        </p:spPr>
+        <p:style>
+          <a:lnRef idx="1">
+            <a:schemeClr val="accent1"/>
+          </a:lnRef>
+          <a:fillRef idx="3">
+            <a:schemeClr val="accent1"/>
+          </a:fillRef>
+          <a:effectRef idx="2">
+            <a:schemeClr val="accent1"/>
+          </a:effectRef>
+          <a:fontRef idx="minor">
+            <a:schemeClr val="lt1"/>
+          </a:fontRef>
+        </p:style>
+        <p:txBody>
+          <a:bodyPr rtlCol="0" anchor="ctr"/>
+          <a:lstStyle/>
+          <a:p>
+            <a:pPr algn="ctr"/>
+            <a:endParaRPr lang="en-US" dirty="0"/>
+          </a:p>
+        </p:txBody>
+      </p:sp>
+    </p:spTree>
+    <p:extLst>
+      <p:ext uri="{BB962C8B-B14F-4D97-AF65-F5344CB8AC3E}">
+        <p14:creationId xmlns:p14="http://schemas.microsoft.com/office/powerpoint/2010/main" val="649233518"/>
+      </p:ext>
+    </p:extLst>
+  </p:cSld>
+  <p:clrMapOvr>
+    <a:masterClrMapping/>
+  </p:clrMapOvr>
+  <p:timing>
+    <p:tnLst>
+      <p:par>
+        <p:cTn xmlns:p14="http://schemas.microsoft.com/office/powerpoint/2010/main" id="1" dur="indefinite" restart="never" nodeType="tmRoot"/>
+      </p:par>
+    </p:tnLst>
+  </p:timing>
+</p:sld>
+</file>
+
 <file path=ppt/slides/slide2.xml><?xml version="1.0" encoding="utf-8"?>
 <p:sld xmlns:a="http://schemas.openxmlformats.org/drawingml/2006/main" xmlns:r="http://schemas.openxmlformats.org/officeDocument/2006/relationships" xmlns:p="http://schemas.openxmlformats.org/presentationml/2006/main">
   <p:cSld>
@@ -10240,17 +10309,16 @@
         </p:nvSpPr>
         <p:spPr/>
         <p:txBody>
-          <a:bodyPr/>
+          <a:bodyPr>
+            <a:normAutofit/>
+          </a:bodyPr>
           <a:lstStyle/>
           <a:p>
             <a:r>
               <a:rPr lang="en-US" dirty="0" smtClean="0"/>
-              <a:t>Research </a:t>
-            </a:r>
-            <a:r>
-              <a:rPr lang="en-US" dirty="0"/>
-              <a:t>Contributions</a:t>
-            </a:r>
+              <a:t>Performance SLOs: Goals</a:t>
+            </a:r>
+            <a:endParaRPr lang="en-US" dirty="0"/>
           </a:p>
         </p:txBody>
       </p:sp>
@@ -10266,36 +10334,41 @@
         </p:nvSpPr>
         <p:spPr/>
         <p:txBody>
-          <a:bodyPr/>
-          <a:lstStyle/>
-          <a:p>
-            <a:r>
-              <a:rPr lang="en-US" strike="sngStrike" dirty="0">
-                <a:solidFill>
-                  <a:srgbClr val="BFBFBF"/>
-                </a:solidFill>
-              </a:rPr>
-              <a:t>Low-overhead governance framework for cloud platforms that enforces best practices via policies</a:t>
-            </a:r>
-          </a:p>
-          <a:p>
-            <a:r>
-              <a:rPr lang="en-US" b="1" dirty="0"/>
-              <a:t>Methodology for automatically stipulating performance SLOs for cloud applications</a:t>
-            </a:r>
-          </a:p>
-          <a:p>
-            <a:r>
-              <a:rPr lang="en-US" dirty="0">
-                <a:solidFill>
-                  <a:srgbClr val="BFBFBF"/>
-                </a:solidFill>
-              </a:rPr>
-              <a:t>Monitoring framework for detecting performance SLO violations, and diagnosing root causes</a:t>
-            </a:r>
-          </a:p>
-          <a:p>
-            <a:endParaRPr lang="en-US" dirty="0"/>
+          <a:bodyPr>
+            <a:normAutofit/>
+          </a:bodyPr>
+          <a:lstStyle/>
+          <a:p>
+            <a:r>
+              <a:rPr lang="en-US" dirty="0" smtClean="0"/>
+              <a:t>Determine bounds on application response times that are:</a:t>
+            </a:r>
+          </a:p>
+          <a:p>
+            <a:pPr lvl="1"/>
+            <a:r>
+              <a:rPr lang="en-US" dirty="0" smtClean="0"/>
+              <a:t>Correct, tight and durable</a:t>
+            </a:r>
+          </a:p>
+          <a:p>
+            <a:r>
+              <a:rPr lang="en-US" dirty="0" smtClean="0"/>
+              <a:t>No extensive testing on the applications</a:t>
+            </a:r>
+          </a:p>
+          <a:p>
+            <a:pPr lvl="1"/>
+            <a:r>
+              <a:rPr lang="en-US" dirty="0" smtClean="0"/>
+              <a:t>Automated analysis</a:t>
+            </a:r>
+          </a:p>
+          <a:p>
+            <a:r>
+              <a:rPr lang="en-US" dirty="0" smtClean="0"/>
+              <a:t>Enforce performance policies (design-time), and detect deviations (run-time)</a:t>
+            </a:r>
           </a:p>
         </p:txBody>
       </p:sp>
@@ -10317,291 +10390,6 @@
             <a:fld id="{D4755116-B387-CD40-9D82-4279FFF17F28}" type="slidenum">
               <a:rPr lang="en-US" smtClean="0"/>
               <a:t>20</a:t>
-            </a:fld>
-            <a:endParaRPr lang="en-US"/>
-          </a:p>
-        </p:txBody>
-      </p:sp>
-      <p:sp>
-        <p:nvSpPr>
-          <p:cNvPr id="5" name="Rectangle 4"/>
-          <p:cNvSpPr/>
-          <p:nvPr/>
-        </p:nvSpPr>
-        <p:spPr>
-          <a:xfrm rot="16200000">
-            <a:off x="-476708" y="2328543"/>
-            <a:ext cx="1469349" cy="398467"/>
-          </a:xfrm>
-          <a:prstGeom prst="rect">
-            <a:avLst/>
-          </a:prstGeom>
-          <a:solidFill>
-            <a:schemeClr val="accent2">
-              <a:lumMod val="20000"/>
-              <a:lumOff val="80000"/>
-            </a:schemeClr>
-          </a:solidFill>
-          <a:ln>
-            <a:solidFill>
-              <a:schemeClr val="accent2">
-                <a:lumMod val="20000"/>
-                <a:lumOff val="80000"/>
-              </a:schemeClr>
-            </a:solidFill>
-          </a:ln>
-        </p:spPr>
-        <p:style>
-          <a:lnRef idx="1">
-            <a:schemeClr val="accent1"/>
-          </a:lnRef>
-          <a:fillRef idx="3">
-            <a:schemeClr val="accent1"/>
-          </a:fillRef>
-          <a:effectRef idx="2">
-            <a:schemeClr val="accent1"/>
-          </a:effectRef>
-          <a:fontRef idx="minor">
-            <a:schemeClr val="lt1"/>
-          </a:fontRef>
-        </p:style>
-        <p:txBody>
-          <a:bodyPr rtlCol="0" anchor="ctr"/>
-          <a:lstStyle/>
-          <a:p>
-            <a:pPr algn="ctr"/>
-            <a:endParaRPr lang="en-US" dirty="0"/>
-          </a:p>
-        </p:txBody>
-      </p:sp>
-      <p:sp>
-        <p:nvSpPr>
-          <p:cNvPr id="6" name="Rectangle 5"/>
-          <p:cNvSpPr/>
-          <p:nvPr/>
-        </p:nvSpPr>
-        <p:spPr>
-          <a:xfrm rot="16200000">
-            <a:off x="-333448" y="3654633"/>
-            <a:ext cx="1182829" cy="398467"/>
-          </a:xfrm>
-          <a:prstGeom prst="rect">
-            <a:avLst/>
-          </a:prstGeom>
-          <a:solidFill>
-            <a:srgbClr val="0000FF"/>
-          </a:solidFill>
-          <a:ln>
-            <a:solidFill>
-              <a:srgbClr val="0000FF"/>
-            </a:solidFill>
-          </a:ln>
-        </p:spPr>
-        <p:style>
-          <a:lnRef idx="1">
-            <a:schemeClr val="accent1"/>
-          </a:lnRef>
-          <a:fillRef idx="3">
-            <a:schemeClr val="accent1"/>
-          </a:fillRef>
-          <a:effectRef idx="2">
-            <a:schemeClr val="accent1"/>
-          </a:effectRef>
-          <a:fontRef idx="minor">
-            <a:schemeClr val="lt1"/>
-          </a:fontRef>
-        </p:style>
-        <p:txBody>
-          <a:bodyPr rtlCol="0" anchor="ctr"/>
-          <a:lstStyle/>
-          <a:p>
-            <a:pPr algn="ctr"/>
-            <a:endParaRPr lang="en-US" dirty="0"/>
-          </a:p>
-        </p:txBody>
-      </p:sp>
-      <p:sp>
-        <p:nvSpPr>
-          <p:cNvPr id="7" name="Rectangle 6"/>
-          <p:cNvSpPr/>
-          <p:nvPr/>
-        </p:nvSpPr>
-        <p:spPr>
-          <a:xfrm rot="16200000">
-            <a:off x="-358474" y="4862488"/>
-            <a:ext cx="1232881" cy="398467"/>
-          </a:xfrm>
-          <a:prstGeom prst="rect">
-            <a:avLst/>
-          </a:prstGeom>
-          <a:solidFill>
-            <a:schemeClr val="accent3">
-              <a:lumMod val="20000"/>
-              <a:lumOff val="80000"/>
-            </a:schemeClr>
-          </a:solidFill>
-          <a:ln>
-            <a:solidFill>
-              <a:schemeClr val="accent3">
-                <a:lumMod val="20000"/>
-                <a:lumOff val="80000"/>
-              </a:schemeClr>
-            </a:solidFill>
-          </a:ln>
-        </p:spPr>
-        <p:style>
-          <a:lnRef idx="1">
-            <a:schemeClr val="accent1"/>
-          </a:lnRef>
-          <a:fillRef idx="3">
-            <a:schemeClr val="accent1"/>
-          </a:fillRef>
-          <a:effectRef idx="2">
-            <a:schemeClr val="accent1"/>
-          </a:effectRef>
-          <a:fontRef idx="minor">
-            <a:schemeClr val="lt1"/>
-          </a:fontRef>
-        </p:style>
-        <p:txBody>
-          <a:bodyPr rtlCol="0" anchor="ctr"/>
-          <a:lstStyle/>
-          <a:p>
-            <a:pPr algn="ctr"/>
-            <a:endParaRPr lang="en-US" dirty="0"/>
-          </a:p>
-        </p:txBody>
-      </p:sp>
-    </p:spTree>
-    <p:extLst>
-      <p:ext uri="{BB962C8B-B14F-4D97-AF65-F5344CB8AC3E}">
-        <p14:creationId xmlns:p14="http://schemas.microsoft.com/office/powerpoint/2010/main" val="649233518"/>
-      </p:ext>
-    </p:extLst>
-  </p:cSld>
-  <p:clrMapOvr>
-    <a:masterClrMapping/>
-  </p:clrMapOvr>
-  <p:timing>
-    <p:tnLst>
-      <p:par>
-        <p:cTn xmlns:p14="http://schemas.microsoft.com/office/powerpoint/2010/main" id="1" dur="indefinite" restart="never" nodeType="tmRoot"/>
-      </p:par>
-    </p:tnLst>
-  </p:timing>
-</p:sld>
-</file>
-
-<file path=ppt/slides/slide21.xml><?xml version="1.0" encoding="utf-8"?>
-<p:sld xmlns:a="http://schemas.openxmlformats.org/drawingml/2006/main" xmlns:r="http://schemas.openxmlformats.org/officeDocument/2006/relationships" xmlns:p="http://schemas.openxmlformats.org/presentationml/2006/main">
-  <p:cSld>
-    <p:spTree>
-      <p:nvGrpSpPr>
-        <p:cNvPr id="1" name=""/>
-        <p:cNvGrpSpPr/>
-        <p:nvPr/>
-      </p:nvGrpSpPr>
-      <p:grpSpPr>
-        <a:xfrm>
-          <a:off x="0" y="0"/>
-          <a:ext cx="0" cy="0"/>
-          <a:chOff x="0" y="0"/>
-          <a:chExt cx="0" cy="0"/>
-        </a:xfrm>
-      </p:grpSpPr>
-      <p:sp>
-        <p:nvSpPr>
-          <p:cNvPr id="2" name="Title 1"/>
-          <p:cNvSpPr>
-            <a:spLocks noGrp="1"/>
-          </p:cNvSpPr>
-          <p:nvPr>
-            <p:ph type="title"/>
-          </p:nvPr>
-        </p:nvSpPr>
-        <p:spPr/>
-        <p:txBody>
-          <a:bodyPr>
-            <a:normAutofit/>
-          </a:bodyPr>
-          <a:lstStyle/>
-          <a:p>
-            <a:r>
-              <a:rPr lang="en-US" dirty="0" smtClean="0"/>
-              <a:t>Performance SLOs: Goals</a:t>
-            </a:r>
-            <a:endParaRPr lang="en-US" dirty="0"/>
-          </a:p>
-        </p:txBody>
-      </p:sp>
-      <p:sp>
-        <p:nvSpPr>
-          <p:cNvPr id="3" name="Content Placeholder 2"/>
-          <p:cNvSpPr>
-            <a:spLocks noGrp="1"/>
-          </p:cNvSpPr>
-          <p:nvPr>
-            <p:ph idx="1"/>
-          </p:nvPr>
-        </p:nvSpPr>
-        <p:spPr/>
-        <p:txBody>
-          <a:bodyPr>
-            <a:normAutofit/>
-          </a:bodyPr>
-          <a:lstStyle/>
-          <a:p>
-            <a:r>
-              <a:rPr lang="en-US" dirty="0" smtClean="0"/>
-              <a:t>Determine bounds on application response times that are:</a:t>
-            </a:r>
-          </a:p>
-          <a:p>
-            <a:pPr lvl="1"/>
-            <a:r>
-              <a:rPr lang="en-US" dirty="0" smtClean="0"/>
-              <a:t>Correct, tight and durable</a:t>
-            </a:r>
-          </a:p>
-          <a:p>
-            <a:r>
-              <a:rPr lang="en-US" dirty="0" smtClean="0"/>
-              <a:t>No extensive testing on the applications</a:t>
-            </a:r>
-          </a:p>
-          <a:p>
-            <a:pPr lvl="1"/>
-            <a:r>
-              <a:rPr lang="en-US" dirty="0" smtClean="0"/>
-              <a:t>Automated analysis</a:t>
-            </a:r>
-          </a:p>
-          <a:p>
-            <a:r>
-              <a:rPr lang="en-US" dirty="0" smtClean="0"/>
-              <a:t>Enforce performance policies (design-time), and detect deviations (run-time)</a:t>
-            </a:r>
-          </a:p>
-        </p:txBody>
-      </p:sp>
-      <p:sp>
-        <p:nvSpPr>
-          <p:cNvPr id="4" name="Slide Number Placeholder 3"/>
-          <p:cNvSpPr>
-            <a:spLocks noGrp="1"/>
-          </p:cNvSpPr>
-          <p:nvPr>
-            <p:ph type="sldNum" sz="quarter" idx="12"/>
-          </p:nvPr>
-        </p:nvSpPr>
-        <p:spPr/>
-        <p:txBody>
-          <a:bodyPr/>
-          <a:lstStyle/>
-          <a:p>
-            <a:fld id="{D4755116-B387-CD40-9D82-4279FFF17F28}" type="slidenum">
-              <a:rPr lang="en-US" smtClean="0"/>
-              <a:t>21</a:t>
             </a:fld>
             <a:endParaRPr lang="en-US"/>
           </a:p>
@@ -10733,7 +10521,7 @@
 </p:sld>
 </file>
 
-<file path=ppt/slides/slide22.xml><?xml version="1.0" encoding="utf-8"?>
+<file path=ppt/slides/slide21.xml><?xml version="1.0" encoding="utf-8"?>
 <p:sld xmlns:a="http://schemas.openxmlformats.org/drawingml/2006/main" xmlns:r="http://schemas.openxmlformats.org/officeDocument/2006/relationships" xmlns:p="http://schemas.openxmlformats.org/presentationml/2006/main">
   <p:cSld>
     <p:spTree>
@@ -10823,7 +10611,15 @@
           <a:p>
             <a:r>
               <a:rPr lang="en-US" dirty="0" smtClean="0"/>
-              <a:t>Uses a combination of static analysis and continuous system monitoring</a:t>
+              <a:t>Uses a combination of static analysis and continuous </a:t>
+            </a:r>
+            <a:r>
+              <a:rPr lang="en-US" dirty="0" smtClean="0"/>
+              <a:t>platform </a:t>
+            </a:r>
+            <a:r>
+              <a:rPr lang="en-US" dirty="0" smtClean="0"/>
+              <a:t>monitoring</a:t>
             </a:r>
           </a:p>
           <a:p>
@@ -10947,7 +10743,7 @@
           <a:p>
             <a:fld id="{D4755116-B387-CD40-9D82-4279FFF17F28}" type="slidenum">
               <a:rPr lang="en-US" smtClean="0"/>
-              <a:t>22</a:t>
+              <a:t>21</a:t>
             </a:fld>
             <a:endParaRPr lang="en-US"/>
           </a:p>
@@ -11079,7 +10875,7 @@
 </p:sld>
 </file>
 
-<file path=ppt/slides/slide23.xml><?xml version="1.0" encoding="utf-8"?>
+<file path=ppt/slides/slide22.xml><?xml version="1.0" encoding="utf-8"?>
 <p:sld xmlns:a="http://schemas.openxmlformats.org/drawingml/2006/main" xmlns:r="http://schemas.openxmlformats.org/officeDocument/2006/relationships" xmlns:p="http://schemas.openxmlformats.org/presentationml/2006/main">
   <p:cSld>
     <p:spTree>
@@ -11170,7 +10966,7 @@
           <a:p>
             <a:fld id="{D4755116-B387-CD40-9D82-4279FFF17F28}" type="slidenum">
               <a:rPr lang="en-US" smtClean="0"/>
-              <a:t>23</a:t>
+              <a:t>22</a:t>
             </a:fld>
             <a:endParaRPr lang="en-US"/>
           </a:p>
@@ -11341,6 +11137,47 @@
           </p:txBody>
         </p:sp>
       </p:grpSp>
+      <p:sp>
+        <p:nvSpPr>
+          <p:cNvPr id="10" name="TextBox 9"/>
+          <p:cNvSpPr txBox="1"/>
+          <p:nvPr/>
+        </p:nvSpPr>
+        <p:spPr>
+          <a:xfrm>
+            <a:off x="5304300" y="5217435"/>
+            <a:ext cx="1199096" cy="276999"/>
+          </a:xfrm>
+          <a:prstGeom prst="rect">
+            <a:avLst/>
+          </a:prstGeom>
+          <a:solidFill>
+            <a:srgbClr val="C0504D"/>
+          </a:solidFill>
+        </p:spPr>
+        <p:txBody>
+          <a:bodyPr wrap="square" rtlCol="0">
+            <a:spAutoFit/>
+          </a:bodyPr>
+          <a:lstStyle/>
+          <a:p>
+            <a:pPr algn="ctr"/>
+            <a:r>
+              <a:rPr lang="en-US" sz="1200" b="1" dirty="0" smtClean="0">
+                <a:solidFill>
+                  <a:schemeClr val="bg1"/>
+                </a:solidFill>
+              </a:rPr>
+              <a:t>SLO Predictor</a:t>
+            </a:r>
+            <a:endParaRPr lang="en-US" sz="1200" b="1" dirty="0">
+              <a:solidFill>
+                <a:schemeClr val="bg1"/>
+              </a:solidFill>
+            </a:endParaRPr>
+          </a:p>
+        </p:txBody>
+      </p:sp>
     </p:spTree>
     <p:extLst>
       <p:ext uri="{BB962C8B-B14F-4D97-AF65-F5344CB8AC3E}">
@@ -11440,7 +11277,7 @@
 </p:sld>
 </file>
 
-<file path=ppt/slides/slide24.xml><?xml version="1.0" encoding="utf-8"?>
+<file path=ppt/slides/slide23.xml><?xml version="1.0" encoding="utf-8"?>
 <p:sld xmlns:a="http://schemas.openxmlformats.org/drawingml/2006/main" xmlns:r="http://schemas.openxmlformats.org/officeDocument/2006/relationships" xmlns:p="http://schemas.openxmlformats.org/presentationml/2006/main">
   <p:cSld>
     <p:spTree>
@@ -11507,8 +11344,13 @@
             </a:r>
             <a:r>
               <a:rPr lang="en-US" dirty="0" smtClean="0"/>
-              <a:t>, 95% of the time [JBW08].</a:t>
-            </a:r>
+              <a:t>, 95% of the </a:t>
+            </a:r>
+            <a:r>
+              <a:rPr lang="en-US" dirty="0" smtClean="0"/>
+              <a:t>time</a:t>
+            </a:r>
+            <a:endParaRPr lang="en-US" dirty="0" smtClean="0"/>
           </a:p>
           <a:p>
             <a:pPr lvl="1"/>
@@ -11613,7 +11455,7 @@
           <a:p>
             <a:fld id="{4940F666-E5FA-274D-B0C1-53A0010BDC84}" type="slidenum">
               <a:rPr lang="en-US" smtClean="0"/>
-              <a:t>24</a:t>
+              <a:t>23</a:t>
             </a:fld>
             <a:endParaRPr lang="en-US"/>
           </a:p>
@@ -11745,7 +11587,7 @@
 </p:sld>
 </file>
 
-<file path=ppt/slides/slide25.xml><?xml version="1.0" encoding="utf-8"?>
+<file path=ppt/slides/slide24.xml><?xml version="1.0" encoding="utf-8"?>
 <p:sld xmlns:a="http://schemas.openxmlformats.org/drawingml/2006/main" xmlns:r="http://schemas.openxmlformats.org/officeDocument/2006/relationships" xmlns:p="http://schemas.openxmlformats.org/presentationml/2006/main">
   <p:cSld>
     <p:spTree>
@@ -11833,7 +11675,7 @@
             <a:fld id="{3336F440-0623-F948-B0BF-C3A0BAE2BBD0}" type="slidenum">
               <a:rPr lang="en-US" smtClean="0"/>
               <a:pPr/>
-              <a:t>25</a:t>
+              <a:t>24</a:t>
             </a:fld>
             <a:endParaRPr lang="en-US"/>
           </a:p>
@@ -12050,6 +11892,220 @@
 </p:sld>
 </file>
 
+<file path=ppt/slides/slide25.xml><?xml version="1.0" encoding="utf-8"?>
+<p:sld xmlns:a="http://schemas.openxmlformats.org/drawingml/2006/main" xmlns:r="http://schemas.openxmlformats.org/officeDocument/2006/relationships" xmlns:p="http://schemas.openxmlformats.org/presentationml/2006/main">
+  <p:cSld>
+    <p:spTree>
+      <p:nvGrpSpPr>
+        <p:cNvPr id="1" name=""/>
+        <p:cNvGrpSpPr/>
+        <p:nvPr/>
+      </p:nvGrpSpPr>
+      <p:grpSpPr>
+        <a:xfrm>
+          <a:off x="0" y="0"/>
+          <a:ext cx="0" cy="0"/>
+          <a:chOff x="0" y="0"/>
+          <a:chExt cx="0" cy="0"/>
+        </a:xfrm>
+      </p:grpSpPr>
+      <p:sp>
+        <p:nvSpPr>
+          <p:cNvPr id="2" name="Title 1"/>
+          <p:cNvSpPr>
+            <a:spLocks noGrp="1"/>
+          </p:cNvSpPr>
+          <p:nvPr>
+            <p:ph type="title"/>
+          </p:nvPr>
+        </p:nvSpPr>
+        <p:spPr/>
+        <p:txBody>
+          <a:bodyPr/>
+          <a:lstStyle/>
+          <a:p>
+            <a:r>
+              <a:rPr lang="en-US" dirty="0" smtClean="0"/>
+              <a:t>Prediction Tightness</a:t>
+            </a:r>
+            <a:endParaRPr lang="en-US" dirty="0"/>
+          </a:p>
+        </p:txBody>
+      </p:sp>
+      <p:pic>
+        <p:nvPicPr>
+          <p:cNvPr id="5" name="Content Placeholder 4" descr="diff_summary.png"/>
+          <p:cNvPicPr>
+            <a:picLocks noGrp="1" noChangeAspect="1"/>
+          </p:cNvPicPr>
+          <p:nvPr>
+            <p:ph idx="1"/>
+          </p:nvPr>
+        </p:nvPicPr>
+        <p:blipFill>
+          <a:blip r:embed="rId2">
+            <a:extLst>
+              <a:ext uri="{28A0092B-C50C-407E-A947-70E740481C1C}">
+                <a14:useLocalDpi xmlns:a14="http://schemas.microsoft.com/office/drawing/2010/main" val="0"/>
+              </a:ext>
+            </a:extLst>
+          </a:blip>
+          <a:srcRect l="-10678" r="-10678"/>
+          <a:stretch>
+            <a:fillRect/>
+          </a:stretch>
+        </p:blipFill>
+        <p:spPr/>
+      </p:pic>
+      <p:sp>
+        <p:nvSpPr>
+          <p:cNvPr id="4" name="Slide Number Placeholder 3"/>
+          <p:cNvSpPr>
+            <a:spLocks noGrp="1"/>
+          </p:cNvSpPr>
+          <p:nvPr>
+            <p:ph type="sldNum" sz="quarter" idx="12"/>
+          </p:nvPr>
+        </p:nvSpPr>
+        <p:spPr/>
+        <p:txBody>
+          <a:bodyPr/>
+          <a:lstStyle/>
+          <a:p>
+            <a:fld id="{D4755116-B387-CD40-9D82-4279FFF17F28}" type="slidenum">
+              <a:rPr lang="en-US" smtClean="0"/>
+              <a:t>25</a:t>
+            </a:fld>
+            <a:endParaRPr lang="en-US"/>
+          </a:p>
+        </p:txBody>
+      </p:sp>
+      <p:grpSp>
+        <p:nvGrpSpPr>
+          <p:cNvPr id="6" name="Group 5"/>
+          <p:cNvGrpSpPr/>
+          <p:nvPr/>
+        </p:nvGrpSpPr>
+        <p:grpSpPr>
+          <a:xfrm>
+            <a:off x="0" y="0"/>
+            <a:ext cx="9144000" cy="983717"/>
+            <a:chOff x="0" y="0"/>
+            <a:chExt cx="9144000" cy="983717"/>
+          </a:xfrm>
+          <a:solidFill>
+            <a:srgbClr val="0000FF"/>
+          </a:solidFill>
+        </p:grpSpPr>
+        <p:sp>
+          <p:nvSpPr>
+            <p:cNvPr id="7" name="Rectangle 6"/>
+            <p:cNvSpPr/>
+            <p:nvPr/>
+          </p:nvSpPr>
+          <p:spPr>
+            <a:xfrm>
+              <a:off x="0" y="0"/>
+              <a:ext cx="9144000" cy="298851"/>
+            </a:xfrm>
+            <a:prstGeom prst="rect">
+              <a:avLst/>
+            </a:prstGeom>
+            <a:grpFill/>
+            <a:ln>
+              <a:solidFill>
+                <a:srgbClr val="0000FF"/>
+              </a:solidFill>
+            </a:ln>
+          </p:spPr>
+          <p:style>
+            <a:lnRef idx="1">
+              <a:schemeClr val="accent1"/>
+            </a:lnRef>
+            <a:fillRef idx="3">
+              <a:schemeClr val="accent1"/>
+            </a:fillRef>
+            <a:effectRef idx="2">
+              <a:schemeClr val="accent1"/>
+            </a:effectRef>
+            <a:fontRef idx="minor">
+              <a:schemeClr val="lt1"/>
+            </a:fontRef>
+          </p:style>
+          <p:txBody>
+            <a:bodyPr rtlCol="0" anchor="ctr"/>
+            <a:lstStyle/>
+            <a:p>
+              <a:pPr algn="ctr"/>
+              <a:endParaRPr lang="en-US"/>
+            </a:p>
+          </p:txBody>
+        </p:sp>
+        <p:sp>
+          <p:nvSpPr>
+            <p:cNvPr id="8" name="Rectangle 7"/>
+            <p:cNvSpPr/>
+            <p:nvPr/>
+          </p:nvSpPr>
+          <p:spPr>
+            <a:xfrm>
+              <a:off x="0" y="298851"/>
+              <a:ext cx="286382" cy="684866"/>
+            </a:xfrm>
+            <a:prstGeom prst="rect">
+              <a:avLst/>
+            </a:prstGeom>
+            <a:grpFill/>
+            <a:ln>
+              <a:solidFill>
+                <a:srgbClr val="0000FF"/>
+              </a:solidFill>
+            </a:ln>
+          </p:spPr>
+          <p:style>
+            <a:lnRef idx="1">
+              <a:schemeClr val="accent1"/>
+            </a:lnRef>
+            <a:fillRef idx="3">
+              <a:schemeClr val="accent1"/>
+            </a:fillRef>
+            <a:effectRef idx="2">
+              <a:schemeClr val="accent1"/>
+            </a:effectRef>
+            <a:fontRef idx="minor">
+              <a:schemeClr val="lt1"/>
+            </a:fontRef>
+          </p:style>
+          <p:txBody>
+            <a:bodyPr rtlCol="0" anchor="ctr"/>
+            <a:lstStyle/>
+            <a:p>
+              <a:pPr algn="ctr"/>
+              <a:endParaRPr lang="en-US"/>
+            </a:p>
+          </p:txBody>
+        </p:sp>
+      </p:grpSp>
+    </p:spTree>
+    <p:extLst>
+      <p:ext uri="{BB962C8B-B14F-4D97-AF65-F5344CB8AC3E}">
+        <p14:creationId xmlns:p14="http://schemas.microsoft.com/office/powerpoint/2010/main" val="2986990865"/>
+      </p:ext>
+    </p:extLst>
+  </p:cSld>
+  <p:clrMapOvr>
+    <a:masterClrMapping/>
+  </p:clrMapOvr>
+  <p:timing>
+    <p:tnLst>
+      <p:par>
+        <p:cTn xmlns:p14="http://schemas.microsoft.com/office/powerpoint/2010/main" id="1" dur="indefinite" restart="never" nodeType="tmRoot"/>
+      </p:par>
+    </p:tnLst>
+  </p:timing>
+</p:sld>
+</file>
+
 <file path=ppt/slides/slide26.xml><?xml version="1.0" encoding="utf-8"?>
 <p:sld xmlns:a="http://schemas.openxmlformats.org/drawingml/2006/main" xmlns:r="http://schemas.openxmlformats.org/officeDocument/2006/relationships" xmlns:p="http://schemas.openxmlformats.org/presentationml/2006/main">
   <p:cSld>
@@ -12083,100 +12139,45 @@
           <a:lstStyle/>
           <a:p>
             <a:r>
-              <a:rPr lang="en-US" dirty="0" err="1" smtClean="0"/>
-              <a:t>Cerebro</a:t>
-            </a:r>
-            <a:r>
               <a:rPr lang="en-US" dirty="0" smtClean="0"/>
-              <a:t> Results Summary</a:t>
+              <a:t>SLO </a:t>
+            </a:r>
+            <a:r>
+              <a:rPr lang="en-US" dirty="0" smtClean="0"/>
+              <a:t>Renewals Per User</a:t>
             </a:r>
             <a:endParaRPr lang="en-US" dirty="0"/>
           </a:p>
         </p:txBody>
       </p:sp>
-      <p:sp>
-        <p:nvSpPr>
-          <p:cNvPr id="3" name="Content Placeholder 2"/>
-          <p:cNvSpPr>
-            <a:spLocks noGrp="1"/>
-          </p:cNvSpPr>
+      <p:pic>
+        <p:nvPicPr>
+          <p:cNvPr id="4" name="Content Placeholder 3" descr="renegotiation_cdf.png"/>
+          <p:cNvPicPr>
+            <a:picLocks noGrp="1" noChangeAspect="1"/>
+          </p:cNvPicPr>
           <p:nvPr>
             <p:ph idx="1"/>
           </p:nvPr>
-        </p:nvSpPr>
+        </p:nvPicPr>
+        <p:blipFill>
+          <a:blip r:embed="rId2">
+            <a:extLst>
+              <a:ext uri="{28A0092B-C50C-407E-A947-70E740481C1C}">
+                <a14:useLocalDpi xmlns:a14="http://schemas.microsoft.com/office/drawing/2010/main" val="0"/>
+              </a:ext>
+            </a:extLst>
+          </a:blip>
+          <a:srcRect l="-12238" r="-12238"/>
+          <a:stretch>
+            <a:fillRect/>
+          </a:stretch>
+        </p:blipFill>
         <p:spPr/>
-        <p:txBody>
-          <a:bodyPr>
-            <a:normAutofit lnSpcReduction="10000"/>
-          </a:bodyPr>
-          <a:lstStyle/>
-          <a:p>
-            <a:r>
-              <a:rPr lang="en-US" dirty="0" smtClean="0"/>
-              <a:t>Prediction tightness (App Engine, </a:t>
-            </a:r>
-            <a:r>
-              <a:rPr lang="en-US" dirty="0" err="1" smtClean="0"/>
-              <a:t>AppScale</a:t>
-            </a:r>
-            <a:r>
-              <a:rPr lang="en-US" dirty="0"/>
-              <a:t>)</a:t>
-            </a:r>
-            <a:endParaRPr lang="en-US" dirty="0" smtClean="0"/>
-          </a:p>
-          <a:p>
-            <a:pPr lvl="1"/>
-            <a:r>
-              <a:rPr lang="en-US" dirty="0" smtClean="0"/>
-              <a:t>Predictions off by less than 65ms for 14/20 cases</a:t>
-            </a:r>
-          </a:p>
-          <a:p>
-            <a:pPr lvl="1"/>
-            <a:r>
-              <a:rPr lang="en-US" dirty="0" smtClean="0"/>
-              <a:t>Trades off tightness for correctness when the SDK call performance is subject to high variation</a:t>
-            </a:r>
-          </a:p>
-          <a:p>
-            <a:r>
-              <a:rPr lang="en-US" dirty="0" smtClean="0"/>
-              <a:t>Durability (App Engine)</a:t>
-            </a:r>
-          </a:p>
-          <a:p>
-            <a:pPr lvl="1"/>
-            <a:r>
-              <a:rPr lang="en-US" dirty="0" smtClean="0"/>
-              <a:t>Minimum mean validity period: 12 days</a:t>
-            </a:r>
-          </a:p>
-          <a:p>
-            <a:pPr lvl="1"/>
-            <a:r>
-              <a:rPr lang="en-US" dirty="0" smtClean="0"/>
-              <a:t>SLO changes in 3 months: 6 or less</a:t>
-            </a:r>
-          </a:p>
-          <a:p>
-            <a:r>
-              <a:rPr lang="en-US" dirty="0" smtClean="0"/>
-              <a:t>Execution time</a:t>
-            </a:r>
-          </a:p>
-          <a:p>
-            <a:pPr lvl="1"/>
-            <a:r>
-              <a:rPr lang="en-US" dirty="0" smtClean="0"/>
-              <a:t>10 seconds: with 24 hour history</a:t>
-            </a:r>
-          </a:p>
-        </p:txBody>
-      </p:sp>
-      <p:sp>
-        <p:nvSpPr>
-          <p:cNvPr id="4" name="Slide Number Placeholder 3"/>
+      </p:pic>
+      <p:sp>
+        <p:nvSpPr>
+          <p:cNvPr id="3" name="Slide Number Placeholder 2"/>
           <p:cNvSpPr>
             <a:spLocks noGrp="1"/>
           </p:cNvSpPr>
@@ -12189,7 +12190,7 @@
           <a:bodyPr/>
           <a:lstStyle/>
           <a:p>
-            <a:fld id="{D4755116-B387-CD40-9D82-4279FFF17F28}" type="slidenum">
+            <a:fld id="{4940F666-E5FA-274D-B0C1-53A0010BDC84}" type="slidenum">
               <a:rPr lang="en-US" smtClean="0"/>
               <a:t>26</a:t>
             </a:fld>
@@ -12303,10 +12304,46 @@
           </p:txBody>
         </p:sp>
       </p:grpSp>
+      <p:sp>
+        <p:nvSpPr>
+          <p:cNvPr id="8" name="TextBox 7"/>
+          <p:cNvSpPr txBox="1"/>
+          <p:nvPr/>
+        </p:nvSpPr>
+        <p:spPr>
+          <a:xfrm>
+            <a:off x="286382" y="6231830"/>
+            <a:ext cx="7682517" cy="584776"/>
+          </a:xfrm>
+          <a:prstGeom prst="rect">
+            <a:avLst/>
+          </a:prstGeom>
+          <a:noFill/>
+        </p:spPr>
+        <p:txBody>
+          <a:bodyPr wrap="square" rtlCol="0">
+            <a:spAutoFit/>
+          </a:bodyPr>
+          <a:lstStyle/>
+          <a:p>
+            <a:r>
+              <a:rPr lang="en-US" sz="1600" dirty="0" smtClean="0"/>
+              <a:t>Based on simulation results on Google App Engine for 125,000 users.</a:t>
+            </a:r>
+          </a:p>
+          <a:p>
+            <a:r>
+              <a:rPr lang="en-US" sz="1600" dirty="0" smtClean="0"/>
+              <a:t>Minimum average SLO durability: 12 days</a:t>
+            </a:r>
+            <a:endParaRPr lang="en-US" sz="1600" dirty="0"/>
+          </a:p>
+        </p:txBody>
+      </p:sp>
     </p:spTree>
     <p:extLst>
       <p:ext uri="{BB962C8B-B14F-4D97-AF65-F5344CB8AC3E}">
-        <p14:creationId xmlns:p14="http://schemas.microsoft.com/office/powerpoint/2010/main" val="2300239877"/>
+        <p14:creationId xmlns:p14="http://schemas.microsoft.com/office/powerpoint/2010/main" val="1212976045"/>
       </p:ext>
     </p:extLst>
   </p:cSld>
@@ -12995,11 +13032,7 @@
             </a:r>
             <a:r>
               <a:rPr lang="en-US" sz="1400" i="1" dirty="0" smtClean="0"/>
-              <a:t>and</a:t>
-            </a:r>
-            <a:r>
-              <a:rPr lang="en-US" sz="1400" i="1" dirty="0" smtClean="0"/>
-              <a:t> </a:t>
+              <a:t>and </a:t>
             </a:r>
             <a:r>
               <a:rPr lang="en-US" sz="1400" i="1" dirty="0"/>
@@ -13011,11 +13044,7 @@
             </a:r>
             <a:r>
               <a:rPr lang="en-US" sz="1400" i="1" dirty="0" smtClean="0"/>
-              <a:t>, “Performance Monitoring and Root Cause Analysis for Cloud-hosted Web Applications” under review at World Wide Web Conference 2017 (WWW)</a:t>
-            </a:r>
-            <a:r>
-              <a:rPr lang="en-US" sz="1400" i="1" dirty="0" smtClean="0"/>
-              <a:t>.</a:t>
+              <a:t>, “Performance Monitoring and Root Cause Analysis for Cloud-hosted Web Applications” under review at World Wide Web Conference 2017 (WWW).</a:t>
             </a:r>
           </a:p>
           <a:p>
@@ -13048,19 +13077,7 @@
             </a:r>
             <a:r>
               <a:rPr lang="en-US" sz="1400" i="1" dirty="0" smtClean="0"/>
-              <a:t>”Bottleneck Identification in Cloud-hosted Web Applications,</a:t>
-            </a:r>
-            <a:r>
-              <a:rPr lang="en-US" sz="1400" i="1" dirty="0" smtClean="0"/>
-              <a:t>” </a:t>
-            </a:r>
-            <a:r>
-              <a:rPr lang="en-US" sz="1400" i="1" dirty="0" smtClean="0"/>
-              <a:t>under review at IEEE Transactions on Cloud Computing (TCC)</a:t>
-            </a:r>
-            <a:r>
-              <a:rPr lang="en-US" sz="1400" i="1" dirty="0" smtClean="0"/>
-              <a:t>.</a:t>
+              <a:t>”Bottleneck Identification in Cloud-hosted Web Applications,” under review at IEEE Transactions on Cloud Computing (TCC).</a:t>
             </a:r>
             <a:endParaRPr lang="en-US" sz="1400" i="1" dirty="0"/>
           </a:p>
@@ -16272,33 +16289,13 @@
             <a:pPr lvl="1"/>
             <a:r>
               <a:rPr lang="en-US" dirty="0" smtClean="0"/>
-              <a:t>Detecting the </a:t>
-            </a:r>
+              <a:t>Detecting the operation that is generally slow</a:t>
+            </a:r>
+          </a:p>
+          <a:p>
             <a:r>
               <a:rPr lang="en-US" dirty="0" smtClean="0"/>
-              <a:t>operation </a:t>
-            </a:r>
-            <a:r>
-              <a:rPr lang="en-US" dirty="0" smtClean="0"/>
-              <a:t>that is generally slow</a:t>
-            </a:r>
-          </a:p>
-          <a:p>
-            <a:r>
-              <a:rPr lang="en-US" dirty="0" smtClean="0"/>
-              <a:t>For </a:t>
-            </a:r>
-            <a:r>
-              <a:rPr lang="en-US" dirty="0" smtClean="0"/>
-              <a:t>each kernel invocation, check for </a:t>
-            </a:r>
-            <a:r>
-              <a:rPr lang="en-US" dirty="0" smtClean="0"/>
-              <a:t>tail</a:t>
-            </a:r>
-            <a:r>
-              <a:rPr lang="en-US" dirty="0" smtClean="0"/>
-              <a:t>-end values that exceed the 0.99 </a:t>
+              <a:t>For each kernel invocation, check for tail-end values that exceed the 0.99 </a:t>
             </a:r>
             <a:r>
               <a:rPr lang="en-US" dirty="0" err="1" smtClean="0"/>
@@ -16817,11 +16814,7 @@
           <a:p>
             <a:r>
               <a:rPr lang="en-US" dirty="0" smtClean="0"/>
-              <a:t>Detected </a:t>
-            </a:r>
-            <a:r>
-              <a:rPr lang="en-US" dirty="0" smtClean="0"/>
-              <a:t>all anomalies within 2-5 minutes of their occurrence</a:t>
+              <a:t>Detected all anomalies within 2-5 minutes of their occurrence</a:t>
             </a:r>
           </a:p>
           <a:p>
@@ -17991,11 +17984,7 @@
             </a:r>
             <a:r>
               <a:rPr lang="en-US" sz="1400" i="1" dirty="0" smtClean="0"/>
-              <a:t>” </a:t>
-            </a:r>
-            <a:r>
-              <a:rPr lang="en-US" sz="1400" i="1" dirty="0" smtClean="0"/>
-              <a:t>IEEE </a:t>
+              <a:t>” IEEE </a:t>
             </a:r>
             <a:r>
               <a:rPr lang="en-US" sz="1400" i="1" dirty="0"/>
@@ -18054,11 +18043,7 @@
             </a:r>
             <a:r>
               <a:rPr lang="en-US" sz="1400" i="1" dirty="0" smtClean="0"/>
-              <a:t>” </a:t>
-            </a:r>
-            <a:r>
-              <a:rPr lang="en-US" sz="1400" i="1" dirty="0" smtClean="0"/>
-              <a:t>IEEE </a:t>
+              <a:t>” IEEE </a:t>
             </a:r>
             <a:r>
               <a:rPr lang="en-US" sz="1400" i="1" dirty="0"/>
@@ -18249,11 +18234,7 @@
             </a:pPr>
             <a:r>
               <a:rPr lang="en-US" sz="1400" i="1" dirty="0" smtClean="0"/>
-              <a:t>[</a:t>
-            </a:r>
-            <a:r>
-              <a:rPr lang="en-US" sz="1400" i="1" dirty="0" smtClean="0"/>
-              <a:t>JBW08] D</a:t>
+              <a:t>[JBW08] D</a:t>
             </a:r>
             <a:r>
               <a:rPr lang="en-US" sz="1400" i="1" dirty="0"/>
@@ -18296,11 +18277,7 @@
             </a:pPr>
             <a:r>
               <a:rPr lang="en-US" sz="1400" i="1" dirty="0" smtClean="0"/>
-              <a:t>[</a:t>
-            </a:r>
-            <a:r>
-              <a:rPr lang="en-US" sz="1400" i="1" dirty="0" smtClean="0"/>
-              <a:t>KFE12] R</a:t>
+              <a:t>[KFE12] R</a:t>
             </a:r>
             <a:r>
               <a:rPr lang="en-US" sz="1400" i="1" dirty="0"/>
@@ -19658,7 +19635,7 @@
           <a:p>
             <a:r>
               <a:rPr lang="en-US" dirty="0" smtClean="0"/>
-              <a:t>Anomaly Detection</a:t>
+              <a:t>Path Analysis</a:t>
             </a:r>
             <a:endParaRPr lang="en-US" dirty="0"/>
           </a:p>
@@ -19681,39 +19658,26 @@
           <a:p>
             <a:r>
               <a:rPr lang="en-US" dirty="0" smtClean="0"/>
-              <a:t>Support several different approaches</a:t>
+              <a:t>Compute the distribution of requests over different paths</a:t>
             </a:r>
           </a:p>
           <a:p>
             <a:pPr lvl="1"/>
             <a:r>
               <a:rPr lang="en-US" dirty="0" smtClean="0"/>
-              <a:t>Threshold-based: p% of the requests in a time window must complete under T </a:t>
-            </a:r>
-            <a:r>
-              <a:rPr lang="en-US" dirty="0" err="1" smtClean="0"/>
-              <a:t>ms.</a:t>
-            </a:r>
-            <a:endParaRPr lang="en-US" dirty="0" smtClean="0"/>
-          </a:p>
-          <a:p>
-            <a:pPr lvl="1"/>
+              <a:t>Evaluate how this distribution changes over time</a:t>
+            </a:r>
+          </a:p>
+          <a:p>
             <a:r>
               <a:rPr lang="en-US" dirty="0" smtClean="0"/>
-              <a:t>Correlation-based: The correlation between response time and load must be positive.</a:t>
-            </a:r>
-          </a:p>
-          <a:p>
-            <a:pPr lvl="1"/>
+              <a:t>Novelty detection – appearance of new paths in the path distribution</a:t>
+            </a:r>
+          </a:p>
+          <a:p>
             <a:r>
               <a:rPr lang="en-US" dirty="0" smtClean="0"/>
-              <a:t>Other methods</a:t>
-            </a:r>
-          </a:p>
-          <a:p>
-            <a:r>
-              <a:rPr lang="en-US" dirty="0" smtClean="0"/>
-              <a:t>Configured per application</a:t>
+              <a:t>Summarize response time metric over different paths</a:t>
             </a:r>
             <a:endParaRPr lang="en-US" dirty="0"/>
           </a:p>
@@ -19745,7 +19709,7 @@
     </p:spTree>
     <p:extLst>
       <p:ext uri="{BB962C8B-B14F-4D97-AF65-F5344CB8AC3E}">
-        <p14:creationId xmlns:p14="http://schemas.microsoft.com/office/powerpoint/2010/main" val="419976513"/>
+        <p14:creationId xmlns:p14="http://schemas.microsoft.com/office/powerpoint/2010/main" val="3027907442"/>
       </p:ext>
     </p:extLst>
   </p:cSld>
@@ -19796,7 +19760,7 @@
           <a:p>
             <a:r>
               <a:rPr lang="en-US" dirty="0" smtClean="0"/>
-              <a:t>Root Cause Analysis</a:t>
+              <a:t>EAGER Prototype</a:t>
             </a:r>
             <a:endParaRPr lang="en-US" dirty="0"/>
           </a:p>
@@ -19818,29 +19782,92 @@
           <a:lstStyle/>
           <a:p>
             <a:r>
-              <a:rPr lang="en-US" dirty="0" smtClean="0"/>
-              <a:t>Use relative importance (RI) metric on specific paths to identify the most significant components (API calls) along each path</a:t>
-            </a:r>
+              <a:rPr lang="en-US" dirty="0"/>
+              <a:t>Implemented into </a:t>
+            </a:r>
+            <a:r>
+              <a:rPr lang="en-US" dirty="0" err="1"/>
+              <a:t>AppScale</a:t>
+            </a:r>
+            <a:endParaRPr lang="en-US" dirty="0"/>
           </a:p>
           <a:p>
             <a:pPr lvl="1"/>
             <a:r>
-              <a:rPr lang="en-US" dirty="0" smtClean="0"/>
-              <a:t>Check for both the RI values, and recent changes to the RI values</a:t>
-            </a:r>
-          </a:p>
-          <a:p>
-            <a:r>
-              <a:rPr lang="en-US" dirty="0" smtClean="0"/>
-              <a:t>If a performance anomaly happens in multiple paths, perform separate root cause analyses for each path</a:t>
+              <a:rPr lang="en-US" dirty="0">
+                <a:hlinkClick r:id="rId2"/>
+              </a:rPr>
+              <a:t>http://appscale.com</a:t>
             </a:r>
             <a:endParaRPr lang="en-US" dirty="0"/>
           </a:p>
-        </p:txBody>
-      </p:sp>
-      <p:sp>
-        <p:nvSpPr>
-          <p:cNvPr id="4" name="Slide Number Placeholder 3"/>
+          <a:p>
+            <a:r>
+              <a:rPr lang="en-US" dirty="0"/>
+              <a:t>Metadata Manager – MySQL</a:t>
+            </a:r>
+          </a:p>
+          <a:p>
+            <a:r>
+              <a:rPr lang="en-US" dirty="0"/>
+              <a:t>API Gateway and Discovery Portal – WSO2</a:t>
+            </a:r>
+          </a:p>
+          <a:p>
+            <a:r>
+              <a:rPr lang="en-US" dirty="0"/>
+              <a:t>All additional processes integrated into the task management subsystem of </a:t>
+            </a:r>
+            <a:r>
+              <a:rPr lang="en-US" dirty="0" err="1"/>
+              <a:t>AppScale</a:t>
+            </a:r>
+            <a:endParaRPr lang="en-US" dirty="0"/>
+          </a:p>
+          <a:p>
+            <a:r>
+              <a:rPr lang="en-US" dirty="0"/>
+              <a:t>Minimal code changes/additions</a:t>
+            </a:r>
+          </a:p>
+          <a:p>
+            <a:endParaRPr lang="en-US" dirty="0"/>
+          </a:p>
+        </p:txBody>
+      </p:sp>
+      <p:pic>
+        <p:nvPicPr>
+          <p:cNvPr id="4" name="Picture 3" descr="AppScale_Systems_Logo.png"/>
+          <p:cNvPicPr>
+            <a:picLocks noChangeAspect="1"/>
+          </p:cNvPicPr>
+          <p:nvPr/>
+        </p:nvPicPr>
+        <p:blipFill>
+          <a:blip r:embed="rId3">
+            <a:extLst>
+              <a:ext uri="{28A0092B-C50C-407E-A947-70E740481C1C}">
+                <a14:useLocalDpi xmlns:a14="http://schemas.microsoft.com/office/drawing/2010/main" val="0"/>
+              </a:ext>
+            </a:extLst>
+          </a:blip>
+          <a:stretch>
+            <a:fillRect/>
+          </a:stretch>
+        </p:blipFill>
+        <p:spPr>
+          <a:xfrm>
+            <a:off x="8026307" y="5323279"/>
+            <a:ext cx="1117693" cy="1605768"/>
+          </a:xfrm>
+          <a:prstGeom prst="rect">
+            <a:avLst/>
+          </a:prstGeom>
+        </p:spPr>
+      </p:pic>
+      <p:sp>
+        <p:nvSpPr>
+          <p:cNvPr id="5" name="Slide Number Placeholder 4"/>
           <p:cNvSpPr>
             <a:spLocks noGrp="1"/>
           </p:cNvSpPr>
@@ -19864,7 +19891,7 @@
     </p:spTree>
     <p:extLst>
       <p:ext uri="{BB962C8B-B14F-4D97-AF65-F5344CB8AC3E}">
-        <p14:creationId xmlns:p14="http://schemas.microsoft.com/office/powerpoint/2010/main" val="374891472"/>
+        <p14:creationId xmlns:p14="http://schemas.microsoft.com/office/powerpoint/2010/main" val="1699778603"/>
       </p:ext>
     </p:extLst>
   </p:cSld>
@@ -19915,57 +19942,40 @@
           <a:p>
             <a:r>
               <a:rPr lang="en-US" dirty="0" smtClean="0"/>
-              <a:t>Path Analysis</a:t>
+              <a:t>EAGER Overhead by App</a:t>
             </a:r>
             <a:endParaRPr lang="en-US" dirty="0"/>
           </a:p>
         </p:txBody>
       </p:sp>
-      <p:sp>
-        <p:nvSpPr>
-          <p:cNvPr id="3" name="Content Placeholder 2"/>
-          <p:cNvSpPr>
-            <a:spLocks noGrp="1"/>
-          </p:cNvSpPr>
+      <p:pic>
+        <p:nvPicPr>
+          <p:cNvPr id="4" name="Content Placeholder 3" descr="overhead_by_app.png"/>
+          <p:cNvPicPr>
+            <a:picLocks noGrp="1" noChangeAspect="1"/>
+          </p:cNvPicPr>
           <p:nvPr>
             <p:ph idx="1"/>
           </p:nvPr>
-        </p:nvSpPr>
+        </p:nvPicPr>
+        <p:blipFill>
+          <a:blip r:embed="rId2">
+            <a:extLst>
+              <a:ext uri="{28A0092B-C50C-407E-A947-70E740481C1C}">
+                <a14:useLocalDpi xmlns:a14="http://schemas.microsoft.com/office/drawing/2010/main" val="0"/>
+              </a:ext>
+            </a:extLst>
+          </a:blip>
+          <a:srcRect l="-7416" r="-7416"/>
+          <a:stretch>
+            <a:fillRect/>
+          </a:stretch>
+        </p:blipFill>
         <p:spPr/>
-        <p:txBody>
-          <a:bodyPr/>
-          <a:lstStyle/>
-          <a:p>
-            <a:r>
-              <a:rPr lang="en-US" dirty="0" smtClean="0"/>
-              <a:t>Compute the distribution of requests over different paths</a:t>
-            </a:r>
-          </a:p>
-          <a:p>
-            <a:pPr lvl="1"/>
-            <a:r>
-              <a:rPr lang="en-US" dirty="0" smtClean="0"/>
-              <a:t>Evaluate how this distribution changes over time</a:t>
-            </a:r>
-          </a:p>
-          <a:p>
-            <a:r>
-              <a:rPr lang="en-US" dirty="0" smtClean="0"/>
-              <a:t>Novelty detection – appearance of new paths in the path distribution</a:t>
-            </a:r>
-          </a:p>
-          <a:p>
-            <a:r>
-              <a:rPr lang="en-US" dirty="0" smtClean="0"/>
-              <a:t>Summarize response time metric over different paths</a:t>
-            </a:r>
-            <a:endParaRPr lang="en-US" dirty="0"/>
-          </a:p>
-        </p:txBody>
-      </p:sp>
-      <p:sp>
-        <p:nvSpPr>
-          <p:cNvPr id="4" name="Slide Number Placeholder 3"/>
+      </p:pic>
+      <p:sp>
+        <p:nvSpPr>
+          <p:cNvPr id="3" name="Slide Number Placeholder 2"/>
           <p:cNvSpPr>
             <a:spLocks noGrp="1"/>
           </p:cNvSpPr>
@@ -19989,7 +19999,7 @@
     </p:spTree>
     <p:extLst>
       <p:ext uri="{BB962C8B-B14F-4D97-AF65-F5344CB8AC3E}">
-        <p14:creationId xmlns:p14="http://schemas.microsoft.com/office/powerpoint/2010/main" val="3027907442"/>
+        <p14:creationId xmlns:p14="http://schemas.microsoft.com/office/powerpoint/2010/main" val="1956200155"/>
       </p:ext>
     </p:extLst>
   </p:cSld>
@@ -20040,91 +20050,48 @@
           <a:p>
             <a:r>
               <a:rPr lang="en-US" dirty="0" smtClean="0"/>
-              <a:t>Outline</a:t>
+              <a:t>EAGER Overhead </a:t>
+            </a:r>
+            <a:r>
+              <a:rPr lang="en-US" dirty="0" err="1" smtClean="0"/>
+              <a:t>vs</a:t>
+            </a:r>
+            <a:r>
+              <a:rPr lang="en-US" dirty="0" smtClean="0"/>
+              <a:t> Policies</a:t>
             </a:r>
             <a:endParaRPr lang="en-US" dirty="0"/>
           </a:p>
         </p:txBody>
       </p:sp>
-      <p:sp>
-        <p:nvSpPr>
-          <p:cNvPr id="3" name="Content Placeholder 2"/>
-          <p:cNvSpPr>
-            <a:spLocks noGrp="1"/>
-          </p:cNvSpPr>
+      <p:pic>
+        <p:nvPicPr>
+          <p:cNvPr id="4" name="Content Placeholder 5" descr="overhead_by_policies.png"/>
+          <p:cNvPicPr>
+            <a:picLocks noGrp="1" noChangeAspect="1"/>
+          </p:cNvPicPr>
           <p:nvPr>
             <p:ph idx="1"/>
           </p:nvPr>
-        </p:nvSpPr>
+        </p:nvPicPr>
+        <p:blipFill>
+          <a:blip r:embed="rId2">
+            <a:extLst>
+              <a:ext uri="{28A0092B-C50C-407E-A947-70E740481C1C}">
+                <a14:useLocalDpi xmlns:a14="http://schemas.microsoft.com/office/drawing/2010/main" val="0"/>
+              </a:ext>
+            </a:extLst>
+          </a:blip>
+          <a:srcRect l="-7502" r="-7502"/>
+          <a:stretch>
+            <a:fillRect/>
+          </a:stretch>
+        </p:blipFill>
         <p:spPr/>
-        <p:txBody>
-          <a:bodyPr>
-            <a:normAutofit lnSpcReduction="10000"/>
-          </a:bodyPr>
-          <a:lstStyle/>
-          <a:p>
-            <a:r>
-              <a:rPr lang="en-US" dirty="0" smtClean="0"/>
-              <a:t>Intro</a:t>
-            </a:r>
-          </a:p>
-          <a:p>
-            <a:r>
-              <a:rPr lang="en-US" dirty="0" smtClean="0"/>
-              <a:t>Motivation/Background</a:t>
-            </a:r>
-          </a:p>
-          <a:p>
-            <a:pPr lvl="1"/>
-            <a:r>
-              <a:rPr lang="en-US" dirty="0" smtClean="0"/>
-              <a:t>Thesis statement</a:t>
-            </a:r>
-          </a:p>
-          <a:p>
-            <a:r>
-              <a:rPr lang="en-US" dirty="0" smtClean="0"/>
-              <a:t>Result 1 (EAGER)</a:t>
-            </a:r>
-          </a:p>
-          <a:p>
-            <a:r>
-              <a:rPr lang="en-US" dirty="0" smtClean="0"/>
-              <a:t>Result 2 (</a:t>
-            </a:r>
-            <a:r>
-              <a:rPr lang="en-US" dirty="0" err="1" smtClean="0"/>
-              <a:t>Cerebro</a:t>
-            </a:r>
-            <a:r>
-              <a:rPr lang="en-US" dirty="0" smtClean="0"/>
-              <a:t>)</a:t>
-            </a:r>
-          </a:p>
-          <a:p>
-            <a:r>
-              <a:rPr lang="en-US" dirty="0" smtClean="0"/>
-              <a:t>Result 3 (Anomaly detection/Roots)</a:t>
-            </a:r>
-          </a:p>
-          <a:p>
-            <a:r>
-              <a:rPr lang="en-US" dirty="0" smtClean="0"/>
-              <a:t>Related work</a:t>
-            </a:r>
-          </a:p>
-          <a:p>
-            <a:r>
-              <a:rPr lang="en-US" dirty="0" smtClean="0"/>
-              <a:t>Future work</a:t>
-            </a:r>
-            <a:endParaRPr lang="en-US" dirty="0"/>
-          </a:p>
-        </p:txBody>
-      </p:sp>
-      <p:sp>
-        <p:nvSpPr>
-          <p:cNvPr id="4" name="Slide Number Placeholder 3"/>
+      </p:pic>
+      <p:sp>
+        <p:nvSpPr>
+          <p:cNvPr id="3" name="Slide Number Placeholder 2"/>
           <p:cNvSpPr>
             <a:spLocks noGrp="1"/>
           </p:cNvSpPr>
@@ -20148,13 +20115,20 @@
     </p:spTree>
     <p:extLst>
       <p:ext uri="{BB962C8B-B14F-4D97-AF65-F5344CB8AC3E}">
-        <p14:creationId xmlns:p14="http://schemas.microsoft.com/office/powerpoint/2010/main" val="2916180106"/>
+        <p14:creationId xmlns:p14="http://schemas.microsoft.com/office/powerpoint/2010/main" val="1901845792"/>
       </p:ext>
     </p:extLst>
   </p:cSld>
   <p:clrMapOvr>
     <a:masterClrMapping/>
   </p:clrMapOvr>
+  <p:timing>
+    <p:tnLst>
+      <p:par>
+        <p:cTn xmlns:p14="http://schemas.microsoft.com/office/powerpoint/2010/main" id="1" dur="indefinite" restart="never" nodeType="tmRoot"/>
+      </p:par>
+    </p:tnLst>
+  </p:timing>
 </p:sld>
 </file>
 
@@ -20191,40 +20165,75 @@
           <a:lstStyle/>
           <a:p>
             <a:r>
+              <a:rPr lang="en-US" dirty="0" err="1" smtClean="0"/>
+              <a:t>ProgrammableWeb</a:t>
+            </a:r>
+            <a:r>
               <a:rPr lang="en-US" dirty="0" smtClean="0"/>
-              <a:t>Thesis Question</a:t>
+              <a:t> Dataset</a:t>
             </a:r>
             <a:endParaRPr lang="en-US" dirty="0"/>
           </a:p>
         </p:txBody>
       </p:sp>
-      <p:sp>
-        <p:nvSpPr>
-          <p:cNvPr id="3" name="Content Placeholder 2"/>
-          <p:cNvSpPr>
-            <a:spLocks noGrp="1"/>
-          </p:cNvSpPr>
+      <p:pic>
+        <p:nvPicPr>
+          <p:cNvPr id="4" name="Content Placeholder 3" descr="pweb_sample_overhead.png"/>
+          <p:cNvPicPr>
+            <a:picLocks noGrp="1" noChangeAspect="1"/>
+          </p:cNvPicPr>
           <p:nvPr>
             <p:ph idx="1"/>
           </p:nvPr>
-        </p:nvSpPr>
+        </p:nvPicPr>
+        <p:blipFill>
+          <a:blip r:embed="rId2">
+            <a:extLst>
+              <a:ext uri="{28A0092B-C50C-407E-A947-70E740481C1C}">
+                <a14:useLocalDpi xmlns:a14="http://schemas.microsoft.com/office/drawing/2010/main" val="0"/>
+              </a:ext>
+            </a:extLst>
+          </a:blip>
+          <a:srcRect l="-7502" r="-7502"/>
+          <a:stretch>
+            <a:fillRect/>
+          </a:stretch>
+        </p:blipFill>
         <p:spPr/>
-        <p:txBody>
-          <a:bodyPr>
-            <a:normAutofit fontScale="92500" lnSpcReduction="20000"/>
+      </p:pic>
+      <p:sp>
+        <p:nvSpPr>
+          <p:cNvPr id="5" name="TextBox 4"/>
+          <p:cNvSpPr txBox="1"/>
+          <p:nvPr/>
+        </p:nvSpPr>
+        <p:spPr>
+          <a:xfrm>
+            <a:off x="457200" y="6466022"/>
+            <a:ext cx="8229600" cy="369332"/>
+          </a:xfrm>
+          <a:prstGeom prst="rect">
+            <a:avLst/>
+          </a:prstGeom>
+          <a:noFill/>
+        </p:spPr>
+        <p:txBody>
+          <a:bodyPr wrap="square" rtlCol="0">
+            <a:spAutoFit/>
           </a:bodyPr>
           <a:lstStyle/>
           <a:p>
             <a:r>
               <a:rPr lang="en-US" dirty="0" smtClean="0"/>
-              <a:t>Can we enforce design-time governance on web applications developed for a given Platform-as-a-Service cloud so as to ensure proper versioning, dependency management and conformance to other developer best practices, and also enforce run-time governance on them so as to automatically determine the expected runtime performance of the applications, detect SLA violations and detect performance anomalies and perform root cause analysis, with minimal developer intervention and no invasive instrumentation on the applications?</a:t>
-            </a:r>
-          </a:p>
-        </p:txBody>
-      </p:sp>
-      <p:sp>
-        <p:nvSpPr>
-          <p:cNvPr id="4" name="Slide Number Placeholder 3"/>
+              <a:t>0 policies; 18322 APIs in DB; 33615 dependency edges </a:t>
+            </a:r>
+            <a:endParaRPr lang="en-US" dirty="0"/>
+          </a:p>
+        </p:txBody>
+      </p:sp>
+      <p:sp>
+        <p:nvSpPr>
+          <p:cNvPr id="3" name="Slide Number Placeholder 2"/>
           <p:cNvSpPr>
             <a:spLocks noGrp="1"/>
           </p:cNvSpPr>
@@ -20248,7 +20257,7 @@
     </p:spTree>
     <p:extLst>
       <p:ext uri="{BB962C8B-B14F-4D97-AF65-F5344CB8AC3E}">
-        <p14:creationId xmlns:p14="http://schemas.microsoft.com/office/powerpoint/2010/main" val="2072488777"/>
+        <p14:creationId xmlns:p14="http://schemas.microsoft.com/office/powerpoint/2010/main" val="21886181"/>
       </p:ext>
     </p:extLst>
   </p:cSld>
@@ -20294,418 +20303,278 @@
         </p:nvSpPr>
         <p:spPr/>
         <p:txBody>
+          <a:bodyPr>
+            <a:normAutofit fontScale="90000"/>
+          </a:bodyPr>
+          <a:lstStyle/>
+          <a:p>
+            <a:r>
+              <a:rPr lang="en-US" dirty="0" smtClean="0"/>
+              <a:t>QBETS: Queue Bounds Estimation from Time Series</a:t>
+            </a:r>
+            <a:endParaRPr lang="en-US" dirty="0"/>
+          </a:p>
+        </p:txBody>
+      </p:sp>
+      <p:sp>
+        <p:nvSpPr>
+          <p:cNvPr id="3" name="Content Placeholder 2"/>
+          <p:cNvSpPr>
+            <a:spLocks noGrp="1"/>
+          </p:cNvSpPr>
+          <p:nvPr>
+            <p:ph idx="1"/>
+          </p:nvPr>
+        </p:nvSpPr>
+        <p:spPr/>
+        <p:txBody>
+          <a:bodyPr>
+            <a:normAutofit/>
+          </a:bodyPr>
+          <a:lstStyle/>
+          <a:p>
+            <a:r>
+              <a:rPr lang="en-US" dirty="0" smtClean="0"/>
+              <a:t>Analyzes the first </a:t>
+            </a:r>
+            <a:r>
+              <a:rPr lang="en-US" i="1" dirty="0" smtClean="0"/>
+              <a:t>n</a:t>
+            </a:r>
+            <a:r>
+              <a:rPr lang="en-US" dirty="0" smtClean="0"/>
+              <a:t> entries in a time series</a:t>
+            </a:r>
+          </a:p>
+          <a:p>
+            <a:r>
+              <a:rPr lang="en-US" dirty="0" smtClean="0"/>
+              <a:t>Predicts an upper bound for the </a:t>
+            </a:r>
+            <a:r>
+              <a:rPr lang="en-US" i="1" dirty="0" smtClean="0"/>
+              <a:t>(n+1)</a:t>
+            </a:r>
+            <a:r>
+              <a:rPr lang="en-US" baseline="30000" dirty="0" err="1" smtClean="0"/>
+              <a:t>th</a:t>
+            </a:r>
+            <a:r>
+              <a:rPr lang="en-US" dirty="0" smtClean="0"/>
+              <a:t> entry</a:t>
+            </a:r>
+          </a:p>
+          <a:p>
+            <a:pPr lvl="1"/>
+            <a:r>
+              <a:rPr lang="en-US" i="1" dirty="0" smtClean="0"/>
+              <a:t>QBETS([x</a:t>
+            </a:r>
+            <a:r>
+              <a:rPr lang="en-US" i="1" baseline="-25000" dirty="0" smtClean="0"/>
+              <a:t>1</a:t>
+            </a:r>
+            <a:r>
+              <a:rPr lang="en-US" i="1" dirty="0" smtClean="0"/>
+              <a:t>,x</a:t>
+            </a:r>
+            <a:r>
+              <a:rPr lang="en-US" i="1" baseline="-25000" dirty="0" smtClean="0"/>
+              <a:t>2</a:t>
+            </a:r>
+            <a:r>
+              <a:rPr lang="en-US" i="1" dirty="0" smtClean="0"/>
+              <a:t>,…</a:t>
+            </a:r>
+            <a:r>
+              <a:rPr lang="en-US" i="1" dirty="0" err="1" smtClean="0"/>
+              <a:t>x</a:t>
+            </a:r>
+            <a:r>
+              <a:rPr lang="en-US" i="1" baseline="-25000" dirty="0" err="1" smtClean="0"/>
+              <a:t>n</a:t>
+            </a:r>
+            <a:r>
+              <a:rPr lang="en-US" i="1" dirty="0" smtClean="0"/>
+              <a:t>], p) = Q</a:t>
+            </a:r>
+            <a:r>
+              <a:rPr lang="en-US" dirty="0" smtClean="0"/>
+              <a:t> where </a:t>
+            </a:r>
+            <a:r>
+              <a:rPr lang="en-US" i="1" dirty="0" smtClean="0"/>
+              <a:t>p </a:t>
+            </a:r>
+            <a:r>
+              <a:rPr lang="en-US" i="1" dirty="0" smtClean="0">
+                <a:sym typeface="Symbol"/>
+              </a:rPr>
+              <a:t> </a:t>
+            </a:r>
+            <a:r>
+              <a:rPr lang="en-US" i="1" dirty="0" smtClean="0"/>
+              <a:t>(0,1)</a:t>
+            </a:r>
+          </a:p>
+          <a:p>
+            <a:pPr lvl="1"/>
+            <a:r>
+              <a:rPr lang="en-US" i="1" dirty="0" smtClean="0"/>
+              <a:t>P(x</a:t>
+            </a:r>
+            <a:r>
+              <a:rPr lang="en-US" i="1" baseline="-25000" dirty="0" smtClean="0"/>
+              <a:t>n+1</a:t>
+            </a:r>
+            <a:r>
+              <a:rPr lang="en-US" i="1" dirty="0" smtClean="0"/>
+              <a:t> ≤ Q) ≥ p</a:t>
+            </a:r>
+          </a:p>
+          <a:p>
+            <a:r>
+              <a:rPr lang="en-US" dirty="0" smtClean="0"/>
+              <a:t>Cerebro uses QBETS to predict response time </a:t>
+            </a:r>
+            <a:r>
+              <a:rPr lang="en-US" dirty="0" smtClean="0"/>
+              <a:t>SLOs </a:t>
+            </a:r>
+            <a:r>
+              <a:rPr lang="en-US" dirty="0" smtClean="0"/>
+              <a:t>of the form:</a:t>
+            </a:r>
+          </a:p>
+          <a:p>
+            <a:pPr lvl="1"/>
+            <a:r>
+              <a:rPr lang="en-US" dirty="0" smtClean="0"/>
+              <a:t>Operation </a:t>
+            </a:r>
+            <a:r>
+              <a:rPr lang="en-US" i="1" dirty="0" smtClean="0"/>
+              <a:t>O</a:t>
+            </a:r>
+            <a:r>
+              <a:rPr lang="en-US" dirty="0" smtClean="0"/>
+              <a:t> responds </a:t>
+            </a:r>
+            <a:r>
+              <a:rPr lang="en-US" i="1" dirty="0" smtClean="0"/>
+              <a:t>under</a:t>
+            </a:r>
+            <a:r>
+              <a:rPr lang="en-US" dirty="0" smtClean="0"/>
+              <a:t> </a:t>
+            </a:r>
+            <a:r>
+              <a:rPr lang="en-US" i="1" dirty="0" smtClean="0"/>
+              <a:t>T</a:t>
+            </a:r>
+            <a:r>
+              <a:rPr lang="en-US" dirty="0" smtClean="0"/>
+              <a:t> milliseconds (100</a:t>
+            </a:r>
+            <a:r>
+              <a:rPr lang="en-US" i="1" dirty="0" smtClean="0"/>
+              <a:t>p)%</a:t>
+            </a:r>
+            <a:r>
+              <a:rPr lang="en-US" dirty="0" smtClean="0"/>
+              <a:t> of the time</a:t>
+            </a:r>
+            <a:endParaRPr lang="en-US" dirty="0"/>
+          </a:p>
+        </p:txBody>
+      </p:sp>
+      <p:sp>
+        <p:nvSpPr>
+          <p:cNvPr id="4" name="Slide Number Placeholder 3"/>
+          <p:cNvSpPr>
+            <a:spLocks noGrp="1"/>
+          </p:cNvSpPr>
+          <p:nvPr>
+            <p:ph type="sldNum" sz="quarter" idx="12"/>
+          </p:nvPr>
+        </p:nvSpPr>
+        <p:spPr/>
+        <p:txBody>
           <a:bodyPr/>
           <a:lstStyle/>
           <a:p>
-            <a:r>
-              <a:rPr lang="en-US" dirty="0" smtClean="0"/>
-              <a:t>Example Policies</a:t>
-            </a:r>
-            <a:endParaRPr lang="en-US" dirty="0"/>
-          </a:p>
-        </p:txBody>
-      </p:sp>
-      <p:sp>
-        <p:nvSpPr>
-          <p:cNvPr id="3" name="Content Placeholder 2"/>
-          <p:cNvSpPr>
-            <a:spLocks noGrp="1"/>
-          </p:cNvSpPr>
-          <p:nvPr>
-            <p:ph idx="1"/>
-          </p:nvPr>
-        </p:nvSpPr>
-        <p:spPr/>
-        <p:txBody>
-          <a:bodyPr>
-            <a:normAutofit fontScale="62500" lnSpcReduction="20000"/>
-          </a:bodyPr>
-          <a:lstStyle/>
-          <a:p>
-            <a:pPr marL="0" indent="0">
-              <a:buNone/>
-            </a:pPr>
-            <a:r>
-              <a:rPr lang="en-US" dirty="0">
-                <a:latin typeface="Courier"/>
-                <a:cs typeface="Courier"/>
-              </a:rPr>
-              <a:t>if </a:t>
-            </a:r>
-            <a:r>
-              <a:rPr lang="en-US" dirty="0" err="1">
-                <a:latin typeface="Courier"/>
-                <a:cs typeface="Courier"/>
-              </a:rPr>
-              <a:t>app.owner.endswith</a:t>
-            </a:r>
-            <a:r>
-              <a:rPr lang="en-US" dirty="0">
-                <a:latin typeface="Courier"/>
-                <a:cs typeface="Courier"/>
-              </a:rPr>
-              <a:t>(‘@</a:t>
-            </a:r>
-            <a:r>
-              <a:rPr lang="en-US" dirty="0" err="1">
-                <a:latin typeface="Courier"/>
-                <a:cs typeface="Courier"/>
-              </a:rPr>
-              <a:t>engineering.test.com</a:t>
-            </a:r>
-            <a:r>
-              <a:rPr lang="en-US" dirty="0">
-                <a:latin typeface="Courier"/>
-                <a:cs typeface="Courier"/>
-              </a:rPr>
-              <a:t>’):</a:t>
-            </a:r>
-          </a:p>
-          <a:p>
-            <a:pPr marL="0" indent="0">
-              <a:buNone/>
-            </a:pPr>
-            <a:r>
-              <a:rPr lang="en-US" dirty="0">
-                <a:latin typeface="Courier"/>
-                <a:cs typeface="Courier"/>
-              </a:rPr>
-              <a:t>  </a:t>
-            </a:r>
-            <a:r>
-              <a:rPr lang="en-US" dirty="0" err="1">
-                <a:latin typeface="Courier"/>
-                <a:cs typeface="Courier"/>
-              </a:rPr>
-              <a:t>assert_app_dependency</a:t>
-            </a:r>
-            <a:r>
-              <a:rPr lang="en-US" dirty="0">
-                <a:latin typeface="Courier"/>
-                <a:cs typeface="Courier"/>
-              </a:rPr>
-              <a:t>(app, ‘Log’, ‘1.0’)</a:t>
-            </a:r>
-          </a:p>
-          <a:p>
-            <a:pPr marL="0" indent="0">
-              <a:buNone/>
-            </a:pPr>
-            <a:r>
-              <a:rPr lang="en-US" dirty="0" err="1">
-                <a:latin typeface="Courier"/>
-                <a:cs typeface="Courier"/>
-              </a:rPr>
-              <a:t>elif</a:t>
-            </a:r>
-            <a:r>
-              <a:rPr lang="en-US" dirty="0">
-                <a:latin typeface="Courier"/>
-                <a:cs typeface="Courier"/>
-              </a:rPr>
-              <a:t> </a:t>
-            </a:r>
-            <a:r>
-              <a:rPr lang="en-US" dirty="0" err="1">
-                <a:latin typeface="Courier"/>
-                <a:cs typeface="Courier"/>
-              </a:rPr>
-              <a:t>app.owner.endswith</a:t>
-            </a:r>
-            <a:r>
-              <a:rPr lang="en-US" dirty="0">
-                <a:latin typeface="Courier"/>
-                <a:cs typeface="Courier"/>
-              </a:rPr>
-              <a:t>(‘@</a:t>
-            </a:r>
-            <a:r>
-              <a:rPr lang="en-US" dirty="0" err="1">
-                <a:latin typeface="Courier"/>
-                <a:cs typeface="Courier"/>
-              </a:rPr>
-              <a:t>sales.test.com</a:t>
-            </a:r>
-            <a:r>
-              <a:rPr lang="en-US" dirty="0">
-                <a:latin typeface="Courier"/>
-                <a:cs typeface="Courier"/>
-              </a:rPr>
-              <a:t>’):</a:t>
-            </a:r>
-          </a:p>
-          <a:p>
-            <a:pPr marL="0" indent="0">
-              <a:buNone/>
-            </a:pPr>
-            <a:r>
-              <a:rPr lang="en-US" dirty="0">
-                <a:latin typeface="Courier"/>
-                <a:cs typeface="Courier"/>
-              </a:rPr>
-              <a:t>  </a:t>
-            </a:r>
-            <a:r>
-              <a:rPr lang="en-US" dirty="0" err="1">
-                <a:latin typeface="Courier"/>
-                <a:cs typeface="Courier"/>
-              </a:rPr>
-              <a:t>assert_app_dependency</a:t>
-            </a:r>
-            <a:r>
-              <a:rPr lang="en-US" dirty="0">
-                <a:latin typeface="Courier"/>
-                <a:cs typeface="Courier"/>
-              </a:rPr>
-              <a:t>(app, ‘</a:t>
-            </a:r>
-            <a:r>
-              <a:rPr lang="en-US" dirty="0" err="1">
-                <a:latin typeface="Courier"/>
-                <a:cs typeface="Courier"/>
-              </a:rPr>
-              <a:t>AnalyticsLog</a:t>
-            </a:r>
-            <a:r>
-              <a:rPr lang="en-US" dirty="0">
-                <a:latin typeface="Courier"/>
-                <a:cs typeface="Courier"/>
-              </a:rPr>
-              <a:t>’, ‘1.0’)</a:t>
-            </a:r>
-          </a:p>
-          <a:p>
-            <a:pPr marL="0" indent="0">
-              <a:buNone/>
-            </a:pPr>
-            <a:r>
-              <a:rPr lang="en-US" dirty="0">
-                <a:latin typeface="Courier"/>
-                <a:cs typeface="Courier"/>
-              </a:rPr>
-              <a:t>else:</a:t>
-            </a:r>
-          </a:p>
-          <a:p>
-            <a:pPr marL="0" indent="0">
-              <a:buNone/>
-            </a:pPr>
-            <a:r>
-              <a:rPr lang="en-US" dirty="0">
-                <a:latin typeface="Courier"/>
-                <a:cs typeface="Courier"/>
-              </a:rPr>
-              <a:t>  </a:t>
-            </a:r>
-            <a:r>
-              <a:rPr lang="en-US" dirty="0" err="1">
-                <a:latin typeface="Courier"/>
-                <a:cs typeface="Courier"/>
-              </a:rPr>
-              <a:t>assert_app_dependency</a:t>
-            </a:r>
-            <a:r>
-              <a:rPr lang="en-US" dirty="0">
-                <a:latin typeface="Courier"/>
-                <a:cs typeface="Courier"/>
-              </a:rPr>
-              <a:t>(app, ‘</a:t>
-            </a:r>
-            <a:r>
-              <a:rPr lang="en-US" dirty="0" err="1">
-                <a:latin typeface="Courier"/>
-                <a:cs typeface="Courier"/>
-              </a:rPr>
-              <a:t>GenericLog</a:t>
-            </a:r>
-            <a:r>
-              <a:rPr lang="en-US" dirty="0">
-                <a:latin typeface="Courier"/>
-                <a:cs typeface="Courier"/>
-              </a:rPr>
-              <a:t>’, ‘1.0’)</a:t>
-            </a:r>
-          </a:p>
-          <a:p>
-            <a:pPr marL="0" indent="0">
-              <a:buNone/>
-            </a:pPr>
-            <a:endParaRPr lang="en-US" dirty="0" smtClean="0">
-              <a:latin typeface="Courier"/>
-              <a:cs typeface="Courier"/>
-            </a:endParaRPr>
-          </a:p>
-          <a:p>
-            <a:pPr marL="0" indent="0">
-              <a:buNone/>
-            </a:pPr>
-            <a:endParaRPr lang="en-US" dirty="0">
-              <a:latin typeface="Courier"/>
-              <a:cs typeface="Courier"/>
-            </a:endParaRPr>
-          </a:p>
-          <a:p>
-            <a:pPr marL="0" indent="0">
-              <a:buNone/>
-            </a:pPr>
-            <a:endParaRPr lang="en-US" dirty="0">
-              <a:latin typeface="Courier"/>
-              <a:cs typeface="Courier"/>
-            </a:endParaRPr>
-          </a:p>
-          <a:p>
-            <a:pPr marL="0" indent="0">
-              <a:buNone/>
-            </a:pPr>
-            <a:r>
-              <a:rPr lang="en-US" dirty="0">
-                <a:latin typeface="Courier"/>
-                <a:cs typeface="Courier"/>
-              </a:rPr>
-              <a:t>deprecated = filter(</a:t>
-            </a:r>
-          </a:p>
-          <a:p>
-            <a:pPr marL="0" indent="0">
-              <a:buNone/>
-            </a:pPr>
-            <a:r>
-              <a:rPr lang="en-US" dirty="0">
-                <a:latin typeface="Courier"/>
-                <a:cs typeface="Courier"/>
-              </a:rPr>
-              <a:t>  lambda </a:t>
-            </a:r>
-            <a:r>
-              <a:rPr lang="en-US" dirty="0" err="1">
-                <a:latin typeface="Courier"/>
-                <a:cs typeface="Courier"/>
-              </a:rPr>
-              <a:t>dep</a:t>
-            </a:r>
-            <a:r>
-              <a:rPr lang="en-US" dirty="0">
-                <a:latin typeface="Courier"/>
-                <a:cs typeface="Courier"/>
-              </a:rPr>
-              <a:t>: </a:t>
-            </a:r>
-            <a:r>
-              <a:rPr lang="en-US" dirty="0" err="1">
-                <a:latin typeface="Courier"/>
-                <a:cs typeface="Courier"/>
-              </a:rPr>
-              <a:t>dep.status</a:t>
-            </a:r>
-            <a:r>
-              <a:rPr lang="en-US" dirty="0">
-                <a:latin typeface="Courier"/>
-                <a:cs typeface="Courier"/>
-              </a:rPr>
-              <a:t> = ‘Deprecated’,</a:t>
-            </a:r>
-          </a:p>
-          <a:p>
-            <a:pPr marL="0" indent="0">
-              <a:buNone/>
-            </a:pPr>
-            <a:r>
-              <a:rPr lang="en-US" dirty="0">
-                <a:latin typeface="Courier"/>
-                <a:cs typeface="Courier"/>
-              </a:rPr>
-              <a:t>  </a:t>
-            </a:r>
-            <a:r>
-              <a:rPr lang="en-US" dirty="0" err="1">
-                <a:latin typeface="Courier"/>
-                <a:cs typeface="Courier"/>
-              </a:rPr>
-              <a:t>app.dependencies</a:t>
-            </a:r>
-            <a:r>
-              <a:rPr lang="en-US" dirty="0">
-                <a:latin typeface="Courier"/>
-                <a:cs typeface="Courier"/>
-              </a:rPr>
-              <a:t>)</a:t>
-            </a:r>
-          </a:p>
-          <a:p>
-            <a:pPr marL="0" indent="0">
-              <a:buNone/>
-            </a:pPr>
-            <a:r>
-              <a:rPr lang="en-US" dirty="0" err="1">
-                <a:latin typeface="Courier"/>
-                <a:cs typeface="Courier"/>
-              </a:rPr>
-              <a:t>assert_false</a:t>
-            </a:r>
-            <a:r>
-              <a:rPr lang="en-US" dirty="0">
-                <a:latin typeface="Courier"/>
-                <a:cs typeface="Courier"/>
-              </a:rPr>
-              <a:t>(deprecated, </a:t>
-            </a:r>
-          </a:p>
-          <a:p>
-            <a:pPr marL="0" indent="0">
-              <a:buNone/>
-            </a:pPr>
-            <a:r>
-              <a:rPr lang="en-US" dirty="0">
-                <a:latin typeface="Courier"/>
-                <a:cs typeface="Courier"/>
-              </a:rPr>
-              <a:t>  ‘must not use deprecated dependencies’)</a:t>
-            </a:r>
-          </a:p>
-          <a:p>
-            <a:pPr marL="0" indent="0">
-              <a:buNone/>
-            </a:pPr>
-            <a:endParaRPr lang="en-US" dirty="0">
-              <a:latin typeface="Courier"/>
-              <a:cs typeface="Courier"/>
-            </a:endParaRPr>
-          </a:p>
-          <a:p>
-            <a:pPr marL="0" indent="0">
-              <a:buNone/>
-            </a:pPr>
-            <a:endParaRPr lang="en-US" dirty="0"/>
-          </a:p>
-        </p:txBody>
-      </p:sp>
-      <p:sp>
-        <p:nvSpPr>
-          <p:cNvPr id="4" name="Slide Number Placeholder 3"/>
-          <p:cNvSpPr>
-            <a:spLocks noGrp="1"/>
-          </p:cNvSpPr>
-          <p:nvPr>
-            <p:ph type="sldNum" sz="quarter" idx="12"/>
-          </p:nvPr>
-        </p:nvSpPr>
-        <p:spPr/>
-        <p:txBody>
-          <a:bodyPr/>
-          <a:lstStyle/>
-          <a:p>
-            <a:fld id="{D4755116-B387-CD40-9D82-4279FFF17F28}" type="slidenum">
+            <a:fld id="{3336F440-0623-F948-B0BF-C3A0BAE2BBD0}" type="slidenum">
               <a:rPr lang="en-US" smtClean="0"/>
+              <a:pPr/>
               <a:t>48</a:t>
             </a:fld>
             <a:endParaRPr lang="en-US"/>
           </a:p>
         </p:txBody>
       </p:sp>
+      <p:sp>
+        <p:nvSpPr>
+          <p:cNvPr id="5" name="TextBox 4"/>
+          <p:cNvSpPr txBox="1"/>
+          <p:nvPr/>
+        </p:nvSpPr>
+        <p:spPr>
+          <a:xfrm>
+            <a:off x="165100" y="6264335"/>
+            <a:ext cx="8788400" cy="562718"/>
+          </a:xfrm>
+          <a:prstGeom prst="rect">
+            <a:avLst/>
+          </a:prstGeom>
+          <a:noFill/>
+        </p:spPr>
+        <p:txBody>
+          <a:bodyPr wrap="square" rtlCol="0">
+            <a:spAutoFit/>
+          </a:bodyPr>
+          <a:lstStyle/>
+          <a:p>
+            <a:pPr>
+              <a:lnSpc>
+                <a:spcPct val="110000"/>
+              </a:lnSpc>
+            </a:pPr>
+            <a:r>
+              <a:rPr lang="en-US" sz="1400" i="1" dirty="0" smtClean="0"/>
+              <a:t>D. </a:t>
+            </a:r>
+            <a:r>
+              <a:rPr lang="en-US" sz="1400" i="1" dirty="0" err="1" smtClean="0"/>
+              <a:t>Nurmi</a:t>
+            </a:r>
+            <a:r>
+              <a:rPr lang="en-US" sz="1400" i="1" dirty="0" smtClean="0"/>
+              <a:t>, J. </a:t>
+            </a:r>
+            <a:r>
+              <a:rPr lang="en-US" sz="1400" i="1" dirty="0" err="1" smtClean="0"/>
+              <a:t>Brevik</a:t>
+            </a:r>
+            <a:r>
+              <a:rPr lang="en-US" sz="1400" i="1" dirty="0" smtClean="0"/>
+              <a:t> and R. </a:t>
+            </a:r>
+            <a:r>
+              <a:rPr lang="en-US" sz="1400" i="1" dirty="0" err="1" smtClean="0"/>
+              <a:t>Wolski</a:t>
+            </a:r>
+            <a:r>
+              <a:rPr lang="en-US" sz="1400" i="1" dirty="0" smtClean="0"/>
+              <a:t>, “QBETS: Queue Bounds Estimation from Time Series”, 2008 International Conference on Job Scheduling Strategies for Parallel Processing</a:t>
+            </a:r>
+            <a:endParaRPr lang="en-US" sz="1400" i="1" dirty="0"/>
+          </a:p>
+        </p:txBody>
+      </p:sp>
     </p:spTree>
     <p:extLst>
       <p:ext uri="{BB962C8B-B14F-4D97-AF65-F5344CB8AC3E}">
-        <p14:creationId xmlns:p14="http://schemas.microsoft.com/office/powerpoint/2010/main" val="2299342324"/>
+        <p14:creationId xmlns:p14="http://schemas.microsoft.com/office/powerpoint/2010/main" val="42999633"/>
       </p:ext>
     </p:extLst>
   </p:cSld>
@@ -20756,7 +20625,15 @@
           <a:p>
             <a:r>
               <a:rPr lang="en-US" dirty="0" smtClean="0"/>
-              <a:t>EAGER Prototype</a:t>
+              <a:t>Detecting </a:t>
+            </a:r>
+            <a:r>
+              <a:rPr lang="en-US" dirty="0" smtClean="0"/>
+              <a:t>SLO </a:t>
+            </a:r>
+            <a:r>
+              <a:rPr lang="en-US" dirty="0" smtClean="0"/>
+              <a:t>Invalidation</a:t>
             </a:r>
             <a:endParaRPr lang="en-US" dirty="0"/>
           </a:p>
@@ -20774,109 +20651,81 @@
         </p:nvSpPr>
         <p:spPr/>
         <p:txBody>
+          <a:bodyPr>
+            <a:normAutofit lnSpcReduction="10000"/>
+          </a:bodyPr>
+          <a:lstStyle/>
+          <a:p>
+            <a:r>
+              <a:rPr lang="en-US" dirty="0" smtClean="0"/>
+              <a:t>Each time Cerebro makes a prediction, it computes the current autocorrelation in the time series</a:t>
+            </a:r>
+          </a:p>
+          <a:p>
+            <a:r>
+              <a:rPr lang="en-US" dirty="0" smtClean="0"/>
+              <a:t>Autocorrelation can be used to lookup a table, and determine </a:t>
+            </a:r>
+            <a:r>
+              <a:rPr lang="en-US" i="1" dirty="0" err="1" smtClean="0"/>
+              <a:t>C</a:t>
+            </a:r>
+            <a:r>
+              <a:rPr lang="en-US" i="1" baseline="-25000" dirty="0" err="1" smtClean="0"/>
+              <a:t>w</a:t>
+            </a:r>
+            <a:r>
+              <a:rPr lang="en-US" dirty="0"/>
+              <a:t>;</a:t>
+            </a:r>
+            <a:r>
+              <a:rPr lang="en-US" dirty="0" smtClean="0"/>
+              <a:t> the number of consecutive readings greater than </a:t>
+            </a:r>
+            <a:r>
+              <a:rPr lang="en-US" i="1" dirty="0" smtClean="0"/>
+              <a:t>Q</a:t>
+            </a:r>
+            <a:r>
+              <a:rPr lang="en-US" dirty="0" smtClean="0"/>
+              <a:t>, that constitute a change point</a:t>
+            </a:r>
+          </a:p>
+          <a:p>
+            <a:r>
+              <a:rPr lang="en-US" dirty="0" smtClean="0"/>
+              <a:t>We consider the </a:t>
+            </a:r>
+            <a:r>
+              <a:rPr lang="en-US" dirty="0" smtClean="0"/>
+              <a:t>SLO </a:t>
+            </a:r>
+            <a:r>
+              <a:rPr lang="en-US" dirty="0" smtClean="0"/>
+              <a:t>to have become invalid if this change point occurs</a:t>
+            </a:r>
+          </a:p>
+          <a:p>
+            <a:endParaRPr lang="en-US" dirty="0"/>
+          </a:p>
+        </p:txBody>
+      </p:sp>
+      <p:sp>
+        <p:nvSpPr>
+          <p:cNvPr id="4" name="Slide Number Placeholder 3"/>
+          <p:cNvSpPr>
+            <a:spLocks noGrp="1"/>
+          </p:cNvSpPr>
+          <p:nvPr>
+            <p:ph type="sldNum" sz="quarter" idx="12"/>
+          </p:nvPr>
+        </p:nvSpPr>
+        <p:spPr/>
+        <p:txBody>
           <a:bodyPr/>
           <a:lstStyle/>
           <a:p>
-            <a:r>
-              <a:rPr lang="en-US" dirty="0"/>
-              <a:t>Implemented into </a:t>
-            </a:r>
-            <a:r>
-              <a:rPr lang="en-US" dirty="0" err="1"/>
-              <a:t>AppScale</a:t>
-            </a:r>
-            <a:endParaRPr lang="en-US" dirty="0"/>
-          </a:p>
-          <a:p>
-            <a:pPr lvl="1"/>
-            <a:r>
-              <a:rPr lang="en-US" dirty="0">
-                <a:hlinkClick r:id="rId2"/>
-              </a:rPr>
-              <a:t>http://appscale.com</a:t>
-            </a:r>
-            <a:endParaRPr lang="en-US" dirty="0"/>
-          </a:p>
-          <a:p>
-            <a:r>
-              <a:rPr lang="en-US" dirty="0"/>
-              <a:t>Metadata Manager – MySQL</a:t>
-            </a:r>
-          </a:p>
-          <a:p>
-            <a:r>
-              <a:rPr lang="en-US" dirty="0"/>
-              <a:t>API Gateway and Discovery Portal – WSO2</a:t>
-            </a:r>
-          </a:p>
-          <a:p>
-            <a:r>
-              <a:rPr lang="en-US" dirty="0"/>
-              <a:t>All additional processes integrated into the task management subsystem of </a:t>
-            </a:r>
-            <a:r>
-              <a:rPr lang="en-US" dirty="0" err="1"/>
-              <a:t>AppScale</a:t>
-            </a:r>
-            <a:endParaRPr lang="en-US" dirty="0"/>
-          </a:p>
-          <a:p>
-            <a:r>
-              <a:rPr lang="en-US" dirty="0"/>
-              <a:t>Minimal code changes/additions</a:t>
-            </a:r>
-          </a:p>
-          <a:p>
-            <a:endParaRPr lang="en-US" dirty="0"/>
-          </a:p>
-        </p:txBody>
-      </p:sp>
-      <p:pic>
-        <p:nvPicPr>
-          <p:cNvPr id="4" name="Picture 3" descr="AppScale_Systems_Logo.png"/>
-          <p:cNvPicPr>
-            <a:picLocks noChangeAspect="1"/>
-          </p:cNvPicPr>
-          <p:nvPr/>
-        </p:nvPicPr>
-        <p:blipFill>
-          <a:blip r:embed="rId3">
-            <a:extLst>
-              <a:ext uri="{28A0092B-C50C-407E-A947-70E740481C1C}">
-                <a14:useLocalDpi xmlns:a14="http://schemas.microsoft.com/office/drawing/2010/main" val="0"/>
-              </a:ext>
-            </a:extLst>
-          </a:blip>
-          <a:stretch>
-            <a:fillRect/>
-          </a:stretch>
-        </p:blipFill>
-        <p:spPr>
-          <a:xfrm>
-            <a:off x="8026307" y="5323279"/>
-            <a:ext cx="1117693" cy="1605768"/>
-          </a:xfrm>
-          <a:prstGeom prst="rect">
-            <a:avLst/>
-          </a:prstGeom>
-        </p:spPr>
-      </p:pic>
-      <p:sp>
-        <p:nvSpPr>
-          <p:cNvPr id="5" name="Slide Number Placeholder 4"/>
-          <p:cNvSpPr>
-            <a:spLocks noGrp="1"/>
-          </p:cNvSpPr>
-          <p:nvPr>
-            <p:ph type="sldNum" sz="quarter" idx="12"/>
-          </p:nvPr>
-        </p:nvSpPr>
-        <p:spPr/>
-        <p:txBody>
-          <a:bodyPr/>
-          <a:lstStyle/>
-          <a:p>
-            <a:fld id="{D4755116-B387-CD40-9D82-4279FFF17F28}" type="slidenum">
+            <a:fld id="{4940F666-E5FA-274D-B0C1-53A0010BDC84}" type="slidenum">
               <a:rPr lang="en-US" smtClean="0"/>
               <a:t>49</a:t>
             </a:fld>
@@ -20887,7 +20736,7 @@
     </p:spTree>
     <p:extLst>
       <p:ext uri="{BB962C8B-B14F-4D97-AF65-F5344CB8AC3E}">
-        <p14:creationId xmlns:p14="http://schemas.microsoft.com/office/powerpoint/2010/main" val="1699778603"/>
+        <p14:creationId xmlns:p14="http://schemas.microsoft.com/office/powerpoint/2010/main" val="2159115509"/>
       </p:ext>
     </p:extLst>
   </p:cSld>
@@ -21081,942 +20930,11 @@
           <a:p>
             <a:r>
               <a:rPr lang="en-US" dirty="0" smtClean="0"/>
-              <a:t>EAGER Overhead by App</a:t>
-            </a:r>
-            <a:endParaRPr lang="en-US" dirty="0"/>
-          </a:p>
-        </p:txBody>
-      </p:sp>
-      <p:pic>
-        <p:nvPicPr>
-          <p:cNvPr id="4" name="Content Placeholder 3" descr="overhead_by_app.png"/>
-          <p:cNvPicPr>
-            <a:picLocks noGrp="1" noChangeAspect="1"/>
-          </p:cNvPicPr>
-          <p:nvPr>
-            <p:ph idx="1"/>
-          </p:nvPr>
-        </p:nvPicPr>
-        <p:blipFill>
-          <a:blip r:embed="rId2">
-            <a:extLst>
-              <a:ext uri="{28A0092B-C50C-407E-A947-70E740481C1C}">
-                <a14:useLocalDpi xmlns:a14="http://schemas.microsoft.com/office/drawing/2010/main" val="0"/>
-              </a:ext>
-            </a:extLst>
-          </a:blip>
-          <a:srcRect l="-7416" r="-7416"/>
-          <a:stretch>
-            <a:fillRect/>
-          </a:stretch>
-        </p:blipFill>
-        <p:spPr/>
-      </p:pic>
-      <p:sp>
-        <p:nvSpPr>
-          <p:cNvPr id="3" name="Slide Number Placeholder 2"/>
-          <p:cNvSpPr>
-            <a:spLocks noGrp="1"/>
-          </p:cNvSpPr>
-          <p:nvPr>
-            <p:ph type="sldNum" sz="quarter" idx="12"/>
-          </p:nvPr>
-        </p:nvSpPr>
-        <p:spPr/>
-        <p:txBody>
-          <a:bodyPr/>
-          <a:lstStyle/>
-          <a:p>
-            <a:fld id="{D4755116-B387-CD40-9D82-4279FFF17F28}" type="slidenum">
-              <a:rPr lang="en-US" smtClean="0"/>
-              <a:t>50</a:t>
-            </a:fld>
-            <a:endParaRPr lang="en-US"/>
-          </a:p>
-        </p:txBody>
-      </p:sp>
-    </p:spTree>
-    <p:extLst>
-      <p:ext uri="{BB962C8B-B14F-4D97-AF65-F5344CB8AC3E}">
-        <p14:creationId xmlns:p14="http://schemas.microsoft.com/office/powerpoint/2010/main" val="1956200155"/>
-      </p:ext>
-    </p:extLst>
-  </p:cSld>
-  <p:clrMapOvr>
-    <a:masterClrMapping/>
-  </p:clrMapOvr>
-  <p:timing>
-    <p:tnLst>
-      <p:par>
-        <p:cTn xmlns:p14="http://schemas.microsoft.com/office/powerpoint/2010/main" id="1" dur="indefinite" restart="never" nodeType="tmRoot"/>
-      </p:par>
-    </p:tnLst>
-  </p:timing>
-</p:sld>
-</file>
-
-<file path=ppt/slides/slide51.xml><?xml version="1.0" encoding="utf-8"?>
-<p:sld xmlns:a="http://schemas.openxmlformats.org/drawingml/2006/main" xmlns:r="http://schemas.openxmlformats.org/officeDocument/2006/relationships" xmlns:p="http://schemas.openxmlformats.org/presentationml/2006/main">
-  <p:cSld>
-    <p:spTree>
-      <p:nvGrpSpPr>
-        <p:cNvPr id="1" name=""/>
-        <p:cNvGrpSpPr/>
-        <p:nvPr/>
-      </p:nvGrpSpPr>
-      <p:grpSpPr>
-        <a:xfrm>
-          <a:off x="0" y="0"/>
-          <a:ext cx="0" cy="0"/>
-          <a:chOff x="0" y="0"/>
-          <a:chExt cx="0" cy="0"/>
-        </a:xfrm>
-      </p:grpSpPr>
-      <p:sp>
-        <p:nvSpPr>
-          <p:cNvPr id="2" name="Title 1"/>
-          <p:cNvSpPr>
-            <a:spLocks noGrp="1"/>
-          </p:cNvSpPr>
-          <p:nvPr>
-            <p:ph type="title"/>
-          </p:nvPr>
-        </p:nvSpPr>
-        <p:spPr/>
-        <p:txBody>
-          <a:bodyPr/>
-          <a:lstStyle/>
-          <a:p>
+              <a:t>SLO </a:t>
+            </a:r>
             <a:r>
               <a:rPr lang="en-US" dirty="0" smtClean="0"/>
-              <a:t>EAGER Overhead </a:t>
-            </a:r>
-            <a:r>
-              <a:rPr lang="en-US" dirty="0" err="1" smtClean="0"/>
-              <a:t>vs</a:t>
-            </a:r>
-            <a:r>
-              <a:rPr lang="en-US" dirty="0" smtClean="0"/>
-              <a:t> Policies</a:t>
-            </a:r>
-            <a:endParaRPr lang="en-US" dirty="0"/>
-          </a:p>
-        </p:txBody>
-      </p:sp>
-      <p:pic>
-        <p:nvPicPr>
-          <p:cNvPr id="4" name="Content Placeholder 5" descr="overhead_by_policies.png"/>
-          <p:cNvPicPr>
-            <a:picLocks noGrp="1" noChangeAspect="1"/>
-          </p:cNvPicPr>
-          <p:nvPr>
-            <p:ph idx="1"/>
-          </p:nvPr>
-        </p:nvPicPr>
-        <p:blipFill>
-          <a:blip r:embed="rId2">
-            <a:extLst>
-              <a:ext uri="{28A0092B-C50C-407E-A947-70E740481C1C}">
-                <a14:useLocalDpi xmlns:a14="http://schemas.microsoft.com/office/drawing/2010/main" val="0"/>
-              </a:ext>
-            </a:extLst>
-          </a:blip>
-          <a:srcRect l="-7502" r="-7502"/>
-          <a:stretch>
-            <a:fillRect/>
-          </a:stretch>
-        </p:blipFill>
-        <p:spPr/>
-      </p:pic>
-      <p:sp>
-        <p:nvSpPr>
-          <p:cNvPr id="3" name="Slide Number Placeholder 2"/>
-          <p:cNvSpPr>
-            <a:spLocks noGrp="1"/>
-          </p:cNvSpPr>
-          <p:nvPr>
-            <p:ph type="sldNum" sz="quarter" idx="12"/>
-          </p:nvPr>
-        </p:nvSpPr>
-        <p:spPr/>
-        <p:txBody>
-          <a:bodyPr/>
-          <a:lstStyle/>
-          <a:p>
-            <a:fld id="{D4755116-B387-CD40-9D82-4279FFF17F28}" type="slidenum">
-              <a:rPr lang="en-US" smtClean="0"/>
-              <a:t>51</a:t>
-            </a:fld>
-            <a:endParaRPr lang="en-US"/>
-          </a:p>
-        </p:txBody>
-      </p:sp>
-    </p:spTree>
-    <p:extLst>
-      <p:ext uri="{BB962C8B-B14F-4D97-AF65-F5344CB8AC3E}">
-        <p14:creationId xmlns:p14="http://schemas.microsoft.com/office/powerpoint/2010/main" val="1901845792"/>
-      </p:ext>
-    </p:extLst>
-  </p:cSld>
-  <p:clrMapOvr>
-    <a:masterClrMapping/>
-  </p:clrMapOvr>
-  <p:timing>
-    <p:tnLst>
-      <p:par>
-        <p:cTn xmlns:p14="http://schemas.microsoft.com/office/powerpoint/2010/main" id="1" dur="indefinite" restart="never" nodeType="tmRoot"/>
-      </p:par>
-    </p:tnLst>
-  </p:timing>
-</p:sld>
-</file>
-
-<file path=ppt/slides/slide52.xml><?xml version="1.0" encoding="utf-8"?>
-<p:sld xmlns:a="http://schemas.openxmlformats.org/drawingml/2006/main" xmlns:r="http://schemas.openxmlformats.org/officeDocument/2006/relationships" xmlns:p="http://schemas.openxmlformats.org/presentationml/2006/main">
-  <p:cSld>
-    <p:spTree>
-      <p:nvGrpSpPr>
-        <p:cNvPr id="1" name=""/>
-        <p:cNvGrpSpPr/>
-        <p:nvPr/>
-      </p:nvGrpSpPr>
-      <p:grpSpPr>
-        <a:xfrm>
-          <a:off x="0" y="0"/>
-          <a:ext cx="0" cy="0"/>
-          <a:chOff x="0" y="0"/>
-          <a:chExt cx="0" cy="0"/>
-        </a:xfrm>
-      </p:grpSpPr>
-      <p:sp>
-        <p:nvSpPr>
-          <p:cNvPr id="2" name="Title 1"/>
-          <p:cNvSpPr>
-            <a:spLocks noGrp="1"/>
-          </p:cNvSpPr>
-          <p:nvPr>
-            <p:ph type="title"/>
-          </p:nvPr>
-        </p:nvSpPr>
-        <p:spPr/>
-        <p:txBody>
-          <a:bodyPr/>
-          <a:lstStyle/>
-          <a:p>
-            <a:r>
-              <a:rPr lang="en-US" dirty="0" err="1" smtClean="0"/>
-              <a:t>ProgrammableWeb</a:t>
-            </a:r>
-            <a:r>
-              <a:rPr lang="en-US" dirty="0" smtClean="0"/>
-              <a:t> Dataset</a:t>
-            </a:r>
-            <a:endParaRPr lang="en-US" dirty="0"/>
-          </a:p>
-        </p:txBody>
-      </p:sp>
-      <p:pic>
-        <p:nvPicPr>
-          <p:cNvPr id="4" name="Content Placeholder 3" descr="pweb_sample_overhead.png"/>
-          <p:cNvPicPr>
-            <a:picLocks noGrp="1" noChangeAspect="1"/>
-          </p:cNvPicPr>
-          <p:nvPr>
-            <p:ph idx="1"/>
-          </p:nvPr>
-        </p:nvPicPr>
-        <p:blipFill>
-          <a:blip r:embed="rId2">
-            <a:extLst>
-              <a:ext uri="{28A0092B-C50C-407E-A947-70E740481C1C}">
-                <a14:useLocalDpi xmlns:a14="http://schemas.microsoft.com/office/drawing/2010/main" val="0"/>
-              </a:ext>
-            </a:extLst>
-          </a:blip>
-          <a:srcRect l="-7502" r="-7502"/>
-          <a:stretch>
-            <a:fillRect/>
-          </a:stretch>
-        </p:blipFill>
-        <p:spPr/>
-      </p:pic>
-      <p:sp>
-        <p:nvSpPr>
-          <p:cNvPr id="5" name="TextBox 4"/>
-          <p:cNvSpPr txBox="1"/>
-          <p:nvPr/>
-        </p:nvSpPr>
-        <p:spPr>
-          <a:xfrm>
-            <a:off x="457200" y="6466022"/>
-            <a:ext cx="8229600" cy="369332"/>
-          </a:xfrm>
-          <a:prstGeom prst="rect">
-            <a:avLst/>
-          </a:prstGeom>
-          <a:noFill/>
-        </p:spPr>
-        <p:txBody>
-          <a:bodyPr wrap="square" rtlCol="0">
-            <a:spAutoFit/>
-          </a:bodyPr>
-          <a:lstStyle/>
-          <a:p>
-            <a:r>
-              <a:rPr lang="en-US" dirty="0" smtClean="0"/>
-              <a:t>0 policies; 18322 APIs in DB; 33615 dependency edges </a:t>
-            </a:r>
-            <a:endParaRPr lang="en-US" dirty="0"/>
-          </a:p>
-        </p:txBody>
-      </p:sp>
-      <p:sp>
-        <p:nvSpPr>
-          <p:cNvPr id="3" name="Slide Number Placeholder 2"/>
-          <p:cNvSpPr>
-            <a:spLocks noGrp="1"/>
-          </p:cNvSpPr>
-          <p:nvPr>
-            <p:ph type="sldNum" sz="quarter" idx="12"/>
-          </p:nvPr>
-        </p:nvSpPr>
-        <p:spPr/>
-        <p:txBody>
-          <a:bodyPr/>
-          <a:lstStyle/>
-          <a:p>
-            <a:fld id="{D4755116-B387-CD40-9D82-4279FFF17F28}" type="slidenum">
-              <a:rPr lang="en-US" smtClean="0"/>
-              <a:t>52</a:t>
-            </a:fld>
-            <a:endParaRPr lang="en-US"/>
-          </a:p>
-        </p:txBody>
-      </p:sp>
-    </p:spTree>
-    <p:extLst>
-      <p:ext uri="{BB962C8B-B14F-4D97-AF65-F5344CB8AC3E}">
-        <p14:creationId xmlns:p14="http://schemas.microsoft.com/office/powerpoint/2010/main" val="21886181"/>
-      </p:ext>
-    </p:extLst>
-  </p:cSld>
-  <p:clrMapOvr>
-    <a:masterClrMapping/>
-  </p:clrMapOvr>
-  <p:timing>
-    <p:tnLst>
-      <p:par>
-        <p:cTn xmlns:p14="http://schemas.microsoft.com/office/powerpoint/2010/main" id="1" dur="indefinite" restart="never" nodeType="tmRoot"/>
-      </p:par>
-    </p:tnLst>
-  </p:timing>
-</p:sld>
-</file>
-
-<file path=ppt/slides/slide53.xml><?xml version="1.0" encoding="utf-8"?>
-<p:sld xmlns:a="http://schemas.openxmlformats.org/drawingml/2006/main" xmlns:r="http://schemas.openxmlformats.org/officeDocument/2006/relationships" xmlns:p="http://schemas.openxmlformats.org/presentationml/2006/main">
-  <p:cSld>
-    <p:spTree>
-      <p:nvGrpSpPr>
-        <p:cNvPr id="1" name=""/>
-        <p:cNvGrpSpPr/>
-        <p:nvPr/>
-      </p:nvGrpSpPr>
-      <p:grpSpPr>
-        <a:xfrm>
-          <a:off x="0" y="0"/>
-          <a:ext cx="0" cy="0"/>
-          <a:chOff x="0" y="0"/>
-          <a:chExt cx="0" cy="0"/>
-        </a:xfrm>
-      </p:grpSpPr>
-      <p:sp>
-        <p:nvSpPr>
-          <p:cNvPr id="2" name="Title 1"/>
-          <p:cNvSpPr>
-            <a:spLocks noGrp="1"/>
-          </p:cNvSpPr>
-          <p:nvPr>
-            <p:ph type="title"/>
-          </p:nvPr>
-        </p:nvSpPr>
-        <p:spPr/>
-        <p:txBody>
-          <a:bodyPr>
-            <a:normAutofit fontScale="90000"/>
-          </a:bodyPr>
-          <a:lstStyle/>
-          <a:p>
-            <a:r>
-              <a:rPr lang="en-US" dirty="0" smtClean="0"/>
-              <a:t>QBETS: Queue Bounds Estimation from Time Series</a:t>
-            </a:r>
-            <a:endParaRPr lang="en-US" dirty="0"/>
-          </a:p>
-        </p:txBody>
-      </p:sp>
-      <p:sp>
-        <p:nvSpPr>
-          <p:cNvPr id="3" name="Content Placeholder 2"/>
-          <p:cNvSpPr>
-            <a:spLocks noGrp="1"/>
-          </p:cNvSpPr>
-          <p:nvPr>
-            <p:ph idx="1"/>
-          </p:nvPr>
-        </p:nvSpPr>
-        <p:spPr/>
-        <p:txBody>
-          <a:bodyPr>
-            <a:normAutofit/>
-          </a:bodyPr>
-          <a:lstStyle/>
-          <a:p>
-            <a:r>
-              <a:rPr lang="en-US" dirty="0" smtClean="0"/>
-              <a:t>Analyzes the first </a:t>
-            </a:r>
-            <a:r>
-              <a:rPr lang="en-US" i="1" dirty="0" smtClean="0"/>
-              <a:t>n</a:t>
-            </a:r>
-            <a:r>
-              <a:rPr lang="en-US" dirty="0" smtClean="0"/>
-              <a:t> entries in a time series</a:t>
-            </a:r>
-          </a:p>
-          <a:p>
-            <a:r>
-              <a:rPr lang="en-US" dirty="0" smtClean="0"/>
-              <a:t>Predicts an upper bound for the </a:t>
-            </a:r>
-            <a:r>
-              <a:rPr lang="en-US" i="1" dirty="0" smtClean="0"/>
-              <a:t>(n+1)</a:t>
-            </a:r>
-            <a:r>
-              <a:rPr lang="en-US" baseline="30000" dirty="0" err="1" smtClean="0"/>
-              <a:t>th</a:t>
-            </a:r>
-            <a:r>
-              <a:rPr lang="en-US" dirty="0" smtClean="0"/>
-              <a:t> entry</a:t>
-            </a:r>
-          </a:p>
-          <a:p>
-            <a:pPr lvl="1"/>
-            <a:r>
-              <a:rPr lang="en-US" i="1" dirty="0" smtClean="0"/>
-              <a:t>QBETS([x</a:t>
-            </a:r>
-            <a:r>
-              <a:rPr lang="en-US" i="1" baseline="-25000" dirty="0" smtClean="0"/>
-              <a:t>1</a:t>
-            </a:r>
-            <a:r>
-              <a:rPr lang="en-US" i="1" dirty="0" smtClean="0"/>
-              <a:t>,x</a:t>
-            </a:r>
-            <a:r>
-              <a:rPr lang="en-US" i="1" baseline="-25000" dirty="0" smtClean="0"/>
-              <a:t>2</a:t>
-            </a:r>
-            <a:r>
-              <a:rPr lang="en-US" i="1" dirty="0" smtClean="0"/>
-              <a:t>,…</a:t>
-            </a:r>
-            <a:r>
-              <a:rPr lang="en-US" i="1" dirty="0" err="1" smtClean="0"/>
-              <a:t>x</a:t>
-            </a:r>
-            <a:r>
-              <a:rPr lang="en-US" i="1" baseline="-25000" dirty="0" err="1" smtClean="0"/>
-              <a:t>n</a:t>
-            </a:r>
-            <a:r>
-              <a:rPr lang="en-US" i="1" dirty="0" smtClean="0"/>
-              <a:t>], p) = Q</a:t>
-            </a:r>
-            <a:r>
-              <a:rPr lang="en-US" dirty="0" smtClean="0"/>
-              <a:t> where </a:t>
-            </a:r>
-            <a:r>
-              <a:rPr lang="en-US" i="1" dirty="0" smtClean="0"/>
-              <a:t>p </a:t>
-            </a:r>
-            <a:r>
-              <a:rPr lang="en-US" i="1" dirty="0" smtClean="0">
-                <a:sym typeface="Symbol"/>
-              </a:rPr>
-              <a:t> </a:t>
-            </a:r>
-            <a:r>
-              <a:rPr lang="en-US" i="1" dirty="0" smtClean="0"/>
-              <a:t>(0,1)</a:t>
-            </a:r>
-          </a:p>
-          <a:p>
-            <a:pPr lvl="1"/>
-            <a:r>
-              <a:rPr lang="en-US" i="1" dirty="0" smtClean="0"/>
-              <a:t>P(x</a:t>
-            </a:r>
-            <a:r>
-              <a:rPr lang="en-US" i="1" baseline="-25000" dirty="0" smtClean="0"/>
-              <a:t>n+1</a:t>
-            </a:r>
-            <a:r>
-              <a:rPr lang="en-US" i="1" dirty="0" smtClean="0"/>
-              <a:t> ≤ Q) ≥ p</a:t>
-            </a:r>
-          </a:p>
-          <a:p>
-            <a:r>
-              <a:rPr lang="en-US" dirty="0" smtClean="0"/>
-              <a:t>Cerebro uses QBETS to predict response time SLAs of the form:</a:t>
-            </a:r>
-          </a:p>
-          <a:p>
-            <a:pPr lvl="1"/>
-            <a:r>
-              <a:rPr lang="en-US" dirty="0" smtClean="0"/>
-              <a:t>Operation </a:t>
-            </a:r>
-            <a:r>
-              <a:rPr lang="en-US" i="1" dirty="0" smtClean="0"/>
-              <a:t>O</a:t>
-            </a:r>
-            <a:r>
-              <a:rPr lang="en-US" dirty="0" smtClean="0"/>
-              <a:t> responds </a:t>
-            </a:r>
-            <a:r>
-              <a:rPr lang="en-US" i="1" dirty="0" smtClean="0"/>
-              <a:t>under</a:t>
-            </a:r>
-            <a:r>
-              <a:rPr lang="en-US" dirty="0" smtClean="0"/>
-              <a:t> </a:t>
-            </a:r>
-            <a:r>
-              <a:rPr lang="en-US" i="1" dirty="0" smtClean="0"/>
-              <a:t>T</a:t>
-            </a:r>
-            <a:r>
-              <a:rPr lang="en-US" dirty="0" smtClean="0"/>
-              <a:t> milliseconds (100</a:t>
-            </a:r>
-            <a:r>
-              <a:rPr lang="en-US" i="1" dirty="0" smtClean="0"/>
-              <a:t>p)%</a:t>
-            </a:r>
-            <a:r>
-              <a:rPr lang="en-US" dirty="0" smtClean="0"/>
-              <a:t> of the time</a:t>
-            </a:r>
-            <a:endParaRPr lang="en-US" dirty="0"/>
-          </a:p>
-        </p:txBody>
-      </p:sp>
-      <p:sp>
-        <p:nvSpPr>
-          <p:cNvPr id="4" name="Slide Number Placeholder 3"/>
-          <p:cNvSpPr>
-            <a:spLocks noGrp="1"/>
-          </p:cNvSpPr>
-          <p:nvPr>
-            <p:ph type="sldNum" sz="quarter" idx="12"/>
-          </p:nvPr>
-        </p:nvSpPr>
-        <p:spPr/>
-        <p:txBody>
-          <a:bodyPr/>
-          <a:lstStyle/>
-          <a:p>
-            <a:fld id="{3336F440-0623-F948-B0BF-C3A0BAE2BBD0}" type="slidenum">
-              <a:rPr lang="en-US" smtClean="0"/>
-              <a:pPr/>
-              <a:t>53</a:t>
-            </a:fld>
-            <a:endParaRPr lang="en-US"/>
-          </a:p>
-        </p:txBody>
-      </p:sp>
-      <p:sp>
-        <p:nvSpPr>
-          <p:cNvPr id="5" name="TextBox 4"/>
-          <p:cNvSpPr txBox="1"/>
-          <p:nvPr/>
-        </p:nvSpPr>
-        <p:spPr>
-          <a:xfrm>
-            <a:off x="165100" y="6264335"/>
-            <a:ext cx="8788400" cy="562718"/>
-          </a:xfrm>
-          <a:prstGeom prst="rect">
-            <a:avLst/>
-          </a:prstGeom>
-          <a:noFill/>
-        </p:spPr>
-        <p:txBody>
-          <a:bodyPr wrap="square" rtlCol="0">
-            <a:spAutoFit/>
-          </a:bodyPr>
-          <a:lstStyle/>
-          <a:p>
-            <a:pPr>
-              <a:lnSpc>
-                <a:spcPct val="110000"/>
-              </a:lnSpc>
-            </a:pPr>
-            <a:r>
-              <a:rPr lang="en-US" sz="1400" i="1" dirty="0" smtClean="0"/>
-              <a:t>D. </a:t>
-            </a:r>
-            <a:r>
-              <a:rPr lang="en-US" sz="1400" i="1" dirty="0" err="1" smtClean="0"/>
-              <a:t>Nurmi</a:t>
-            </a:r>
-            <a:r>
-              <a:rPr lang="en-US" sz="1400" i="1" dirty="0" smtClean="0"/>
-              <a:t>, J. </a:t>
-            </a:r>
-            <a:r>
-              <a:rPr lang="en-US" sz="1400" i="1" dirty="0" err="1" smtClean="0"/>
-              <a:t>Brevik</a:t>
-            </a:r>
-            <a:r>
-              <a:rPr lang="en-US" sz="1400" i="1" dirty="0" smtClean="0"/>
-              <a:t> and R. </a:t>
-            </a:r>
-            <a:r>
-              <a:rPr lang="en-US" sz="1400" i="1" dirty="0" err="1" smtClean="0"/>
-              <a:t>Wolski</a:t>
-            </a:r>
-            <a:r>
-              <a:rPr lang="en-US" sz="1400" i="1" dirty="0" smtClean="0"/>
-              <a:t>, “QBETS: Queue Bounds Estimation from Time Series”, 2008 International Conference on Job Scheduling Strategies for Parallel Processing</a:t>
-            </a:r>
-            <a:endParaRPr lang="en-US" sz="1400" i="1" dirty="0"/>
-          </a:p>
-        </p:txBody>
-      </p:sp>
-    </p:spTree>
-    <p:extLst>
-      <p:ext uri="{BB962C8B-B14F-4D97-AF65-F5344CB8AC3E}">
-        <p14:creationId xmlns:p14="http://schemas.microsoft.com/office/powerpoint/2010/main" val="42999633"/>
-      </p:ext>
-    </p:extLst>
-  </p:cSld>
-  <p:clrMapOvr>
-    <a:masterClrMapping/>
-  </p:clrMapOvr>
-  <p:timing>
-    <p:tnLst>
-      <p:par>
-        <p:cTn xmlns:p14="http://schemas.microsoft.com/office/powerpoint/2010/main" id="1" dur="indefinite" restart="never" nodeType="tmRoot"/>
-      </p:par>
-    </p:tnLst>
-  </p:timing>
-</p:sld>
-</file>
-
-<file path=ppt/slides/slide54.xml><?xml version="1.0" encoding="utf-8"?>
-<p:sld xmlns:a="http://schemas.openxmlformats.org/drawingml/2006/main" xmlns:r="http://schemas.openxmlformats.org/officeDocument/2006/relationships" xmlns:p="http://schemas.openxmlformats.org/presentationml/2006/main">
-  <p:cSld>
-    <p:spTree>
-      <p:nvGrpSpPr>
-        <p:cNvPr id="1" name=""/>
-        <p:cNvGrpSpPr/>
-        <p:nvPr/>
-      </p:nvGrpSpPr>
-      <p:grpSpPr>
-        <a:xfrm>
-          <a:off x="0" y="0"/>
-          <a:ext cx="0" cy="0"/>
-          <a:chOff x="0" y="0"/>
-          <a:chExt cx="0" cy="0"/>
-        </a:xfrm>
-      </p:grpSpPr>
-      <p:sp>
-        <p:nvSpPr>
-          <p:cNvPr id="2" name="Title 1"/>
-          <p:cNvSpPr>
-            <a:spLocks noGrp="1"/>
-          </p:cNvSpPr>
-          <p:nvPr>
-            <p:ph type="title"/>
-          </p:nvPr>
-        </p:nvSpPr>
-        <p:spPr/>
-        <p:txBody>
-          <a:bodyPr/>
-          <a:lstStyle/>
-          <a:p>
-            <a:r>
-              <a:rPr lang="en-US" dirty="0" smtClean="0"/>
-              <a:t>Detecting SLA Invalidation</a:t>
-            </a:r>
-            <a:endParaRPr lang="en-US" dirty="0"/>
-          </a:p>
-        </p:txBody>
-      </p:sp>
-      <p:sp>
-        <p:nvSpPr>
-          <p:cNvPr id="3" name="Content Placeholder 2"/>
-          <p:cNvSpPr>
-            <a:spLocks noGrp="1"/>
-          </p:cNvSpPr>
-          <p:nvPr>
-            <p:ph idx="1"/>
-          </p:nvPr>
-        </p:nvSpPr>
-        <p:spPr/>
-        <p:txBody>
-          <a:bodyPr>
-            <a:normAutofit lnSpcReduction="10000"/>
-          </a:bodyPr>
-          <a:lstStyle/>
-          <a:p>
-            <a:r>
-              <a:rPr lang="en-US" dirty="0" smtClean="0"/>
-              <a:t>Each time Cerebro makes a prediction, it computes the current autocorrelation in the time series</a:t>
-            </a:r>
-          </a:p>
-          <a:p>
-            <a:r>
-              <a:rPr lang="en-US" dirty="0" smtClean="0"/>
-              <a:t>Autocorrelation can be used to lookup a table, and determine </a:t>
-            </a:r>
-            <a:r>
-              <a:rPr lang="en-US" i="1" dirty="0" err="1" smtClean="0"/>
-              <a:t>C</a:t>
-            </a:r>
-            <a:r>
-              <a:rPr lang="en-US" i="1" baseline="-25000" dirty="0" err="1" smtClean="0"/>
-              <a:t>w</a:t>
-            </a:r>
-            <a:r>
-              <a:rPr lang="en-US" dirty="0"/>
-              <a:t>;</a:t>
-            </a:r>
-            <a:r>
-              <a:rPr lang="en-US" dirty="0" smtClean="0"/>
-              <a:t> the number of consecutive readings greater than </a:t>
-            </a:r>
-            <a:r>
-              <a:rPr lang="en-US" i="1" dirty="0" smtClean="0"/>
-              <a:t>Q</a:t>
-            </a:r>
-            <a:r>
-              <a:rPr lang="en-US" dirty="0" smtClean="0"/>
-              <a:t>, that constitute a change point</a:t>
-            </a:r>
-          </a:p>
-          <a:p>
-            <a:r>
-              <a:rPr lang="en-US" dirty="0" smtClean="0"/>
-              <a:t>We consider the SLA to have become invalid if this change point occurs</a:t>
-            </a:r>
-          </a:p>
-          <a:p>
-            <a:endParaRPr lang="en-US" dirty="0"/>
-          </a:p>
-        </p:txBody>
-      </p:sp>
-      <p:sp>
-        <p:nvSpPr>
-          <p:cNvPr id="4" name="Slide Number Placeholder 3"/>
-          <p:cNvSpPr>
-            <a:spLocks noGrp="1"/>
-          </p:cNvSpPr>
-          <p:nvPr>
-            <p:ph type="sldNum" sz="quarter" idx="12"/>
-          </p:nvPr>
-        </p:nvSpPr>
-        <p:spPr/>
-        <p:txBody>
-          <a:bodyPr/>
-          <a:lstStyle/>
-          <a:p>
-            <a:fld id="{4940F666-E5FA-274D-B0C1-53A0010BDC84}" type="slidenum">
-              <a:rPr lang="en-US" smtClean="0"/>
-              <a:t>54</a:t>
-            </a:fld>
-            <a:endParaRPr lang="en-US"/>
-          </a:p>
-        </p:txBody>
-      </p:sp>
-    </p:spTree>
-    <p:extLst>
-      <p:ext uri="{BB962C8B-B14F-4D97-AF65-F5344CB8AC3E}">
-        <p14:creationId xmlns:p14="http://schemas.microsoft.com/office/powerpoint/2010/main" val="2159115509"/>
-      </p:ext>
-    </p:extLst>
-  </p:cSld>
-  <p:clrMapOvr>
-    <a:masterClrMapping/>
-  </p:clrMapOvr>
-  <p:timing>
-    <p:tnLst>
-      <p:par>
-        <p:cTn xmlns:p14="http://schemas.microsoft.com/office/powerpoint/2010/main" id="1" dur="indefinite" restart="never" nodeType="tmRoot"/>
-      </p:par>
-    </p:tnLst>
-  </p:timing>
-</p:sld>
-</file>
-
-<file path=ppt/slides/slide55.xml><?xml version="1.0" encoding="utf-8"?>
-<p:sld xmlns:a="http://schemas.openxmlformats.org/drawingml/2006/main" xmlns:r="http://schemas.openxmlformats.org/officeDocument/2006/relationships" xmlns:p="http://schemas.openxmlformats.org/presentationml/2006/main">
-  <p:cSld>
-    <p:spTree>
-      <p:nvGrpSpPr>
-        <p:cNvPr id="1" name=""/>
-        <p:cNvGrpSpPr/>
-        <p:nvPr/>
-      </p:nvGrpSpPr>
-      <p:grpSpPr>
-        <a:xfrm>
-          <a:off x="0" y="0"/>
-          <a:ext cx="0" cy="0"/>
-          <a:chOff x="0" y="0"/>
-          <a:chExt cx="0" cy="0"/>
-        </a:xfrm>
-      </p:grpSpPr>
-      <p:sp>
-        <p:nvSpPr>
-          <p:cNvPr id="2" name="Title 1"/>
-          <p:cNvSpPr>
-            <a:spLocks noGrp="1"/>
-          </p:cNvSpPr>
-          <p:nvPr>
-            <p:ph type="title"/>
-          </p:nvPr>
-        </p:nvSpPr>
-        <p:spPr/>
-        <p:txBody>
-          <a:bodyPr/>
-          <a:lstStyle/>
-          <a:p>
-            <a:r>
-              <a:rPr lang="en-US" dirty="0" smtClean="0"/>
-              <a:t>Evaluation: Prediction Tightness </a:t>
-            </a:r>
-            <a:endParaRPr lang="en-US" dirty="0"/>
-          </a:p>
-        </p:txBody>
-      </p:sp>
-      <p:pic>
-        <p:nvPicPr>
-          <p:cNvPr id="4" name="Content Placeholder 3" descr="diff_summary.png"/>
-          <p:cNvPicPr>
-            <a:picLocks noGrp="1" noChangeAspect="1"/>
-          </p:cNvPicPr>
-          <p:nvPr>
-            <p:ph idx="1"/>
-          </p:nvPr>
-        </p:nvPicPr>
-        <p:blipFill>
-          <a:blip r:embed="rId2">
-            <a:extLst>
-              <a:ext uri="{28A0092B-C50C-407E-A947-70E740481C1C}">
-                <a14:useLocalDpi xmlns:a14="http://schemas.microsoft.com/office/drawing/2010/main" val="0"/>
-              </a:ext>
-            </a:extLst>
-          </a:blip>
-          <a:srcRect l="-10678" r="-10678"/>
-          <a:stretch>
-            <a:fillRect/>
-          </a:stretch>
-        </p:blipFill>
-        <p:spPr>
-          <a:xfrm>
-            <a:off x="-406425" y="1283494"/>
-            <a:ext cx="9771727" cy="5374073"/>
-          </a:xfrm>
-        </p:spPr>
-      </p:pic>
-      <p:sp>
-        <p:nvSpPr>
-          <p:cNvPr id="3" name="Slide Number Placeholder 2"/>
-          <p:cNvSpPr>
-            <a:spLocks noGrp="1"/>
-          </p:cNvSpPr>
-          <p:nvPr>
-            <p:ph type="sldNum" sz="quarter" idx="12"/>
-          </p:nvPr>
-        </p:nvSpPr>
-        <p:spPr/>
-        <p:txBody>
-          <a:bodyPr/>
-          <a:lstStyle/>
-          <a:p>
-            <a:fld id="{3336F440-0623-F948-B0BF-C3A0BAE2BBD0}" type="slidenum">
-              <a:rPr lang="en-US" smtClean="0"/>
-              <a:pPr/>
-              <a:t>55</a:t>
-            </a:fld>
-            <a:endParaRPr lang="en-US"/>
-          </a:p>
-        </p:txBody>
-      </p:sp>
-    </p:spTree>
-    <p:extLst>
-      <p:ext uri="{BB962C8B-B14F-4D97-AF65-F5344CB8AC3E}">
-        <p14:creationId xmlns:p14="http://schemas.microsoft.com/office/powerpoint/2010/main" val="2358184042"/>
-      </p:ext>
-    </p:extLst>
-  </p:cSld>
-  <p:clrMapOvr>
-    <a:masterClrMapping/>
-  </p:clrMapOvr>
-  <p:timing>
-    <p:tnLst>
-      <p:par>
-        <p:cTn xmlns:p14="http://schemas.microsoft.com/office/powerpoint/2010/main" id="1" dur="indefinite" restart="never" nodeType="tmRoot"/>
-      </p:par>
-    </p:tnLst>
-  </p:timing>
-</p:sld>
-</file>
-
-<file path=ppt/slides/slide56.xml><?xml version="1.0" encoding="utf-8"?>
-<p:sld xmlns:a="http://schemas.openxmlformats.org/drawingml/2006/main" xmlns:r="http://schemas.openxmlformats.org/officeDocument/2006/relationships" xmlns:p="http://schemas.openxmlformats.org/presentationml/2006/main">
-  <p:cSld>
-    <p:spTree>
-      <p:nvGrpSpPr>
-        <p:cNvPr id="1" name=""/>
-        <p:cNvGrpSpPr/>
-        <p:nvPr/>
-      </p:nvGrpSpPr>
-      <p:grpSpPr>
-        <a:xfrm>
-          <a:off x="0" y="0"/>
-          <a:ext cx="0" cy="0"/>
-          <a:chOff x="0" y="0"/>
-          <a:chExt cx="0" cy="0"/>
-        </a:xfrm>
-      </p:grpSpPr>
-      <p:sp>
-        <p:nvSpPr>
-          <p:cNvPr id="2" name="Title 1"/>
-          <p:cNvSpPr>
-            <a:spLocks noGrp="1"/>
-          </p:cNvSpPr>
-          <p:nvPr>
-            <p:ph type="title"/>
-          </p:nvPr>
-        </p:nvSpPr>
-        <p:spPr/>
-        <p:txBody>
-          <a:bodyPr/>
-          <a:lstStyle/>
-          <a:p>
-            <a:r>
-              <a:rPr lang="en-US" dirty="0" smtClean="0"/>
-              <a:t>SLA Validity Periods (In Hours)</a:t>
+              <a:t>Validity Periods (In Hours)</a:t>
             </a:r>
             <a:endParaRPr lang="en-US" dirty="0"/>
           </a:p>
@@ -22672,7 +21590,7 @@
           <a:p>
             <a:fld id="{4940F666-E5FA-274D-B0C1-53A0010BDC84}" type="slidenum">
               <a:rPr lang="en-US" smtClean="0"/>
-              <a:t>56</a:t>
+              <a:t>50</a:t>
             </a:fld>
             <a:endParaRPr lang="en-US"/>
           </a:p>
@@ -22698,115 +21616,7 @@
 </p:sld>
 </file>
 
-<file path=ppt/slides/slide57.xml><?xml version="1.0" encoding="utf-8"?>
-<p:sld xmlns:a="http://schemas.openxmlformats.org/drawingml/2006/main" xmlns:r="http://schemas.openxmlformats.org/officeDocument/2006/relationships" xmlns:p="http://schemas.openxmlformats.org/presentationml/2006/main">
-  <p:cSld>
-    <p:spTree>
-      <p:nvGrpSpPr>
-        <p:cNvPr id="1" name=""/>
-        <p:cNvGrpSpPr/>
-        <p:nvPr/>
-      </p:nvGrpSpPr>
-      <p:grpSpPr>
-        <a:xfrm>
-          <a:off x="0" y="0"/>
-          <a:ext cx="0" cy="0"/>
-          <a:chOff x="0" y="0"/>
-          <a:chExt cx="0" cy="0"/>
-        </a:xfrm>
-      </p:grpSpPr>
-      <p:sp>
-        <p:nvSpPr>
-          <p:cNvPr id="2" name="Title 1"/>
-          <p:cNvSpPr>
-            <a:spLocks noGrp="1"/>
-          </p:cNvSpPr>
-          <p:nvPr>
-            <p:ph type="title"/>
-          </p:nvPr>
-        </p:nvSpPr>
-        <p:spPr/>
-        <p:txBody>
-          <a:bodyPr/>
-          <a:lstStyle/>
-          <a:p>
-            <a:r>
-              <a:rPr lang="en-US" dirty="0" smtClean="0"/>
-              <a:t>SLA Renewals Per User</a:t>
-            </a:r>
-            <a:endParaRPr lang="en-US" dirty="0"/>
-          </a:p>
-        </p:txBody>
-      </p:sp>
-      <p:pic>
-        <p:nvPicPr>
-          <p:cNvPr id="4" name="Content Placeholder 3" descr="renegotiation_cdf.png"/>
-          <p:cNvPicPr>
-            <a:picLocks noGrp="1" noChangeAspect="1"/>
-          </p:cNvPicPr>
-          <p:nvPr>
-            <p:ph idx="1"/>
-          </p:nvPr>
-        </p:nvPicPr>
-        <p:blipFill>
-          <a:blip r:embed="rId2">
-            <a:extLst>
-              <a:ext uri="{28A0092B-C50C-407E-A947-70E740481C1C}">
-                <a14:useLocalDpi xmlns:a14="http://schemas.microsoft.com/office/drawing/2010/main" val="0"/>
-              </a:ext>
-            </a:extLst>
-          </a:blip>
-          <a:srcRect l="-12238" r="-12238"/>
-          <a:stretch>
-            <a:fillRect/>
-          </a:stretch>
-        </p:blipFill>
-        <p:spPr/>
-      </p:pic>
-      <p:sp>
-        <p:nvSpPr>
-          <p:cNvPr id="3" name="Slide Number Placeholder 2"/>
-          <p:cNvSpPr>
-            <a:spLocks noGrp="1"/>
-          </p:cNvSpPr>
-          <p:nvPr>
-            <p:ph type="sldNum" sz="quarter" idx="12"/>
-          </p:nvPr>
-        </p:nvSpPr>
-        <p:spPr/>
-        <p:txBody>
-          <a:bodyPr/>
-          <a:lstStyle/>
-          <a:p>
-            <a:fld id="{4940F666-E5FA-274D-B0C1-53A0010BDC84}" type="slidenum">
-              <a:rPr lang="en-US" smtClean="0"/>
-              <a:t>57</a:t>
-            </a:fld>
-            <a:endParaRPr lang="en-US"/>
-          </a:p>
-        </p:txBody>
-      </p:sp>
-    </p:spTree>
-    <p:extLst>
-      <p:ext uri="{BB962C8B-B14F-4D97-AF65-F5344CB8AC3E}">
-        <p14:creationId xmlns:p14="http://schemas.microsoft.com/office/powerpoint/2010/main" val="2982331455"/>
-      </p:ext>
-    </p:extLst>
-  </p:cSld>
-  <p:clrMapOvr>
-    <a:masterClrMapping/>
-  </p:clrMapOvr>
-  <p:timing>
-    <p:tnLst>
-      <p:par>
-        <p:cTn xmlns:p14="http://schemas.microsoft.com/office/powerpoint/2010/main" id="1" dur="indefinite" restart="never" nodeType="tmRoot"/>
-      </p:par>
-    </p:tnLst>
-  </p:timing>
-</p:sld>
-</file>
-
-<file path=ppt/slides/slide58.xml><?xml version="1.0" encoding="utf-8"?>
+<file path=ppt/slides/slide51.xml><?xml version="1.0" encoding="utf-8"?>
 <p:sld xmlns:a="http://schemas.openxmlformats.org/drawingml/2006/main" xmlns:r="http://schemas.openxmlformats.org/officeDocument/2006/relationships" xmlns:p="http://schemas.openxmlformats.org/presentationml/2006/main">
   <p:cSld>
     <p:spTree>
@@ -23111,7 +21921,7 @@
           <a:p>
             <a:fld id="{D4755116-B387-CD40-9D82-4279FFF17F28}" type="slidenum">
               <a:rPr lang="en-US" smtClean="0"/>
-              <a:t>58</a:t>
+              <a:t>51</a:t>
             </a:fld>
             <a:endParaRPr lang="en-US"/>
           </a:p>
@@ -23137,7 +21947,7 @@
 </p:sld>
 </file>
 
-<file path=ppt/slides/slide59.xml><?xml version="1.0" encoding="utf-8"?>
+<file path=ppt/slides/slide52.xml><?xml version="1.0" encoding="utf-8"?>
 <p:sld xmlns:a="http://schemas.openxmlformats.org/drawingml/2006/main" xmlns:r="http://schemas.openxmlformats.org/officeDocument/2006/relationships" xmlns:p="http://schemas.openxmlformats.org/presentationml/2006/main">
   <p:cSld>
     <p:spTree>
@@ -23253,7 +22063,7 @@
           <a:p>
             <a:fld id="{D4755116-B387-CD40-9D82-4279FFF17F28}" type="slidenum">
               <a:rPr lang="en-US" smtClean="0"/>
-              <a:t>59</a:t>
+              <a:t>52</a:t>
             </a:fld>
             <a:endParaRPr lang="en-US"/>
           </a:p>
@@ -23279,421 +22089,7 @@
 </p:sld>
 </file>
 
-<file path=ppt/slides/slide6.xml><?xml version="1.0" encoding="utf-8"?>
-<p:sld xmlns:a="http://schemas.openxmlformats.org/drawingml/2006/main" xmlns:r="http://schemas.openxmlformats.org/officeDocument/2006/relationships" xmlns:p="http://schemas.openxmlformats.org/presentationml/2006/main">
-  <p:cSld>
-    <p:spTree>
-      <p:nvGrpSpPr>
-        <p:cNvPr id="1" name=""/>
-        <p:cNvGrpSpPr/>
-        <p:nvPr/>
-      </p:nvGrpSpPr>
-      <p:grpSpPr>
-        <a:xfrm>
-          <a:off x="0" y="0"/>
-          <a:ext cx="0" cy="0"/>
-          <a:chOff x="0" y="0"/>
-          <a:chExt cx="0" cy="0"/>
-        </a:xfrm>
-      </p:grpSpPr>
-      <p:sp>
-        <p:nvSpPr>
-          <p:cNvPr id="2" name="Title 1"/>
-          <p:cNvSpPr>
-            <a:spLocks noGrp="1"/>
-          </p:cNvSpPr>
-          <p:nvPr>
-            <p:ph type="title"/>
-          </p:nvPr>
-        </p:nvSpPr>
-        <p:spPr/>
-        <p:txBody>
-          <a:bodyPr>
-            <a:normAutofit fontScale="90000"/>
-          </a:bodyPr>
-          <a:lstStyle/>
-          <a:p>
-            <a:r>
-              <a:rPr lang="en-US" dirty="0" smtClean="0"/>
-              <a:t>Poor Performance Debugging Support</a:t>
-            </a:r>
-            <a:endParaRPr lang="en-US" dirty="0"/>
-          </a:p>
-        </p:txBody>
-      </p:sp>
-      <p:sp>
-        <p:nvSpPr>
-          <p:cNvPr id="3" name="Content Placeholder 2"/>
-          <p:cNvSpPr>
-            <a:spLocks noGrp="1"/>
-          </p:cNvSpPr>
-          <p:nvPr>
-            <p:ph idx="1"/>
-          </p:nvPr>
-        </p:nvSpPr>
-        <p:spPr/>
-        <p:txBody>
-          <a:bodyPr/>
-          <a:lstStyle/>
-          <a:p>
-            <a:r>
-              <a:rPr lang="en-US" dirty="0" smtClean="0"/>
-              <a:t>Rudimentary monitoring features only</a:t>
-            </a:r>
-          </a:p>
-          <a:p>
-            <a:r>
-              <a:rPr lang="en-US" dirty="0" smtClean="0"/>
-              <a:t>Spawned a new business for cloud application monitoring</a:t>
-            </a:r>
-          </a:p>
-          <a:p>
-            <a:endParaRPr lang="en-US" dirty="0" smtClean="0"/>
-          </a:p>
-          <a:p>
-            <a:endParaRPr lang="en-US" dirty="0"/>
-          </a:p>
-          <a:p>
-            <a:endParaRPr lang="en-US" dirty="0" smtClean="0"/>
-          </a:p>
-          <a:p>
-            <a:r>
-              <a:rPr lang="en-US" dirty="0" smtClean="0"/>
-              <a:t>Limited support for anomaly detection and bottleneck identification</a:t>
-            </a:r>
-            <a:endParaRPr lang="en-US" dirty="0"/>
-          </a:p>
-        </p:txBody>
-      </p:sp>
-      <p:pic>
-        <p:nvPicPr>
-          <p:cNvPr id="4" name="Picture 3" descr="NewRelic-logo-square.png"/>
-          <p:cNvPicPr>
-            <a:picLocks noChangeAspect="1"/>
-          </p:cNvPicPr>
-          <p:nvPr/>
-        </p:nvPicPr>
-        <p:blipFill>
-          <a:blip r:embed="rId2">
-            <a:extLst>
-              <a:ext uri="{28A0092B-C50C-407E-A947-70E740481C1C}">
-                <a14:useLocalDpi xmlns:a14="http://schemas.microsoft.com/office/drawing/2010/main" val="0"/>
-              </a:ext>
-            </a:extLst>
-          </a:blip>
-          <a:stretch>
-            <a:fillRect/>
-          </a:stretch>
-        </p:blipFill>
-        <p:spPr>
-          <a:xfrm>
-            <a:off x="457200" y="3447740"/>
-            <a:ext cx="1686678" cy="1368111"/>
-          </a:xfrm>
-          <a:prstGeom prst="rect">
-            <a:avLst/>
-          </a:prstGeom>
-        </p:spPr>
-      </p:pic>
-      <p:sp>
-        <p:nvSpPr>
-          <p:cNvPr id="5" name="Slide Number Placeholder 4"/>
-          <p:cNvSpPr>
-            <a:spLocks noGrp="1"/>
-          </p:cNvSpPr>
-          <p:nvPr>
-            <p:ph type="sldNum" sz="quarter" idx="12"/>
-          </p:nvPr>
-        </p:nvSpPr>
-        <p:spPr/>
-        <p:txBody>
-          <a:bodyPr/>
-          <a:lstStyle/>
-          <a:p>
-            <a:fld id="{D4755116-B387-CD40-9D82-4279FFF17F28}" type="slidenum">
-              <a:rPr lang="en-US" smtClean="0"/>
-              <a:t>6</a:t>
-            </a:fld>
-            <a:endParaRPr lang="en-US"/>
-          </a:p>
-        </p:txBody>
-      </p:sp>
-      <p:pic>
-        <p:nvPicPr>
-          <p:cNvPr id="6" name="Picture 5" descr="Datadog_Logo.png"/>
-          <p:cNvPicPr>
-            <a:picLocks noChangeAspect="1"/>
-          </p:cNvPicPr>
-          <p:nvPr/>
-        </p:nvPicPr>
-        <p:blipFill>
-          <a:blip r:embed="rId3">
-            <a:extLst>
-              <a:ext uri="{28A0092B-C50C-407E-A947-70E740481C1C}">
-                <a14:useLocalDpi xmlns:a14="http://schemas.microsoft.com/office/drawing/2010/main" val="0"/>
-              </a:ext>
-            </a:extLst>
-          </a:blip>
-          <a:stretch>
-            <a:fillRect/>
-          </a:stretch>
-        </p:blipFill>
-        <p:spPr>
-          <a:xfrm>
-            <a:off x="2602418" y="3373442"/>
-            <a:ext cx="1442409" cy="1442409"/>
-          </a:xfrm>
-          <a:prstGeom prst="rect">
-            <a:avLst/>
-          </a:prstGeom>
-        </p:spPr>
-      </p:pic>
-      <p:pic>
-        <p:nvPicPr>
-          <p:cNvPr id="7" name="Picture 6" descr="dynatrace-squarelogo-1458744847928.png"/>
-          <p:cNvPicPr>
-            <a:picLocks noChangeAspect="1"/>
-          </p:cNvPicPr>
-          <p:nvPr/>
-        </p:nvPicPr>
-        <p:blipFill>
-          <a:blip r:embed="rId4">
-            <a:extLst>
-              <a:ext uri="{28A0092B-C50C-407E-A947-70E740481C1C}">
-                <a14:useLocalDpi xmlns:a14="http://schemas.microsoft.com/office/drawing/2010/main" val="0"/>
-              </a:ext>
-            </a:extLst>
-          </a:blip>
-          <a:stretch>
-            <a:fillRect/>
-          </a:stretch>
-        </p:blipFill>
-        <p:spPr>
-          <a:xfrm>
-            <a:off x="4614460" y="3354353"/>
-            <a:ext cx="1652951" cy="1652951"/>
-          </a:xfrm>
-          <a:prstGeom prst="rect">
-            <a:avLst/>
-          </a:prstGeom>
-        </p:spPr>
-      </p:pic>
-      <p:pic>
-        <p:nvPicPr>
-          <p:cNvPr id="8" name="Picture 7" descr="sensu.png"/>
-          <p:cNvPicPr>
-            <a:picLocks noChangeAspect="1"/>
-          </p:cNvPicPr>
-          <p:nvPr/>
-        </p:nvPicPr>
-        <p:blipFill>
-          <a:blip r:embed="rId5">
-            <a:extLst>
-              <a:ext uri="{28A0092B-C50C-407E-A947-70E740481C1C}">
-                <a14:useLocalDpi xmlns:a14="http://schemas.microsoft.com/office/drawing/2010/main" val="0"/>
-              </a:ext>
-            </a:extLst>
-          </a:blip>
-          <a:stretch>
-            <a:fillRect/>
-          </a:stretch>
-        </p:blipFill>
-        <p:spPr>
-          <a:xfrm>
-            <a:off x="6934200" y="3291851"/>
-            <a:ext cx="1752600" cy="1524000"/>
-          </a:xfrm>
-          <a:prstGeom prst="rect">
-            <a:avLst/>
-          </a:prstGeom>
-        </p:spPr>
-      </p:pic>
-    </p:spTree>
-    <p:extLst>
-      <p:ext uri="{BB962C8B-B14F-4D97-AF65-F5344CB8AC3E}">
-        <p14:creationId xmlns:p14="http://schemas.microsoft.com/office/powerpoint/2010/main" val="2244944627"/>
-      </p:ext>
-    </p:extLst>
-  </p:cSld>
-  <p:clrMapOvr>
-    <a:masterClrMapping/>
-  </p:clrMapOvr>
-  <p:timing>
-    <p:tnLst>
-      <p:par>
-        <p:cTn xmlns:p14="http://schemas.microsoft.com/office/powerpoint/2010/main" id="1" dur="indefinite" restart="never" nodeType="tmRoot"/>
-      </p:par>
-    </p:tnLst>
-  </p:timing>
-</p:sld>
-</file>
-
-<file path=ppt/slides/slide60.xml><?xml version="1.0" encoding="utf-8"?>
-<p:sld xmlns:a="http://schemas.openxmlformats.org/drawingml/2006/main" xmlns:r="http://schemas.openxmlformats.org/officeDocument/2006/relationships" xmlns:p="http://schemas.openxmlformats.org/presentationml/2006/main">
-  <p:cSld>
-    <p:spTree>
-      <p:nvGrpSpPr>
-        <p:cNvPr id="1" name=""/>
-        <p:cNvGrpSpPr/>
-        <p:nvPr/>
-      </p:nvGrpSpPr>
-      <p:grpSpPr>
-        <a:xfrm>
-          <a:off x="0" y="0"/>
-          <a:ext cx="0" cy="0"/>
-          <a:chOff x="0" y="0"/>
-          <a:chExt cx="0" cy="0"/>
-        </a:xfrm>
-      </p:grpSpPr>
-      <p:sp>
-        <p:nvSpPr>
-          <p:cNvPr id="4" name="Slide Number Placeholder 3"/>
-          <p:cNvSpPr>
-            <a:spLocks noGrp="1"/>
-          </p:cNvSpPr>
-          <p:nvPr>
-            <p:ph type="sldNum" sz="quarter" idx="12"/>
-          </p:nvPr>
-        </p:nvSpPr>
-        <p:spPr/>
-        <p:txBody>
-          <a:bodyPr/>
-          <a:lstStyle/>
-          <a:p>
-            <a:fld id="{D4755116-B387-CD40-9D82-4279FFF17F28}" type="slidenum">
-              <a:rPr lang="en-US" smtClean="0"/>
-              <a:t>60</a:t>
-            </a:fld>
-            <a:endParaRPr lang="en-US"/>
-          </a:p>
-        </p:txBody>
-      </p:sp>
-      <p:grpSp>
-        <p:nvGrpSpPr>
-          <p:cNvPr id="8" name="Group 7"/>
-          <p:cNvGrpSpPr/>
-          <p:nvPr/>
-        </p:nvGrpSpPr>
-        <p:grpSpPr>
-          <a:xfrm>
-            <a:off x="0" y="0"/>
-            <a:ext cx="9144000" cy="983717"/>
-            <a:chOff x="0" y="0"/>
-            <a:chExt cx="9144000" cy="983717"/>
-          </a:xfrm>
-        </p:grpSpPr>
-        <p:sp>
-          <p:nvSpPr>
-            <p:cNvPr id="5" name="Rectangle 4"/>
-            <p:cNvSpPr/>
-            <p:nvPr/>
-          </p:nvSpPr>
-          <p:spPr>
-            <a:xfrm>
-              <a:off x="0" y="0"/>
-              <a:ext cx="9144000" cy="298851"/>
-            </a:xfrm>
-            <a:prstGeom prst="rect">
-              <a:avLst/>
-            </a:prstGeom>
-            <a:solidFill>
-              <a:srgbClr val="008000"/>
-            </a:solidFill>
-            <a:ln>
-              <a:noFill/>
-            </a:ln>
-          </p:spPr>
-          <p:style>
-            <a:lnRef idx="1">
-              <a:schemeClr val="accent1"/>
-            </a:lnRef>
-            <a:fillRef idx="3">
-              <a:schemeClr val="accent1"/>
-            </a:fillRef>
-            <a:effectRef idx="2">
-              <a:schemeClr val="accent1"/>
-            </a:effectRef>
-            <a:fontRef idx="minor">
-              <a:schemeClr val="lt1"/>
-            </a:fontRef>
-          </p:style>
-          <p:txBody>
-            <a:bodyPr rtlCol="0" anchor="ctr"/>
-            <a:lstStyle/>
-            <a:p>
-              <a:pPr algn="ctr"/>
-              <a:endParaRPr lang="en-US"/>
-            </a:p>
-          </p:txBody>
-        </p:sp>
-        <p:sp>
-          <p:nvSpPr>
-            <p:cNvPr id="6" name="Rectangle 5"/>
-            <p:cNvSpPr/>
-            <p:nvPr/>
-          </p:nvSpPr>
-          <p:spPr>
-            <a:xfrm>
-              <a:off x="0" y="298851"/>
-              <a:ext cx="286382" cy="684866"/>
-            </a:xfrm>
-            <a:prstGeom prst="rect">
-              <a:avLst/>
-            </a:prstGeom>
-            <a:solidFill>
-              <a:srgbClr val="008000"/>
-            </a:solidFill>
-            <a:ln>
-              <a:solidFill>
-                <a:srgbClr val="008000"/>
-              </a:solidFill>
-            </a:ln>
-          </p:spPr>
-          <p:style>
-            <a:lnRef idx="1">
-              <a:schemeClr val="accent1"/>
-            </a:lnRef>
-            <a:fillRef idx="3">
-              <a:schemeClr val="accent1"/>
-            </a:fillRef>
-            <a:effectRef idx="2">
-              <a:schemeClr val="accent1"/>
-            </a:effectRef>
-            <a:fontRef idx="minor">
-              <a:schemeClr val="lt1"/>
-            </a:fontRef>
-          </p:style>
-          <p:txBody>
-            <a:bodyPr rtlCol="0" anchor="ctr"/>
-            <a:lstStyle/>
-            <a:p>
-              <a:pPr algn="ctr"/>
-              <a:endParaRPr lang="en-US"/>
-            </a:p>
-          </p:txBody>
-        </p:sp>
-      </p:grpSp>
-    </p:spTree>
-    <p:extLst>
-      <p:ext uri="{BB962C8B-B14F-4D97-AF65-F5344CB8AC3E}">
-        <p14:creationId xmlns:p14="http://schemas.microsoft.com/office/powerpoint/2010/main" val="1570890922"/>
-      </p:ext>
-    </p:extLst>
-  </p:cSld>
-  <p:clrMapOvr>
-    <a:masterClrMapping/>
-  </p:clrMapOvr>
-  <p:timing>
-    <p:tnLst>
-      <p:par>
-        <p:cTn xmlns:p14="http://schemas.microsoft.com/office/powerpoint/2010/main" id="1" dur="indefinite" restart="never" nodeType="tmRoot"/>
-      </p:par>
-    </p:tnLst>
-  </p:timing>
-</p:sld>
-</file>
-
-<file path=ppt/slides/slide7.xml><?xml version="1.0" encoding="utf-8"?>
+<file path=ppt/slides/slide53.xml><?xml version="1.0" encoding="utf-8"?>
 <p:sld xmlns:a="http://schemas.openxmlformats.org/drawingml/2006/main" xmlns:r="http://schemas.openxmlformats.org/officeDocument/2006/relationships" xmlns:p="http://schemas.openxmlformats.org/presentationml/2006/main">
   <p:cSld>
     <p:spTree>
@@ -23913,7 +22309,7 @@
           <a:p>
             <a:fld id="{D4755116-B387-CD40-9D82-4279FFF17F28}" type="slidenum">
               <a:rPr lang="en-US" smtClean="0"/>
-              <a:t>7</a:t>
+              <a:t>53</a:t>
             </a:fld>
             <a:endParaRPr lang="en-US"/>
           </a:p>
@@ -23922,7 +22318,7 @@
     </p:spTree>
     <p:extLst>
       <p:ext uri="{BB962C8B-B14F-4D97-AF65-F5344CB8AC3E}">
-        <p14:creationId xmlns:p14="http://schemas.microsoft.com/office/powerpoint/2010/main" val="3706993838"/>
+        <p14:creationId xmlns:p14="http://schemas.microsoft.com/office/powerpoint/2010/main" val="3619411514"/>
       </p:ext>
     </p:extLst>
   </p:cSld>
@@ -24090,7 +22486,7 @@
 </p:sld>
 </file>
 
-<file path=ppt/slides/slide8.xml><?xml version="1.0" encoding="utf-8"?>
+<file path=ppt/slides/slide54.xml><?xml version="1.0" encoding="utf-8"?>
 <p:sld xmlns:a="http://schemas.openxmlformats.org/drawingml/2006/main" xmlns:r="http://schemas.openxmlformats.org/officeDocument/2006/relationships" xmlns:p="http://schemas.openxmlformats.org/presentationml/2006/main">
   <p:cSld>
     <p:spTree>
@@ -24119,6 +22515,279 @@
         </p:nvSpPr>
         <p:spPr/>
         <p:txBody>
+          <a:bodyPr/>
+          <a:lstStyle/>
+          <a:p>
+            <a:r>
+              <a:rPr lang="en-US" dirty="0" err="1" smtClean="0"/>
+              <a:t>Cerebro</a:t>
+            </a:r>
+            <a:r>
+              <a:rPr lang="en-US" dirty="0" smtClean="0"/>
+              <a:t> Results Summary</a:t>
+            </a:r>
+            <a:endParaRPr lang="en-US" dirty="0"/>
+          </a:p>
+        </p:txBody>
+      </p:sp>
+      <p:sp>
+        <p:nvSpPr>
+          <p:cNvPr id="3" name="Content Placeholder 2"/>
+          <p:cNvSpPr>
+            <a:spLocks noGrp="1"/>
+          </p:cNvSpPr>
+          <p:nvPr>
+            <p:ph idx="1"/>
+          </p:nvPr>
+        </p:nvSpPr>
+        <p:spPr/>
+        <p:txBody>
+          <a:bodyPr>
+            <a:normAutofit lnSpcReduction="10000"/>
+          </a:bodyPr>
+          <a:lstStyle/>
+          <a:p>
+            <a:r>
+              <a:rPr lang="en-US" dirty="0" smtClean="0"/>
+              <a:t>Prediction tightness (App Engine, </a:t>
+            </a:r>
+            <a:r>
+              <a:rPr lang="en-US" dirty="0" err="1" smtClean="0"/>
+              <a:t>AppScale</a:t>
+            </a:r>
+            <a:r>
+              <a:rPr lang="en-US" dirty="0"/>
+              <a:t>)</a:t>
+            </a:r>
+            <a:endParaRPr lang="en-US" dirty="0" smtClean="0"/>
+          </a:p>
+          <a:p>
+            <a:pPr lvl="1"/>
+            <a:r>
+              <a:rPr lang="en-US" dirty="0" smtClean="0"/>
+              <a:t>Predictions off by less than 65ms for 14/20 cases</a:t>
+            </a:r>
+          </a:p>
+          <a:p>
+            <a:pPr lvl="1"/>
+            <a:r>
+              <a:rPr lang="en-US" dirty="0" smtClean="0"/>
+              <a:t>Trades off tightness for correctness when the SDK call performance is subject to high variation</a:t>
+            </a:r>
+          </a:p>
+          <a:p>
+            <a:r>
+              <a:rPr lang="en-US" dirty="0" smtClean="0"/>
+              <a:t>Durability (App Engine)</a:t>
+            </a:r>
+          </a:p>
+          <a:p>
+            <a:pPr lvl="1"/>
+            <a:r>
+              <a:rPr lang="en-US" dirty="0" smtClean="0"/>
+              <a:t>Minimum mean validity period: 12 days</a:t>
+            </a:r>
+          </a:p>
+          <a:p>
+            <a:pPr lvl="1"/>
+            <a:r>
+              <a:rPr lang="en-US" dirty="0" smtClean="0"/>
+              <a:t>SLO changes in 3 months: 6 or less</a:t>
+            </a:r>
+          </a:p>
+          <a:p>
+            <a:r>
+              <a:rPr lang="en-US" dirty="0" smtClean="0"/>
+              <a:t>Execution time</a:t>
+            </a:r>
+          </a:p>
+          <a:p>
+            <a:pPr lvl="1"/>
+            <a:r>
+              <a:rPr lang="en-US" dirty="0" smtClean="0"/>
+              <a:t>10 seconds: with 24 hour history</a:t>
+            </a:r>
+          </a:p>
+        </p:txBody>
+      </p:sp>
+      <p:sp>
+        <p:nvSpPr>
+          <p:cNvPr id="4" name="Slide Number Placeholder 3"/>
+          <p:cNvSpPr>
+            <a:spLocks noGrp="1"/>
+          </p:cNvSpPr>
+          <p:nvPr>
+            <p:ph type="sldNum" sz="quarter" idx="12"/>
+          </p:nvPr>
+        </p:nvSpPr>
+        <p:spPr/>
+        <p:txBody>
+          <a:bodyPr/>
+          <a:lstStyle/>
+          <a:p>
+            <a:fld id="{D4755116-B387-CD40-9D82-4279FFF17F28}" type="slidenum">
+              <a:rPr lang="en-US" smtClean="0"/>
+              <a:t>54</a:t>
+            </a:fld>
+            <a:endParaRPr lang="en-US"/>
+          </a:p>
+        </p:txBody>
+      </p:sp>
+      <p:grpSp>
+        <p:nvGrpSpPr>
+          <p:cNvPr id="5" name="Group 4"/>
+          <p:cNvGrpSpPr/>
+          <p:nvPr/>
+        </p:nvGrpSpPr>
+        <p:grpSpPr>
+          <a:xfrm>
+            <a:off x="0" y="0"/>
+            <a:ext cx="9144000" cy="983717"/>
+            <a:chOff x="0" y="0"/>
+            <a:chExt cx="9144000" cy="983717"/>
+          </a:xfrm>
+          <a:solidFill>
+            <a:srgbClr val="0000FF"/>
+          </a:solidFill>
+        </p:grpSpPr>
+        <p:sp>
+          <p:nvSpPr>
+            <p:cNvPr id="6" name="Rectangle 5"/>
+            <p:cNvSpPr/>
+            <p:nvPr/>
+          </p:nvSpPr>
+          <p:spPr>
+            <a:xfrm>
+              <a:off x="0" y="0"/>
+              <a:ext cx="9144000" cy="298851"/>
+            </a:xfrm>
+            <a:prstGeom prst="rect">
+              <a:avLst/>
+            </a:prstGeom>
+            <a:grpFill/>
+            <a:ln>
+              <a:solidFill>
+                <a:srgbClr val="0000FF"/>
+              </a:solidFill>
+            </a:ln>
+          </p:spPr>
+          <p:style>
+            <a:lnRef idx="1">
+              <a:schemeClr val="accent1"/>
+            </a:lnRef>
+            <a:fillRef idx="3">
+              <a:schemeClr val="accent1"/>
+            </a:fillRef>
+            <a:effectRef idx="2">
+              <a:schemeClr val="accent1"/>
+            </a:effectRef>
+            <a:fontRef idx="minor">
+              <a:schemeClr val="lt1"/>
+            </a:fontRef>
+          </p:style>
+          <p:txBody>
+            <a:bodyPr rtlCol="0" anchor="ctr"/>
+            <a:lstStyle/>
+            <a:p>
+              <a:pPr algn="ctr"/>
+              <a:endParaRPr lang="en-US"/>
+            </a:p>
+          </p:txBody>
+        </p:sp>
+        <p:sp>
+          <p:nvSpPr>
+            <p:cNvPr id="7" name="Rectangle 6"/>
+            <p:cNvSpPr/>
+            <p:nvPr/>
+          </p:nvSpPr>
+          <p:spPr>
+            <a:xfrm>
+              <a:off x="0" y="298851"/>
+              <a:ext cx="286382" cy="684866"/>
+            </a:xfrm>
+            <a:prstGeom prst="rect">
+              <a:avLst/>
+            </a:prstGeom>
+            <a:grpFill/>
+            <a:ln>
+              <a:solidFill>
+                <a:srgbClr val="0000FF"/>
+              </a:solidFill>
+            </a:ln>
+          </p:spPr>
+          <p:style>
+            <a:lnRef idx="1">
+              <a:schemeClr val="accent1"/>
+            </a:lnRef>
+            <a:fillRef idx="3">
+              <a:schemeClr val="accent1"/>
+            </a:fillRef>
+            <a:effectRef idx="2">
+              <a:schemeClr val="accent1"/>
+            </a:effectRef>
+            <a:fontRef idx="minor">
+              <a:schemeClr val="lt1"/>
+            </a:fontRef>
+          </p:style>
+          <p:txBody>
+            <a:bodyPr rtlCol="0" anchor="ctr"/>
+            <a:lstStyle/>
+            <a:p>
+              <a:pPr algn="ctr"/>
+              <a:endParaRPr lang="en-US"/>
+            </a:p>
+          </p:txBody>
+        </p:sp>
+      </p:grpSp>
+    </p:spTree>
+    <p:extLst>
+      <p:ext uri="{BB962C8B-B14F-4D97-AF65-F5344CB8AC3E}">
+        <p14:creationId xmlns:p14="http://schemas.microsoft.com/office/powerpoint/2010/main" val="3094726568"/>
+      </p:ext>
+    </p:extLst>
+  </p:cSld>
+  <p:clrMapOvr>
+    <a:masterClrMapping/>
+  </p:clrMapOvr>
+  <p:timing>
+    <p:tnLst>
+      <p:par>
+        <p:cTn xmlns:p14="http://schemas.microsoft.com/office/powerpoint/2010/main" id="1" dur="indefinite" restart="never" nodeType="tmRoot"/>
+      </p:par>
+    </p:tnLst>
+  </p:timing>
+</p:sld>
+</file>
+
+<file path=ppt/slides/slide6.xml><?xml version="1.0" encoding="utf-8"?>
+<p:sld xmlns:a="http://schemas.openxmlformats.org/drawingml/2006/main" xmlns:r="http://schemas.openxmlformats.org/officeDocument/2006/relationships" xmlns:p="http://schemas.openxmlformats.org/presentationml/2006/main">
+  <p:cSld>
+    <p:spTree>
+      <p:nvGrpSpPr>
+        <p:cNvPr id="1" name=""/>
+        <p:cNvGrpSpPr/>
+        <p:nvPr/>
+      </p:nvGrpSpPr>
+      <p:grpSpPr>
+        <a:xfrm>
+          <a:off x="0" y="0"/>
+          <a:ext cx="0" cy="0"/>
+          <a:chOff x="0" y="0"/>
+          <a:chExt cx="0" cy="0"/>
+        </a:xfrm>
+      </p:grpSpPr>
+      <p:sp>
+        <p:nvSpPr>
+          <p:cNvPr id="2" name="Title 1"/>
+          <p:cNvSpPr>
+            <a:spLocks noGrp="1"/>
+          </p:cNvSpPr>
+          <p:nvPr>
+            <p:ph type="title"/>
+          </p:nvPr>
+        </p:nvSpPr>
+        <p:spPr/>
+        <p:txBody>
           <a:bodyPr>
             <a:normAutofit fontScale="90000"/>
           </a:bodyPr>
@@ -24126,6 +22795,255 @@
           <a:p>
             <a:r>
               <a:rPr lang="en-US" dirty="0" smtClean="0"/>
+              <a:t>Poor Performance Debugging Support</a:t>
+            </a:r>
+            <a:endParaRPr lang="en-US" dirty="0"/>
+          </a:p>
+        </p:txBody>
+      </p:sp>
+      <p:sp>
+        <p:nvSpPr>
+          <p:cNvPr id="3" name="Content Placeholder 2"/>
+          <p:cNvSpPr>
+            <a:spLocks noGrp="1"/>
+          </p:cNvSpPr>
+          <p:nvPr>
+            <p:ph idx="1"/>
+          </p:nvPr>
+        </p:nvSpPr>
+        <p:spPr/>
+        <p:txBody>
+          <a:bodyPr/>
+          <a:lstStyle/>
+          <a:p>
+            <a:r>
+              <a:rPr lang="en-US" dirty="0" smtClean="0"/>
+              <a:t>Rudimentary monitoring features only</a:t>
+            </a:r>
+          </a:p>
+          <a:p>
+            <a:r>
+              <a:rPr lang="en-US" dirty="0" smtClean="0"/>
+              <a:t>Spawned a new business for cloud application monitoring</a:t>
+            </a:r>
+          </a:p>
+          <a:p>
+            <a:endParaRPr lang="en-US" dirty="0" smtClean="0"/>
+          </a:p>
+          <a:p>
+            <a:endParaRPr lang="en-US" dirty="0"/>
+          </a:p>
+          <a:p>
+            <a:endParaRPr lang="en-US" dirty="0" smtClean="0"/>
+          </a:p>
+          <a:p>
+            <a:r>
+              <a:rPr lang="en-US" dirty="0" smtClean="0"/>
+              <a:t>Limited support for anomaly detection and bottleneck identification</a:t>
+            </a:r>
+            <a:endParaRPr lang="en-US" dirty="0"/>
+          </a:p>
+        </p:txBody>
+      </p:sp>
+      <p:pic>
+        <p:nvPicPr>
+          <p:cNvPr id="4" name="Picture 3" descr="NewRelic-logo-square.png"/>
+          <p:cNvPicPr>
+            <a:picLocks noChangeAspect="1"/>
+          </p:cNvPicPr>
+          <p:nvPr/>
+        </p:nvPicPr>
+        <p:blipFill>
+          <a:blip r:embed="rId2">
+            <a:extLst>
+              <a:ext uri="{28A0092B-C50C-407E-A947-70E740481C1C}">
+                <a14:useLocalDpi xmlns:a14="http://schemas.microsoft.com/office/drawing/2010/main" val="0"/>
+              </a:ext>
+            </a:extLst>
+          </a:blip>
+          <a:stretch>
+            <a:fillRect/>
+          </a:stretch>
+        </p:blipFill>
+        <p:spPr>
+          <a:xfrm>
+            <a:off x="457200" y="3447740"/>
+            <a:ext cx="1686678" cy="1368111"/>
+          </a:xfrm>
+          <a:prstGeom prst="rect">
+            <a:avLst/>
+          </a:prstGeom>
+        </p:spPr>
+      </p:pic>
+      <p:sp>
+        <p:nvSpPr>
+          <p:cNvPr id="5" name="Slide Number Placeholder 4"/>
+          <p:cNvSpPr>
+            <a:spLocks noGrp="1"/>
+          </p:cNvSpPr>
+          <p:nvPr>
+            <p:ph type="sldNum" sz="quarter" idx="12"/>
+          </p:nvPr>
+        </p:nvSpPr>
+        <p:spPr/>
+        <p:txBody>
+          <a:bodyPr/>
+          <a:lstStyle/>
+          <a:p>
+            <a:fld id="{D4755116-B387-CD40-9D82-4279FFF17F28}" type="slidenum">
+              <a:rPr lang="en-US" smtClean="0"/>
+              <a:t>6</a:t>
+            </a:fld>
+            <a:endParaRPr lang="en-US"/>
+          </a:p>
+        </p:txBody>
+      </p:sp>
+      <p:pic>
+        <p:nvPicPr>
+          <p:cNvPr id="6" name="Picture 5" descr="Datadog_Logo.png"/>
+          <p:cNvPicPr>
+            <a:picLocks noChangeAspect="1"/>
+          </p:cNvPicPr>
+          <p:nvPr/>
+        </p:nvPicPr>
+        <p:blipFill>
+          <a:blip r:embed="rId3">
+            <a:extLst>
+              <a:ext uri="{28A0092B-C50C-407E-A947-70E740481C1C}">
+                <a14:useLocalDpi xmlns:a14="http://schemas.microsoft.com/office/drawing/2010/main" val="0"/>
+              </a:ext>
+            </a:extLst>
+          </a:blip>
+          <a:stretch>
+            <a:fillRect/>
+          </a:stretch>
+        </p:blipFill>
+        <p:spPr>
+          <a:xfrm>
+            <a:off x="2602418" y="3373442"/>
+            <a:ext cx="1442409" cy="1442409"/>
+          </a:xfrm>
+          <a:prstGeom prst="rect">
+            <a:avLst/>
+          </a:prstGeom>
+        </p:spPr>
+      </p:pic>
+      <p:pic>
+        <p:nvPicPr>
+          <p:cNvPr id="7" name="Picture 6" descr="dynatrace-squarelogo-1458744847928.png"/>
+          <p:cNvPicPr>
+            <a:picLocks noChangeAspect="1"/>
+          </p:cNvPicPr>
+          <p:nvPr/>
+        </p:nvPicPr>
+        <p:blipFill>
+          <a:blip r:embed="rId4">
+            <a:extLst>
+              <a:ext uri="{28A0092B-C50C-407E-A947-70E740481C1C}">
+                <a14:useLocalDpi xmlns:a14="http://schemas.microsoft.com/office/drawing/2010/main" val="0"/>
+              </a:ext>
+            </a:extLst>
+          </a:blip>
+          <a:stretch>
+            <a:fillRect/>
+          </a:stretch>
+        </p:blipFill>
+        <p:spPr>
+          <a:xfrm>
+            <a:off x="4614460" y="3354353"/>
+            <a:ext cx="1652951" cy="1652951"/>
+          </a:xfrm>
+          <a:prstGeom prst="rect">
+            <a:avLst/>
+          </a:prstGeom>
+        </p:spPr>
+      </p:pic>
+      <p:pic>
+        <p:nvPicPr>
+          <p:cNvPr id="8" name="Picture 7" descr="sensu.png"/>
+          <p:cNvPicPr>
+            <a:picLocks noChangeAspect="1"/>
+          </p:cNvPicPr>
+          <p:nvPr/>
+        </p:nvPicPr>
+        <p:blipFill>
+          <a:blip r:embed="rId5">
+            <a:extLst>
+              <a:ext uri="{28A0092B-C50C-407E-A947-70E740481C1C}">
+                <a14:useLocalDpi xmlns:a14="http://schemas.microsoft.com/office/drawing/2010/main" val="0"/>
+              </a:ext>
+            </a:extLst>
+          </a:blip>
+          <a:stretch>
+            <a:fillRect/>
+          </a:stretch>
+        </p:blipFill>
+        <p:spPr>
+          <a:xfrm>
+            <a:off x="6934200" y="3291851"/>
+            <a:ext cx="1752600" cy="1524000"/>
+          </a:xfrm>
+          <a:prstGeom prst="rect">
+            <a:avLst/>
+          </a:prstGeom>
+        </p:spPr>
+      </p:pic>
+    </p:spTree>
+    <p:extLst>
+      <p:ext uri="{BB962C8B-B14F-4D97-AF65-F5344CB8AC3E}">
+        <p14:creationId xmlns:p14="http://schemas.microsoft.com/office/powerpoint/2010/main" val="2244944627"/>
+      </p:ext>
+    </p:extLst>
+  </p:cSld>
+  <p:clrMapOvr>
+    <a:masterClrMapping/>
+  </p:clrMapOvr>
+  <p:timing>
+    <p:tnLst>
+      <p:par>
+        <p:cTn xmlns:p14="http://schemas.microsoft.com/office/powerpoint/2010/main" id="1" dur="indefinite" restart="never" nodeType="tmRoot"/>
+      </p:par>
+    </p:tnLst>
+  </p:timing>
+</p:sld>
+</file>
+
+<file path=ppt/slides/slide7.xml><?xml version="1.0" encoding="utf-8"?>
+<p:sld xmlns:a="http://schemas.openxmlformats.org/drawingml/2006/main" xmlns:r="http://schemas.openxmlformats.org/officeDocument/2006/relationships" xmlns:p="http://schemas.openxmlformats.org/presentationml/2006/main">
+  <p:cSld>
+    <p:spTree>
+      <p:nvGrpSpPr>
+        <p:cNvPr id="1" name=""/>
+        <p:cNvGrpSpPr/>
+        <p:nvPr/>
+      </p:nvGrpSpPr>
+      <p:grpSpPr>
+        <a:xfrm>
+          <a:off x="0" y="0"/>
+          <a:ext cx="0" cy="0"/>
+          <a:chOff x="0" y="0"/>
+          <a:chExt cx="0" cy="0"/>
+        </a:xfrm>
+      </p:grpSpPr>
+      <p:sp>
+        <p:nvSpPr>
+          <p:cNvPr id="2" name="Title 1"/>
+          <p:cNvSpPr>
+            <a:spLocks noGrp="1"/>
+          </p:cNvSpPr>
+          <p:nvPr>
+            <p:ph type="title"/>
+          </p:nvPr>
+        </p:nvSpPr>
+        <p:spPr/>
+        <p:txBody>
+          <a:bodyPr>
+            <a:normAutofit fontScale="90000"/>
+          </a:bodyPr>
+          <a:lstStyle/>
+          <a:p>
+            <a:r>
+              <a:rPr lang="en-US" dirty="0" smtClean="0"/>
               <a:t>Governance for Cloud-hosted Web Applications</a:t>
             </a:r>
             <a:endParaRPr lang="en-US" dirty="0"/>
@@ -24207,7 +23125,7 @@
           <a:p>
             <a:fld id="{D4755116-B387-CD40-9D82-4279FFF17F28}" type="slidenum">
               <a:rPr lang="en-US" smtClean="0"/>
-              <a:t>8</a:t>
+              <a:t>7</a:t>
             </a:fld>
             <a:endParaRPr lang="en-US"/>
           </a:p>
@@ -24543,6 +23461,137 @@
 </p:sld>
 </file>
 
+<file path=ppt/slides/slide8.xml><?xml version="1.0" encoding="utf-8"?>
+<p:sld xmlns:a="http://schemas.openxmlformats.org/drawingml/2006/main" xmlns:r="http://schemas.openxmlformats.org/officeDocument/2006/relationships" xmlns:p="http://schemas.openxmlformats.org/presentationml/2006/main">
+  <p:cSld>
+    <p:spTree>
+      <p:nvGrpSpPr>
+        <p:cNvPr id="1" name=""/>
+        <p:cNvGrpSpPr/>
+        <p:nvPr/>
+      </p:nvGrpSpPr>
+      <p:grpSpPr>
+        <a:xfrm>
+          <a:off x="0" y="0"/>
+          <a:ext cx="0" cy="0"/>
+          <a:chOff x="0" y="0"/>
+          <a:chExt cx="0" cy="0"/>
+        </a:xfrm>
+      </p:grpSpPr>
+      <p:sp>
+        <p:nvSpPr>
+          <p:cNvPr id="2" name="Title 1"/>
+          <p:cNvSpPr>
+            <a:spLocks noGrp="1"/>
+          </p:cNvSpPr>
+          <p:nvPr>
+            <p:ph type="title"/>
+          </p:nvPr>
+        </p:nvSpPr>
+        <p:spPr/>
+        <p:txBody>
+          <a:bodyPr/>
+          <a:lstStyle/>
+          <a:p>
+            <a:r>
+              <a:rPr lang="en-US" dirty="0" smtClean="0"/>
+              <a:t>Thesis Question</a:t>
+            </a:r>
+            <a:endParaRPr lang="en-US" dirty="0"/>
+          </a:p>
+        </p:txBody>
+      </p:sp>
+      <p:sp>
+        <p:nvSpPr>
+          <p:cNvPr id="3" name="Content Placeholder 2"/>
+          <p:cNvSpPr>
+            <a:spLocks noGrp="1"/>
+          </p:cNvSpPr>
+          <p:nvPr>
+            <p:ph idx="1"/>
+          </p:nvPr>
+        </p:nvSpPr>
+        <p:spPr/>
+        <p:txBody>
+          <a:bodyPr>
+            <a:normAutofit/>
+          </a:bodyPr>
+          <a:lstStyle/>
+          <a:p>
+            <a:r>
+              <a:rPr lang="en-US" dirty="0"/>
+              <a:t>Can we efficiently enforce </a:t>
+            </a:r>
+            <a:r>
+              <a:rPr lang="en-US" b="1" dirty="0"/>
+              <a:t>governance</a:t>
+            </a:r>
+            <a:r>
+              <a:rPr lang="en-US" dirty="0"/>
+              <a:t> for cloud-hosted web applications to achieve administrative conformance, </a:t>
+            </a:r>
+            <a:r>
+              <a:rPr lang="en-US" dirty="0" smtClean="0"/>
+              <a:t>developer </a:t>
+            </a:r>
+            <a:r>
+              <a:rPr lang="en-US" dirty="0"/>
+              <a:t>best practices, and performance SLOs through automated analysis and </a:t>
+            </a:r>
+            <a:r>
+              <a:rPr lang="en-US" dirty="0" smtClean="0"/>
+              <a:t>diagnostics</a:t>
+            </a:r>
+            <a:r>
+              <a:rPr lang="en-US" dirty="0"/>
+              <a:t>? </a:t>
+            </a:r>
+          </a:p>
+        </p:txBody>
+      </p:sp>
+      <p:sp>
+        <p:nvSpPr>
+          <p:cNvPr id="4" name="Slide Number Placeholder 3"/>
+          <p:cNvSpPr>
+            <a:spLocks noGrp="1"/>
+          </p:cNvSpPr>
+          <p:nvPr>
+            <p:ph type="sldNum" sz="quarter" idx="12"/>
+          </p:nvPr>
+        </p:nvSpPr>
+        <p:spPr/>
+        <p:txBody>
+          <a:bodyPr/>
+          <a:lstStyle/>
+          <a:p>
+            <a:fld id="{D4755116-B387-CD40-9D82-4279FFF17F28}" type="slidenum">
+              <a:rPr lang="en-US" smtClean="0"/>
+              <a:t>8</a:t>
+            </a:fld>
+            <a:endParaRPr lang="en-US"/>
+          </a:p>
+        </p:txBody>
+      </p:sp>
+    </p:spTree>
+    <p:extLst>
+      <p:ext uri="{BB962C8B-B14F-4D97-AF65-F5344CB8AC3E}">
+        <p14:creationId xmlns:p14="http://schemas.microsoft.com/office/powerpoint/2010/main" val="4269969608"/>
+      </p:ext>
+    </p:extLst>
+  </p:cSld>
+  <p:clrMapOvr>
+    <a:masterClrMapping/>
+  </p:clrMapOvr>
+  <p:timing>
+    <p:tnLst>
+      <p:par>
+        <p:cTn xmlns:p14="http://schemas.microsoft.com/office/powerpoint/2010/main" id="1" dur="indefinite" restart="never" nodeType="tmRoot"/>
+      </p:par>
+    </p:tnLst>
+  </p:timing>
+</p:sld>
+</file>
+
 <file path=ppt/slides/slide9.xml><?xml version="1.0" encoding="utf-8"?>
 <p:sld xmlns:a="http://schemas.openxmlformats.org/drawingml/2006/main" xmlns:r="http://schemas.openxmlformats.org/officeDocument/2006/relationships" xmlns:p="http://schemas.openxmlformats.org/presentationml/2006/main">
   <p:cSld>
@@ -24577,7 +23626,7 @@
           <a:p>
             <a:r>
               <a:rPr lang="en-US" dirty="0" smtClean="0"/>
-              <a:t>Thesis Question</a:t>
+              <a:t>Research Contributions</a:t>
             </a:r>
             <a:endParaRPr lang="en-US" dirty="0"/>
           </a:p>
@@ -24595,39 +23644,28 @@
         </p:nvSpPr>
         <p:spPr/>
         <p:txBody>
-          <a:bodyPr>
-            <a:normAutofit/>
-          </a:bodyPr>
-          <a:lstStyle/>
-          <a:p>
-            <a:r>
-              <a:rPr lang="en-US" dirty="0"/>
-              <a:t>Can we efficiently enforce </a:t>
-            </a:r>
-            <a:r>
-              <a:rPr lang="en-US" b="1" dirty="0"/>
-              <a:t>governance</a:t>
-            </a:r>
-            <a:r>
-              <a:rPr lang="en-US" dirty="0"/>
-              <a:t> for cloud-hosted web applications to achieve administrative conformance, </a:t>
-            </a:r>
+          <a:bodyPr/>
+          <a:lstStyle/>
+          <a:p>
             <a:r>
               <a:rPr lang="en-US" dirty="0" smtClean="0"/>
-              <a:t>developer </a:t>
-            </a:r>
-            <a:r>
-              <a:rPr lang="en-US" dirty="0"/>
-              <a:t>best practices, and performance SLOs through automated analysis and </a:t>
-            </a:r>
+              <a:t>Low-overhead governance framework for cloud platforms that enforces best practices via policies</a:t>
+            </a:r>
+          </a:p>
+          <a:p>
             <a:r>
               <a:rPr lang="en-US" dirty="0" smtClean="0"/>
-              <a:t>diagnostics</a:t>
-            </a:r>
-            <a:r>
-              <a:rPr lang="en-US" dirty="0"/>
-              <a:t>? </a:t>
-            </a:r>
+              <a:t>Methodology for automatically stipulating performance SLOs for cloud applications</a:t>
+            </a:r>
+          </a:p>
+          <a:p>
+            <a:r>
+              <a:rPr lang="en-US" dirty="0" smtClean="0"/>
+              <a:t>Monitoring framework for detecting performance SLO violations, and diagnosing root causes</a:t>
+            </a:r>
+          </a:p>
+          <a:p>
+            <a:endParaRPr lang="en-US" dirty="0"/>
           </a:p>
         </p:txBody>
       </p:sp>
@@ -24654,10 +23692,148 @@
           </a:p>
         </p:txBody>
       </p:sp>
+      <p:sp>
+        <p:nvSpPr>
+          <p:cNvPr id="5" name="Rectangle 4"/>
+          <p:cNvSpPr/>
+          <p:nvPr/>
+        </p:nvSpPr>
+        <p:spPr>
+          <a:xfrm rot="16200000">
+            <a:off x="-476708" y="2328543"/>
+            <a:ext cx="1469349" cy="398467"/>
+          </a:xfrm>
+          <a:prstGeom prst="rect">
+            <a:avLst/>
+          </a:prstGeom>
+          <a:solidFill>
+            <a:srgbClr val="FF0000"/>
+          </a:solidFill>
+          <a:ln>
+            <a:solidFill>
+              <a:srgbClr val="FF0000"/>
+            </a:solidFill>
+          </a:ln>
+        </p:spPr>
+        <p:style>
+          <a:lnRef idx="1">
+            <a:schemeClr val="accent1"/>
+          </a:lnRef>
+          <a:fillRef idx="3">
+            <a:schemeClr val="accent1"/>
+          </a:fillRef>
+          <a:effectRef idx="2">
+            <a:schemeClr val="accent1"/>
+          </a:effectRef>
+          <a:fontRef idx="minor">
+            <a:schemeClr val="lt1"/>
+          </a:fontRef>
+        </p:style>
+        <p:txBody>
+          <a:bodyPr rtlCol="0" anchor="ctr"/>
+          <a:lstStyle/>
+          <a:p>
+            <a:pPr algn="ctr"/>
+            <a:endParaRPr lang="en-US" dirty="0"/>
+          </a:p>
+        </p:txBody>
+      </p:sp>
+      <p:sp>
+        <p:nvSpPr>
+          <p:cNvPr id="6" name="Rectangle 5"/>
+          <p:cNvSpPr/>
+          <p:nvPr/>
+        </p:nvSpPr>
+        <p:spPr>
+          <a:xfrm rot="16200000">
+            <a:off x="-333448" y="3654633"/>
+            <a:ext cx="1182829" cy="398467"/>
+          </a:xfrm>
+          <a:prstGeom prst="rect">
+            <a:avLst/>
+          </a:prstGeom>
+          <a:solidFill>
+            <a:srgbClr val="0000FF"/>
+          </a:solidFill>
+          <a:ln>
+            <a:solidFill>
+              <a:srgbClr val="0000FF"/>
+            </a:solidFill>
+          </a:ln>
+        </p:spPr>
+        <p:style>
+          <a:lnRef idx="1">
+            <a:schemeClr val="accent1"/>
+          </a:lnRef>
+          <a:fillRef idx="3">
+            <a:schemeClr val="accent1"/>
+          </a:fillRef>
+          <a:effectRef idx="2">
+            <a:schemeClr val="accent1"/>
+          </a:effectRef>
+          <a:fontRef idx="minor">
+            <a:schemeClr val="lt1"/>
+          </a:fontRef>
+        </p:style>
+        <p:txBody>
+          <a:bodyPr rtlCol="0" anchor="ctr"/>
+          <a:lstStyle/>
+          <a:p>
+            <a:pPr algn="ctr"/>
+            <a:endParaRPr lang="en-US" dirty="0"/>
+          </a:p>
+        </p:txBody>
+      </p:sp>
+      <p:sp>
+        <p:nvSpPr>
+          <p:cNvPr id="7" name="Rectangle 6"/>
+          <p:cNvSpPr/>
+          <p:nvPr/>
+        </p:nvSpPr>
+        <p:spPr>
+          <a:xfrm rot="16200000">
+            <a:off x="-358474" y="4862488"/>
+            <a:ext cx="1232881" cy="398467"/>
+          </a:xfrm>
+          <a:prstGeom prst="rect">
+            <a:avLst/>
+          </a:prstGeom>
+          <a:solidFill>
+            <a:srgbClr val="008000"/>
+          </a:solidFill>
+          <a:ln>
+            <a:solidFill>
+              <a:srgbClr val="008000"/>
+            </a:solidFill>
+          </a:ln>
+        </p:spPr>
+        <p:style>
+          <a:lnRef idx="1">
+            <a:schemeClr val="accent1"/>
+          </a:lnRef>
+          <a:fillRef idx="3">
+            <a:schemeClr val="accent1"/>
+          </a:fillRef>
+          <a:effectRef idx="2">
+            <a:schemeClr val="accent1"/>
+          </a:effectRef>
+          <a:fontRef idx="minor">
+            <a:schemeClr val="lt1"/>
+          </a:fontRef>
+        </p:style>
+        <p:txBody>
+          <a:bodyPr rtlCol="0" anchor="ctr"/>
+          <a:lstStyle/>
+          <a:p>
+            <a:pPr algn="ctr"/>
+            <a:endParaRPr lang="en-US" dirty="0"/>
+          </a:p>
+        </p:txBody>
+      </p:sp>
     </p:spTree>
     <p:extLst>
       <p:ext uri="{BB962C8B-B14F-4D97-AF65-F5344CB8AC3E}">
-        <p14:creationId xmlns:p14="http://schemas.microsoft.com/office/powerpoint/2010/main" val="4269969608"/>
+        <p14:creationId xmlns:p14="http://schemas.microsoft.com/office/powerpoint/2010/main" val="1873072985"/>
       </p:ext>
     </p:extLst>
   </p:cSld>

--- a/Eager/paper/dissertation/dissertation.pptx
+++ b/Eager/paper/dissertation/dissertation.pptx
@@ -320,7 +320,7 @@
           <a:p>
             <a:fld id="{37D14F8C-9F46-2E42-9999-888BFBC492E3}" type="datetimeFigureOut">
               <a:rPr lang="en-US" smtClean="0"/>
-              <a:t>11/22/16</a:t>
+              <a:t>11/25/16</a:t>
             </a:fld>
             <a:endParaRPr lang="en-US"/>
           </a:p>
@@ -486,7 +486,7 @@
           <a:p>
             <a:fld id="{C6B377BD-EE2D-6A4D-8791-40EA342A78BF}" type="datetimeFigureOut">
               <a:rPr lang="en-US" smtClean="0"/>
-              <a:t>11/22/16</a:t>
+              <a:t>11/25/16</a:t>
             </a:fld>
             <a:endParaRPr lang="en-US"/>
           </a:p>
@@ -2712,7 +2712,7 @@
           <a:p>
             <a:fld id="{8EE520D6-1199-3C41-9A6A-AA3E2C6DD588}" type="datetime1">
               <a:rPr lang="en-US" smtClean="0"/>
-              <a:t>11/22/16</a:t>
+              <a:t>11/25/16</a:t>
             </a:fld>
             <a:endParaRPr lang="en-US"/>
           </a:p>
@@ -2882,7 +2882,7 @@
           <a:p>
             <a:fld id="{6DE2AD85-55B3-6D40-8E45-4897033CE78D}" type="datetime1">
               <a:rPr lang="en-US" smtClean="0"/>
-              <a:t>11/22/16</a:t>
+              <a:t>11/25/16</a:t>
             </a:fld>
             <a:endParaRPr lang="en-US"/>
           </a:p>
@@ -3062,7 +3062,7 @@
           <a:p>
             <a:fld id="{9B6E2D90-BDC5-EC4E-97C9-9EBA924F9C2A}" type="datetime1">
               <a:rPr lang="en-US" smtClean="0"/>
-              <a:t>11/22/16</a:t>
+              <a:t>11/25/16</a:t>
             </a:fld>
             <a:endParaRPr lang="en-US"/>
           </a:p>
@@ -3232,7 +3232,7 @@
           <a:p>
             <a:fld id="{3C02FE2B-B967-F44C-97BF-619FFF540275}" type="datetime1">
               <a:rPr lang="en-US" smtClean="0"/>
-              <a:t>11/22/16</a:t>
+              <a:t>11/25/16</a:t>
             </a:fld>
             <a:endParaRPr lang="en-US"/>
           </a:p>
@@ -3478,7 +3478,7 @@
           <a:p>
             <a:fld id="{2E0BEB10-3E92-1544-85E8-C96C20A337CE}" type="datetime1">
               <a:rPr lang="en-US" smtClean="0"/>
-              <a:t>11/22/16</a:t>
+              <a:t>11/25/16</a:t>
             </a:fld>
             <a:endParaRPr lang="en-US"/>
           </a:p>
@@ -3766,7 +3766,7 @@
           <a:p>
             <a:fld id="{475FB051-8E54-8E49-8432-E38A630FF054}" type="datetime1">
               <a:rPr lang="en-US" smtClean="0"/>
-              <a:t>11/22/16</a:t>
+              <a:t>11/25/16</a:t>
             </a:fld>
             <a:endParaRPr lang="en-US"/>
           </a:p>
@@ -4188,7 +4188,7 @@
           <a:p>
             <a:fld id="{8BA679C2-08DD-074B-9C48-B348A1DFA775}" type="datetime1">
               <a:rPr lang="en-US" smtClean="0"/>
-              <a:t>11/22/16</a:t>
+              <a:t>11/25/16</a:t>
             </a:fld>
             <a:endParaRPr lang="en-US"/>
           </a:p>
@@ -4306,7 +4306,7 @@
           <a:p>
             <a:fld id="{FD8F829F-F712-8745-AC98-41D32B363003}" type="datetime1">
               <a:rPr lang="en-US" smtClean="0"/>
-              <a:t>11/22/16</a:t>
+              <a:t>11/25/16</a:t>
             </a:fld>
             <a:endParaRPr lang="en-US"/>
           </a:p>
@@ -4401,7 +4401,7 @@
           <a:p>
             <a:fld id="{B7766C51-9295-BA4E-9CC5-B913E9ED7975}" type="datetime1">
               <a:rPr lang="en-US" smtClean="0"/>
-              <a:t>11/22/16</a:t>
+              <a:t>11/25/16</a:t>
             </a:fld>
             <a:endParaRPr lang="en-US"/>
           </a:p>
@@ -4678,7 +4678,7 @@
           <a:p>
             <a:fld id="{DCC74353-384D-7548-8376-5A6CDDA54B35}" type="datetime1">
               <a:rPr lang="en-US" smtClean="0"/>
-              <a:t>11/22/16</a:t>
+              <a:t>11/25/16</a:t>
             </a:fld>
             <a:endParaRPr lang="en-US"/>
           </a:p>
@@ -4931,7 +4931,7 @@
           <a:p>
             <a:fld id="{912E0EE9-0FD5-A04C-8EF0-F3BFD9ED0CEF}" type="datetime1">
               <a:rPr lang="en-US" smtClean="0"/>
-              <a:t>11/22/16</a:t>
+              <a:t>11/25/16</a:t>
             </a:fld>
             <a:endParaRPr lang="en-US"/>
           </a:p>
@@ -5144,7 +5144,7 @@
           <a:p>
             <a:fld id="{E05DCBF9-A63F-9B48-BC2B-98F6B05BC7B3}" type="datetime1">
               <a:rPr lang="en-US" smtClean="0"/>
-              <a:t>11/22/16</a:t>
+              <a:t>11/25/16</a:t>
             </a:fld>
             <a:endParaRPr lang="en-US"/>
           </a:p>
@@ -5574,11 +5574,7 @@
           <a:p>
             <a:r>
               <a:rPr lang="en-US" sz="2800" dirty="0" smtClean="0"/>
-              <a:t>Dissertation by Hiranya </a:t>
-            </a:r>
-            <a:r>
-              <a:rPr lang="en-US" sz="2800" dirty="0" smtClean="0"/>
-              <a:t>Jayathilaka</a:t>
+              <a:t>Dissertation by Hiranya Jayathilaka</a:t>
             </a:r>
           </a:p>
           <a:p>
@@ -5586,7 +5582,6 @@
               <a:rPr lang="en-US" sz="2000" dirty="0" smtClean="0"/>
               <a:t>12/02/2016</a:t>
             </a:r>
-            <a:endParaRPr lang="en-US" sz="2000" dirty="0" smtClean="0"/>
           </a:p>
           <a:p>
             <a:endParaRPr lang="en-US" dirty="0" smtClean="0"/>
@@ -12951,26 +12946,14 @@
             <a:pPr lvl="1"/>
             <a:r>
               <a:rPr lang="en-US" dirty="0" smtClean="0"/>
-              <a:t>Detect </a:t>
-            </a:r>
+              <a:t>Detect change points (level shifts) in workload</a:t>
+            </a:r>
+          </a:p>
+          <a:p>
+            <a:pPr lvl="1"/>
             <a:r>
               <a:rPr lang="en-US" dirty="0" smtClean="0"/>
-              <a:t>change points (level shifts) in </a:t>
-            </a:r>
-            <a:r>
-              <a:rPr lang="en-US" dirty="0" smtClean="0"/>
-              <a:t>workload</a:t>
-            </a:r>
-          </a:p>
-          <a:p>
-            <a:pPr lvl="1"/>
-            <a:r>
-              <a:rPr lang="en-US" dirty="0" smtClean="0"/>
-              <a:t>Sudden </a:t>
-            </a:r>
-            <a:r>
-              <a:rPr lang="en-US" dirty="0" smtClean="0"/>
-              <a:t>increases in workload that precede a detected SLO violation</a:t>
+              <a:t>Sudden increases in workload that precede a detected SLO violation</a:t>
             </a:r>
           </a:p>
           <a:p>
@@ -15206,11 +15189,7 @@
             </a:r>
             <a:r>
               <a:rPr lang="en-US" dirty="0" smtClean="0"/>
-              <a:t> </a:t>
-            </a:r>
-            <a:r>
-              <a:rPr lang="en-US" dirty="0" smtClean="0"/>
-              <a:t>Analysis</a:t>
+              <a:t> Analysis</a:t>
             </a:r>
             <a:endParaRPr lang="en-US" dirty="0"/>
           </a:p>
@@ -17476,11 +17455,7 @@
           <a:p>
             <a:r>
               <a:rPr lang="en-US" dirty="0" smtClean="0"/>
-              <a:t>Roots </a:t>
-            </a:r>
-            <a:r>
-              <a:rPr lang="en-US" dirty="0" smtClean="0"/>
-              <a:t>Performance Impact</a:t>
+              <a:t>Roots Performance Impact</a:t>
             </a:r>
             <a:endParaRPr lang="en-US" dirty="0"/>
           </a:p>
@@ -19191,7 +19166,11 @@
             <a:pPr algn="ctr"/>
             <a:r>
               <a:rPr lang="en-US" dirty="0" smtClean="0"/>
-              <a:t>Poorly written and packaged code</a:t>
+              <a:t>Poorly </a:t>
+            </a:r>
+            <a:r>
+              <a:rPr lang="en-US" dirty="0" smtClean="0"/>
+              <a:t>implemented application</a:t>
             </a:r>
             <a:endParaRPr lang="en-US" dirty="0"/>
           </a:p>
